--- a/11/slides.pptx
+++ b/11/slides.pptx
@@ -5,10 +5,10 @@
     <p:sldMasterId id="2147483648" r:id="rId1"/>
   </p:sldMasterIdLst>
   <p:notesMasterIdLst>
-    <p:notesMasterId r:id="rId20"/>
+    <p:notesMasterId r:id="rId39"/>
   </p:notesMasterIdLst>
   <p:handoutMasterIdLst>
-    <p:handoutMasterId r:id="rId21"/>
+    <p:handoutMasterId r:id="rId40"/>
   </p:handoutMasterIdLst>
   <p:sldIdLst>
     <p:sldId id="256" r:id="rId3"/>
@@ -24,10 +24,29 @@
     <p:sldId id="265" r:id="rId13"/>
     <p:sldId id="266" r:id="rId14"/>
     <p:sldId id="267" r:id="rId15"/>
-    <p:sldId id="268" r:id="rId16"/>
-    <p:sldId id="269" r:id="rId17"/>
-    <p:sldId id="271" r:id="rId18"/>
-    <p:sldId id="272" r:id="rId19"/>
+    <p:sldId id="269" r:id="rId16"/>
+    <p:sldId id="268" r:id="rId17"/>
+    <p:sldId id="297" r:id="rId18"/>
+    <p:sldId id="271" r:id="rId19"/>
+    <p:sldId id="287" r:id="rId20"/>
+    <p:sldId id="288" r:id="rId21"/>
+    <p:sldId id="289" r:id="rId22"/>
+    <p:sldId id="290" r:id="rId23"/>
+    <p:sldId id="291" r:id="rId24"/>
+    <p:sldId id="292" r:id="rId25"/>
+    <p:sldId id="293" r:id="rId26"/>
+    <p:sldId id="294" r:id="rId27"/>
+    <p:sldId id="295" r:id="rId28"/>
+    <p:sldId id="298" r:id="rId29"/>
+    <p:sldId id="296" r:id="rId30"/>
+    <p:sldId id="299" r:id="rId31"/>
+    <p:sldId id="300" r:id="rId32"/>
+    <p:sldId id="301" r:id="rId33"/>
+    <p:sldId id="302" r:id="rId34"/>
+    <p:sldId id="303" r:id="rId35"/>
+    <p:sldId id="304" r:id="rId36"/>
+    <p:sldId id="305" r:id="rId37"/>
+    <p:sldId id="306" r:id="rId38"/>
   </p:sldIdLst>
   <p:sldSz cx="12192000" cy="6858000"/>
   <p:notesSz cx="7103745" cy="10234295"/>
@@ -3990,24 +4009,32 @@
           <a:bodyPr/>
           <a:p>
             <a:r>
+              <a:rPr lang="zh-CN" altLang="en-US">
+                <a:sym typeface="+mn-ea"/>
+              </a:rPr>
+              <a:t>大可不必！用</a:t>
+            </a:r>
+            <a:r>
+              <a:rPr lang="en-US" altLang="zh-CN">
+                <a:sym typeface="+mn-ea"/>
+              </a:rPr>
+              <a:t> </a:t>
+            </a:r>
+            <a:r>
+              <a:rPr lang="en-US" altLang="zh-CN"/>
+              <a:t>aux_source_directory</a:t>
+            </a:r>
+            <a:r>
               <a:rPr lang="zh-CN" altLang="en-US"/>
-              <a:t>大可不必！</a:t>
-            </a:r>
-            <a:r>
-              <a:rPr lang="en-US" altLang="zh-CN"/>
-              <a:t>GLOB_RECURSE </a:t>
-            </a:r>
-            <a:r>
-              <a:rPr lang="zh-CN" altLang="en-US"/>
-              <a:t>了解一下！能自动搜索子文件夹下的文件</a:t>
-            </a:r>
-            <a:endParaRPr lang="en-US" altLang="zh-CN"/>
+              <a:t>，自动搜集需要的文件后缀名</a:t>
+            </a:r>
+            <a:endParaRPr lang="zh-CN" altLang="en-US"/>
           </a:p>
         </p:txBody>
       </p:sp>
       <p:pic>
         <p:nvPicPr>
-          <p:cNvPr id="3" name="Content Placeholder 2"/>
+          <p:cNvPr id="7" name="Content Placeholder 6"/>
           <p:cNvPicPr>
             <a:picLocks noChangeAspect="1"/>
           </p:cNvPicPr>
@@ -4023,8 +4050,8 @@
         </p:blipFill>
         <p:spPr>
           <a:xfrm>
-            <a:off x="2852420" y="3510280"/>
-            <a:ext cx="6105525" cy="981075"/>
+            <a:off x="3573145" y="3383280"/>
+            <a:ext cx="4663440" cy="1235710"/>
           </a:xfrm>
           <a:prstGeom prst="rect">
             <a:avLst/>
@@ -4064,16 +4091,16 @@
           <a:bodyPr/>
           <a:p>
             <a:r>
-              <a:rPr lang="zh-CN"/>
-              <a:t>不推荐</a:t>
+              <a:rPr lang="zh-CN" altLang="en-US"/>
+              <a:t>进一步：</a:t>
             </a:r>
             <a:r>
               <a:rPr lang="en-US" altLang="zh-CN"/>
-              <a:t> aux_source_directory</a:t>
+              <a:t>GLOB_RECURSE </a:t>
             </a:r>
             <a:r>
               <a:rPr lang="zh-CN" altLang="en-US"/>
-              <a:t>：他不能自动搜索子文件夹下的文件</a:t>
+              <a:t>了解一下！能自动搜索子文件夹下的文件</a:t>
             </a:r>
             <a:endParaRPr lang="en-US" altLang="zh-CN"/>
           </a:p>
@@ -4081,7 +4108,7 @@
       </p:sp>
       <p:pic>
         <p:nvPicPr>
-          <p:cNvPr id="7" name="Content Placeholder 6"/>
+          <p:cNvPr id="3" name="Content Placeholder 2"/>
           <p:cNvPicPr>
             <a:picLocks noChangeAspect="1"/>
           </p:cNvPicPr>
@@ -4097,8 +4124,8 @@
         </p:blipFill>
         <p:spPr>
           <a:xfrm>
-            <a:off x="3573145" y="3383280"/>
-            <a:ext cx="4663440" cy="1235710"/>
+            <a:off x="2852420" y="3510280"/>
+            <a:ext cx="6105525" cy="981075"/>
           </a:xfrm>
           <a:prstGeom prst="rect">
             <a:avLst/>
@@ -4125,7 +4152,7 @@
       <p:grpSpPr/>
       <p:sp>
         <p:nvSpPr>
-          <p:cNvPr id="4" name="Title 3"/>
+          <p:cNvPr id="5" name="Title 4"/>
           <p:cNvSpPr>
             <a:spLocks noGrp="1"/>
           </p:cNvSpPr>
@@ -4133,21 +4160,109 @@
             <p:ph type="title"/>
           </p:nvPr>
         </p:nvSpPr>
-        <p:spPr/>
+        <p:spPr>
+          <a:xfrm>
+            <a:off x="647700" y="258445"/>
+            <a:ext cx="10729595" cy="1325880"/>
+          </a:xfrm>
+        </p:spPr>
         <p:txBody>
           <a:bodyPr/>
           <a:p>
             <a:r>
+              <a:rPr lang="en-US" altLang="zh-CN"/>
+              <a:t>GLOB_RECURSE </a:t>
+            </a:r>
+            <a:r>
               <a:rPr lang="zh-CN" altLang="en-US"/>
-              <a:t>第</a:t>
+              <a:t>的问题：会把</a:t>
             </a:r>
             <a:r>
               <a:rPr lang="en-US" altLang="zh-CN"/>
-              <a:t>2</a:t>
+              <a:t> build </a:t>
             </a:r>
             <a:r>
               <a:rPr lang="zh-CN" altLang="en-US"/>
-              <a:t>章：指定编译选项</a:t>
+              <a:t>目录里生成的临时</a:t>
+            </a:r>
+            <a:r>
+              <a:rPr lang="en-US" altLang="zh-CN"/>
+              <a:t> .cpp </a:t>
+            </a:r>
+            <a:r>
+              <a:rPr lang="zh-CN" altLang="en-US"/>
+              <a:t>文件也加进来</a:t>
+            </a:r>
+            <a:endParaRPr lang="zh-CN" altLang="en-US"/>
+          </a:p>
+        </p:txBody>
+      </p:sp>
+      <p:pic>
+        <p:nvPicPr>
+          <p:cNvPr id="4" name="Content Placeholder 3"/>
+          <p:cNvPicPr>
+            <a:picLocks noChangeAspect="1"/>
+          </p:cNvPicPr>
+          <p:nvPr>
+            <p:ph idx="1"/>
+          </p:nvPr>
+        </p:nvPicPr>
+        <p:blipFill>
+          <a:blip r:embed="rId1"/>
+          <a:stretch>
+            <a:fillRect/>
+          </a:stretch>
+        </p:blipFill>
+        <p:spPr>
+          <a:xfrm>
+            <a:off x="23495" y="3326130"/>
+            <a:ext cx="12169140" cy="1584325"/>
+          </a:xfrm>
+          <a:prstGeom prst="rect">
+            <a:avLst/>
+          </a:prstGeom>
+        </p:spPr>
+      </p:pic>
+      <p:sp>
+        <p:nvSpPr>
+          <p:cNvPr id="6" name="Text Box 5"/>
+          <p:cNvSpPr txBox="1"/>
+          <p:nvPr/>
+        </p:nvSpPr>
+        <p:spPr>
+          <a:xfrm>
+            <a:off x="1276350" y="1767840"/>
+            <a:ext cx="7593330" cy="645160"/>
+          </a:xfrm>
+          <a:prstGeom prst="rect">
+            <a:avLst/>
+          </a:prstGeom>
+          <a:noFill/>
+        </p:spPr>
+        <p:txBody>
+          <a:bodyPr wrap="square" rtlCol="0">
+            <a:spAutoFit/>
+          </a:bodyPr>
+          <a:p>
+            <a:r>
+              <a:rPr lang="zh-CN" altLang="en-US"/>
+              <a:t>解决方案：要么把源码放到</a:t>
+            </a:r>
+            <a:r>
+              <a:rPr lang="en-US" altLang="zh-CN"/>
+              <a:t> src </a:t>
+            </a:r>
+            <a:r>
+              <a:rPr lang="zh-CN" altLang="en-US"/>
+              <a:t>目录下，要么要求使用者不要把</a:t>
+            </a:r>
+            <a:r>
+              <a:rPr lang="en-US" altLang="zh-CN"/>
+              <a:t> build </a:t>
+            </a:r>
+            <a:r>
+              <a:rPr lang="zh-CN" altLang="en-US"/>
+              <a:t>放到和源码同一个目录里，我的建议是前者。</a:t>
             </a:r>
             <a:endParaRPr lang="zh-CN" altLang="en-US"/>
           </a:p>
@@ -4173,6 +4288,54 @@
       <p:grpSpPr/>
       <p:sp>
         <p:nvSpPr>
+          <p:cNvPr id="4" name="Title 3"/>
+          <p:cNvSpPr>
+            <a:spLocks noGrp="1"/>
+          </p:cNvSpPr>
+          <p:nvPr>
+            <p:ph type="title"/>
+          </p:nvPr>
+        </p:nvSpPr>
+        <p:spPr/>
+        <p:txBody>
+          <a:bodyPr/>
+          <a:p>
+            <a:r>
+              <a:rPr lang="zh-CN" altLang="en-US"/>
+              <a:t>第</a:t>
+            </a:r>
+            <a:r>
+              <a:rPr lang="en-US" altLang="zh-CN"/>
+              <a:t>2</a:t>
+            </a:r>
+            <a:r>
+              <a:rPr lang="zh-CN" altLang="en-US"/>
+              <a:t>章：判断不同平台</a:t>
+            </a:r>
+            <a:endParaRPr lang="zh-CN" altLang="en-US"/>
+          </a:p>
+        </p:txBody>
+      </p:sp>
+    </p:spTree>
+  </p:cSld>
+  <p:clrMapOvr>
+    <a:masterClrMapping/>
+  </p:clrMapOvr>
+</p:sld>
+</file>
+
+<file path=ppt/slides/slide18.xml><?xml version="1.0" encoding="utf-8"?>
+<p:sld xmlns:a="http://schemas.openxmlformats.org/drawingml/2006/main" xmlns:r="http://schemas.openxmlformats.org/officeDocument/2006/relationships" xmlns:p="http://schemas.openxmlformats.org/presentationml/2006/main">
+  <p:cSld>
+    <p:spTree>
+      <p:nvGrpSpPr>
+        <p:cNvPr id="1" name=""/>
+        <p:cNvGrpSpPr/>
+        <p:nvPr/>
+      </p:nvGrpSpPr>
+      <p:grpSpPr/>
+      <p:sp>
+        <p:nvSpPr>
           <p:cNvPr id="5" name="Title 4"/>
           <p:cNvSpPr>
             <a:spLocks noGrp="1"/>
@@ -4187,32 +4350,212 @@
           <a:p>
             <a:r>
               <a:rPr lang="zh-CN"/>
-              <a:t>指定编译器</a:t>
+              <a:t>在</a:t>
             </a:r>
             <a:r>
               <a:rPr lang="en-US" altLang="zh-CN"/>
-              <a:t> flag</a:t>
-            </a:r>
-            <a:endParaRPr lang="en-US" altLang="zh-CN"/>
-          </a:p>
-        </p:txBody>
-      </p:sp>
-      <p:sp>
-        <p:nvSpPr>
-          <p:cNvPr id="2" name="Content Placeholder 1"/>
-          <p:cNvSpPr/>
+              <a:t> CMake </a:t>
+            </a:r>
+            <a:r>
+              <a:rPr lang="zh-CN" altLang="en-US"/>
+              <a:t>中</a:t>
+            </a:r>
+            <a:r>
+              <a:rPr lang="zh-CN"/>
+              <a:t>定义一个宏</a:t>
+            </a:r>
+            <a:endParaRPr lang="zh-CN"/>
+          </a:p>
+        </p:txBody>
+      </p:sp>
+      <p:pic>
+        <p:nvPicPr>
+          <p:cNvPr id="2" name="Picture 1"/>
+          <p:cNvPicPr>
+            <a:picLocks noChangeAspect="1"/>
+          </p:cNvPicPr>
+          <p:nvPr/>
+        </p:nvPicPr>
+        <p:blipFill>
+          <a:blip r:embed="rId1"/>
+          <a:stretch>
+            <a:fillRect/>
+          </a:stretch>
+        </p:blipFill>
+        <p:spPr>
+          <a:xfrm>
+            <a:off x="4796155" y="6078855"/>
+            <a:ext cx="2981325" cy="238125"/>
+          </a:xfrm>
+          <a:prstGeom prst="rect">
+            <a:avLst/>
+          </a:prstGeom>
+        </p:spPr>
+      </p:pic>
+      <p:pic>
+        <p:nvPicPr>
+          <p:cNvPr id="4" name="Picture 3"/>
+          <p:cNvPicPr>
+            <a:picLocks noChangeAspect="1"/>
+          </p:cNvPicPr>
+          <p:nvPr/>
+        </p:nvPicPr>
+        <p:blipFill>
+          <a:blip r:embed="rId2"/>
+          <a:stretch>
+            <a:fillRect/>
+          </a:stretch>
+        </p:blipFill>
+        <p:spPr>
+          <a:xfrm>
+            <a:off x="3057525" y="1689100"/>
+            <a:ext cx="6076950" cy="2457450"/>
+          </a:xfrm>
+          <a:prstGeom prst="rect">
+            <a:avLst/>
+          </a:prstGeom>
+        </p:spPr>
+      </p:pic>
+      <p:pic>
+        <p:nvPicPr>
+          <p:cNvPr id="9" name="Content Placeholder 8"/>
+          <p:cNvPicPr>
+            <a:picLocks noChangeAspect="1"/>
+          </p:cNvPicPr>
           <p:nvPr>
             <p:ph idx="1"/>
           </p:nvPr>
+        </p:nvPicPr>
+        <p:blipFill>
+          <a:blip r:embed="rId3"/>
+          <a:stretch>
+            <a:fillRect/>
+          </a:stretch>
+        </p:blipFill>
+        <p:spPr>
+          <a:xfrm>
+            <a:off x="3152775" y="4483100"/>
+            <a:ext cx="5886450" cy="1181100"/>
+          </a:xfrm>
+          <a:prstGeom prst="rect">
+            <a:avLst/>
+          </a:prstGeom>
+        </p:spPr>
+      </p:pic>
+    </p:spTree>
+  </p:cSld>
+  <p:clrMapOvr>
+    <a:masterClrMapping/>
+  </p:clrMapOvr>
+</p:sld>
+</file>
+
+<file path=ppt/slides/slide19.xml><?xml version="1.0" encoding="utf-8"?>
+<p:sld xmlns:a="http://schemas.openxmlformats.org/drawingml/2006/main" xmlns:r="http://schemas.openxmlformats.org/officeDocument/2006/relationships" xmlns:p="http://schemas.openxmlformats.org/presentationml/2006/main">
+  <p:cSld>
+    <p:spTree>
+      <p:nvGrpSpPr>
+        <p:cNvPr id="1" name=""/>
+        <p:cNvGrpSpPr/>
+        <p:nvPr/>
+      </p:nvGrpSpPr>
+      <p:grpSpPr/>
+      <p:sp>
+        <p:nvSpPr>
+          <p:cNvPr id="5" name="Title 4"/>
+          <p:cNvSpPr>
+            <a:spLocks noGrp="1"/>
+          </p:cNvSpPr>
+          <p:nvPr>
+            <p:ph type="title"/>
+          </p:nvPr>
         </p:nvSpPr>
         <p:spPr/>
         <p:txBody>
           <a:bodyPr/>
           <a:p>
-            <a:endParaRPr lang="en-US"/>
-          </a:p>
-        </p:txBody>
-      </p:sp>
+            <a:r>
+              <a:rPr lang="zh-CN"/>
+              <a:t>根据不同的操作系统，把宏定义成不同的值</a:t>
+            </a:r>
+            <a:endParaRPr lang="zh-CN"/>
+          </a:p>
+        </p:txBody>
+      </p:sp>
+      <p:pic>
+        <p:nvPicPr>
+          <p:cNvPr id="11" name="Content Placeholder 10"/>
+          <p:cNvPicPr>
+            <a:picLocks noChangeAspect="1"/>
+          </p:cNvPicPr>
+          <p:nvPr>
+            <p:ph idx="1"/>
+          </p:nvPr>
+        </p:nvPicPr>
+        <p:blipFill>
+          <a:blip r:embed="rId1"/>
+          <a:stretch>
+            <a:fillRect/>
+          </a:stretch>
+        </p:blipFill>
+        <p:spPr>
+          <a:xfrm>
+            <a:off x="2343150" y="4338320"/>
+            <a:ext cx="7124700" cy="1838325"/>
+          </a:xfrm>
+          <a:prstGeom prst="rect">
+            <a:avLst/>
+          </a:prstGeom>
+        </p:spPr>
+      </p:pic>
+      <p:pic>
+        <p:nvPicPr>
+          <p:cNvPr id="12" name="Picture 11"/>
+          <p:cNvPicPr>
+            <a:picLocks noChangeAspect="1"/>
+          </p:cNvPicPr>
+          <p:nvPr/>
+        </p:nvPicPr>
+        <p:blipFill>
+          <a:blip r:embed="rId2"/>
+          <a:stretch>
+            <a:fillRect/>
+          </a:stretch>
+        </p:blipFill>
+        <p:spPr>
+          <a:xfrm>
+            <a:off x="3686175" y="1428750"/>
+            <a:ext cx="4657725" cy="2466975"/>
+          </a:xfrm>
+          <a:prstGeom prst="rect">
+            <a:avLst/>
+          </a:prstGeom>
+        </p:spPr>
+      </p:pic>
+      <p:pic>
+        <p:nvPicPr>
+          <p:cNvPr id="13" name="Picture 12"/>
+          <p:cNvPicPr>
+            <a:picLocks noChangeAspect="1"/>
+          </p:cNvPicPr>
+          <p:nvPr/>
+        </p:nvPicPr>
+        <p:blipFill>
+          <a:blip r:embed="rId3"/>
+          <a:stretch>
+            <a:fillRect/>
+          </a:stretch>
+        </p:blipFill>
+        <p:spPr>
+          <a:xfrm>
+            <a:off x="4939030" y="6366510"/>
+            <a:ext cx="2314575" cy="276225"/>
+          </a:xfrm>
+          <a:prstGeom prst="rect">
+            <a:avLst/>
+          </a:prstGeom>
+        </p:spPr>
+      </p:pic>
     </p:spTree>
   </p:cSld>
   <p:clrMapOvr>
@@ -4269,6 +4612,1026 @@
 </p:sld>
 </file>
 
+<file path=ppt/slides/slide20.xml><?xml version="1.0" encoding="utf-8"?>
+<p:sld xmlns:a="http://schemas.openxmlformats.org/drawingml/2006/main" xmlns:r="http://schemas.openxmlformats.org/officeDocument/2006/relationships" xmlns:p="http://schemas.openxmlformats.org/presentationml/2006/main">
+  <p:cSld>
+    <p:spTree>
+      <p:nvGrpSpPr>
+        <p:cNvPr id="1" name=""/>
+        <p:cNvGrpSpPr/>
+        <p:nvPr/>
+      </p:nvGrpSpPr>
+      <p:grpSpPr/>
+      <p:sp>
+        <p:nvSpPr>
+          <p:cNvPr id="5" name="Title 4"/>
+          <p:cNvSpPr>
+            <a:spLocks noGrp="1"/>
+          </p:cNvSpPr>
+          <p:nvPr>
+            <p:ph type="title"/>
+          </p:nvPr>
+        </p:nvSpPr>
+        <p:spPr/>
+        <p:txBody>
+          <a:bodyPr/>
+          <a:p>
+            <a:r>
+              <a:rPr lang="en-US" altLang="zh-CN"/>
+              <a:t>CMake </a:t>
+            </a:r>
+            <a:r>
+              <a:rPr lang="zh-CN" altLang="en-US"/>
+              <a:t>还提供了</a:t>
+            </a:r>
+            <a:r>
+              <a:rPr lang="zh-CN"/>
+              <a:t>一些简写变量：</a:t>
+            </a:r>
+            <a:r>
+              <a:rPr lang="en-US" altLang="zh-CN"/>
+              <a:t>WIN32, APPLE, UNIX, ANDROID, IOS </a:t>
+            </a:r>
+            <a:r>
+              <a:rPr lang="zh-CN" altLang="en-US"/>
+              <a:t>等</a:t>
+            </a:r>
+            <a:endParaRPr lang="zh-CN" altLang="en-US"/>
+          </a:p>
+        </p:txBody>
+      </p:sp>
+      <p:pic>
+        <p:nvPicPr>
+          <p:cNvPr id="9" name="Content Placeholder 2"/>
+          <p:cNvPicPr>
+            <a:picLocks noChangeAspect="1"/>
+          </p:cNvPicPr>
+          <p:nvPr>
+            <p:ph idx="1"/>
+          </p:nvPr>
+        </p:nvPicPr>
+        <p:blipFill>
+          <a:blip r:embed="rId1"/>
+          <a:stretch>
+            <a:fillRect/>
+          </a:stretch>
+        </p:blipFill>
+        <p:spPr>
+          <a:xfrm>
+            <a:off x="2299970" y="3077210"/>
+            <a:ext cx="7210425" cy="1847850"/>
+          </a:xfrm>
+          <a:prstGeom prst="rect">
+            <a:avLst/>
+          </a:prstGeom>
+        </p:spPr>
+      </p:pic>
+      <p:pic>
+        <p:nvPicPr>
+          <p:cNvPr id="10" name="Picture 9"/>
+          <p:cNvPicPr>
+            <a:picLocks noChangeAspect="1"/>
+          </p:cNvPicPr>
+          <p:nvPr/>
+        </p:nvPicPr>
+        <p:blipFill>
+          <a:blip r:embed="rId2"/>
+          <a:stretch>
+            <a:fillRect/>
+          </a:stretch>
+        </p:blipFill>
+        <p:spPr>
+          <a:xfrm>
+            <a:off x="4939030" y="6366510"/>
+            <a:ext cx="2314575" cy="276225"/>
+          </a:xfrm>
+          <a:prstGeom prst="rect">
+            <a:avLst/>
+          </a:prstGeom>
+        </p:spPr>
+      </p:pic>
+    </p:spTree>
+  </p:cSld>
+  <p:clrMapOvr>
+    <a:masterClrMapping/>
+  </p:clrMapOvr>
+</p:sld>
+</file>
+
+<file path=ppt/slides/slide21.xml><?xml version="1.0" encoding="utf-8"?>
+<p:sld xmlns:a="http://schemas.openxmlformats.org/drawingml/2006/main" xmlns:r="http://schemas.openxmlformats.org/officeDocument/2006/relationships" xmlns:p="http://schemas.openxmlformats.org/presentationml/2006/main">
+  <p:cSld>
+    <p:spTree>
+      <p:nvGrpSpPr>
+        <p:cNvPr id="1" name=""/>
+        <p:cNvGrpSpPr/>
+        <p:nvPr/>
+      </p:nvGrpSpPr>
+      <p:grpSpPr/>
+      <p:sp>
+        <p:nvSpPr>
+          <p:cNvPr id="5" name="Title 4"/>
+          <p:cNvSpPr>
+            <a:spLocks noGrp="1"/>
+          </p:cNvSpPr>
+          <p:nvPr>
+            <p:ph type="title"/>
+          </p:nvPr>
+        </p:nvSpPr>
+        <p:spPr/>
+        <p:txBody>
+          <a:bodyPr/>
+          <a:p>
+            <a:r>
+              <a:rPr lang="zh-CN"/>
+              <a:t>使用生成器表达式，简化成一条指令</a:t>
+            </a:r>
+            <a:endParaRPr lang="zh-CN"/>
+          </a:p>
+        </p:txBody>
+      </p:sp>
+      <p:pic>
+        <p:nvPicPr>
+          <p:cNvPr id="8" name="Content Placeholder 2"/>
+          <p:cNvPicPr>
+            <a:picLocks noChangeAspect="1"/>
+          </p:cNvPicPr>
+          <p:nvPr>
+            <p:ph idx="1"/>
+          </p:nvPr>
+        </p:nvPicPr>
+        <p:blipFill>
+          <a:blip r:embed="rId1"/>
+          <a:stretch>
+            <a:fillRect/>
+          </a:stretch>
+        </p:blipFill>
+        <p:spPr>
+          <a:xfrm>
+            <a:off x="2838450" y="3287395"/>
+            <a:ext cx="6132830" cy="1427480"/>
+          </a:xfrm>
+          <a:prstGeom prst="rect">
+            <a:avLst/>
+          </a:prstGeom>
+        </p:spPr>
+      </p:pic>
+      <p:sp>
+        <p:nvSpPr>
+          <p:cNvPr id="9" name="Text Box 8"/>
+          <p:cNvSpPr txBox="1"/>
+          <p:nvPr/>
+        </p:nvSpPr>
+        <p:spPr>
+          <a:xfrm>
+            <a:off x="0" y="0"/>
+            <a:ext cx="12023090" cy="368300"/>
+          </a:xfrm>
+          <a:prstGeom prst="rect">
+            <a:avLst/>
+          </a:prstGeom>
+          <a:noFill/>
+        </p:spPr>
+        <p:txBody>
+          <a:bodyPr wrap="square" rtlCol="0" anchor="t">
+            <a:spAutoFit/>
+          </a:bodyPr>
+          <a:p>
+            <a:r>
+              <a:rPr lang="en-US"/>
+              <a:t>https://cmake.org/cmake/help/latest/manual/cmake-generator-expressions.7.html#genex:PLATFORM_ID</a:t>
+            </a:r>
+            <a:endParaRPr lang="en-US"/>
+          </a:p>
+        </p:txBody>
+      </p:sp>
+      <p:pic>
+        <p:nvPicPr>
+          <p:cNvPr id="10" name="Picture 9"/>
+          <p:cNvPicPr>
+            <a:picLocks noChangeAspect="1"/>
+          </p:cNvPicPr>
+          <p:nvPr/>
+        </p:nvPicPr>
+        <p:blipFill>
+          <a:blip r:embed="rId2"/>
+          <a:stretch>
+            <a:fillRect/>
+          </a:stretch>
+        </p:blipFill>
+        <p:spPr>
+          <a:xfrm>
+            <a:off x="4939030" y="6366510"/>
+            <a:ext cx="2314575" cy="276225"/>
+          </a:xfrm>
+          <a:prstGeom prst="rect">
+            <a:avLst/>
+          </a:prstGeom>
+        </p:spPr>
+      </p:pic>
+    </p:spTree>
+  </p:cSld>
+  <p:clrMapOvr>
+    <a:masterClrMapping/>
+  </p:clrMapOvr>
+</p:sld>
+</file>
+
+<file path=ppt/slides/slide22.xml><?xml version="1.0" encoding="utf-8"?>
+<p:sld xmlns:a="http://schemas.openxmlformats.org/drawingml/2006/main" xmlns:r="http://schemas.openxmlformats.org/officeDocument/2006/relationships" xmlns:p="http://schemas.openxmlformats.org/presentationml/2006/main">
+  <p:cSld>
+    <p:spTree>
+      <p:nvGrpSpPr>
+        <p:cNvPr id="1" name=""/>
+        <p:cNvGrpSpPr/>
+        <p:nvPr/>
+      </p:nvGrpSpPr>
+      <p:grpSpPr/>
+      <p:sp>
+        <p:nvSpPr>
+          <p:cNvPr id="5" name="Title 4"/>
+          <p:cNvSpPr>
+            <a:spLocks noGrp="1"/>
+          </p:cNvSpPr>
+          <p:nvPr>
+            <p:ph type="title"/>
+          </p:nvPr>
+        </p:nvSpPr>
+        <p:spPr/>
+        <p:txBody>
+          <a:bodyPr/>
+          <a:p>
+            <a:r>
+              <a:rPr lang="zh-CN"/>
+              <a:t>生成器表达式：如需多个平台可以用逗号分割</a:t>
+            </a:r>
+            <a:endParaRPr lang="zh-CN"/>
+          </a:p>
+        </p:txBody>
+      </p:sp>
+      <p:sp>
+        <p:nvSpPr>
+          <p:cNvPr id="9" name="Text Box 8"/>
+          <p:cNvSpPr txBox="1"/>
+          <p:nvPr/>
+        </p:nvSpPr>
+        <p:spPr>
+          <a:xfrm>
+            <a:off x="0" y="0"/>
+            <a:ext cx="12023090" cy="368300"/>
+          </a:xfrm>
+          <a:prstGeom prst="rect">
+            <a:avLst/>
+          </a:prstGeom>
+          <a:noFill/>
+        </p:spPr>
+        <p:txBody>
+          <a:bodyPr wrap="square" rtlCol="0" anchor="t">
+            <a:spAutoFit/>
+          </a:bodyPr>
+          <a:p>
+            <a:r>
+              <a:rPr lang="en-US"/>
+              <a:t>https://cmake.org/cmake/help/latest/manual/cmake-generator-expressions.7.html#genex:PLATFORM_ID</a:t>
+            </a:r>
+            <a:endParaRPr lang="en-US"/>
+          </a:p>
+        </p:txBody>
+      </p:sp>
+      <p:pic>
+        <p:nvPicPr>
+          <p:cNvPr id="11" name="Picture 10"/>
+          <p:cNvPicPr>
+            <a:picLocks noChangeAspect="1"/>
+          </p:cNvPicPr>
+          <p:nvPr/>
+        </p:nvPicPr>
+        <p:blipFill>
+          <a:blip r:embed="rId1"/>
+          <a:stretch>
+            <a:fillRect/>
+          </a:stretch>
+        </p:blipFill>
+        <p:spPr>
+          <a:xfrm>
+            <a:off x="5106670" y="6443980"/>
+            <a:ext cx="1809750" cy="266700"/>
+          </a:xfrm>
+          <a:prstGeom prst="rect">
+            <a:avLst/>
+          </a:prstGeom>
+        </p:spPr>
+      </p:pic>
+      <p:pic>
+        <p:nvPicPr>
+          <p:cNvPr id="14" name="Content Placeholder 13"/>
+          <p:cNvPicPr>
+            <a:picLocks noChangeAspect="1"/>
+          </p:cNvPicPr>
+          <p:nvPr>
+            <p:ph idx="1"/>
+          </p:nvPr>
+        </p:nvPicPr>
+        <p:blipFill>
+          <a:blip r:embed="rId2"/>
+          <a:stretch>
+            <a:fillRect/>
+          </a:stretch>
+        </p:blipFill>
+        <p:spPr>
+          <a:xfrm>
+            <a:off x="2397760" y="3413125"/>
+            <a:ext cx="7014845" cy="1176020"/>
+          </a:xfrm>
+          <a:prstGeom prst="rect">
+            <a:avLst/>
+          </a:prstGeom>
+        </p:spPr>
+      </p:pic>
+    </p:spTree>
+  </p:cSld>
+  <p:clrMapOvr>
+    <a:masterClrMapping/>
+  </p:clrMapOvr>
+</p:sld>
+</file>
+
+<file path=ppt/slides/slide23.xml><?xml version="1.0" encoding="utf-8"?>
+<p:sld xmlns:a="http://schemas.openxmlformats.org/drawingml/2006/main" xmlns:r="http://schemas.openxmlformats.org/officeDocument/2006/relationships" xmlns:p="http://schemas.openxmlformats.org/presentationml/2006/main">
+  <p:cSld>
+    <p:spTree>
+      <p:nvGrpSpPr>
+        <p:cNvPr id="1" name=""/>
+        <p:cNvGrpSpPr/>
+        <p:nvPr/>
+      </p:nvGrpSpPr>
+      <p:grpSpPr/>
+      <p:sp>
+        <p:nvSpPr>
+          <p:cNvPr id="5" name="Title 4"/>
+          <p:cNvSpPr>
+            <a:spLocks noGrp="1"/>
+          </p:cNvSpPr>
+          <p:nvPr>
+            <p:ph type="title"/>
+          </p:nvPr>
+        </p:nvSpPr>
+        <p:spPr/>
+        <p:txBody>
+          <a:bodyPr/>
+          <a:p>
+            <a:r>
+              <a:rPr lang="zh-CN"/>
+              <a:t>判断当前用的是哪一款</a:t>
+            </a:r>
+            <a:r>
+              <a:rPr lang="en-US" altLang="zh-CN"/>
+              <a:t> C++ </a:t>
+            </a:r>
+            <a:r>
+              <a:rPr lang="zh-CN"/>
+              <a:t>编译器</a:t>
+            </a:r>
+            <a:endParaRPr lang="zh-CN"/>
+          </a:p>
+        </p:txBody>
+      </p:sp>
+      <p:pic>
+        <p:nvPicPr>
+          <p:cNvPr id="3" name="Content Placeholder 2"/>
+          <p:cNvPicPr>
+            <a:picLocks noChangeAspect="1"/>
+          </p:cNvPicPr>
+          <p:nvPr>
+            <p:ph idx="1"/>
+          </p:nvPr>
+        </p:nvPicPr>
+        <p:blipFill>
+          <a:blip r:embed="rId1"/>
+          <a:stretch>
+            <a:fillRect/>
+          </a:stretch>
+        </p:blipFill>
+        <p:spPr>
+          <a:xfrm>
+            <a:off x="2828290" y="2877185"/>
+            <a:ext cx="6153150" cy="2247900"/>
+          </a:xfrm>
+          <a:prstGeom prst="rect">
+            <a:avLst/>
+          </a:prstGeom>
+        </p:spPr>
+      </p:pic>
+      <p:pic>
+        <p:nvPicPr>
+          <p:cNvPr id="4" name="Picture 3"/>
+          <p:cNvPicPr>
+            <a:picLocks noChangeAspect="1"/>
+          </p:cNvPicPr>
+          <p:nvPr/>
+        </p:nvPicPr>
+        <p:blipFill>
+          <a:blip r:embed="rId2"/>
+          <a:stretch>
+            <a:fillRect/>
+          </a:stretch>
+        </p:blipFill>
+        <p:spPr>
+          <a:xfrm>
+            <a:off x="5404485" y="6249035"/>
+            <a:ext cx="1383030" cy="307340"/>
+          </a:xfrm>
+          <a:prstGeom prst="rect">
+            <a:avLst/>
+          </a:prstGeom>
+        </p:spPr>
+      </p:pic>
+      <p:sp>
+        <p:nvSpPr>
+          <p:cNvPr id="6" name="Text Box 5"/>
+          <p:cNvSpPr txBox="1"/>
+          <p:nvPr/>
+        </p:nvSpPr>
+        <p:spPr>
+          <a:xfrm>
+            <a:off x="-68580" y="0"/>
+            <a:ext cx="12261215" cy="337185"/>
+          </a:xfrm>
+          <a:prstGeom prst="rect">
+            <a:avLst/>
+          </a:prstGeom>
+          <a:noFill/>
+        </p:spPr>
+        <p:txBody>
+          <a:bodyPr wrap="square" rtlCol="0" anchor="t">
+            <a:spAutoFit/>
+          </a:bodyPr>
+          <a:p>
+            <a:r>
+              <a:rPr lang="en-US" sz="1600"/>
+              <a:t>https://cmake.org/cmake/help/latest/variable/CMAKE_LANG_COMPILER_ID.html#variable:CMAKE_%3CLANG%3E_COMPILER_ID</a:t>
+            </a:r>
+            <a:endParaRPr lang="en-US" sz="1600"/>
+          </a:p>
+        </p:txBody>
+      </p:sp>
+    </p:spTree>
+  </p:cSld>
+  <p:clrMapOvr>
+    <a:masterClrMapping/>
+  </p:clrMapOvr>
+</p:sld>
+</file>
+
+<file path=ppt/slides/slide24.xml><?xml version="1.0" encoding="utf-8"?>
+<p:sld xmlns:a="http://schemas.openxmlformats.org/drawingml/2006/main" xmlns:r="http://schemas.openxmlformats.org/officeDocument/2006/relationships" xmlns:p="http://schemas.openxmlformats.org/presentationml/2006/main">
+  <p:cSld>
+    <p:spTree>
+      <p:nvGrpSpPr>
+        <p:cNvPr id="1" name=""/>
+        <p:cNvGrpSpPr/>
+        <p:nvPr/>
+      </p:nvGrpSpPr>
+      <p:grpSpPr/>
+      <p:sp>
+        <p:nvSpPr>
+          <p:cNvPr id="5" name="Title 4"/>
+          <p:cNvSpPr>
+            <a:spLocks noGrp="1"/>
+          </p:cNvSpPr>
+          <p:nvPr>
+            <p:ph type="title"/>
+          </p:nvPr>
+        </p:nvSpPr>
+        <p:spPr/>
+        <p:txBody>
+          <a:bodyPr/>
+          <a:p>
+            <a:r>
+              <a:rPr lang="zh-CN"/>
+              <a:t>也可以用生成器表达式判断编译器</a:t>
+            </a:r>
+            <a:endParaRPr lang="zh-CN"/>
+          </a:p>
+        </p:txBody>
+      </p:sp>
+      <p:sp>
+        <p:nvSpPr>
+          <p:cNvPr id="6" name="Text Box 5"/>
+          <p:cNvSpPr txBox="1"/>
+          <p:nvPr/>
+        </p:nvSpPr>
+        <p:spPr>
+          <a:xfrm>
+            <a:off x="-68580" y="0"/>
+            <a:ext cx="12261215" cy="337185"/>
+          </a:xfrm>
+          <a:prstGeom prst="rect">
+            <a:avLst/>
+          </a:prstGeom>
+          <a:noFill/>
+        </p:spPr>
+        <p:txBody>
+          <a:bodyPr wrap="square" rtlCol="0" anchor="t">
+            <a:spAutoFit/>
+          </a:bodyPr>
+          <a:p>
+            <a:r>
+              <a:rPr lang="en-US" sz="1600"/>
+              <a:t>https://cmake.org/cmake/help/latest/variable/CMAKE_LANG_COMPILER_ID.html#variable:CMAKE_%3CLANG%3E_COMPILER_ID</a:t>
+            </a:r>
+            <a:endParaRPr lang="en-US" sz="1600"/>
+          </a:p>
+        </p:txBody>
+      </p:sp>
+      <p:pic>
+        <p:nvPicPr>
+          <p:cNvPr id="7" name="Content Placeholder 6"/>
+          <p:cNvPicPr>
+            <a:picLocks noChangeAspect="1"/>
+          </p:cNvPicPr>
+          <p:nvPr>
+            <p:ph idx="1"/>
+          </p:nvPr>
+        </p:nvPicPr>
+        <p:blipFill>
+          <a:blip r:embed="rId1"/>
+          <a:stretch>
+            <a:fillRect/>
+          </a:stretch>
+        </p:blipFill>
+        <p:spPr>
+          <a:xfrm>
+            <a:off x="2564130" y="3461385"/>
+            <a:ext cx="6682105" cy="1079500"/>
+          </a:xfrm>
+          <a:prstGeom prst="rect">
+            <a:avLst/>
+          </a:prstGeom>
+        </p:spPr>
+      </p:pic>
+      <p:pic>
+        <p:nvPicPr>
+          <p:cNvPr id="8" name="Picture 7"/>
+          <p:cNvPicPr>
+            <a:picLocks noChangeAspect="1"/>
+          </p:cNvPicPr>
+          <p:nvPr/>
+        </p:nvPicPr>
+        <p:blipFill>
+          <a:blip r:embed="rId2"/>
+          <a:stretch>
+            <a:fillRect/>
+          </a:stretch>
+        </p:blipFill>
+        <p:spPr>
+          <a:xfrm>
+            <a:off x="4905375" y="6296025"/>
+            <a:ext cx="2313940" cy="295910"/>
+          </a:xfrm>
+          <a:prstGeom prst="rect">
+            <a:avLst/>
+          </a:prstGeom>
+        </p:spPr>
+      </p:pic>
+    </p:spTree>
+  </p:cSld>
+  <p:clrMapOvr>
+    <a:masterClrMapping/>
+  </p:clrMapOvr>
+</p:sld>
+</file>
+
+<file path=ppt/slides/slide25.xml><?xml version="1.0" encoding="utf-8"?>
+<p:sld xmlns:a="http://schemas.openxmlformats.org/drawingml/2006/main" xmlns:r="http://schemas.openxmlformats.org/officeDocument/2006/relationships" xmlns:p="http://schemas.openxmlformats.org/presentationml/2006/main">
+  <p:cSld>
+    <p:spTree>
+      <p:nvGrpSpPr>
+        <p:cNvPr id="1" name=""/>
+        <p:cNvGrpSpPr/>
+        <p:nvPr/>
+      </p:nvGrpSpPr>
+      <p:grpSpPr/>
+      <p:sp>
+        <p:nvSpPr>
+          <p:cNvPr id="5" name="Title 4"/>
+          <p:cNvSpPr>
+            <a:spLocks noGrp="1"/>
+          </p:cNvSpPr>
+          <p:nvPr>
+            <p:ph type="title"/>
+          </p:nvPr>
+        </p:nvSpPr>
+        <p:spPr/>
+        <p:txBody>
+          <a:bodyPr/>
+          <a:p>
+            <a:r>
+              <a:rPr lang="zh-CN"/>
+              <a:t>生成器表达式也可以做复杂的逻辑判断</a:t>
+            </a:r>
+            <a:endParaRPr lang="zh-CN"/>
+          </a:p>
+        </p:txBody>
+      </p:sp>
+      <p:pic>
+        <p:nvPicPr>
+          <p:cNvPr id="8" name="Picture 7"/>
+          <p:cNvPicPr>
+            <a:picLocks noChangeAspect="1"/>
+          </p:cNvPicPr>
+          <p:nvPr/>
+        </p:nvPicPr>
+        <p:blipFill>
+          <a:blip r:embed="rId1"/>
+          <a:stretch>
+            <a:fillRect/>
+          </a:stretch>
+        </p:blipFill>
+        <p:spPr>
+          <a:xfrm>
+            <a:off x="4742180" y="6275070"/>
+            <a:ext cx="2639695" cy="337820"/>
+          </a:xfrm>
+          <a:prstGeom prst="rect">
+            <a:avLst/>
+          </a:prstGeom>
+        </p:spPr>
+      </p:pic>
+      <p:pic>
+        <p:nvPicPr>
+          <p:cNvPr id="3" name="Content Placeholder 2"/>
+          <p:cNvPicPr>
+            <a:picLocks noChangeAspect="1"/>
+          </p:cNvPicPr>
+          <p:nvPr>
+            <p:ph idx="1"/>
+          </p:nvPr>
+        </p:nvPicPr>
+        <p:blipFill>
+          <a:blip r:embed="rId2"/>
+          <a:stretch>
+            <a:fillRect/>
+          </a:stretch>
+        </p:blipFill>
+        <p:spPr>
+          <a:xfrm>
+            <a:off x="610235" y="3614420"/>
+            <a:ext cx="10590530" cy="773430"/>
+          </a:xfrm>
+          <a:prstGeom prst="rect">
+            <a:avLst/>
+          </a:prstGeom>
+        </p:spPr>
+      </p:pic>
+    </p:spTree>
+  </p:cSld>
+  <p:clrMapOvr>
+    <a:masterClrMapping/>
+  </p:clrMapOvr>
+</p:sld>
+</file>
+
+<file path=ppt/slides/slide26.xml><?xml version="1.0" encoding="utf-8"?>
+<p:sld xmlns:a="http://schemas.openxmlformats.org/drawingml/2006/main" xmlns:r="http://schemas.openxmlformats.org/officeDocument/2006/relationships" xmlns:p="http://schemas.openxmlformats.org/presentationml/2006/main">
+  <p:cSld>
+    <p:spTree>
+      <p:nvGrpSpPr>
+        <p:cNvPr id="1" name=""/>
+        <p:cNvGrpSpPr/>
+        <p:nvPr/>
+      </p:nvGrpSpPr>
+      <p:grpSpPr/>
+      <p:sp>
+        <p:nvSpPr>
+          <p:cNvPr id="5" name="Title 4"/>
+          <p:cNvSpPr>
+            <a:spLocks noGrp="1"/>
+          </p:cNvSpPr>
+          <p:nvPr>
+            <p:ph type="title"/>
+          </p:nvPr>
+        </p:nvSpPr>
+        <p:spPr/>
+        <p:txBody>
+          <a:bodyPr/>
+          <a:p>
+            <a:r>
+              <a:rPr lang="en-US"/>
+              <a:t>CMake </a:t>
+            </a:r>
+            <a:r>
+              <a:rPr lang="zh-CN" altLang="en-US"/>
+              <a:t>还提供了一些简写</a:t>
+            </a:r>
+            <a:r>
+              <a:rPr lang="zh-CN">
+                <a:sym typeface="+mn-ea"/>
+              </a:rPr>
+              <a:t>变量</a:t>
+            </a:r>
+            <a:r>
+              <a:rPr lang="zh-CN" altLang="en-US"/>
+              <a:t>：</a:t>
+            </a:r>
+            <a:r>
+              <a:rPr lang="en-US" altLang="zh-CN"/>
+              <a:t>MSVC, CMAKE_COMPILER_IS_GNUCC</a:t>
+            </a:r>
+            <a:endParaRPr lang="en-US" altLang="zh-CN"/>
+          </a:p>
+        </p:txBody>
+      </p:sp>
+      <p:pic>
+        <p:nvPicPr>
+          <p:cNvPr id="13" name="Content Placeholder 12"/>
+          <p:cNvPicPr>
+            <a:picLocks noChangeAspect="1"/>
+          </p:cNvPicPr>
+          <p:nvPr>
+            <p:ph idx="1"/>
+          </p:nvPr>
+        </p:nvPicPr>
+        <p:blipFill>
+          <a:blip r:embed="rId1"/>
+          <a:stretch>
+            <a:fillRect/>
+          </a:stretch>
+        </p:blipFill>
+        <p:spPr>
+          <a:xfrm>
+            <a:off x="2338070" y="3134360"/>
+            <a:ext cx="7134225" cy="1733550"/>
+          </a:xfrm>
+          <a:prstGeom prst="rect">
+            <a:avLst/>
+          </a:prstGeom>
+        </p:spPr>
+      </p:pic>
+      <p:pic>
+        <p:nvPicPr>
+          <p:cNvPr id="14" name="Picture 13"/>
+          <p:cNvPicPr>
+            <a:picLocks noChangeAspect="1"/>
+          </p:cNvPicPr>
+          <p:nvPr/>
+        </p:nvPicPr>
+        <p:blipFill>
+          <a:blip r:embed="rId2"/>
+          <a:stretch>
+            <a:fillRect/>
+          </a:stretch>
+        </p:blipFill>
+        <p:spPr>
+          <a:xfrm>
+            <a:off x="5146040" y="6252210"/>
+            <a:ext cx="1776730" cy="300990"/>
+          </a:xfrm>
+          <a:prstGeom prst="rect">
+            <a:avLst/>
+          </a:prstGeom>
+        </p:spPr>
+      </p:pic>
+    </p:spTree>
+  </p:cSld>
+  <p:clrMapOvr>
+    <a:masterClrMapping/>
+  </p:clrMapOvr>
+</p:sld>
+</file>
+
+<file path=ppt/slides/slide27.xml><?xml version="1.0" encoding="utf-8"?>
+<p:sld xmlns:a="http://schemas.openxmlformats.org/drawingml/2006/main" xmlns:r="http://schemas.openxmlformats.org/officeDocument/2006/relationships" xmlns:p="http://schemas.openxmlformats.org/presentationml/2006/main">
+  <p:cSld>
+    <p:spTree>
+      <p:nvGrpSpPr>
+        <p:cNvPr id="1" name=""/>
+        <p:cNvGrpSpPr/>
+        <p:nvPr/>
+      </p:nvGrpSpPr>
+      <p:grpSpPr/>
+      <p:sp>
+        <p:nvSpPr>
+          <p:cNvPr id="5" name="Title 4"/>
+          <p:cNvSpPr>
+            <a:spLocks noGrp="1"/>
+          </p:cNvSpPr>
+          <p:nvPr>
+            <p:ph type="title"/>
+          </p:nvPr>
+        </p:nvSpPr>
+        <p:spPr/>
+        <p:txBody>
+          <a:bodyPr/>
+          <a:p>
+            <a:r>
+              <a:rPr lang="en-US" altLang="zh-CN"/>
+              <a:t>CMAKE_CXX_COMPILER_ID </a:t>
+            </a:r>
+            <a:r>
+              <a:rPr lang="zh-CN" altLang="en-US"/>
+              <a:t>直接作为字符串变量</a:t>
+            </a:r>
+            <a:endParaRPr lang="zh-CN" altLang="en-US"/>
+          </a:p>
+        </p:txBody>
+      </p:sp>
+      <p:pic>
+        <p:nvPicPr>
+          <p:cNvPr id="7" name="Picture 6"/>
+          <p:cNvPicPr>
+            <a:picLocks noChangeAspect="1"/>
+          </p:cNvPicPr>
+          <p:nvPr/>
+        </p:nvPicPr>
+        <p:blipFill>
+          <a:blip r:embed="rId1"/>
+          <a:stretch>
+            <a:fillRect/>
+          </a:stretch>
+        </p:blipFill>
+        <p:spPr>
+          <a:xfrm>
+            <a:off x="4626610" y="6350635"/>
+            <a:ext cx="2938145" cy="288290"/>
+          </a:xfrm>
+          <a:prstGeom prst="rect">
+            <a:avLst/>
+          </a:prstGeom>
+        </p:spPr>
+      </p:pic>
+      <p:pic>
+        <p:nvPicPr>
+          <p:cNvPr id="8" name="Content Placeholder 7"/>
+          <p:cNvPicPr>
+            <a:picLocks noChangeAspect="1"/>
+          </p:cNvPicPr>
+          <p:nvPr>
+            <p:ph idx="1"/>
+          </p:nvPr>
+        </p:nvPicPr>
+        <p:blipFill>
+          <a:blip r:embed="rId2"/>
+          <a:stretch>
+            <a:fillRect/>
+          </a:stretch>
+        </p:blipFill>
+        <p:spPr>
+          <a:xfrm>
+            <a:off x="59055" y="4031615"/>
+            <a:ext cx="12072620" cy="389255"/>
+          </a:xfrm>
+          <a:prstGeom prst="rect">
+            <a:avLst/>
+          </a:prstGeom>
+        </p:spPr>
+      </p:pic>
+    </p:spTree>
+  </p:cSld>
+  <p:clrMapOvr>
+    <a:masterClrMapping/>
+  </p:clrMapOvr>
+</p:sld>
+</file>
+
+<file path=ppt/slides/slide28.xml><?xml version="1.0" encoding="utf-8"?>
+<p:sld xmlns:a="http://schemas.openxmlformats.org/drawingml/2006/main" xmlns:r="http://schemas.openxmlformats.org/officeDocument/2006/relationships" xmlns:p="http://schemas.openxmlformats.org/presentationml/2006/main">
+  <p:cSld>
+    <p:spTree>
+      <p:nvGrpSpPr>
+        <p:cNvPr id="1" name=""/>
+        <p:cNvGrpSpPr/>
+        <p:nvPr/>
+      </p:nvGrpSpPr>
+      <p:grpSpPr/>
+      <p:sp>
+        <p:nvSpPr>
+          <p:cNvPr id="5" name="Title 4"/>
+          <p:cNvSpPr>
+            <a:spLocks noGrp="1"/>
+          </p:cNvSpPr>
+          <p:nvPr>
+            <p:ph type="title"/>
+          </p:nvPr>
+        </p:nvSpPr>
+        <p:spPr/>
+        <p:txBody>
+          <a:bodyPr/>
+          <a:p>
+            <a:r>
+              <a:rPr lang="zh-CN"/>
+              <a:t>从命令行指定编译器</a:t>
+            </a:r>
+            <a:endParaRPr lang="zh-CN"/>
+          </a:p>
+        </p:txBody>
+      </p:sp>
+      <p:pic>
+        <p:nvPicPr>
+          <p:cNvPr id="9" name="Picture 8"/>
+          <p:cNvPicPr>
+            <a:picLocks noChangeAspect="1"/>
+          </p:cNvPicPr>
+          <p:nvPr/>
+        </p:nvPicPr>
+        <p:blipFill>
+          <a:blip r:embed="rId1"/>
+          <a:stretch>
+            <a:fillRect/>
+          </a:stretch>
+        </p:blipFill>
+        <p:spPr>
+          <a:xfrm>
+            <a:off x="1078865" y="2000250"/>
+            <a:ext cx="9653270" cy="528320"/>
+          </a:xfrm>
+          <a:prstGeom prst="rect">
+            <a:avLst/>
+          </a:prstGeom>
+        </p:spPr>
+      </p:pic>
+      <p:pic>
+        <p:nvPicPr>
+          <p:cNvPr id="12" name="Content Placeholder 11"/>
+          <p:cNvPicPr>
+            <a:picLocks noChangeAspect="1"/>
+          </p:cNvPicPr>
+          <p:nvPr>
+            <p:ph idx="1"/>
+          </p:nvPr>
+        </p:nvPicPr>
+        <p:blipFill>
+          <a:blip r:embed="rId2"/>
+          <a:stretch>
+            <a:fillRect/>
+          </a:stretch>
+        </p:blipFill>
+        <p:spPr>
+          <a:xfrm>
+            <a:off x="1343660" y="3425825"/>
+            <a:ext cx="9123680" cy="2376170"/>
+          </a:xfrm>
+          <a:prstGeom prst="rect">
+            <a:avLst/>
+          </a:prstGeom>
+        </p:spPr>
+      </p:pic>
+    </p:spTree>
+  </p:cSld>
+  <p:clrMapOvr>
+    <a:masterClrMapping/>
+  </p:clrMapOvr>
+</p:sld>
+</file>
+
+<file path=ppt/slides/slide29.xml><?xml version="1.0" encoding="utf-8"?>
+<p:sld xmlns:a="http://schemas.openxmlformats.org/drawingml/2006/main" xmlns:r="http://schemas.openxmlformats.org/officeDocument/2006/relationships" xmlns:p="http://schemas.openxmlformats.org/presentationml/2006/main">
+  <p:cSld>
+    <p:spTree>
+      <p:nvGrpSpPr>
+        <p:cNvPr id="1" name=""/>
+        <p:cNvGrpSpPr/>
+        <p:nvPr/>
+      </p:nvGrpSpPr>
+      <p:grpSpPr/>
+      <p:sp>
+        <p:nvSpPr>
+          <p:cNvPr id="4" name="Title 3"/>
+          <p:cNvSpPr>
+            <a:spLocks noGrp="1"/>
+          </p:cNvSpPr>
+          <p:nvPr>
+            <p:ph type="title"/>
+          </p:nvPr>
+        </p:nvSpPr>
+        <p:spPr/>
+        <p:txBody>
+          <a:bodyPr/>
+          <a:p>
+            <a:r>
+              <a:rPr lang="zh-CN" altLang="en-US"/>
+              <a:t>第</a:t>
+            </a:r>
+            <a:r>
+              <a:rPr lang="en-US" altLang="zh-CN"/>
+              <a:t>3</a:t>
+            </a:r>
+            <a:r>
+              <a:rPr lang="zh-CN" altLang="en-US"/>
+              <a:t>章：变量系统</a:t>
+            </a:r>
+            <a:endParaRPr lang="zh-CN" altLang="en-US"/>
+          </a:p>
+        </p:txBody>
+      </p:sp>
+    </p:spTree>
+  </p:cSld>
+  <p:clrMapOvr>
+    <a:masterClrMapping/>
+  </p:clrMapOvr>
+</p:sld>
+</file>
+
 <file path=ppt/slides/slide3.xml><?xml version="1.0" encoding="utf-8"?>
 <p:sld xmlns:a="http://schemas.openxmlformats.org/drawingml/2006/main" xmlns:r="http://schemas.openxmlformats.org/officeDocument/2006/relationships" xmlns:p="http://schemas.openxmlformats.org/presentationml/2006/main">
   <p:cSld>
@@ -4329,6 +5692,926 @@
           <a:xfrm>
             <a:off x="3698240" y="3083560"/>
             <a:ext cx="4413885" cy="1835150"/>
+          </a:xfrm>
+          <a:prstGeom prst="rect">
+            <a:avLst/>
+          </a:prstGeom>
+        </p:spPr>
+      </p:pic>
+    </p:spTree>
+  </p:cSld>
+  <p:clrMapOvr>
+    <a:masterClrMapping/>
+  </p:clrMapOvr>
+</p:sld>
+</file>
+
+<file path=ppt/slides/slide30.xml><?xml version="1.0" encoding="utf-8"?>
+<p:sld xmlns:a="http://schemas.openxmlformats.org/drawingml/2006/main" xmlns:r="http://schemas.openxmlformats.org/officeDocument/2006/relationships" xmlns:p="http://schemas.openxmlformats.org/presentationml/2006/main">
+  <p:cSld>
+    <p:spTree>
+      <p:nvGrpSpPr>
+        <p:cNvPr id="1" name=""/>
+        <p:cNvGrpSpPr/>
+        <p:nvPr/>
+      </p:nvGrpSpPr>
+      <p:grpSpPr/>
+      <p:sp>
+        <p:nvSpPr>
+          <p:cNvPr id="3" name="Title 2"/>
+          <p:cNvSpPr>
+            <a:spLocks noGrp="1"/>
+          </p:cNvSpPr>
+          <p:nvPr>
+            <p:ph type="title"/>
+          </p:nvPr>
+        </p:nvSpPr>
+        <p:spPr/>
+        <p:txBody>
+          <a:bodyPr/>
+          <a:p>
+            <a:r>
+              <a:rPr lang="zh-CN" altLang="en-US"/>
+              <a:t>在运行</a:t>
+            </a:r>
+            <a:r>
+              <a:rPr lang="en-US" altLang="zh-CN"/>
+              <a:t> cmake -B build </a:t>
+            </a:r>
+            <a:r>
+              <a:rPr lang="zh-CN" altLang="en-US"/>
+              <a:t>时，打印字符串（用于调试）</a:t>
+            </a:r>
+            <a:endParaRPr lang="en-US" altLang="zh-CN"/>
+          </a:p>
+        </p:txBody>
+      </p:sp>
+      <p:pic>
+        <p:nvPicPr>
+          <p:cNvPr id="5" name="Content Placeholder 4"/>
+          <p:cNvPicPr>
+            <a:picLocks noChangeAspect="1"/>
+          </p:cNvPicPr>
+          <p:nvPr>
+            <p:ph idx="1"/>
+          </p:nvPr>
+        </p:nvPicPr>
+        <p:blipFill>
+          <a:blip r:embed="rId1"/>
+          <a:stretch>
+            <a:fillRect/>
+          </a:stretch>
+        </p:blipFill>
+        <p:spPr>
+          <a:xfrm>
+            <a:off x="2114550" y="2724785"/>
+            <a:ext cx="7581900" cy="3819525"/>
+          </a:xfrm>
+          <a:prstGeom prst="rect">
+            <a:avLst/>
+          </a:prstGeom>
+        </p:spPr>
+      </p:pic>
+      <p:pic>
+        <p:nvPicPr>
+          <p:cNvPr id="6" name="Picture 5"/>
+          <p:cNvPicPr>
+            <a:picLocks noChangeAspect="1"/>
+          </p:cNvPicPr>
+          <p:nvPr/>
+        </p:nvPicPr>
+        <p:blipFill>
+          <a:blip r:embed="rId2"/>
+          <a:stretch>
+            <a:fillRect/>
+          </a:stretch>
+        </p:blipFill>
+        <p:spPr>
+          <a:xfrm>
+            <a:off x="4643120" y="2136140"/>
+            <a:ext cx="2251710" cy="337820"/>
+          </a:xfrm>
+          <a:prstGeom prst="rect">
+            <a:avLst/>
+          </a:prstGeom>
+        </p:spPr>
+      </p:pic>
+      <p:pic>
+        <p:nvPicPr>
+          <p:cNvPr id="8" name="Picture 7"/>
+          <p:cNvPicPr>
+            <a:picLocks noChangeAspect="1"/>
+          </p:cNvPicPr>
+          <p:nvPr/>
+        </p:nvPicPr>
+        <p:blipFill>
+          <a:blip r:embed="rId3"/>
+          <a:stretch>
+            <a:fillRect/>
+          </a:stretch>
+        </p:blipFill>
+        <p:spPr>
+          <a:xfrm>
+            <a:off x="4287520" y="1337945"/>
+            <a:ext cx="2962275" cy="542925"/>
+          </a:xfrm>
+          <a:prstGeom prst="rect">
+            <a:avLst/>
+          </a:prstGeom>
+        </p:spPr>
+      </p:pic>
+      <p:cxnSp>
+        <p:nvCxnSpPr>
+          <p:cNvPr id="9" name="Straight Connector 8"/>
+          <p:cNvCxnSpPr/>
+          <p:nvPr/>
+        </p:nvCxnSpPr>
+        <p:spPr>
+          <a:xfrm>
+            <a:off x="2114550" y="5804535"/>
+            <a:ext cx="1420495" cy="0"/>
+          </a:xfrm>
+          <a:prstGeom prst="line">
+            <a:avLst/>
+          </a:prstGeom>
+        </p:spPr>
+        <p:style>
+          <a:lnRef idx="1">
+            <a:schemeClr val="accent1"/>
+          </a:lnRef>
+          <a:fillRef idx="0">
+            <a:schemeClr val="accent1"/>
+          </a:fillRef>
+          <a:effectRef idx="0">
+            <a:schemeClr val="accent1"/>
+          </a:effectRef>
+          <a:fontRef idx="minor">
+            <a:schemeClr val="tx1"/>
+          </a:fontRef>
+        </p:style>
+      </p:cxnSp>
+    </p:spTree>
+  </p:cSld>
+  <p:clrMapOvr>
+    <a:masterClrMapping/>
+  </p:clrMapOvr>
+</p:sld>
+</file>
+
+<file path=ppt/slides/slide31.xml><?xml version="1.0" encoding="utf-8"?>
+<p:sld xmlns:a="http://schemas.openxmlformats.org/drawingml/2006/main" xmlns:r="http://schemas.openxmlformats.org/officeDocument/2006/relationships" xmlns:p="http://schemas.openxmlformats.org/presentationml/2006/main">
+  <p:cSld>
+    <p:spTree>
+      <p:nvGrpSpPr>
+        <p:cNvPr id="1" name=""/>
+        <p:cNvGrpSpPr/>
+        <p:nvPr/>
+      </p:nvGrpSpPr>
+      <p:grpSpPr/>
+      <p:sp>
+        <p:nvSpPr>
+          <p:cNvPr id="3" name="Title 2"/>
+          <p:cNvSpPr>
+            <a:spLocks noGrp="1"/>
+          </p:cNvSpPr>
+          <p:nvPr>
+            <p:ph type="title"/>
+          </p:nvPr>
+        </p:nvSpPr>
+        <p:spPr/>
+        <p:txBody>
+          <a:bodyPr/>
+          <a:p>
+            <a:r>
+              <a:rPr lang="en-US"/>
+              <a:t>message(STATUS “...”) </a:t>
+            </a:r>
+            <a:r>
+              <a:rPr lang="zh-CN" altLang="en-US"/>
+              <a:t>表示信息类型是状态信息，有</a:t>
+            </a:r>
+            <a:r>
+              <a:rPr lang="en-US" altLang="zh-CN"/>
+              <a:t> -- </a:t>
+            </a:r>
+            <a:r>
+              <a:rPr lang="zh-CN" altLang="en-US"/>
+              <a:t>前缀</a:t>
+            </a:r>
+            <a:endParaRPr lang="zh-CN" altLang="en-US"/>
+          </a:p>
+        </p:txBody>
+      </p:sp>
+      <p:pic>
+        <p:nvPicPr>
+          <p:cNvPr id="4" name="Content Placeholder 3"/>
+          <p:cNvPicPr>
+            <a:picLocks noChangeAspect="1"/>
+          </p:cNvPicPr>
+          <p:nvPr>
+            <p:ph idx="1"/>
+          </p:nvPr>
+        </p:nvPicPr>
+        <p:blipFill>
+          <a:blip r:embed="rId1"/>
+          <a:stretch>
+            <a:fillRect/>
+          </a:stretch>
+        </p:blipFill>
+        <p:spPr>
+          <a:xfrm>
+            <a:off x="2211705" y="2755900"/>
+            <a:ext cx="7591425" cy="3838575"/>
+          </a:xfrm>
+          <a:prstGeom prst="rect">
+            <a:avLst/>
+          </a:prstGeom>
+        </p:spPr>
+      </p:pic>
+      <p:pic>
+        <p:nvPicPr>
+          <p:cNvPr id="7" name="Picture 6"/>
+          <p:cNvPicPr>
+            <a:picLocks noChangeAspect="1"/>
+          </p:cNvPicPr>
+          <p:nvPr/>
+        </p:nvPicPr>
+        <p:blipFill>
+          <a:blip r:embed="rId2"/>
+          <a:stretch>
+            <a:fillRect/>
+          </a:stretch>
+        </p:blipFill>
+        <p:spPr>
+          <a:xfrm>
+            <a:off x="3416935" y="1553845"/>
+            <a:ext cx="4765675" cy="579120"/>
+          </a:xfrm>
+          <a:prstGeom prst="rect">
+            <a:avLst/>
+          </a:prstGeom>
+        </p:spPr>
+      </p:pic>
+      <p:cxnSp>
+        <p:nvCxnSpPr>
+          <p:cNvPr id="9" name="Straight Connector 8"/>
+          <p:cNvCxnSpPr/>
+          <p:nvPr/>
+        </p:nvCxnSpPr>
+        <p:spPr>
+          <a:xfrm>
+            <a:off x="2211705" y="5866130"/>
+            <a:ext cx="1670685" cy="0"/>
+          </a:xfrm>
+          <a:prstGeom prst="line">
+            <a:avLst/>
+          </a:prstGeom>
+        </p:spPr>
+        <p:style>
+          <a:lnRef idx="1">
+            <a:schemeClr val="accent1"/>
+          </a:lnRef>
+          <a:fillRef idx="0">
+            <a:schemeClr val="accent1"/>
+          </a:fillRef>
+          <a:effectRef idx="0">
+            <a:schemeClr val="accent1"/>
+          </a:effectRef>
+          <a:fontRef idx="minor">
+            <a:schemeClr val="tx1"/>
+          </a:fontRef>
+        </p:style>
+      </p:cxnSp>
+    </p:spTree>
+  </p:cSld>
+  <p:clrMapOvr>
+    <a:masterClrMapping/>
+  </p:clrMapOvr>
+</p:sld>
+</file>
+
+<file path=ppt/slides/slide32.xml><?xml version="1.0" encoding="utf-8"?>
+<p:sld xmlns:a="http://schemas.openxmlformats.org/drawingml/2006/main" xmlns:r="http://schemas.openxmlformats.org/officeDocument/2006/relationships" xmlns:p="http://schemas.openxmlformats.org/presentationml/2006/main">
+  <p:cSld>
+    <p:spTree>
+      <p:nvGrpSpPr>
+        <p:cNvPr id="1" name=""/>
+        <p:cNvGrpSpPr/>
+        <p:nvPr/>
+      </p:nvGrpSpPr>
+      <p:grpSpPr/>
+      <p:sp>
+        <p:nvSpPr>
+          <p:cNvPr id="3" name="Title 2"/>
+          <p:cNvSpPr>
+            <a:spLocks noGrp="1"/>
+          </p:cNvSpPr>
+          <p:nvPr>
+            <p:ph type="title"/>
+          </p:nvPr>
+        </p:nvSpPr>
+        <p:spPr/>
+        <p:txBody>
+          <a:bodyPr/>
+          <a:p>
+            <a:r>
+              <a:rPr lang="en-US"/>
+              <a:t>message(WARNING “...”) </a:t>
+            </a:r>
+            <a:r>
+              <a:rPr lang="zh-CN" altLang="en-US"/>
+              <a:t>表示是警告信息</a:t>
+            </a:r>
+            <a:endParaRPr lang="zh-CN" altLang="en-US"/>
+          </a:p>
+        </p:txBody>
+      </p:sp>
+      <p:pic>
+        <p:nvPicPr>
+          <p:cNvPr id="5" name="Content Placeholder 4"/>
+          <p:cNvPicPr>
+            <a:picLocks noChangeAspect="1"/>
+          </p:cNvPicPr>
+          <p:nvPr>
+            <p:ph idx="1"/>
+          </p:nvPr>
+        </p:nvPicPr>
+        <p:blipFill>
+          <a:blip r:embed="rId1"/>
+          <a:stretch>
+            <a:fillRect/>
+          </a:stretch>
+        </p:blipFill>
+        <p:spPr>
+          <a:xfrm>
+            <a:off x="2438400" y="2506345"/>
+            <a:ext cx="6934200" cy="4351655"/>
+          </a:xfrm>
+          <a:prstGeom prst="rect">
+            <a:avLst/>
+          </a:prstGeom>
+        </p:spPr>
+      </p:pic>
+      <p:cxnSp>
+        <p:nvCxnSpPr>
+          <p:cNvPr id="9" name="Straight Connector 8"/>
+          <p:cNvCxnSpPr/>
+          <p:nvPr/>
+        </p:nvCxnSpPr>
+        <p:spPr>
+          <a:xfrm>
+            <a:off x="2640965" y="5814695"/>
+            <a:ext cx="2232660" cy="0"/>
+          </a:xfrm>
+          <a:prstGeom prst="line">
+            <a:avLst/>
+          </a:prstGeom>
+        </p:spPr>
+        <p:style>
+          <a:lnRef idx="1">
+            <a:schemeClr val="accent1"/>
+          </a:lnRef>
+          <a:fillRef idx="0">
+            <a:schemeClr val="accent1"/>
+          </a:fillRef>
+          <a:effectRef idx="0">
+            <a:schemeClr val="accent1"/>
+          </a:effectRef>
+          <a:fontRef idx="minor">
+            <a:schemeClr val="tx1"/>
+          </a:fontRef>
+        </p:style>
+      </p:cxnSp>
+      <p:pic>
+        <p:nvPicPr>
+          <p:cNvPr id="8" name="Picture 7"/>
+          <p:cNvPicPr>
+            <a:picLocks noChangeAspect="1"/>
+          </p:cNvPicPr>
+          <p:nvPr/>
+        </p:nvPicPr>
+        <p:blipFill>
+          <a:blip r:embed="rId2"/>
+          <a:stretch>
+            <a:fillRect/>
+          </a:stretch>
+        </p:blipFill>
+        <p:spPr>
+          <a:xfrm>
+            <a:off x="3266440" y="1310640"/>
+            <a:ext cx="5494655" cy="863600"/>
+          </a:xfrm>
+          <a:prstGeom prst="rect">
+            <a:avLst/>
+          </a:prstGeom>
+        </p:spPr>
+      </p:pic>
+    </p:spTree>
+  </p:cSld>
+  <p:clrMapOvr>
+    <a:masterClrMapping/>
+  </p:clrMapOvr>
+</p:sld>
+</file>
+
+<file path=ppt/slides/slide33.xml><?xml version="1.0" encoding="utf-8"?>
+<p:sld xmlns:a="http://schemas.openxmlformats.org/drawingml/2006/main" xmlns:r="http://schemas.openxmlformats.org/officeDocument/2006/relationships" xmlns:p="http://schemas.openxmlformats.org/presentationml/2006/main">
+  <p:cSld>
+    <p:spTree>
+      <p:nvGrpSpPr>
+        <p:cNvPr id="1" name=""/>
+        <p:cNvGrpSpPr/>
+        <p:nvPr/>
+      </p:nvGrpSpPr>
+      <p:grpSpPr/>
+      <p:pic>
+        <p:nvPicPr>
+          <p:cNvPr id="6" name="Content Placeholder 5"/>
+          <p:cNvPicPr>
+            <a:picLocks noChangeAspect="1"/>
+          </p:cNvPicPr>
+          <p:nvPr>
+            <p:ph idx="1"/>
+          </p:nvPr>
+        </p:nvPicPr>
+        <p:blipFill>
+          <a:blip r:embed="rId1"/>
+          <a:stretch>
+            <a:fillRect/>
+          </a:stretch>
+        </p:blipFill>
+        <p:spPr>
+          <a:xfrm>
+            <a:off x="2432685" y="2506345"/>
+            <a:ext cx="6946265" cy="4351655"/>
+          </a:xfrm>
+          <a:prstGeom prst="rect">
+            <a:avLst/>
+          </a:prstGeom>
+        </p:spPr>
+      </p:pic>
+      <p:sp>
+        <p:nvSpPr>
+          <p:cNvPr id="3" name="Title 2"/>
+          <p:cNvSpPr>
+            <a:spLocks noGrp="1"/>
+          </p:cNvSpPr>
+          <p:nvPr>
+            <p:ph type="title"/>
+          </p:nvPr>
+        </p:nvSpPr>
+        <p:spPr/>
+        <p:txBody>
+          <a:bodyPr/>
+          <a:p>
+            <a:r>
+              <a:rPr lang="en-US"/>
+              <a:t>message(AUTHOR_WARNING “...”) </a:t>
+            </a:r>
+            <a:r>
+              <a:rPr lang="zh-CN" altLang="en-US"/>
+              <a:t>表示是仅仅给项目作者看的警告信息</a:t>
+            </a:r>
+            <a:endParaRPr lang="zh-CN" altLang="en-US"/>
+          </a:p>
+        </p:txBody>
+      </p:sp>
+      <p:cxnSp>
+        <p:nvCxnSpPr>
+          <p:cNvPr id="9" name="Straight Connector 8"/>
+          <p:cNvCxnSpPr/>
+          <p:nvPr/>
+        </p:nvCxnSpPr>
+        <p:spPr>
+          <a:xfrm>
+            <a:off x="2640965" y="5814695"/>
+            <a:ext cx="2232660" cy="0"/>
+          </a:xfrm>
+          <a:prstGeom prst="line">
+            <a:avLst/>
+          </a:prstGeom>
+        </p:spPr>
+        <p:style>
+          <a:lnRef idx="1">
+            <a:schemeClr val="accent1"/>
+          </a:lnRef>
+          <a:fillRef idx="0">
+            <a:schemeClr val="accent1"/>
+          </a:fillRef>
+          <a:effectRef idx="0">
+            <a:schemeClr val="accent1"/>
+          </a:effectRef>
+          <a:fontRef idx="minor">
+            <a:schemeClr val="tx1"/>
+          </a:fontRef>
+        </p:style>
+      </p:cxnSp>
+      <p:pic>
+        <p:nvPicPr>
+          <p:cNvPr id="2" name="Picture 1"/>
+          <p:cNvPicPr>
+            <a:picLocks noChangeAspect="1"/>
+          </p:cNvPicPr>
+          <p:nvPr/>
+        </p:nvPicPr>
+        <p:blipFill>
+          <a:blip r:embed="rId2"/>
+          <a:stretch>
+            <a:fillRect/>
+          </a:stretch>
+        </p:blipFill>
+        <p:spPr>
+          <a:xfrm>
+            <a:off x="2778125" y="1430655"/>
+            <a:ext cx="6473825" cy="787400"/>
+          </a:xfrm>
+          <a:prstGeom prst="rect">
+            <a:avLst/>
+          </a:prstGeom>
+        </p:spPr>
+      </p:pic>
+    </p:spTree>
+  </p:cSld>
+  <p:clrMapOvr>
+    <a:masterClrMapping/>
+  </p:clrMapOvr>
+</p:sld>
+</file>
+
+<file path=ppt/slides/slide34.xml><?xml version="1.0" encoding="utf-8"?>
+<p:sld xmlns:a="http://schemas.openxmlformats.org/drawingml/2006/main" xmlns:r="http://schemas.openxmlformats.org/officeDocument/2006/relationships" xmlns:p="http://schemas.openxmlformats.org/presentationml/2006/main">
+  <p:cSld>
+    <p:spTree>
+      <p:nvGrpSpPr>
+        <p:cNvPr id="1" name=""/>
+        <p:cNvGrpSpPr/>
+        <p:nvPr/>
+      </p:nvGrpSpPr>
+      <p:grpSpPr/>
+      <p:pic>
+        <p:nvPicPr>
+          <p:cNvPr id="5" name="Content Placeholder 4"/>
+          <p:cNvPicPr>
+            <a:picLocks noChangeAspect="1"/>
+          </p:cNvPicPr>
+          <p:nvPr>
+            <p:ph idx="1"/>
+          </p:nvPr>
+        </p:nvPicPr>
+        <p:blipFill>
+          <a:blip r:embed="rId1"/>
+          <a:stretch>
+            <a:fillRect/>
+          </a:stretch>
+        </p:blipFill>
+        <p:spPr>
+          <a:xfrm>
+            <a:off x="2204720" y="2469515"/>
+            <a:ext cx="7620000" cy="4105275"/>
+          </a:xfrm>
+          <a:prstGeom prst="rect">
+            <a:avLst/>
+          </a:prstGeom>
+        </p:spPr>
+      </p:pic>
+      <p:sp>
+        <p:nvSpPr>
+          <p:cNvPr id="3" name="Title 2"/>
+          <p:cNvSpPr>
+            <a:spLocks noGrp="1"/>
+          </p:cNvSpPr>
+          <p:nvPr>
+            <p:ph type="title"/>
+          </p:nvPr>
+        </p:nvSpPr>
+        <p:spPr/>
+        <p:txBody>
+          <a:bodyPr/>
+          <a:p>
+            <a:r>
+              <a:rPr lang="en-US"/>
+              <a:t>AUTHOR_WARNING </a:t>
+            </a:r>
+            <a:r>
+              <a:rPr lang="zh-CN" altLang="en-US"/>
+              <a:t>的不同之处：可以通过</a:t>
+            </a:r>
+            <a:r>
+              <a:rPr lang="en-US" altLang="zh-CN"/>
+              <a:t> -Wno-dev </a:t>
+            </a:r>
+            <a:r>
+              <a:rPr lang="zh-CN" altLang="en-US"/>
+              <a:t>关闭</a:t>
+            </a:r>
+            <a:endParaRPr lang="zh-CN" altLang="en-US"/>
+          </a:p>
+        </p:txBody>
+      </p:sp>
+      <p:pic>
+        <p:nvPicPr>
+          <p:cNvPr id="2" name="Picture 1"/>
+          <p:cNvPicPr>
+            <a:picLocks noChangeAspect="1"/>
+          </p:cNvPicPr>
+          <p:nvPr/>
+        </p:nvPicPr>
+        <p:blipFill>
+          <a:blip r:embed="rId2"/>
+          <a:stretch>
+            <a:fillRect/>
+          </a:stretch>
+        </p:blipFill>
+        <p:spPr>
+          <a:xfrm>
+            <a:off x="2778125" y="1430655"/>
+            <a:ext cx="6473825" cy="787400"/>
+          </a:xfrm>
+          <a:prstGeom prst="rect">
+            <a:avLst/>
+          </a:prstGeom>
+        </p:spPr>
+      </p:pic>
+      <p:cxnSp>
+        <p:nvCxnSpPr>
+          <p:cNvPr id="7" name="Straight Connector 6"/>
+          <p:cNvCxnSpPr/>
+          <p:nvPr/>
+        </p:nvCxnSpPr>
+        <p:spPr>
+          <a:xfrm>
+            <a:off x="8374380" y="2728595"/>
+            <a:ext cx="934720" cy="0"/>
+          </a:xfrm>
+          <a:prstGeom prst="line">
+            <a:avLst/>
+          </a:prstGeom>
+        </p:spPr>
+        <p:style>
+          <a:lnRef idx="1">
+            <a:schemeClr val="accent1"/>
+          </a:lnRef>
+          <a:fillRef idx="0">
+            <a:schemeClr val="accent1"/>
+          </a:fillRef>
+          <a:effectRef idx="0">
+            <a:schemeClr val="accent1"/>
+          </a:effectRef>
+          <a:fontRef idx="minor">
+            <a:schemeClr val="tx1"/>
+          </a:fontRef>
+        </p:style>
+      </p:cxnSp>
+    </p:spTree>
+  </p:cSld>
+  <p:clrMapOvr>
+    <a:masterClrMapping/>
+  </p:clrMapOvr>
+</p:sld>
+</file>
+
+<file path=ppt/slides/slide35.xml><?xml version="1.0" encoding="utf-8"?>
+<p:sld xmlns:a="http://schemas.openxmlformats.org/drawingml/2006/main" xmlns:r="http://schemas.openxmlformats.org/officeDocument/2006/relationships" xmlns:p="http://schemas.openxmlformats.org/presentationml/2006/main">
+  <p:cSld>
+    <p:spTree>
+      <p:nvGrpSpPr>
+        <p:cNvPr id="1" name=""/>
+        <p:cNvGrpSpPr/>
+        <p:nvPr/>
+      </p:nvGrpSpPr>
+      <p:grpSpPr/>
+      <p:pic>
+        <p:nvPicPr>
+          <p:cNvPr id="10" name="Content Placeholder 9"/>
+          <p:cNvPicPr>
+            <a:picLocks noChangeAspect="1"/>
+          </p:cNvPicPr>
+          <p:nvPr>
+            <p:ph idx="1"/>
+          </p:nvPr>
+        </p:nvPicPr>
+        <p:blipFill>
+          <a:blip r:embed="rId1"/>
+          <a:stretch>
+            <a:fillRect/>
+          </a:stretch>
+        </p:blipFill>
+        <p:spPr>
+          <a:xfrm>
+            <a:off x="2110740" y="2506345"/>
+            <a:ext cx="7589520" cy="4351655"/>
+          </a:xfrm>
+          <a:prstGeom prst="rect">
+            <a:avLst/>
+          </a:prstGeom>
+        </p:spPr>
+      </p:pic>
+      <p:sp>
+        <p:nvSpPr>
+          <p:cNvPr id="3" name="Title 2"/>
+          <p:cNvSpPr>
+            <a:spLocks noGrp="1"/>
+          </p:cNvSpPr>
+          <p:nvPr>
+            <p:ph type="title"/>
+          </p:nvPr>
+        </p:nvSpPr>
+        <p:spPr/>
+        <p:txBody>
+          <a:bodyPr/>
+          <a:p>
+            <a:r>
+              <a:rPr lang="en-US"/>
+              <a:t>message(FATAL_ERROR “...”) </a:t>
+            </a:r>
+            <a:r>
+              <a:rPr lang="zh-CN" altLang="en-US"/>
+              <a:t>表示是错误信息，会终止</a:t>
+            </a:r>
+            <a:r>
+              <a:rPr lang="en-US" altLang="zh-CN"/>
+              <a:t> CMake </a:t>
+            </a:r>
+            <a:r>
+              <a:rPr lang="zh-CN" altLang="en-US"/>
+              <a:t>的运行</a:t>
+            </a:r>
+            <a:endParaRPr lang="zh-CN" altLang="en-US"/>
+          </a:p>
+        </p:txBody>
+      </p:sp>
+      <p:cxnSp>
+        <p:nvCxnSpPr>
+          <p:cNvPr id="9" name="Straight Connector 8"/>
+          <p:cNvCxnSpPr/>
+          <p:nvPr/>
+        </p:nvCxnSpPr>
+        <p:spPr>
+          <a:xfrm>
+            <a:off x="2293620" y="5957570"/>
+            <a:ext cx="2600960" cy="0"/>
+          </a:xfrm>
+          <a:prstGeom prst="line">
+            <a:avLst/>
+          </a:prstGeom>
+        </p:spPr>
+        <p:style>
+          <a:lnRef idx="1">
+            <a:schemeClr val="accent1"/>
+          </a:lnRef>
+          <a:fillRef idx="0">
+            <a:schemeClr val="accent1"/>
+          </a:fillRef>
+          <a:effectRef idx="0">
+            <a:schemeClr val="accent1"/>
+          </a:effectRef>
+          <a:fontRef idx="minor">
+            <a:schemeClr val="tx1"/>
+          </a:fontRef>
+        </p:style>
+      </p:cxnSp>
+      <p:pic>
+        <p:nvPicPr>
+          <p:cNvPr id="6" name="Picture 5"/>
+          <p:cNvPicPr>
+            <a:picLocks noChangeAspect="1"/>
+          </p:cNvPicPr>
+          <p:nvPr/>
+        </p:nvPicPr>
+        <p:blipFill>
+          <a:blip r:embed="rId2"/>
+          <a:stretch>
+            <a:fillRect/>
+          </a:stretch>
+        </p:blipFill>
+        <p:spPr>
+          <a:xfrm>
+            <a:off x="2875280" y="1274445"/>
+            <a:ext cx="6216650" cy="1121410"/>
+          </a:xfrm>
+          <a:prstGeom prst="rect">
+            <a:avLst/>
+          </a:prstGeom>
+        </p:spPr>
+      </p:pic>
+    </p:spTree>
+  </p:cSld>
+  <p:clrMapOvr>
+    <a:masterClrMapping/>
+  </p:clrMapOvr>
+</p:sld>
+</file>
+
+<file path=ppt/slides/slide36.xml><?xml version="1.0" encoding="utf-8"?>
+<p:sld xmlns:a="http://schemas.openxmlformats.org/drawingml/2006/main" xmlns:r="http://schemas.openxmlformats.org/officeDocument/2006/relationships" xmlns:p="http://schemas.openxmlformats.org/presentationml/2006/main">
+  <p:cSld>
+    <p:spTree>
+      <p:nvGrpSpPr>
+        <p:cNvPr id="1" name=""/>
+        <p:cNvGrpSpPr/>
+        <p:nvPr/>
+      </p:nvGrpSpPr>
+      <p:grpSpPr/>
+      <p:pic>
+        <p:nvPicPr>
+          <p:cNvPr id="4" name="Content Placeholder 3"/>
+          <p:cNvPicPr>
+            <a:picLocks noChangeAspect="1"/>
+          </p:cNvPicPr>
+          <p:nvPr>
+            <p:ph idx="1"/>
+          </p:nvPr>
+        </p:nvPicPr>
+        <p:blipFill>
+          <a:blip r:embed="rId1"/>
+          <a:stretch>
+            <a:fillRect/>
+          </a:stretch>
+        </p:blipFill>
+        <p:spPr>
+          <a:xfrm>
+            <a:off x="2293620" y="2506345"/>
+            <a:ext cx="7190740" cy="4351655"/>
+          </a:xfrm>
+          <a:prstGeom prst="rect">
+            <a:avLst/>
+          </a:prstGeom>
+        </p:spPr>
+      </p:pic>
+      <p:sp>
+        <p:nvSpPr>
+          <p:cNvPr id="3" name="Title 2"/>
+          <p:cNvSpPr>
+            <a:spLocks noGrp="1"/>
+          </p:cNvSpPr>
+          <p:nvPr>
+            <p:ph type="title"/>
+          </p:nvPr>
+        </p:nvSpPr>
+        <p:spPr/>
+        <p:txBody>
+          <a:bodyPr/>
+          <a:p>
+            <a:r>
+              <a:rPr lang="en-US"/>
+              <a:t>message(SEND_ERROR “...”) </a:t>
+            </a:r>
+            <a:r>
+              <a:rPr lang="zh-CN" altLang="en-US"/>
+              <a:t>表示是错误信息，但之后的语句仍继续执行</a:t>
+            </a:r>
+            <a:endParaRPr lang="zh-CN" altLang="en-US"/>
+          </a:p>
+        </p:txBody>
+      </p:sp>
+      <p:cxnSp>
+        <p:nvCxnSpPr>
+          <p:cNvPr id="9" name="Straight Connector 8"/>
+          <p:cNvCxnSpPr/>
+          <p:nvPr/>
+        </p:nvCxnSpPr>
+        <p:spPr>
+          <a:xfrm>
+            <a:off x="2293620" y="6457950"/>
+            <a:ext cx="1670685" cy="0"/>
+          </a:xfrm>
+          <a:prstGeom prst="line">
+            <a:avLst/>
+          </a:prstGeom>
+        </p:spPr>
+        <p:style>
+          <a:lnRef idx="1">
+            <a:schemeClr val="accent1"/>
+          </a:lnRef>
+          <a:fillRef idx="0">
+            <a:schemeClr val="accent1"/>
+          </a:fillRef>
+          <a:effectRef idx="0">
+            <a:schemeClr val="accent1"/>
+          </a:effectRef>
+          <a:fontRef idx="minor">
+            <a:schemeClr val="tx1"/>
+          </a:fontRef>
+        </p:style>
+      </p:cxnSp>
+      <p:pic>
+        <p:nvPicPr>
+          <p:cNvPr id="5" name="Picture 4"/>
+          <p:cNvPicPr>
+            <a:picLocks noChangeAspect="1"/>
+          </p:cNvPicPr>
+          <p:nvPr/>
+        </p:nvPicPr>
+        <p:blipFill>
+          <a:blip r:embed="rId2"/>
+          <a:stretch>
+            <a:fillRect/>
+          </a:stretch>
+        </p:blipFill>
+        <p:spPr>
+          <a:xfrm>
+            <a:off x="3234055" y="1330960"/>
+            <a:ext cx="5343525" cy="1028700"/>
           </a:xfrm>
           <a:prstGeom prst="rect">
             <a:avLst/>

--- a/11/slides.pptx
+++ b/11/slides.pptx
@@ -5,10 +5,10 @@
     <p:sldMasterId id="2147483648" r:id="rId1"/>
   </p:sldMasterIdLst>
   <p:notesMasterIdLst>
-    <p:notesMasterId r:id="rId39"/>
+    <p:notesMasterId r:id="rId42"/>
   </p:notesMasterIdLst>
   <p:handoutMasterIdLst>
-    <p:handoutMasterId r:id="rId40"/>
+    <p:handoutMasterId r:id="rId43"/>
   </p:handoutMasterIdLst>
   <p:sldIdLst>
     <p:sldId id="256" r:id="rId3"/>
@@ -47,6 +47,9 @@
     <p:sldId id="304" r:id="rId36"/>
     <p:sldId id="305" r:id="rId37"/>
     <p:sldId id="306" r:id="rId38"/>
+    <p:sldId id="307" r:id="rId39"/>
+    <p:sldId id="308" r:id="rId40"/>
+    <p:sldId id="309" r:id="rId41"/>
   </p:sldIdLst>
   <p:sldSz cx="12192000" cy="6858000"/>
   <p:notesSz cx="7103745" cy="10234295"/>
@@ -5618,7 +5621,7 @@
             </a:r>
             <a:r>
               <a:rPr lang="zh-CN" altLang="en-US"/>
-              <a:t>章：变量系统</a:t>
+              <a:t>章：输出与变量</a:t>
             </a:r>
             <a:endParaRPr lang="zh-CN" altLang="en-US"/>
           </a:p>
@@ -6612,6 +6615,296 @@
           <a:xfrm>
             <a:off x="3234055" y="1330960"/>
             <a:ext cx="5343525" cy="1028700"/>
+          </a:xfrm>
+          <a:prstGeom prst="rect">
+            <a:avLst/>
+          </a:prstGeom>
+        </p:spPr>
+      </p:pic>
+    </p:spTree>
+  </p:cSld>
+  <p:clrMapOvr>
+    <a:masterClrMapping/>
+  </p:clrMapOvr>
+</p:sld>
+</file>
+
+<file path=ppt/slides/slide37.xml><?xml version="1.0" encoding="utf-8"?>
+<p:sld xmlns:a="http://schemas.openxmlformats.org/drawingml/2006/main" xmlns:r="http://schemas.openxmlformats.org/officeDocument/2006/relationships" xmlns:p="http://schemas.openxmlformats.org/presentationml/2006/main">
+  <p:cSld>
+    <p:spTree>
+      <p:nvGrpSpPr>
+        <p:cNvPr id="1" name=""/>
+        <p:cNvGrpSpPr/>
+        <p:nvPr/>
+      </p:nvGrpSpPr>
+      <p:grpSpPr/>
+      <p:sp>
+        <p:nvSpPr>
+          <p:cNvPr id="3" name="Title 2"/>
+          <p:cNvSpPr>
+            <a:spLocks noGrp="1"/>
+          </p:cNvSpPr>
+          <p:nvPr>
+            <p:ph type="title"/>
+          </p:nvPr>
+        </p:nvSpPr>
+        <p:spPr/>
+        <p:txBody>
+          <a:bodyPr/>
+          <a:p>
+            <a:r>
+              <a:rPr lang="en-US"/>
+              <a:t>message </a:t>
+            </a:r>
+            <a:r>
+              <a:rPr lang="zh-CN" altLang="en-US"/>
+              <a:t>可以用于打印变量</a:t>
+            </a:r>
+            <a:endParaRPr lang="zh-CN" altLang="en-US"/>
+          </a:p>
+        </p:txBody>
+      </p:sp>
+      <p:pic>
+        <p:nvPicPr>
+          <p:cNvPr id="12" name="Picture 11"/>
+          <p:cNvPicPr>
+            <a:picLocks noChangeAspect="1"/>
+          </p:cNvPicPr>
+          <p:nvPr/>
+        </p:nvPicPr>
+        <p:blipFill>
+          <a:blip r:embed="rId1"/>
+          <a:stretch>
+            <a:fillRect/>
+          </a:stretch>
+        </p:blipFill>
+        <p:spPr>
+          <a:xfrm>
+            <a:off x="4410075" y="5709920"/>
+            <a:ext cx="2991485" cy="976630"/>
+          </a:xfrm>
+          <a:prstGeom prst="rect">
+            <a:avLst/>
+          </a:prstGeom>
+        </p:spPr>
+      </p:pic>
+      <p:pic>
+        <p:nvPicPr>
+          <p:cNvPr id="14" name="Content Placeholder 13"/>
+          <p:cNvPicPr>
+            <a:picLocks noChangeAspect="1"/>
+          </p:cNvPicPr>
+          <p:nvPr>
+            <p:ph idx="1"/>
+          </p:nvPr>
+        </p:nvPicPr>
+        <p:blipFill>
+          <a:blip r:embed="rId2"/>
+          <a:stretch>
+            <a:fillRect/>
+          </a:stretch>
+        </p:blipFill>
+        <p:spPr>
+          <a:xfrm>
+            <a:off x="3282315" y="3435985"/>
+            <a:ext cx="5245735" cy="1130300"/>
+          </a:xfrm>
+          <a:prstGeom prst="rect">
+            <a:avLst/>
+          </a:prstGeom>
+        </p:spPr>
+      </p:pic>
+    </p:spTree>
+  </p:cSld>
+  <p:clrMapOvr>
+    <a:masterClrMapping/>
+  </p:clrMapOvr>
+</p:sld>
+</file>
+
+<file path=ppt/slides/slide38.xml><?xml version="1.0" encoding="utf-8"?>
+<p:sld xmlns:a="http://schemas.openxmlformats.org/drawingml/2006/main" xmlns:r="http://schemas.openxmlformats.org/officeDocument/2006/relationships" xmlns:p="http://schemas.openxmlformats.org/presentationml/2006/main">
+  <p:cSld>
+    <p:spTree>
+      <p:nvGrpSpPr>
+        <p:cNvPr id="1" name=""/>
+        <p:cNvGrpSpPr/>
+        <p:nvPr/>
+      </p:nvGrpSpPr>
+      <p:grpSpPr/>
+      <p:sp>
+        <p:nvSpPr>
+          <p:cNvPr id="3" name="Title 2"/>
+          <p:cNvSpPr>
+            <a:spLocks noGrp="1"/>
+          </p:cNvSpPr>
+          <p:nvPr>
+            <p:ph type="title"/>
+          </p:nvPr>
+        </p:nvSpPr>
+        <p:spPr/>
+        <p:txBody>
+          <a:bodyPr/>
+          <a:p>
+            <a:r>
+              <a:rPr lang="zh-CN"/>
+              <a:t>如果</a:t>
+            </a:r>
+            <a:r>
+              <a:rPr lang="en-US" altLang="zh-CN"/>
+              <a:t> set </a:t>
+            </a:r>
+            <a:r>
+              <a:rPr lang="zh-CN" altLang="en-US"/>
+              <a:t>没加引号会怎样？会变成分号分割的列表</a:t>
+            </a:r>
+            <a:endParaRPr lang="zh-CN" altLang="en-US"/>
+          </a:p>
+        </p:txBody>
+      </p:sp>
+      <p:pic>
+        <p:nvPicPr>
+          <p:cNvPr id="5" name="Picture 4"/>
+          <p:cNvPicPr>
+            <a:picLocks noChangeAspect="1"/>
+          </p:cNvPicPr>
+          <p:nvPr/>
+        </p:nvPicPr>
+        <p:blipFill>
+          <a:blip r:embed="rId1"/>
+          <a:stretch>
+            <a:fillRect/>
+          </a:stretch>
+        </p:blipFill>
+        <p:spPr>
+          <a:xfrm>
+            <a:off x="4831080" y="5897245"/>
+            <a:ext cx="2693670" cy="848360"/>
+          </a:xfrm>
+          <a:prstGeom prst="rect">
+            <a:avLst/>
+          </a:prstGeom>
+        </p:spPr>
+      </p:pic>
+      <p:pic>
+        <p:nvPicPr>
+          <p:cNvPr id="7" name="Content Placeholder 6"/>
+          <p:cNvPicPr>
+            <a:picLocks noChangeAspect="1"/>
+          </p:cNvPicPr>
+          <p:nvPr>
+            <p:ph idx="1"/>
+          </p:nvPr>
+        </p:nvPicPr>
+        <p:blipFill>
+          <a:blip r:embed="rId2"/>
+          <a:stretch>
+            <a:fillRect/>
+          </a:stretch>
+        </p:blipFill>
+        <p:spPr>
+          <a:xfrm>
+            <a:off x="3355340" y="3452495"/>
+            <a:ext cx="5100320" cy="1097915"/>
+          </a:xfrm>
+          <a:prstGeom prst="rect">
+            <a:avLst/>
+          </a:prstGeom>
+        </p:spPr>
+      </p:pic>
+    </p:spTree>
+  </p:cSld>
+  <p:clrMapOvr>
+    <a:masterClrMapping/>
+  </p:clrMapOvr>
+</p:sld>
+</file>
+
+<file path=ppt/slides/slide39.xml><?xml version="1.0" encoding="utf-8"?>
+<p:sld xmlns:a="http://schemas.openxmlformats.org/drawingml/2006/main" xmlns:r="http://schemas.openxmlformats.org/officeDocument/2006/relationships" xmlns:p="http://schemas.openxmlformats.org/presentationml/2006/main">
+  <p:cSld>
+    <p:spTree>
+      <p:nvGrpSpPr>
+        <p:cNvPr id="1" name=""/>
+        <p:cNvGrpSpPr/>
+        <p:nvPr/>
+      </p:nvGrpSpPr>
+      <p:grpSpPr/>
+      <p:sp>
+        <p:nvSpPr>
+          <p:cNvPr id="3" name="Title 2"/>
+          <p:cNvSpPr>
+            <a:spLocks noGrp="1"/>
+          </p:cNvSpPr>
+          <p:nvPr>
+            <p:ph type="title"/>
+          </p:nvPr>
+        </p:nvSpPr>
+        <p:spPr/>
+        <p:txBody>
+          <a:bodyPr/>
+          <a:p>
+            <a:r>
+              <a:rPr lang="zh-CN"/>
+              <a:t>如果</a:t>
+            </a:r>
+            <a:r>
+              <a:rPr lang="en-US" altLang="zh-CN"/>
+              <a:t> message </a:t>
+            </a:r>
+            <a:r>
+              <a:rPr lang="zh-CN" altLang="en-US"/>
+              <a:t>没加引号会怎样？会把列表里的字符串当成他的关键字</a:t>
+            </a:r>
+            <a:endParaRPr lang="zh-CN" altLang="en-US"/>
+          </a:p>
+        </p:txBody>
+      </p:sp>
+      <p:pic>
+        <p:nvPicPr>
+          <p:cNvPr id="6" name="Picture 5"/>
+          <p:cNvPicPr>
+            <a:picLocks noChangeAspect="1"/>
+          </p:cNvPicPr>
+          <p:nvPr/>
+        </p:nvPicPr>
+        <p:blipFill>
+          <a:blip r:embed="rId1"/>
+          <a:stretch>
+            <a:fillRect/>
+          </a:stretch>
+        </p:blipFill>
+        <p:spPr>
+          <a:xfrm>
+            <a:off x="3643630" y="5408930"/>
+            <a:ext cx="4524375" cy="1190625"/>
+          </a:xfrm>
+          <a:prstGeom prst="rect">
+            <a:avLst/>
+          </a:prstGeom>
+        </p:spPr>
+      </p:pic>
+      <p:pic>
+        <p:nvPicPr>
+          <p:cNvPr id="9" name="Content Placeholder 8"/>
+          <p:cNvPicPr>
+            <a:picLocks noChangeAspect="1"/>
+          </p:cNvPicPr>
+          <p:nvPr>
+            <p:ph idx="1"/>
+          </p:nvPr>
+        </p:nvPicPr>
+        <p:blipFill>
+          <a:blip r:embed="rId2"/>
+          <a:stretch>
+            <a:fillRect/>
+          </a:stretch>
+        </p:blipFill>
+        <p:spPr>
+          <a:xfrm>
+            <a:off x="3512185" y="3491230"/>
+            <a:ext cx="4785995" cy="1019810"/>
           </a:xfrm>
           <a:prstGeom prst="rect">
             <a:avLst/>

--- a/11/slides.pptx
+++ b/11/slides.pptx
@@ -5,10 +5,10 @@
     <p:sldMasterId id="2147483648" r:id="rId1"/>
   </p:sldMasterIdLst>
   <p:notesMasterIdLst>
-    <p:notesMasterId r:id="rId42"/>
+    <p:notesMasterId r:id="rId60"/>
   </p:notesMasterIdLst>
   <p:handoutMasterIdLst>
-    <p:handoutMasterId r:id="rId43"/>
+    <p:handoutMasterId r:id="rId61"/>
   </p:handoutMasterIdLst>
   <p:sldIdLst>
     <p:sldId id="256" r:id="rId3"/>
@@ -50,6 +50,24 @@
     <p:sldId id="307" r:id="rId39"/>
     <p:sldId id="308" r:id="rId40"/>
     <p:sldId id="309" r:id="rId41"/>
+    <p:sldId id="310" r:id="rId42"/>
+    <p:sldId id="311" r:id="rId43"/>
+    <p:sldId id="312" r:id="rId44"/>
+    <p:sldId id="313" r:id="rId45"/>
+    <p:sldId id="314" r:id="rId46"/>
+    <p:sldId id="317" r:id="rId47"/>
+    <p:sldId id="315" r:id="rId48"/>
+    <p:sldId id="322" r:id="rId49"/>
+    <p:sldId id="323" r:id="rId50"/>
+    <p:sldId id="325" r:id="rId51"/>
+    <p:sldId id="327" r:id="rId52"/>
+    <p:sldId id="329" r:id="rId53"/>
+    <p:sldId id="330" r:id="rId54"/>
+    <p:sldId id="319" r:id="rId55"/>
+    <p:sldId id="321" r:id="rId56"/>
+    <p:sldId id="324" r:id="rId57"/>
+    <p:sldId id="320" r:id="rId58"/>
+    <p:sldId id="318" r:id="rId59"/>
   </p:sldIdLst>
   <p:sldSz cx="12192000" cy="6858000"/>
   <p:notesSz cx="7103745" cy="10234295"/>
@@ -6813,6 +6831,57 @@
           </a:prstGeom>
         </p:spPr>
       </p:pic>
+      <p:sp>
+        <p:nvSpPr>
+          <p:cNvPr id="8" name="Text Box 7"/>
+          <p:cNvSpPr txBox="1"/>
+          <p:nvPr/>
+        </p:nvSpPr>
+        <p:spPr>
+          <a:xfrm>
+            <a:off x="4172585" y="1991995"/>
+            <a:ext cx="4010660" cy="922020"/>
+          </a:xfrm>
+          <a:prstGeom prst="rect">
+            <a:avLst/>
+          </a:prstGeom>
+          <a:noFill/>
+        </p:spPr>
+        <p:txBody>
+          <a:bodyPr wrap="square" rtlCol="0" anchor="t">
+            <a:spAutoFit/>
+          </a:bodyPr>
+          <a:p>
+            <a:r>
+              <a:rPr lang="en-US" altLang="zh-CN">
+                <a:sym typeface="+mn-ea"/>
+              </a:rPr>
+              <a:t>set(myvar hello world)</a:t>
+            </a:r>
+            <a:endParaRPr lang="zh-CN" altLang="en-US">
+              <a:sym typeface="+mn-ea"/>
+            </a:endParaRPr>
+          </a:p>
+          <a:p>
+            <a:r>
+              <a:rPr lang="zh-CN" altLang="en-US">
+                <a:sym typeface="+mn-ea"/>
+              </a:rPr>
+              <a:t>其实等价于：</a:t>
+            </a:r>
+            <a:endParaRPr lang="zh-CN" altLang="en-US"/>
+          </a:p>
+          <a:p>
+            <a:r>
+              <a:rPr lang="en-US" altLang="zh-CN">
+                <a:sym typeface="+mn-ea"/>
+              </a:rPr>
+              <a:t>set(myvar “hello;world”)</a:t>
+            </a:r>
+            <a:endParaRPr lang="en-US"/>
+          </a:p>
+        </p:txBody>
+      </p:sp>
     </p:spTree>
   </p:cSld>
   <p:clrMapOvr>
@@ -6911,6 +6980,49 @@
           </a:prstGeom>
         </p:spPr>
       </p:pic>
+      <p:sp>
+        <p:nvSpPr>
+          <p:cNvPr id="10" name="Text Box 9"/>
+          <p:cNvSpPr txBox="1"/>
+          <p:nvPr/>
+        </p:nvSpPr>
+        <p:spPr>
+          <a:xfrm>
+            <a:off x="1951355" y="2176780"/>
+            <a:ext cx="8432800" cy="922020"/>
+          </a:xfrm>
+          <a:prstGeom prst="rect">
+            <a:avLst/>
+          </a:prstGeom>
+          <a:noFill/>
+        </p:spPr>
+        <p:txBody>
+          <a:bodyPr wrap="square" rtlCol="0">
+            <a:spAutoFit/>
+          </a:bodyPr>
+          <a:p>
+            <a:r>
+              <a:rPr lang="zh-CN" altLang="en-US"/>
+              <a:t>结论：除非确实需要列表，建议始终在你不确定的地方加上引号，例如：</a:t>
+            </a:r>
+            <a:endParaRPr lang="zh-CN" altLang="en-US"/>
+          </a:p>
+          <a:p>
+            <a:r>
+              <a:rPr lang="en-US" altLang="zh-CN"/>
+              <a:t>set(sources “main.cpp” “mylib.cpp” “C:/Program Files/a.cpp”)</a:t>
+            </a:r>
+            <a:endParaRPr lang="en-US" altLang="zh-CN"/>
+          </a:p>
+          <a:p>
+            <a:r>
+              <a:rPr lang="en-US" altLang="zh-CN"/>
+              <a:t>message(“${sources}”)</a:t>
+            </a:r>
+            <a:endParaRPr lang="en-US" altLang="zh-CN"/>
+          </a:p>
+        </p:txBody>
+      </p:sp>
     </p:spTree>
   </p:cSld>
   <p:clrMapOvr>
@@ -6979,6 +7091,1730 @@
           <a:xfrm>
             <a:off x="3312160" y="3639820"/>
             <a:ext cx="5185410" cy="722630"/>
+          </a:xfrm>
+          <a:prstGeom prst="rect">
+            <a:avLst/>
+          </a:prstGeom>
+        </p:spPr>
+      </p:pic>
+    </p:spTree>
+  </p:cSld>
+  <p:clrMapOvr>
+    <a:masterClrMapping/>
+  </p:clrMapOvr>
+</p:sld>
+</file>
+
+<file path=ppt/slides/slide40.xml><?xml version="1.0" encoding="utf-8"?>
+<p:sld xmlns:a="http://schemas.openxmlformats.org/drawingml/2006/main" xmlns:r="http://schemas.openxmlformats.org/officeDocument/2006/relationships" xmlns:p="http://schemas.openxmlformats.org/presentationml/2006/main">
+  <p:cSld>
+    <p:spTree>
+      <p:nvGrpSpPr>
+        <p:cNvPr id="1" name=""/>
+        <p:cNvGrpSpPr/>
+        <p:nvPr/>
+      </p:nvGrpSpPr>
+      <p:grpSpPr/>
+      <p:sp>
+        <p:nvSpPr>
+          <p:cNvPr id="4" name="Title 3"/>
+          <p:cNvSpPr>
+            <a:spLocks noGrp="1"/>
+          </p:cNvSpPr>
+          <p:nvPr>
+            <p:ph type="title"/>
+          </p:nvPr>
+        </p:nvSpPr>
+        <p:spPr/>
+        <p:txBody>
+          <a:bodyPr/>
+          <a:p>
+            <a:r>
+              <a:rPr lang="zh-CN" altLang="en-US"/>
+              <a:t>第</a:t>
+            </a:r>
+            <a:r>
+              <a:rPr lang="en-US" altLang="zh-CN"/>
+              <a:t>4</a:t>
+            </a:r>
+            <a:r>
+              <a:rPr lang="zh-CN" altLang="en-US"/>
+              <a:t>章：链接库文件</a:t>
+            </a:r>
+            <a:endParaRPr lang="zh-CN" altLang="en-US"/>
+          </a:p>
+        </p:txBody>
+      </p:sp>
+    </p:spTree>
+  </p:cSld>
+  <p:clrMapOvr>
+    <a:masterClrMapping/>
+  </p:clrMapOvr>
+</p:sld>
+</file>
+
+<file path=ppt/slides/slide41.xml><?xml version="1.0" encoding="utf-8"?>
+<p:sld xmlns:a="http://schemas.openxmlformats.org/drawingml/2006/main" xmlns:r="http://schemas.openxmlformats.org/officeDocument/2006/relationships" xmlns:p="http://schemas.openxmlformats.org/presentationml/2006/main">
+  <p:cSld>
+    <p:spTree>
+      <p:nvGrpSpPr>
+        <p:cNvPr id="1" name=""/>
+        <p:cNvGrpSpPr/>
+        <p:nvPr/>
+      </p:nvGrpSpPr>
+      <p:grpSpPr/>
+      <p:sp>
+        <p:nvSpPr>
+          <p:cNvPr id="4" name="Title 3"/>
+          <p:cNvSpPr>
+            <a:spLocks noGrp="1"/>
+          </p:cNvSpPr>
+          <p:nvPr>
+            <p:ph type="title"/>
+          </p:nvPr>
+        </p:nvSpPr>
+        <p:spPr/>
+        <p:txBody>
+          <a:bodyPr/>
+          <a:p>
+            <a:r>
+              <a:rPr lang="en-US" altLang="zh-CN"/>
+              <a:t>main.cpp </a:t>
+            </a:r>
+            <a:r>
+              <a:rPr lang="zh-CN" altLang="en-US"/>
+              <a:t>调用</a:t>
+            </a:r>
+            <a:r>
+              <a:rPr lang="en-US" altLang="zh-CN"/>
+              <a:t> mylib.cpp </a:t>
+            </a:r>
+            <a:r>
+              <a:rPr lang="zh-CN" altLang="en-US"/>
+              <a:t>里的</a:t>
+            </a:r>
+            <a:r>
+              <a:rPr lang="en-US" altLang="zh-CN"/>
+              <a:t> say_hello </a:t>
+            </a:r>
+            <a:r>
+              <a:rPr lang="zh-CN" altLang="en-US"/>
+              <a:t>函数</a:t>
+            </a:r>
+            <a:endParaRPr lang="zh-CN" altLang="en-US"/>
+          </a:p>
+        </p:txBody>
+      </p:sp>
+      <p:pic>
+        <p:nvPicPr>
+          <p:cNvPr id="5" name="Content Placeholder 4"/>
+          <p:cNvPicPr>
+            <a:picLocks noChangeAspect="1"/>
+          </p:cNvPicPr>
+          <p:nvPr>
+            <p:ph idx="1"/>
+          </p:nvPr>
+        </p:nvPicPr>
+        <p:blipFill>
+          <a:blip r:embed="rId1"/>
+          <a:stretch>
+            <a:fillRect/>
+          </a:stretch>
+        </p:blipFill>
+        <p:spPr>
+          <a:xfrm>
+            <a:off x="2858770" y="2194560"/>
+            <a:ext cx="6093460" cy="628650"/>
+          </a:xfrm>
+          <a:prstGeom prst="rect">
+            <a:avLst/>
+          </a:prstGeom>
+        </p:spPr>
+      </p:pic>
+      <p:pic>
+        <p:nvPicPr>
+          <p:cNvPr id="6" name="Picture 5"/>
+          <p:cNvPicPr>
+            <a:picLocks noChangeAspect="1"/>
+          </p:cNvPicPr>
+          <p:nvPr/>
+        </p:nvPicPr>
+        <p:blipFill>
+          <a:blip r:embed="rId2"/>
+          <a:stretch>
+            <a:fillRect/>
+          </a:stretch>
+        </p:blipFill>
+        <p:spPr>
+          <a:xfrm>
+            <a:off x="3594100" y="2954020"/>
+            <a:ext cx="4820920" cy="1661160"/>
+          </a:xfrm>
+          <a:prstGeom prst="rect">
+            <a:avLst/>
+          </a:prstGeom>
+        </p:spPr>
+      </p:pic>
+      <p:pic>
+        <p:nvPicPr>
+          <p:cNvPr id="7" name="Picture 6"/>
+          <p:cNvPicPr>
+            <a:picLocks noChangeAspect="1"/>
+          </p:cNvPicPr>
+          <p:nvPr/>
+        </p:nvPicPr>
+        <p:blipFill>
+          <a:blip r:embed="rId3"/>
+          <a:stretch>
+            <a:fillRect/>
+          </a:stretch>
+        </p:blipFill>
+        <p:spPr>
+          <a:xfrm>
+            <a:off x="3629025" y="4745990"/>
+            <a:ext cx="4751070" cy="1964690"/>
+          </a:xfrm>
+          <a:prstGeom prst="rect">
+            <a:avLst/>
+          </a:prstGeom>
+        </p:spPr>
+      </p:pic>
+    </p:spTree>
+  </p:cSld>
+  <p:clrMapOvr>
+    <a:masterClrMapping/>
+  </p:clrMapOvr>
+</p:sld>
+</file>
+
+<file path=ppt/slides/slide42.xml><?xml version="1.0" encoding="utf-8"?>
+<p:sld xmlns:a="http://schemas.openxmlformats.org/drawingml/2006/main" xmlns:r="http://schemas.openxmlformats.org/officeDocument/2006/relationships" xmlns:p="http://schemas.openxmlformats.org/presentationml/2006/main">
+  <p:cSld>
+    <p:spTree>
+      <p:nvGrpSpPr>
+        <p:cNvPr id="1" name=""/>
+        <p:cNvGrpSpPr/>
+        <p:nvPr/>
+      </p:nvGrpSpPr>
+      <p:grpSpPr/>
+      <p:sp>
+        <p:nvSpPr>
+          <p:cNvPr id="4" name="Title 3"/>
+          <p:cNvSpPr>
+            <a:spLocks noGrp="1"/>
+          </p:cNvSpPr>
+          <p:nvPr>
+            <p:ph type="title"/>
+          </p:nvPr>
+        </p:nvSpPr>
+        <p:spPr/>
+        <p:txBody>
+          <a:bodyPr/>
+          <a:p>
+            <a:r>
+              <a:rPr lang="zh-CN">
+                <a:sym typeface="+mn-ea"/>
+              </a:rPr>
+              <a:t>改进：</a:t>
+            </a:r>
+            <a:r>
+              <a:rPr lang="en-US" altLang="zh-CN">
+                <a:sym typeface="+mn-ea"/>
+              </a:rPr>
+              <a:t>mylib </a:t>
+            </a:r>
+            <a:r>
+              <a:rPr lang="zh-CN" altLang="en-US">
+                <a:sym typeface="+mn-ea"/>
+              </a:rPr>
+              <a:t>作为一个静态</a:t>
+            </a:r>
+            <a:r>
+              <a:rPr lang="zh-CN" altLang="en-US">
+                <a:sym typeface="+mn-ea"/>
+              </a:rPr>
+              <a:t>库</a:t>
+            </a:r>
+            <a:endParaRPr lang="zh-CN" altLang="en-US"/>
+          </a:p>
+        </p:txBody>
+      </p:sp>
+      <p:pic>
+        <p:nvPicPr>
+          <p:cNvPr id="3" name="Content Placeholder 2"/>
+          <p:cNvPicPr>
+            <a:picLocks noChangeAspect="1"/>
+          </p:cNvPicPr>
+          <p:nvPr>
+            <p:ph idx="1"/>
+          </p:nvPr>
+        </p:nvPicPr>
+        <p:blipFill>
+          <a:blip r:embed="rId1"/>
+          <a:stretch>
+            <a:fillRect/>
+          </a:stretch>
+        </p:blipFill>
+        <p:spPr>
+          <a:xfrm>
+            <a:off x="2963545" y="1779905"/>
+            <a:ext cx="5883910" cy="1805940"/>
+          </a:xfrm>
+          <a:prstGeom prst="rect">
+            <a:avLst/>
+          </a:prstGeom>
+        </p:spPr>
+      </p:pic>
+      <p:pic>
+        <p:nvPicPr>
+          <p:cNvPr id="8" name="Picture 7"/>
+          <p:cNvPicPr>
+            <a:picLocks noChangeAspect="1"/>
+          </p:cNvPicPr>
+          <p:nvPr/>
+        </p:nvPicPr>
+        <p:blipFill>
+          <a:blip r:embed="rId2"/>
+          <a:stretch>
+            <a:fillRect/>
+          </a:stretch>
+        </p:blipFill>
+        <p:spPr>
+          <a:xfrm>
+            <a:off x="1820545" y="3982085"/>
+            <a:ext cx="8169910" cy="2533650"/>
+          </a:xfrm>
+          <a:prstGeom prst="rect">
+            <a:avLst/>
+          </a:prstGeom>
+        </p:spPr>
+      </p:pic>
+      <p:cxnSp>
+        <p:nvCxnSpPr>
+          <p:cNvPr id="9" name="Straight Connector 8"/>
+          <p:cNvCxnSpPr/>
+          <p:nvPr/>
+        </p:nvCxnSpPr>
+        <p:spPr>
+          <a:xfrm>
+            <a:off x="7112000" y="6223635"/>
+            <a:ext cx="1144270" cy="0"/>
+          </a:xfrm>
+          <a:prstGeom prst="line">
+            <a:avLst/>
+          </a:prstGeom>
+        </p:spPr>
+        <p:style>
+          <a:lnRef idx="1">
+            <a:schemeClr val="accent1"/>
+          </a:lnRef>
+          <a:fillRef idx="0">
+            <a:schemeClr val="accent1"/>
+          </a:fillRef>
+          <a:effectRef idx="0">
+            <a:schemeClr val="accent1"/>
+          </a:effectRef>
+          <a:fontRef idx="minor">
+            <a:schemeClr val="tx1"/>
+          </a:fontRef>
+        </p:style>
+      </p:cxnSp>
+    </p:spTree>
+  </p:cSld>
+  <p:clrMapOvr>
+    <a:masterClrMapping/>
+  </p:clrMapOvr>
+</p:sld>
+</file>
+
+<file path=ppt/slides/slide43.xml><?xml version="1.0" encoding="utf-8"?>
+<p:sld xmlns:a="http://schemas.openxmlformats.org/drawingml/2006/main" xmlns:r="http://schemas.openxmlformats.org/officeDocument/2006/relationships" xmlns:p="http://schemas.openxmlformats.org/presentationml/2006/main">
+  <p:cSld>
+    <p:spTree>
+      <p:nvGrpSpPr>
+        <p:cNvPr id="1" name=""/>
+        <p:cNvGrpSpPr/>
+        <p:nvPr/>
+      </p:nvGrpSpPr>
+      <p:grpSpPr/>
+      <p:pic>
+        <p:nvPicPr>
+          <p:cNvPr id="6" name="Picture 5"/>
+          <p:cNvPicPr>
+            <a:picLocks noChangeAspect="1"/>
+          </p:cNvPicPr>
+          <p:nvPr/>
+        </p:nvPicPr>
+        <p:blipFill>
+          <a:blip r:embed="rId1"/>
+          <a:stretch>
+            <a:fillRect/>
+          </a:stretch>
+        </p:blipFill>
+        <p:spPr>
+          <a:xfrm>
+            <a:off x="1306195" y="3937635"/>
+            <a:ext cx="9198610" cy="2539365"/>
+          </a:xfrm>
+          <a:prstGeom prst="rect">
+            <a:avLst/>
+          </a:prstGeom>
+        </p:spPr>
+      </p:pic>
+      <p:sp>
+        <p:nvSpPr>
+          <p:cNvPr id="4" name="Title 3"/>
+          <p:cNvSpPr>
+            <a:spLocks noGrp="1"/>
+          </p:cNvSpPr>
+          <p:nvPr>
+            <p:ph type="title"/>
+          </p:nvPr>
+        </p:nvSpPr>
+        <p:spPr/>
+        <p:txBody>
+          <a:bodyPr/>
+          <a:p>
+            <a:r>
+              <a:rPr lang="zh-CN"/>
+              <a:t>改进：</a:t>
+            </a:r>
+            <a:r>
+              <a:rPr lang="en-US" altLang="zh-CN"/>
+              <a:t>mylib </a:t>
+            </a:r>
+            <a:r>
+              <a:rPr lang="zh-CN" altLang="en-US"/>
+              <a:t>作为一个动态库</a:t>
+            </a:r>
+            <a:endParaRPr lang="zh-CN" altLang="en-US"/>
+          </a:p>
+        </p:txBody>
+      </p:sp>
+      <p:cxnSp>
+        <p:nvCxnSpPr>
+          <p:cNvPr id="9" name="Straight Connector 8"/>
+          <p:cNvCxnSpPr/>
+          <p:nvPr/>
+        </p:nvCxnSpPr>
+        <p:spPr>
+          <a:xfrm>
+            <a:off x="7214235" y="6356350"/>
+            <a:ext cx="1338580" cy="0"/>
+          </a:xfrm>
+          <a:prstGeom prst="line">
+            <a:avLst/>
+          </a:prstGeom>
+        </p:spPr>
+        <p:style>
+          <a:lnRef idx="1">
+            <a:schemeClr val="accent1"/>
+          </a:lnRef>
+          <a:fillRef idx="0">
+            <a:schemeClr val="accent1"/>
+          </a:fillRef>
+          <a:effectRef idx="0">
+            <a:schemeClr val="accent1"/>
+          </a:effectRef>
+          <a:fontRef idx="minor">
+            <a:schemeClr val="tx1"/>
+          </a:fontRef>
+        </p:style>
+      </p:cxnSp>
+      <p:pic>
+        <p:nvPicPr>
+          <p:cNvPr id="5" name="Content Placeholder 4"/>
+          <p:cNvPicPr>
+            <a:picLocks noChangeAspect="1"/>
+          </p:cNvPicPr>
+          <p:nvPr>
+            <p:ph idx="1"/>
+          </p:nvPr>
+        </p:nvPicPr>
+        <p:blipFill>
+          <a:blip r:embed="rId2"/>
+          <a:stretch>
+            <a:fillRect/>
+          </a:stretch>
+        </p:blipFill>
+        <p:spPr>
+          <a:xfrm>
+            <a:off x="3100070" y="1857375"/>
+            <a:ext cx="5610225" cy="1774190"/>
+          </a:xfrm>
+          <a:prstGeom prst="rect">
+            <a:avLst/>
+          </a:prstGeom>
+        </p:spPr>
+      </p:pic>
+    </p:spTree>
+  </p:cSld>
+  <p:clrMapOvr>
+    <a:masterClrMapping/>
+  </p:clrMapOvr>
+</p:sld>
+</file>
+
+<file path=ppt/slides/slide44.xml><?xml version="1.0" encoding="utf-8"?>
+<p:sld xmlns:a="http://schemas.openxmlformats.org/drawingml/2006/main" xmlns:r="http://schemas.openxmlformats.org/officeDocument/2006/relationships" xmlns:p="http://schemas.openxmlformats.org/presentationml/2006/main">
+  <p:cSld>
+    <p:spTree>
+      <p:nvGrpSpPr>
+        <p:cNvPr id="1" name=""/>
+        <p:cNvGrpSpPr/>
+        <p:nvPr/>
+      </p:nvGrpSpPr>
+      <p:grpSpPr/>
+      <p:pic>
+        <p:nvPicPr>
+          <p:cNvPr id="2" name="Picture 1"/>
+          <p:cNvPicPr>
+            <a:picLocks noChangeAspect="1"/>
+          </p:cNvPicPr>
+          <p:nvPr/>
+        </p:nvPicPr>
+        <p:blipFill>
+          <a:blip r:embed="rId1"/>
+          <a:stretch>
+            <a:fillRect/>
+          </a:stretch>
+        </p:blipFill>
+        <p:spPr>
+          <a:xfrm>
+            <a:off x="1703070" y="4026535"/>
+            <a:ext cx="8404225" cy="2452370"/>
+          </a:xfrm>
+          <a:prstGeom prst="rect">
+            <a:avLst/>
+          </a:prstGeom>
+        </p:spPr>
+      </p:pic>
+      <p:sp>
+        <p:nvSpPr>
+          <p:cNvPr id="4" name="Title 3"/>
+          <p:cNvSpPr>
+            <a:spLocks noGrp="1"/>
+          </p:cNvSpPr>
+          <p:nvPr>
+            <p:ph type="title"/>
+          </p:nvPr>
+        </p:nvSpPr>
+        <p:spPr/>
+        <p:txBody>
+          <a:bodyPr/>
+          <a:p>
+            <a:r>
+              <a:rPr lang="zh-CN"/>
+              <a:t>改进：</a:t>
+            </a:r>
+            <a:r>
+              <a:rPr lang="en-US" altLang="zh-CN"/>
+              <a:t>mylib </a:t>
+            </a:r>
+            <a:r>
+              <a:rPr lang="zh-CN" altLang="en-US"/>
+              <a:t>作为一个对象库</a:t>
+            </a:r>
+            <a:endParaRPr lang="zh-CN" altLang="en-US"/>
+          </a:p>
+        </p:txBody>
+      </p:sp>
+      <p:cxnSp>
+        <p:nvCxnSpPr>
+          <p:cNvPr id="9" name="Straight Connector 8"/>
+          <p:cNvCxnSpPr/>
+          <p:nvPr/>
+        </p:nvCxnSpPr>
+        <p:spPr>
+          <a:xfrm>
+            <a:off x="8082915" y="6417945"/>
+            <a:ext cx="633730" cy="0"/>
+          </a:xfrm>
+          <a:prstGeom prst="line">
+            <a:avLst/>
+          </a:prstGeom>
+        </p:spPr>
+        <p:style>
+          <a:lnRef idx="1">
+            <a:schemeClr val="accent1"/>
+          </a:lnRef>
+          <a:fillRef idx="0">
+            <a:schemeClr val="accent1"/>
+          </a:fillRef>
+          <a:effectRef idx="0">
+            <a:schemeClr val="accent1"/>
+          </a:effectRef>
+          <a:fontRef idx="minor">
+            <a:schemeClr val="tx1"/>
+          </a:fontRef>
+        </p:style>
+      </p:cxnSp>
+      <p:sp>
+        <p:nvSpPr>
+          <p:cNvPr id="3" name="Text Box 2"/>
+          <p:cNvSpPr txBox="1"/>
+          <p:nvPr/>
+        </p:nvSpPr>
+        <p:spPr>
+          <a:xfrm>
+            <a:off x="0" y="0"/>
+            <a:ext cx="8507730" cy="368300"/>
+          </a:xfrm>
+          <a:prstGeom prst="rect">
+            <a:avLst/>
+          </a:prstGeom>
+          <a:noFill/>
+        </p:spPr>
+        <p:txBody>
+          <a:bodyPr wrap="square" rtlCol="0" anchor="t">
+            <a:spAutoFit/>
+          </a:bodyPr>
+          <a:p>
+            <a:r>
+              <a:rPr lang="en-US"/>
+              <a:t>https://www.scivision.dev/cmake-object-libraries/</a:t>
+            </a:r>
+            <a:endParaRPr lang="en-US"/>
+          </a:p>
+        </p:txBody>
+      </p:sp>
+      <p:pic>
+        <p:nvPicPr>
+          <p:cNvPr id="8" name="Content Placeholder 7"/>
+          <p:cNvPicPr>
+            <a:picLocks noChangeAspect="1"/>
+          </p:cNvPicPr>
+          <p:nvPr>
+            <p:ph idx="1"/>
+          </p:nvPr>
+        </p:nvPicPr>
+        <p:blipFill>
+          <a:blip r:embed="rId2"/>
+          <a:stretch>
+            <a:fillRect/>
+          </a:stretch>
+        </p:blipFill>
+        <p:spPr>
+          <a:xfrm>
+            <a:off x="3229610" y="1962785"/>
+            <a:ext cx="5351780" cy="1685290"/>
+          </a:xfrm>
+          <a:prstGeom prst="rect">
+            <a:avLst/>
+          </a:prstGeom>
+        </p:spPr>
+      </p:pic>
+      <p:sp>
+        <p:nvSpPr>
+          <p:cNvPr id="10" name="Text Box 9"/>
+          <p:cNvSpPr txBox="1"/>
+          <p:nvPr/>
+        </p:nvSpPr>
+        <p:spPr>
+          <a:xfrm>
+            <a:off x="1431290" y="1358900"/>
+            <a:ext cx="9461500" cy="368300"/>
+          </a:xfrm>
+          <a:prstGeom prst="rect">
+            <a:avLst/>
+          </a:prstGeom>
+          <a:noFill/>
+        </p:spPr>
+        <p:txBody>
+          <a:bodyPr wrap="square" rtlCol="0">
+            <a:spAutoFit/>
+          </a:bodyPr>
+          <a:p>
+            <a:r>
+              <a:rPr lang="zh-CN" altLang="en-US">
+                <a:sym typeface="+mn-ea"/>
+              </a:rPr>
+              <a:t>对象库类似于静态库，但不生成</a:t>
+            </a:r>
+            <a:r>
+              <a:rPr lang="en-US" altLang="zh-CN">
+                <a:sym typeface="+mn-ea"/>
+              </a:rPr>
+              <a:t> .a </a:t>
+            </a:r>
+            <a:r>
+              <a:rPr lang="zh-CN" altLang="en-US">
+                <a:sym typeface="+mn-ea"/>
+              </a:rPr>
+              <a:t>文件，只由</a:t>
+            </a:r>
+            <a:r>
+              <a:rPr lang="en-US" altLang="zh-CN">
+                <a:sym typeface="+mn-ea"/>
+              </a:rPr>
+              <a:t> CMake </a:t>
+            </a:r>
+            <a:r>
+              <a:rPr lang="zh-CN" altLang="en-US">
+                <a:sym typeface="+mn-ea"/>
+              </a:rPr>
+              <a:t>记住该库生成了哪些对象文件</a:t>
+            </a:r>
+            <a:endParaRPr lang="en-US"/>
+          </a:p>
+        </p:txBody>
+      </p:sp>
+    </p:spTree>
+  </p:cSld>
+  <p:clrMapOvr>
+    <a:masterClrMapping/>
+  </p:clrMapOvr>
+</p:sld>
+</file>
+
+<file path=ppt/slides/slide45.xml><?xml version="1.0" encoding="utf-8"?>
+<p:sld xmlns:a="http://schemas.openxmlformats.org/drawingml/2006/main" xmlns:r="http://schemas.openxmlformats.org/officeDocument/2006/relationships" xmlns:p="http://schemas.openxmlformats.org/presentationml/2006/main">
+  <p:cSld>
+    <p:spTree>
+      <p:nvGrpSpPr>
+        <p:cNvPr id="1" name=""/>
+        <p:cNvGrpSpPr/>
+        <p:nvPr/>
+      </p:nvGrpSpPr>
+      <p:grpSpPr/>
+      <p:pic>
+        <p:nvPicPr>
+          <p:cNvPr id="11" name="Content Placeholder 10"/>
+          <p:cNvPicPr>
+            <a:picLocks noChangeAspect="1"/>
+          </p:cNvPicPr>
+          <p:nvPr>
+            <p:ph idx="1"/>
+          </p:nvPr>
+        </p:nvPicPr>
+        <p:blipFill>
+          <a:blip r:embed="rId1"/>
+          <a:stretch>
+            <a:fillRect/>
+          </a:stretch>
+        </p:blipFill>
+        <p:spPr>
+          <a:xfrm>
+            <a:off x="1555750" y="2883535"/>
+            <a:ext cx="8700770" cy="2705100"/>
+          </a:xfrm>
+          <a:prstGeom prst="rect">
+            <a:avLst/>
+          </a:prstGeom>
+        </p:spPr>
+      </p:pic>
+      <p:sp>
+        <p:nvSpPr>
+          <p:cNvPr id="4" name="Title 3"/>
+          <p:cNvSpPr>
+            <a:spLocks noGrp="1"/>
+          </p:cNvSpPr>
+          <p:nvPr>
+            <p:ph type="title"/>
+          </p:nvPr>
+        </p:nvSpPr>
+        <p:spPr/>
+        <p:txBody>
+          <a:bodyPr/>
+          <a:p>
+            <a:r>
+              <a:rPr lang="zh-CN"/>
+              <a:t>改进：</a:t>
+            </a:r>
+            <a:r>
+              <a:rPr lang="en-US" altLang="zh-CN"/>
+              <a:t>mylib </a:t>
+            </a:r>
+            <a:r>
+              <a:rPr lang="zh-CN" altLang="en-US"/>
+              <a:t>作为一个对象库</a:t>
+            </a:r>
+            <a:endParaRPr lang="zh-CN" altLang="en-US"/>
+          </a:p>
+        </p:txBody>
+      </p:sp>
+      <p:cxnSp>
+        <p:nvCxnSpPr>
+          <p:cNvPr id="9" name="Straight Connector 8"/>
+          <p:cNvCxnSpPr/>
+          <p:nvPr/>
+        </p:nvCxnSpPr>
+        <p:spPr>
+          <a:xfrm>
+            <a:off x="6488430" y="5017770"/>
+            <a:ext cx="1328420" cy="0"/>
+          </a:xfrm>
+          <a:prstGeom prst="line">
+            <a:avLst/>
+          </a:prstGeom>
+        </p:spPr>
+        <p:style>
+          <a:lnRef idx="1">
+            <a:schemeClr val="accent1"/>
+          </a:lnRef>
+          <a:fillRef idx="0">
+            <a:schemeClr val="accent1"/>
+          </a:fillRef>
+          <a:effectRef idx="0">
+            <a:schemeClr val="accent1"/>
+          </a:effectRef>
+          <a:fontRef idx="minor">
+            <a:schemeClr val="tx1"/>
+          </a:fontRef>
+        </p:style>
+      </p:cxnSp>
+      <p:sp>
+        <p:nvSpPr>
+          <p:cNvPr id="3" name="Text Box 2"/>
+          <p:cNvSpPr txBox="1"/>
+          <p:nvPr/>
+        </p:nvSpPr>
+        <p:spPr>
+          <a:xfrm>
+            <a:off x="0" y="0"/>
+            <a:ext cx="8507730" cy="368300"/>
+          </a:xfrm>
+          <a:prstGeom prst="rect">
+            <a:avLst/>
+          </a:prstGeom>
+          <a:noFill/>
+        </p:spPr>
+        <p:txBody>
+          <a:bodyPr wrap="square" rtlCol="0" anchor="t">
+            <a:spAutoFit/>
+          </a:bodyPr>
+          <a:p>
+            <a:r>
+              <a:rPr lang="en-US"/>
+              <a:t>https://www.scivision.dev/cmake-object-libraries/</a:t>
+            </a:r>
+            <a:endParaRPr lang="en-US"/>
+          </a:p>
+        </p:txBody>
+      </p:sp>
+      <p:sp>
+        <p:nvSpPr>
+          <p:cNvPr id="10" name="Text Box 9"/>
+          <p:cNvSpPr txBox="1"/>
+          <p:nvPr/>
+        </p:nvSpPr>
+        <p:spPr>
+          <a:xfrm>
+            <a:off x="1431290" y="1358900"/>
+            <a:ext cx="9461500" cy="922020"/>
+          </a:xfrm>
+          <a:prstGeom prst="rect">
+            <a:avLst/>
+          </a:prstGeom>
+          <a:noFill/>
+        </p:spPr>
+        <p:txBody>
+          <a:bodyPr wrap="square" rtlCol="0">
+            <a:spAutoFit/>
+          </a:bodyPr>
+          <a:p>
+            <a:r>
+              <a:rPr lang="zh-CN" altLang="en-US">
+                <a:sym typeface="+mn-ea"/>
+              </a:rPr>
+              <a:t>对象库类似于静态库，但不生成</a:t>
+            </a:r>
+            <a:r>
+              <a:rPr lang="en-US" altLang="zh-CN">
+                <a:sym typeface="+mn-ea"/>
+              </a:rPr>
+              <a:t> .a </a:t>
+            </a:r>
+            <a:r>
+              <a:rPr lang="zh-CN" altLang="en-US">
+                <a:sym typeface="+mn-ea"/>
+              </a:rPr>
+              <a:t>文件，只由</a:t>
+            </a:r>
+            <a:r>
+              <a:rPr lang="en-US" altLang="zh-CN">
+                <a:sym typeface="+mn-ea"/>
+              </a:rPr>
+              <a:t> CMake </a:t>
+            </a:r>
+            <a:r>
+              <a:rPr lang="zh-CN" altLang="en-US">
+                <a:sym typeface="+mn-ea"/>
+              </a:rPr>
+              <a:t>记住该库生成了哪些对象文件</a:t>
+            </a:r>
+            <a:endParaRPr lang="zh-CN" altLang="en-US">
+              <a:sym typeface="+mn-ea"/>
+            </a:endParaRPr>
+          </a:p>
+          <a:p>
+            <a:r>
+              <a:rPr lang="zh-CN" altLang="en-US">
+                <a:sym typeface="+mn-ea"/>
+              </a:rPr>
+              <a:t>对象库是</a:t>
+            </a:r>
+            <a:r>
+              <a:rPr lang="en-US" altLang="zh-CN">
+                <a:sym typeface="+mn-ea"/>
+              </a:rPr>
+              <a:t> CMake </a:t>
+            </a:r>
+            <a:r>
+              <a:rPr lang="zh-CN" altLang="en-US">
+                <a:sym typeface="+mn-ea"/>
+              </a:rPr>
+              <a:t>自创的，绕开了编译器和操作系统的各种繁琐规则，保证了跨平台统一性。</a:t>
+            </a:r>
+            <a:endParaRPr lang="zh-CN" altLang="en-US">
+              <a:sym typeface="+mn-ea"/>
+            </a:endParaRPr>
+          </a:p>
+          <a:p>
+            <a:r>
+              <a:rPr lang="zh-CN" altLang="en-US">
+                <a:sym typeface="+mn-ea"/>
+              </a:rPr>
+              <a:t>在自己的项目中，</a:t>
+            </a:r>
+            <a:r>
+              <a:rPr lang="zh-CN" altLang="en-US">
+                <a:sym typeface="+mn-ea"/>
+              </a:rPr>
+              <a:t>我推荐大家多用对象库</a:t>
+            </a:r>
+            <a:r>
+              <a:rPr lang="en-US" altLang="zh-CN">
+                <a:sym typeface="+mn-ea"/>
+              </a:rPr>
+              <a:t>(OBJECT)</a:t>
+            </a:r>
+            <a:r>
+              <a:rPr lang="zh-CN" altLang="en-US">
+                <a:sym typeface="+mn-ea"/>
+              </a:rPr>
+              <a:t>替代静态库</a:t>
+            </a:r>
+            <a:r>
+              <a:rPr lang="en-US" altLang="zh-CN">
+                <a:sym typeface="+mn-ea"/>
+              </a:rPr>
+              <a:t>(STATIC)</a:t>
+            </a:r>
+            <a:r>
+              <a:rPr lang="zh-CN" altLang="en-US">
+                <a:sym typeface="+mn-ea"/>
+              </a:rPr>
+              <a:t>避免跨平台的麻烦。</a:t>
+            </a:r>
+            <a:endParaRPr lang="zh-CN" altLang="en-US">
+              <a:sym typeface="+mn-ea"/>
+            </a:endParaRPr>
+          </a:p>
+        </p:txBody>
+      </p:sp>
+    </p:spTree>
+  </p:cSld>
+  <p:clrMapOvr>
+    <a:masterClrMapping/>
+  </p:clrMapOvr>
+</p:sld>
+</file>
+
+<file path=ppt/slides/slide46.xml><?xml version="1.0" encoding="utf-8"?>
+<p:sld xmlns:a="http://schemas.openxmlformats.org/drawingml/2006/main" xmlns:r="http://schemas.openxmlformats.org/officeDocument/2006/relationships" xmlns:p="http://schemas.openxmlformats.org/presentationml/2006/main">
+  <p:cSld>
+    <p:spTree>
+      <p:nvGrpSpPr>
+        <p:cNvPr id="1" name=""/>
+        <p:cNvGrpSpPr/>
+        <p:nvPr/>
+      </p:nvGrpSpPr>
+      <p:grpSpPr/>
+      <p:pic>
+        <p:nvPicPr>
+          <p:cNvPr id="12" name="Content Placeholder 11"/>
+          <p:cNvPicPr>
+            <a:picLocks noChangeAspect="1"/>
+          </p:cNvPicPr>
+          <p:nvPr>
+            <p:ph idx="1"/>
+          </p:nvPr>
+        </p:nvPicPr>
+        <p:blipFill>
+          <a:blip r:embed="rId1"/>
+          <a:stretch>
+            <a:fillRect/>
+          </a:stretch>
+        </p:blipFill>
+        <p:spPr>
+          <a:xfrm>
+            <a:off x="2720340" y="2781935"/>
+            <a:ext cx="6370955" cy="1150620"/>
+          </a:xfrm>
+          <a:prstGeom prst="rect">
+            <a:avLst/>
+          </a:prstGeom>
+        </p:spPr>
+      </p:pic>
+      <p:sp>
+        <p:nvSpPr>
+          <p:cNvPr id="4" name="Title 3"/>
+          <p:cNvSpPr>
+            <a:spLocks noGrp="1"/>
+          </p:cNvSpPr>
+          <p:nvPr>
+            <p:ph type="title"/>
+          </p:nvPr>
+        </p:nvSpPr>
+        <p:spPr/>
+        <p:txBody>
+          <a:bodyPr/>
+          <a:p>
+            <a:r>
+              <a:rPr lang="zh-CN" altLang="en-US"/>
+              <a:t>静态库的麻烦：</a:t>
+            </a:r>
+            <a:r>
+              <a:rPr lang="en-US" altLang="zh-CN"/>
+              <a:t>GCC </a:t>
+            </a:r>
+            <a:r>
+              <a:rPr lang="zh-CN" altLang="en-US"/>
+              <a:t>编译器自作聪明，会自动剔除没有引用符号的那些对象</a:t>
+            </a:r>
+            <a:endParaRPr lang="zh-CN" altLang="en-US"/>
+          </a:p>
+        </p:txBody>
+      </p:sp>
+      <p:pic>
+        <p:nvPicPr>
+          <p:cNvPr id="7" name="Picture 6"/>
+          <p:cNvPicPr>
+            <a:picLocks noChangeAspect="1"/>
+          </p:cNvPicPr>
+          <p:nvPr/>
+        </p:nvPicPr>
+        <p:blipFill>
+          <a:blip r:embed="rId2"/>
+          <a:stretch>
+            <a:fillRect/>
+          </a:stretch>
+        </p:blipFill>
+        <p:spPr>
+          <a:xfrm>
+            <a:off x="4328795" y="4224020"/>
+            <a:ext cx="3533775" cy="1495425"/>
+          </a:xfrm>
+          <a:prstGeom prst="rect">
+            <a:avLst/>
+          </a:prstGeom>
+        </p:spPr>
+      </p:pic>
+      <p:cxnSp>
+        <p:nvCxnSpPr>
+          <p:cNvPr id="10" name="Straight Connector 9"/>
+          <p:cNvCxnSpPr/>
+          <p:nvPr/>
+        </p:nvCxnSpPr>
+        <p:spPr>
+          <a:xfrm>
+            <a:off x="5568950" y="3851275"/>
+            <a:ext cx="3392805" cy="0"/>
+          </a:xfrm>
+          <a:prstGeom prst="line">
+            <a:avLst/>
+          </a:prstGeom>
+        </p:spPr>
+        <p:style>
+          <a:lnRef idx="1">
+            <a:schemeClr val="accent1"/>
+          </a:lnRef>
+          <a:fillRef idx="0">
+            <a:schemeClr val="accent1"/>
+          </a:fillRef>
+          <a:effectRef idx="0">
+            <a:schemeClr val="accent1"/>
+          </a:effectRef>
+          <a:fontRef idx="minor">
+            <a:schemeClr val="tx1"/>
+          </a:fontRef>
+        </p:style>
+      </p:cxnSp>
+      <p:pic>
+        <p:nvPicPr>
+          <p:cNvPr id="13" name="Picture 12"/>
+          <p:cNvPicPr>
+            <a:picLocks noChangeAspect="1"/>
+          </p:cNvPicPr>
+          <p:nvPr/>
+        </p:nvPicPr>
+        <p:blipFill>
+          <a:blip r:embed="rId3"/>
+          <a:stretch>
+            <a:fillRect/>
+          </a:stretch>
+        </p:blipFill>
+        <p:spPr>
+          <a:xfrm>
+            <a:off x="5223510" y="6199505"/>
+            <a:ext cx="1744980" cy="304800"/>
+          </a:xfrm>
+          <a:prstGeom prst="rect">
+            <a:avLst/>
+          </a:prstGeom>
+        </p:spPr>
+      </p:pic>
+      <p:pic>
+        <p:nvPicPr>
+          <p:cNvPr id="14" name="Picture 13"/>
+          <p:cNvPicPr>
+            <a:picLocks noChangeAspect="1"/>
+          </p:cNvPicPr>
+          <p:nvPr/>
+        </p:nvPicPr>
+        <p:blipFill>
+          <a:blip r:embed="rId4"/>
+          <a:stretch>
+            <a:fillRect/>
+          </a:stretch>
+        </p:blipFill>
+        <p:spPr>
+          <a:xfrm>
+            <a:off x="3715385" y="1945005"/>
+            <a:ext cx="4761230" cy="556260"/>
+          </a:xfrm>
+          <a:prstGeom prst="rect">
+            <a:avLst/>
+          </a:prstGeom>
+        </p:spPr>
+      </p:pic>
+    </p:spTree>
+  </p:cSld>
+  <p:clrMapOvr>
+    <a:masterClrMapping/>
+  </p:clrMapOvr>
+</p:sld>
+</file>
+
+<file path=ppt/slides/slide47.xml><?xml version="1.0" encoding="utf-8"?>
+<p:sld xmlns:a="http://schemas.openxmlformats.org/drawingml/2006/main" xmlns:r="http://schemas.openxmlformats.org/officeDocument/2006/relationships" xmlns:p="http://schemas.openxmlformats.org/presentationml/2006/main">
+  <p:cSld>
+    <p:spTree>
+      <p:nvGrpSpPr>
+        <p:cNvPr id="1" name=""/>
+        <p:cNvGrpSpPr/>
+        <p:nvPr/>
+      </p:nvGrpSpPr>
+      <p:grpSpPr/>
+      <p:pic>
+        <p:nvPicPr>
+          <p:cNvPr id="12" name="Content Placeholder 11"/>
+          <p:cNvPicPr>
+            <a:picLocks noChangeAspect="1"/>
+          </p:cNvPicPr>
+          <p:nvPr>
+            <p:ph idx="1"/>
+          </p:nvPr>
+        </p:nvPicPr>
+        <p:blipFill>
+          <a:blip r:embed="rId1"/>
+          <a:stretch>
+            <a:fillRect/>
+          </a:stretch>
+        </p:blipFill>
+        <p:spPr>
+          <a:xfrm>
+            <a:off x="2720340" y="2781935"/>
+            <a:ext cx="6370955" cy="1150620"/>
+          </a:xfrm>
+          <a:prstGeom prst="rect">
+            <a:avLst/>
+          </a:prstGeom>
+        </p:spPr>
+      </p:pic>
+      <p:sp>
+        <p:nvSpPr>
+          <p:cNvPr id="4" name="Title 3"/>
+          <p:cNvSpPr>
+            <a:spLocks noGrp="1"/>
+          </p:cNvSpPr>
+          <p:nvPr>
+            <p:ph type="title"/>
+          </p:nvPr>
+        </p:nvSpPr>
+        <p:spPr/>
+        <p:txBody>
+          <a:bodyPr/>
+          <a:p>
+            <a:r>
+              <a:rPr lang="zh-CN" altLang="en-US"/>
+              <a:t>对象库可以绕开编译器的不统一：保证不会自动剔除没</a:t>
+            </a:r>
+            <a:r>
+              <a:rPr lang="zh-CN" altLang="en-US">
+                <a:sym typeface="+mn-ea"/>
+              </a:rPr>
+              <a:t>引用</a:t>
+            </a:r>
+            <a:r>
+              <a:rPr lang="zh-CN" altLang="en-US"/>
+              <a:t>到的对象文件</a:t>
+            </a:r>
+            <a:endParaRPr lang="zh-CN" altLang="en-US"/>
+          </a:p>
+        </p:txBody>
+      </p:sp>
+      <p:pic>
+        <p:nvPicPr>
+          <p:cNvPr id="7" name="Picture 6"/>
+          <p:cNvPicPr>
+            <a:picLocks noChangeAspect="1"/>
+          </p:cNvPicPr>
+          <p:nvPr/>
+        </p:nvPicPr>
+        <p:blipFill>
+          <a:blip r:embed="rId2"/>
+          <a:stretch>
+            <a:fillRect/>
+          </a:stretch>
+        </p:blipFill>
+        <p:spPr>
+          <a:xfrm>
+            <a:off x="4328795" y="4224020"/>
+            <a:ext cx="3533775" cy="1495425"/>
+          </a:xfrm>
+          <a:prstGeom prst="rect">
+            <a:avLst/>
+          </a:prstGeom>
+        </p:spPr>
+      </p:pic>
+      <p:cxnSp>
+        <p:nvCxnSpPr>
+          <p:cNvPr id="10" name="Straight Connector 9"/>
+          <p:cNvCxnSpPr/>
+          <p:nvPr/>
+        </p:nvCxnSpPr>
+        <p:spPr>
+          <a:xfrm>
+            <a:off x="5568950" y="3851275"/>
+            <a:ext cx="3392805" cy="0"/>
+          </a:xfrm>
+          <a:prstGeom prst="line">
+            <a:avLst/>
+          </a:prstGeom>
+        </p:spPr>
+        <p:style>
+          <a:lnRef idx="1">
+            <a:schemeClr val="accent1"/>
+          </a:lnRef>
+          <a:fillRef idx="0">
+            <a:schemeClr val="accent1"/>
+          </a:fillRef>
+          <a:effectRef idx="0">
+            <a:schemeClr val="accent1"/>
+          </a:effectRef>
+          <a:fontRef idx="minor">
+            <a:schemeClr val="tx1"/>
+          </a:fontRef>
+        </p:style>
+      </p:cxnSp>
+      <p:pic>
+        <p:nvPicPr>
+          <p:cNvPr id="2" name="Picture 1"/>
+          <p:cNvPicPr>
+            <a:picLocks noChangeAspect="1"/>
+          </p:cNvPicPr>
+          <p:nvPr/>
+        </p:nvPicPr>
+        <p:blipFill>
+          <a:blip r:embed="rId3"/>
+          <a:stretch>
+            <a:fillRect/>
+          </a:stretch>
+        </p:blipFill>
+        <p:spPr>
+          <a:xfrm>
+            <a:off x="5186680" y="6035040"/>
+            <a:ext cx="1819275" cy="428625"/>
+          </a:xfrm>
+          <a:prstGeom prst="rect">
+            <a:avLst/>
+          </a:prstGeom>
+        </p:spPr>
+      </p:pic>
+      <p:pic>
+        <p:nvPicPr>
+          <p:cNvPr id="3" name="Picture 2"/>
+          <p:cNvPicPr>
+            <a:picLocks noChangeAspect="1"/>
+          </p:cNvPicPr>
+          <p:nvPr/>
+        </p:nvPicPr>
+        <p:blipFill>
+          <a:blip r:embed="rId4"/>
+          <a:stretch>
+            <a:fillRect/>
+          </a:stretch>
+        </p:blipFill>
+        <p:spPr>
+          <a:xfrm>
+            <a:off x="3600450" y="1976755"/>
+            <a:ext cx="4786630" cy="595630"/>
+          </a:xfrm>
+          <a:prstGeom prst="rect">
+            <a:avLst/>
+          </a:prstGeom>
+        </p:spPr>
+      </p:pic>
+    </p:spTree>
+  </p:cSld>
+  <p:clrMapOvr>
+    <a:masterClrMapping/>
+  </p:clrMapOvr>
+</p:sld>
+</file>
+
+<file path=ppt/slides/slide48.xml><?xml version="1.0" encoding="utf-8"?>
+<p:sld xmlns:a="http://schemas.openxmlformats.org/drawingml/2006/main" xmlns:r="http://schemas.openxmlformats.org/officeDocument/2006/relationships" xmlns:p="http://schemas.openxmlformats.org/presentationml/2006/main">
+  <p:cSld>
+    <p:spTree>
+      <p:nvGrpSpPr>
+        <p:cNvPr id="1" name=""/>
+        <p:cNvGrpSpPr/>
+        <p:nvPr/>
+      </p:nvGrpSpPr>
+      <p:grpSpPr/>
+      <p:pic>
+        <p:nvPicPr>
+          <p:cNvPr id="12" name="Content Placeholder 11"/>
+          <p:cNvPicPr>
+            <a:picLocks noChangeAspect="1"/>
+          </p:cNvPicPr>
+          <p:nvPr>
+            <p:ph idx="1"/>
+          </p:nvPr>
+        </p:nvPicPr>
+        <p:blipFill>
+          <a:blip r:embed="rId1"/>
+          <a:stretch>
+            <a:fillRect/>
+          </a:stretch>
+        </p:blipFill>
+        <p:spPr>
+          <a:xfrm>
+            <a:off x="2720340" y="2781935"/>
+            <a:ext cx="6370955" cy="1150620"/>
+          </a:xfrm>
+          <a:prstGeom prst="rect">
+            <a:avLst/>
+          </a:prstGeom>
+        </p:spPr>
+      </p:pic>
+      <p:sp>
+        <p:nvSpPr>
+          <p:cNvPr id="4" name="Title 3"/>
+          <p:cNvSpPr>
+            <a:spLocks noGrp="1"/>
+          </p:cNvSpPr>
+          <p:nvPr>
+            <p:ph type="title"/>
+          </p:nvPr>
+        </p:nvSpPr>
+        <p:spPr/>
+        <p:txBody>
+          <a:bodyPr/>
+          <a:p>
+            <a:r>
+              <a:rPr lang="zh-CN" altLang="en-US"/>
+              <a:t>虽然动态库也可以避免剔除没引用的对象文件，但引入了运行时链接的麻烦</a:t>
+            </a:r>
+            <a:endParaRPr lang="zh-CN" altLang="en-US"/>
+          </a:p>
+        </p:txBody>
+      </p:sp>
+      <p:pic>
+        <p:nvPicPr>
+          <p:cNvPr id="7" name="Picture 6"/>
+          <p:cNvPicPr>
+            <a:picLocks noChangeAspect="1"/>
+          </p:cNvPicPr>
+          <p:nvPr/>
+        </p:nvPicPr>
+        <p:blipFill>
+          <a:blip r:embed="rId2"/>
+          <a:stretch>
+            <a:fillRect/>
+          </a:stretch>
+        </p:blipFill>
+        <p:spPr>
+          <a:xfrm>
+            <a:off x="4328795" y="4224020"/>
+            <a:ext cx="3533775" cy="1495425"/>
+          </a:xfrm>
+          <a:prstGeom prst="rect">
+            <a:avLst/>
+          </a:prstGeom>
+        </p:spPr>
+      </p:pic>
+      <p:cxnSp>
+        <p:nvCxnSpPr>
+          <p:cNvPr id="10" name="Straight Connector 9"/>
+          <p:cNvCxnSpPr/>
+          <p:nvPr/>
+        </p:nvCxnSpPr>
+        <p:spPr>
+          <a:xfrm>
+            <a:off x="5568950" y="3851275"/>
+            <a:ext cx="3392805" cy="0"/>
+          </a:xfrm>
+          <a:prstGeom prst="line">
+            <a:avLst/>
+          </a:prstGeom>
+        </p:spPr>
+        <p:style>
+          <a:lnRef idx="1">
+            <a:schemeClr val="accent1"/>
+          </a:lnRef>
+          <a:fillRef idx="0">
+            <a:schemeClr val="accent1"/>
+          </a:fillRef>
+          <a:effectRef idx="0">
+            <a:schemeClr val="accent1"/>
+          </a:effectRef>
+          <a:fontRef idx="minor">
+            <a:schemeClr val="tx1"/>
+          </a:fontRef>
+        </p:style>
+      </p:cxnSp>
+      <p:pic>
+        <p:nvPicPr>
+          <p:cNvPr id="2" name="Picture 1"/>
+          <p:cNvPicPr>
+            <a:picLocks noChangeAspect="1"/>
+          </p:cNvPicPr>
+          <p:nvPr/>
+        </p:nvPicPr>
+        <p:blipFill>
+          <a:blip r:embed="rId3"/>
+          <a:stretch>
+            <a:fillRect/>
+          </a:stretch>
+        </p:blipFill>
+        <p:spPr>
+          <a:xfrm>
+            <a:off x="5186680" y="6035040"/>
+            <a:ext cx="1819275" cy="428625"/>
+          </a:xfrm>
+          <a:prstGeom prst="rect">
+            <a:avLst/>
+          </a:prstGeom>
+        </p:spPr>
+      </p:pic>
+      <p:pic>
+        <p:nvPicPr>
+          <p:cNvPr id="5" name="Picture 4"/>
+          <p:cNvPicPr>
+            <a:picLocks noChangeAspect="1"/>
+          </p:cNvPicPr>
+          <p:nvPr/>
+        </p:nvPicPr>
+        <p:blipFill>
+          <a:blip r:embed="rId4"/>
+          <a:stretch>
+            <a:fillRect/>
+          </a:stretch>
+        </p:blipFill>
+        <p:spPr>
+          <a:xfrm>
+            <a:off x="3688080" y="1954530"/>
+            <a:ext cx="4652645" cy="557530"/>
+          </a:xfrm>
+          <a:prstGeom prst="rect">
+            <a:avLst/>
+          </a:prstGeom>
+        </p:spPr>
+      </p:pic>
+    </p:spTree>
+  </p:cSld>
+  <p:clrMapOvr>
+    <a:masterClrMapping/>
+  </p:clrMapOvr>
+</p:sld>
+</file>
+
+<file path=ppt/slides/slide49.xml><?xml version="1.0" encoding="utf-8"?>
+<p:sld xmlns:a="http://schemas.openxmlformats.org/drawingml/2006/main" xmlns:r="http://schemas.openxmlformats.org/officeDocument/2006/relationships" xmlns:p="http://schemas.openxmlformats.org/presentationml/2006/main">
+  <p:cSld>
+    <p:spTree>
+      <p:nvGrpSpPr>
+        <p:cNvPr id="1" name=""/>
+        <p:cNvGrpSpPr/>
+        <p:nvPr/>
+      </p:nvGrpSpPr>
+      <p:grpSpPr/>
+      <p:sp>
+        <p:nvSpPr>
+          <p:cNvPr id="2" name="Title 1"/>
+          <p:cNvSpPr>
+            <a:spLocks noGrp="1"/>
+          </p:cNvSpPr>
+          <p:nvPr>
+            <p:ph type="title"/>
+          </p:nvPr>
+        </p:nvSpPr>
+        <p:spPr/>
+        <p:txBody>
+          <a:bodyPr/>
+          <a:p>
+            <a:r>
+              <a:rPr lang="en-US"/>
+              <a:t>add_library </a:t>
+            </a:r>
+            <a:r>
+              <a:rPr lang="zh-CN" altLang="en-US"/>
+              <a:t>无参数时，是静态库还是动态库</a:t>
+            </a:r>
+            <a:r>
+              <a:rPr lang="en-US" altLang="zh-CN"/>
+              <a:t>?</a:t>
+            </a:r>
+            <a:endParaRPr lang="en-US" altLang="zh-CN"/>
+          </a:p>
+        </p:txBody>
+      </p:sp>
+      <p:pic>
+        <p:nvPicPr>
+          <p:cNvPr id="4" name="Content Placeholder 3"/>
+          <p:cNvPicPr>
+            <a:picLocks noChangeAspect="1"/>
+          </p:cNvPicPr>
+          <p:nvPr>
+            <p:ph idx="1"/>
+          </p:nvPr>
+        </p:nvPicPr>
+        <p:blipFill>
+          <a:blip r:embed="rId1"/>
+          <a:stretch>
+            <a:fillRect/>
+          </a:stretch>
+        </p:blipFill>
+        <p:spPr>
+          <a:xfrm>
+            <a:off x="4204970" y="3500755"/>
+            <a:ext cx="3400425" cy="1000125"/>
+          </a:xfrm>
+          <a:prstGeom prst="rect">
+            <a:avLst/>
+          </a:prstGeom>
+        </p:spPr>
+      </p:pic>
+      <p:sp>
+        <p:nvSpPr>
+          <p:cNvPr id="5" name="Text Box 4"/>
+          <p:cNvSpPr txBox="1"/>
+          <p:nvPr/>
+        </p:nvSpPr>
+        <p:spPr>
+          <a:xfrm>
+            <a:off x="2140585" y="1584325"/>
+            <a:ext cx="7910830" cy="1753235"/>
+          </a:xfrm>
+          <a:prstGeom prst="rect">
+            <a:avLst/>
+          </a:prstGeom>
+          <a:noFill/>
+        </p:spPr>
+        <p:txBody>
+          <a:bodyPr wrap="square" rtlCol="0" anchor="t">
+            <a:spAutoFit/>
+          </a:bodyPr>
+          <a:p>
+            <a:pPr algn="l"/>
+            <a:r>
+              <a:rPr lang="zh-CN" altLang="en-US">
+                <a:sym typeface="+mn-ea"/>
+              </a:rPr>
+              <a:t>会根据</a:t>
+            </a:r>
+            <a:r>
+              <a:rPr lang="en-US" altLang="zh-CN">
+                <a:sym typeface="+mn-ea"/>
+              </a:rPr>
+              <a:t> BUILD_SHARED_LIBS </a:t>
+            </a:r>
+            <a:r>
+              <a:rPr lang="zh-CN" altLang="en-US">
+                <a:sym typeface="+mn-ea"/>
+              </a:rPr>
+              <a:t>这个变量的值决定是动态库还是静态库。</a:t>
+            </a:r>
+            <a:endParaRPr lang="zh-CN" altLang="en-US">
+              <a:sym typeface="+mn-ea"/>
+            </a:endParaRPr>
+          </a:p>
+          <a:p>
+            <a:pPr algn="l"/>
+            <a:r>
+              <a:rPr lang="en-US">
+                <a:sym typeface="+mn-ea"/>
+              </a:rPr>
+              <a:t>ON </a:t>
+            </a:r>
+            <a:r>
+              <a:rPr lang="zh-CN" altLang="en-US">
+                <a:sym typeface="+mn-ea"/>
+              </a:rPr>
+              <a:t>则相当于</a:t>
+            </a:r>
+            <a:r>
+              <a:rPr lang="en-US" altLang="zh-CN">
+                <a:sym typeface="+mn-ea"/>
+              </a:rPr>
+              <a:t> SHARED</a:t>
+            </a:r>
+            <a:r>
+              <a:rPr lang="zh-CN" altLang="en-US">
+                <a:sym typeface="+mn-ea"/>
+              </a:rPr>
+              <a:t>，</a:t>
+            </a:r>
+            <a:r>
+              <a:rPr lang="en-US" altLang="zh-CN">
+                <a:sym typeface="+mn-ea"/>
+              </a:rPr>
+              <a:t>OFF </a:t>
+            </a:r>
+            <a:r>
+              <a:rPr lang="zh-CN" altLang="en-US">
+                <a:sym typeface="+mn-ea"/>
+              </a:rPr>
+              <a:t>则相当于</a:t>
+            </a:r>
+            <a:r>
+              <a:rPr lang="en-US" altLang="zh-CN">
+                <a:sym typeface="+mn-ea"/>
+              </a:rPr>
+              <a:t> STATIC</a:t>
+            </a:r>
+            <a:r>
+              <a:rPr lang="zh-CN" altLang="en-US">
+                <a:sym typeface="+mn-ea"/>
+              </a:rPr>
+              <a:t>。</a:t>
+            </a:r>
+            <a:endParaRPr lang="zh-CN" altLang="en-US">
+              <a:sym typeface="+mn-ea"/>
+            </a:endParaRPr>
+          </a:p>
+          <a:p>
+            <a:pPr algn="l"/>
+            <a:r>
+              <a:rPr lang="zh-CN" altLang="en-US">
+                <a:sym typeface="+mn-ea"/>
+              </a:rPr>
+              <a:t>如果未指定</a:t>
+            </a:r>
+            <a:r>
+              <a:rPr lang="en-US" altLang="zh-CN">
+                <a:sym typeface="+mn-ea"/>
+              </a:rPr>
+              <a:t> </a:t>
+            </a:r>
+            <a:r>
+              <a:rPr lang="en-US" altLang="zh-CN">
+                <a:sym typeface="+mn-ea"/>
+              </a:rPr>
+              <a:t>BUILD_SHARED_LIBS </a:t>
+            </a:r>
+            <a:r>
+              <a:rPr lang="zh-CN" altLang="en-US">
+                <a:sym typeface="+mn-ea"/>
+              </a:rPr>
+              <a:t>变量</a:t>
+            </a:r>
+            <a:r>
+              <a:rPr lang="zh-CN" altLang="en-US">
+                <a:sym typeface="+mn-ea"/>
+              </a:rPr>
+              <a:t>，则默认为</a:t>
+            </a:r>
+            <a:r>
+              <a:rPr lang="en-US" altLang="zh-CN">
+                <a:sym typeface="+mn-ea"/>
+              </a:rPr>
+              <a:t> STATIC</a:t>
+            </a:r>
+            <a:r>
+              <a:rPr lang="zh-CN" altLang="en-US">
+                <a:sym typeface="+mn-ea"/>
+              </a:rPr>
+              <a:t>。</a:t>
+            </a:r>
+            <a:endParaRPr lang="zh-CN" altLang="en-US"/>
+          </a:p>
+          <a:p>
+            <a:pPr algn="l"/>
+            <a:r>
+              <a:rPr lang="zh-CN" altLang="en-US">
+                <a:sym typeface="+mn-ea"/>
+              </a:rPr>
+              <a:t>因此，如果发现一个项目里的</a:t>
+            </a:r>
+            <a:r>
+              <a:rPr lang="en-US" altLang="zh-CN">
+                <a:sym typeface="+mn-ea"/>
+              </a:rPr>
+              <a:t> add_library </a:t>
+            </a:r>
+            <a:r>
+              <a:rPr lang="zh-CN" altLang="en-US">
+                <a:sym typeface="+mn-ea"/>
+              </a:rPr>
+              <a:t>都是无参数的，意味着你可以用：</a:t>
+            </a:r>
+            <a:endParaRPr lang="zh-CN" altLang="en-US"/>
+          </a:p>
+          <a:p>
+            <a:pPr algn="l"/>
+            <a:r>
+              <a:rPr lang="en-US" altLang="zh-CN">
+                <a:sym typeface="+mn-ea"/>
+              </a:rPr>
+              <a:t>cmake -B build -DBUILD_SHARED_LIBS:BOOL=ON</a:t>
+            </a:r>
+            <a:endParaRPr lang="en-US" altLang="zh-CN"/>
+          </a:p>
+          <a:p>
+            <a:pPr algn="l"/>
+            <a:r>
+              <a:rPr lang="zh-CN" altLang="en-US">
+                <a:sym typeface="+mn-ea"/>
+              </a:rPr>
+              <a:t>来让他全部生成为动态库。稍后会详解命令行传递变量的规则。</a:t>
+            </a:r>
+            <a:endParaRPr lang="zh-CN" altLang="en-US"/>
+          </a:p>
+        </p:txBody>
+      </p:sp>
+      <p:pic>
+        <p:nvPicPr>
+          <p:cNvPr id="6" name="Picture 5"/>
+          <p:cNvPicPr>
+            <a:picLocks noChangeAspect="1"/>
+          </p:cNvPicPr>
+          <p:nvPr/>
+        </p:nvPicPr>
+        <p:blipFill>
+          <a:blip r:embed="rId2"/>
+          <a:stretch>
+            <a:fillRect/>
+          </a:stretch>
+        </p:blipFill>
+        <p:spPr>
+          <a:xfrm>
+            <a:off x="5186680" y="6035040"/>
+            <a:ext cx="1819275" cy="428625"/>
           </a:xfrm>
           <a:prstGeom prst="rect">
             <a:avLst/>
@@ -7055,6 +8891,798 @@
           </a:prstGeom>
         </p:spPr>
       </p:pic>
+    </p:spTree>
+  </p:cSld>
+  <p:clrMapOvr>
+    <a:masterClrMapping/>
+  </p:clrMapOvr>
+</p:sld>
+</file>
+
+<file path=ppt/slides/slide50.xml><?xml version="1.0" encoding="utf-8"?>
+<p:sld xmlns:a="http://schemas.openxmlformats.org/drawingml/2006/main" xmlns:r="http://schemas.openxmlformats.org/officeDocument/2006/relationships" xmlns:p="http://schemas.openxmlformats.org/presentationml/2006/main">
+  <p:cSld>
+    <p:spTree>
+      <p:nvGrpSpPr>
+        <p:cNvPr id="1" name=""/>
+        <p:cNvGrpSpPr/>
+        <p:nvPr/>
+      </p:nvGrpSpPr>
+      <p:grpSpPr/>
+      <p:sp>
+        <p:nvSpPr>
+          <p:cNvPr id="2" name="Title 1"/>
+          <p:cNvSpPr>
+            <a:spLocks noGrp="1"/>
+          </p:cNvSpPr>
+          <p:nvPr>
+            <p:ph type="title"/>
+          </p:nvPr>
+        </p:nvSpPr>
+        <p:spPr/>
+        <p:txBody>
+          <a:bodyPr/>
+          <a:p>
+            <a:r>
+              <a:rPr lang="zh-CN"/>
+              <a:t>小技巧：设定一个变量的默认值</a:t>
+            </a:r>
+            <a:endParaRPr lang="zh-CN"/>
+          </a:p>
+        </p:txBody>
+      </p:sp>
+      <p:sp>
+        <p:nvSpPr>
+          <p:cNvPr id="5" name="Text Box 4"/>
+          <p:cNvSpPr txBox="1"/>
+          <p:nvPr/>
+        </p:nvSpPr>
+        <p:spPr>
+          <a:xfrm>
+            <a:off x="2140585" y="1584325"/>
+            <a:ext cx="7910830" cy="1476375"/>
+          </a:xfrm>
+          <a:prstGeom prst="rect">
+            <a:avLst/>
+          </a:prstGeom>
+          <a:noFill/>
+        </p:spPr>
+        <p:txBody>
+          <a:bodyPr wrap="square" rtlCol="0" anchor="t">
+            <a:spAutoFit/>
+          </a:bodyPr>
+          <a:p>
+            <a:pPr algn="l"/>
+            <a:r>
+              <a:rPr lang="zh-CN">
+                <a:sym typeface="+mn-ea"/>
+              </a:rPr>
+              <a:t>要让</a:t>
+            </a:r>
+            <a:r>
+              <a:rPr lang="en-US" altLang="zh-CN">
+                <a:sym typeface="+mn-ea"/>
+              </a:rPr>
+              <a:t> BUILD_SHARED_LIBS </a:t>
+            </a:r>
+            <a:r>
+              <a:rPr lang="zh-CN" altLang="en-US">
+                <a:sym typeface="+mn-ea"/>
+              </a:rPr>
+              <a:t>默认为</a:t>
+            </a:r>
+            <a:r>
+              <a:rPr lang="en-US" altLang="zh-CN">
+                <a:sym typeface="+mn-ea"/>
+              </a:rPr>
+              <a:t> ON</a:t>
+            </a:r>
+            <a:r>
+              <a:rPr lang="zh-CN" altLang="en-US">
+                <a:sym typeface="+mn-ea"/>
+              </a:rPr>
+              <a:t>，可以用下图这个方法：</a:t>
+            </a:r>
+            <a:endParaRPr lang="zh-CN" altLang="en-US">
+              <a:sym typeface="+mn-ea"/>
+            </a:endParaRPr>
+          </a:p>
+          <a:p>
+            <a:pPr algn="l"/>
+            <a:r>
+              <a:rPr lang="zh-CN" altLang="en-US">
+                <a:sym typeface="+mn-ea"/>
+              </a:rPr>
+              <a:t>如果该变量没有定义，则设为</a:t>
+            </a:r>
+            <a:r>
+              <a:rPr lang="en-US" altLang="zh-CN">
+                <a:sym typeface="+mn-ea"/>
+              </a:rPr>
+              <a:t> ON</a:t>
+            </a:r>
+            <a:r>
+              <a:rPr lang="zh-CN" altLang="en-US">
+                <a:sym typeface="+mn-ea"/>
+              </a:rPr>
+              <a:t>，否则保持用户指定的值不变。</a:t>
+            </a:r>
+            <a:endParaRPr lang="zh-CN">
+              <a:sym typeface="+mn-ea"/>
+            </a:endParaRPr>
+          </a:p>
+          <a:p>
+            <a:pPr algn="l"/>
+            <a:r>
+              <a:rPr lang="zh-CN">
+                <a:sym typeface="+mn-ea"/>
+              </a:rPr>
+              <a:t>这样当用户没有指定</a:t>
+            </a:r>
+            <a:r>
+              <a:rPr lang="en-US" altLang="zh-CN">
+                <a:sym typeface="+mn-ea"/>
+              </a:rPr>
+              <a:t> BUILD_SHARED_LIBS </a:t>
+            </a:r>
+            <a:r>
+              <a:rPr lang="zh-CN" altLang="en-US">
+                <a:sym typeface="+mn-ea"/>
+              </a:rPr>
+              <a:t>这个变量</a:t>
+            </a:r>
+            <a:r>
+              <a:rPr lang="zh-CN">
+                <a:sym typeface="+mn-ea"/>
+              </a:rPr>
+              <a:t>时，会默认变成</a:t>
+            </a:r>
+            <a:r>
+              <a:rPr lang="en-US" altLang="zh-CN">
+                <a:sym typeface="+mn-ea"/>
+              </a:rPr>
+              <a:t> ON</a:t>
+            </a:r>
+            <a:r>
+              <a:rPr lang="zh-CN" altLang="en-US">
+                <a:sym typeface="+mn-ea"/>
+              </a:rPr>
+              <a:t>。</a:t>
+            </a:r>
+            <a:endParaRPr lang="zh-CN" altLang="en-US">
+              <a:sym typeface="+mn-ea"/>
+            </a:endParaRPr>
+          </a:p>
+          <a:p>
+            <a:pPr algn="l"/>
+            <a:r>
+              <a:rPr lang="zh-CN" altLang="en-US">
+                <a:sym typeface="+mn-ea"/>
+              </a:rPr>
+              <a:t>也就是说除非用户指定了</a:t>
+            </a:r>
+            <a:r>
+              <a:rPr lang="en-US" altLang="zh-CN">
+                <a:sym typeface="+mn-ea"/>
+              </a:rPr>
+              <a:t> -DBUILD_SHARED_LIBS:BOOL=OFF </a:t>
+            </a:r>
+            <a:r>
+              <a:rPr lang="zh-CN" altLang="en-US">
+                <a:sym typeface="+mn-ea"/>
+              </a:rPr>
+              <a:t>才会生成静态库，否则默认是生成动态库。</a:t>
+            </a:r>
+            <a:endParaRPr lang="zh-CN" altLang="en-US">
+              <a:sym typeface="+mn-ea"/>
+            </a:endParaRPr>
+          </a:p>
+        </p:txBody>
+      </p:sp>
+      <p:pic>
+        <p:nvPicPr>
+          <p:cNvPr id="6" name="Picture 5"/>
+          <p:cNvPicPr>
+            <a:picLocks noChangeAspect="1"/>
+          </p:cNvPicPr>
+          <p:nvPr/>
+        </p:nvPicPr>
+        <p:blipFill>
+          <a:blip r:embed="rId1"/>
+          <a:stretch>
+            <a:fillRect/>
+          </a:stretch>
+        </p:blipFill>
+        <p:spPr>
+          <a:xfrm>
+            <a:off x="5186680" y="6035040"/>
+            <a:ext cx="1819275" cy="428625"/>
+          </a:xfrm>
+          <a:prstGeom prst="rect">
+            <a:avLst/>
+          </a:prstGeom>
+        </p:spPr>
+      </p:pic>
+      <p:pic>
+        <p:nvPicPr>
+          <p:cNvPr id="7" name="Content Placeholder 6"/>
+          <p:cNvPicPr>
+            <a:picLocks noChangeAspect="1"/>
+          </p:cNvPicPr>
+          <p:nvPr>
+            <p:ph idx="1"/>
+          </p:nvPr>
+        </p:nvPicPr>
+        <p:blipFill>
+          <a:blip r:embed="rId2"/>
+          <a:stretch>
+            <a:fillRect/>
+          </a:stretch>
+        </p:blipFill>
+        <p:spPr>
+          <a:xfrm>
+            <a:off x="3498850" y="3705860"/>
+            <a:ext cx="4814570" cy="1183640"/>
+          </a:xfrm>
+          <a:prstGeom prst="rect">
+            <a:avLst/>
+          </a:prstGeom>
+        </p:spPr>
+      </p:pic>
+    </p:spTree>
+  </p:cSld>
+  <p:clrMapOvr>
+    <a:masterClrMapping/>
+  </p:clrMapOvr>
+</p:sld>
+</file>
+
+<file path=ppt/slides/slide51.xml><?xml version="1.0" encoding="utf-8"?>
+<p:sld xmlns:a="http://schemas.openxmlformats.org/drawingml/2006/main" xmlns:r="http://schemas.openxmlformats.org/officeDocument/2006/relationships" xmlns:p="http://schemas.openxmlformats.org/presentationml/2006/main">
+  <p:cSld>
+    <p:spTree>
+      <p:nvGrpSpPr>
+        <p:cNvPr id="1" name=""/>
+        <p:cNvGrpSpPr/>
+        <p:nvPr/>
+      </p:nvGrpSpPr>
+      <p:grpSpPr/>
+      <p:sp>
+        <p:nvSpPr>
+          <p:cNvPr id="2" name="Title 1"/>
+          <p:cNvSpPr>
+            <a:spLocks noGrp="1"/>
+          </p:cNvSpPr>
+          <p:nvPr>
+            <p:ph type="title"/>
+          </p:nvPr>
+        </p:nvSpPr>
+        <p:spPr/>
+        <p:txBody>
+          <a:bodyPr/>
+          <a:p>
+            <a:r>
+              <a:rPr lang="zh-CN"/>
+              <a:t>小技巧：设定一个变量的默认值</a:t>
+            </a:r>
+            <a:endParaRPr lang="zh-CN"/>
+          </a:p>
+        </p:txBody>
+      </p:sp>
+      <p:sp>
+        <p:nvSpPr>
+          <p:cNvPr id="5" name="Text Box 4"/>
+          <p:cNvSpPr txBox="1"/>
+          <p:nvPr/>
+        </p:nvSpPr>
+        <p:spPr>
+          <a:xfrm>
+            <a:off x="2174875" y="1326515"/>
+            <a:ext cx="7461885" cy="2306955"/>
+          </a:xfrm>
+          <a:prstGeom prst="rect">
+            <a:avLst/>
+          </a:prstGeom>
+          <a:noFill/>
+        </p:spPr>
+        <p:txBody>
+          <a:bodyPr wrap="square" rtlCol="0" anchor="t">
+            <a:spAutoFit/>
+          </a:bodyPr>
+          <a:p>
+            <a:pPr algn="l"/>
+            <a:r>
+              <a:rPr lang="zh-CN" altLang="en-US">
+                <a:sym typeface="+mn-ea"/>
+              </a:rPr>
+              <a:t>该技巧常常用于让</a:t>
+            </a:r>
+            <a:r>
+              <a:rPr lang="en-US" altLang="zh-CN">
+                <a:sym typeface="+mn-ea"/>
+              </a:rPr>
+              <a:t> CMAKE_BUILD_TYPE </a:t>
+            </a:r>
+            <a:r>
+              <a:rPr lang="zh-CN" altLang="en-US">
+                <a:sym typeface="+mn-ea"/>
+              </a:rPr>
+              <a:t>默认为</a:t>
+            </a:r>
+            <a:r>
+              <a:rPr lang="en-US" altLang="zh-CN">
+                <a:sym typeface="+mn-ea"/>
+              </a:rPr>
+              <a:t> Release</a:t>
+            </a:r>
+            <a:r>
+              <a:rPr lang="zh-CN" altLang="en-US">
+                <a:sym typeface="+mn-ea"/>
+              </a:rPr>
+              <a:t>。</a:t>
+            </a:r>
+            <a:endParaRPr lang="zh-CN" altLang="en-US">
+              <a:sym typeface="+mn-ea"/>
+            </a:endParaRPr>
+          </a:p>
+          <a:p>
+            <a:pPr algn="l"/>
+            <a:r>
+              <a:rPr lang="zh-CN" altLang="en-US">
+                <a:sym typeface="+mn-ea"/>
+              </a:rPr>
+              <a:t>就是说</a:t>
+            </a:r>
+            <a:r>
+              <a:rPr lang="en-US" altLang="zh-CN">
+                <a:sym typeface="+mn-ea"/>
+              </a:rPr>
+              <a:t> CMake </a:t>
+            </a:r>
+            <a:r>
+              <a:rPr lang="zh-CN" altLang="en-US">
+                <a:sym typeface="+mn-ea"/>
+              </a:rPr>
+              <a:t>默认情况下</a:t>
+            </a:r>
+            <a:r>
+              <a:rPr lang="en-US" altLang="zh-CN">
+                <a:sym typeface="+mn-ea"/>
+              </a:rPr>
+              <a:t> CMAKE_BUILD_TYPE </a:t>
+            </a:r>
+            <a:r>
+              <a:rPr lang="zh-CN" altLang="en-US">
+                <a:sym typeface="+mn-ea"/>
+              </a:rPr>
+              <a:t>是一个空字符串。</a:t>
+            </a:r>
+            <a:endParaRPr lang="zh-CN" altLang="en-US">
+              <a:sym typeface="+mn-ea"/>
+            </a:endParaRPr>
+          </a:p>
+          <a:p>
+            <a:pPr algn="l"/>
+            <a:r>
+              <a:rPr lang="zh-CN" altLang="en-US">
+                <a:sym typeface="+mn-ea"/>
+              </a:rPr>
+              <a:t>因此这里通过</a:t>
+            </a:r>
+            <a:r>
+              <a:rPr lang="en-US" altLang="zh-CN">
+                <a:sym typeface="+mn-ea"/>
+              </a:rPr>
+              <a:t> if (NOT CMAKE_BUILD_TYPE) </a:t>
+            </a:r>
+            <a:r>
+              <a:rPr lang="zh-CN" altLang="en-US">
+                <a:sym typeface="+mn-ea"/>
+              </a:rPr>
+              <a:t>判断是否为空，如果空则自动设为</a:t>
+            </a:r>
+            <a:r>
+              <a:rPr lang="en-US" altLang="zh-CN">
+                <a:sym typeface="+mn-ea"/>
+              </a:rPr>
+              <a:t> Release </a:t>
+            </a:r>
+            <a:r>
+              <a:rPr lang="zh-CN" altLang="en-US">
+                <a:sym typeface="+mn-ea"/>
+              </a:rPr>
+              <a:t>模式。</a:t>
+            </a:r>
+            <a:endParaRPr lang="zh-CN" altLang="en-US">
+              <a:sym typeface="+mn-ea"/>
+            </a:endParaRPr>
+          </a:p>
+          <a:p>
+            <a:pPr algn="l"/>
+            <a:r>
+              <a:rPr lang="zh-CN" altLang="en-US">
+                <a:sym typeface="+mn-ea"/>
+              </a:rPr>
+              <a:t>大多数</a:t>
+            </a:r>
+            <a:r>
+              <a:rPr lang="en-US" altLang="zh-CN">
+                <a:sym typeface="+mn-ea"/>
+              </a:rPr>
+              <a:t> CMakeLists.txt </a:t>
+            </a:r>
+            <a:r>
+              <a:rPr lang="zh-CN" altLang="en-US">
+                <a:sym typeface="+mn-ea"/>
+              </a:rPr>
+              <a:t>的开头都会有这样三行，为的是让默认的构建类型为发布模式（高度优化）而不是默认的调试模式（不会优化）。</a:t>
+            </a:r>
+            <a:endParaRPr lang="zh-CN" altLang="en-US">
+              <a:sym typeface="+mn-ea"/>
+            </a:endParaRPr>
+          </a:p>
+          <a:p>
+            <a:pPr algn="l"/>
+            <a:r>
+              <a:rPr lang="zh-CN" altLang="en-US">
+                <a:sym typeface="+mn-ea"/>
+              </a:rPr>
+              <a:t>我们稍后会详细捋一遍类似于</a:t>
+            </a:r>
+            <a:r>
+              <a:rPr lang="en-US" altLang="zh-CN">
+                <a:sym typeface="+mn-ea"/>
+              </a:rPr>
+              <a:t> CMAKE_BUILD_TYPE </a:t>
+            </a:r>
+            <a:r>
+              <a:rPr lang="zh-CN" altLang="en-US">
+                <a:sym typeface="+mn-ea"/>
+              </a:rPr>
+              <a:t>这样的东西。绝大多数</a:t>
+            </a:r>
+            <a:r>
+              <a:rPr lang="en-US" altLang="zh-CN">
+                <a:sym typeface="+mn-ea"/>
+              </a:rPr>
+              <a:t> CMakeLists.txt </a:t>
+            </a:r>
+            <a:r>
+              <a:rPr lang="zh-CN" altLang="en-US">
+                <a:sym typeface="+mn-ea"/>
+              </a:rPr>
+              <a:t>开头都会有的部分，可以说是“标准模板”了。</a:t>
+            </a:r>
+            <a:endParaRPr lang="zh-CN" altLang="en-US">
+              <a:sym typeface="+mn-ea"/>
+            </a:endParaRPr>
+          </a:p>
+        </p:txBody>
+      </p:sp>
+      <p:pic>
+        <p:nvPicPr>
+          <p:cNvPr id="4" name="Content Placeholder 3"/>
+          <p:cNvPicPr>
+            <a:picLocks noChangeAspect="1"/>
+          </p:cNvPicPr>
+          <p:nvPr>
+            <p:ph idx="1"/>
+          </p:nvPr>
+        </p:nvPicPr>
+        <p:blipFill>
+          <a:blip r:embed="rId1"/>
+          <a:stretch>
+            <a:fillRect/>
+          </a:stretch>
+        </p:blipFill>
+        <p:spPr>
+          <a:xfrm>
+            <a:off x="3472815" y="3827145"/>
+            <a:ext cx="4866005" cy="1225550"/>
+          </a:xfrm>
+          <a:prstGeom prst="rect">
+            <a:avLst/>
+          </a:prstGeom>
+        </p:spPr>
+      </p:pic>
+    </p:spTree>
+  </p:cSld>
+  <p:clrMapOvr>
+    <a:masterClrMapping/>
+  </p:clrMapOvr>
+</p:sld>
+</file>
+
+<file path=ppt/slides/slide52.xml><?xml version="1.0" encoding="utf-8"?>
+<p:sld xmlns:a="http://schemas.openxmlformats.org/drawingml/2006/main" xmlns:r="http://schemas.openxmlformats.org/officeDocument/2006/relationships" xmlns:p="http://schemas.openxmlformats.org/presentationml/2006/main">
+  <p:cSld>
+    <p:spTree>
+      <p:nvGrpSpPr>
+        <p:cNvPr id="1" name=""/>
+        <p:cNvGrpSpPr/>
+        <p:nvPr/>
+      </p:nvGrpSpPr>
+      <p:grpSpPr/>
+      <p:sp>
+        <p:nvSpPr>
+          <p:cNvPr id="2" name="Title 1"/>
+          <p:cNvSpPr>
+            <a:spLocks noGrp="1"/>
+          </p:cNvSpPr>
+          <p:nvPr>
+            <p:ph type="title"/>
+          </p:nvPr>
+        </p:nvSpPr>
+        <p:spPr/>
+        <p:txBody>
+          <a:bodyPr/>
+          <a:p>
+            <a:r>
+              <a:rPr lang="zh-CN" altLang="en-US"/>
+              <a:t>常见坑点：动态库无法链接静态库</a:t>
+            </a:r>
+            <a:endParaRPr lang="zh-CN" altLang="en-US"/>
+          </a:p>
+        </p:txBody>
+      </p:sp>
+      <p:sp>
+        <p:nvSpPr>
+          <p:cNvPr id="3" name="Content Placeholder 2"/>
+          <p:cNvSpPr>
+            <a:spLocks noGrp="1"/>
+          </p:cNvSpPr>
+          <p:nvPr>
+            <p:ph idx="1"/>
+          </p:nvPr>
+        </p:nvSpPr>
+        <p:spPr/>
+        <p:txBody>
+          <a:bodyPr/>
+          <a:p>
+            <a:endParaRPr lang="en-US"/>
+          </a:p>
+        </p:txBody>
+      </p:sp>
+    </p:spTree>
+  </p:cSld>
+  <p:clrMapOvr>
+    <a:masterClrMapping/>
+  </p:clrMapOvr>
+</p:sld>
+</file>
+
+<file path=ppt/slides/slide53.xml><?xml version="1.0" encoding="utf-8"?>
+<p:sld xmlns:a="http://schemas.openxmlformats.org/drawingml/2006/main" xmlns:r="http://schemas.openxmlformats.org/officeDocument/2006/relationships" xmlns:p="http://schemas.openxmlformats.org/presentationml/2006/main">
+  <p:cSld>
+    <p:spTree>
+      <p:nvGrpSpPr>
+        <p:cNvPr id="1" name=""/>
+        <p:cNvGrpSpPr/>
+        <p:nvPr/>
+      </p:nvGrpSpPr>
+      <p:grpSpPr/>
+      <p:sp>
+        <p:nvSpPr>
+          <p:cNvPr id="4" name="Title 3"/>
+          <p:cNvSpPr>
+            <a:spLocks noGrp="1"/>
+          </p:cNvSpPr>
+          <p:nvPr>
+            <p:ph type="title"/>
+          </p:nvPr>
+        </p:nvSpPr>
+        <p:spPr/>
+        <p:txBody>
+          <a:bodyPr/>
+          <a:p>
+            <a:r>
+              <a:rPr lang="zh-CN" altLang="en-US"/>
+              <a:t>第</a:t>
+            </a:r>
+            <a:r>
+              <a:rPr lang="en-US" altLang="zh-CN"/>
+              <a:t>5</a:t>
+            </a:r>
+            <a:r>
+              <a:rPr lang="zh-CN" altLang="en-US"/>
+              <a:t>章：库的传播规则</a:t>
+            </a:r>
+            <a:endParaRPr lang="zh-CN" altLang="en-US"/>
+          </a:p>
+        </p:txBody>
+      </p:sp>
+    </p:spTree>
+  </p:cSld>
+  <p:clrMapOvr>
+    <a:masterClrMapping/>
+  </p:clrMapOvr>
+</p:sld>
+</file>
+
+<file path=ppt/slides/slide54.xml><?xml version="1.0" encoding="utf-8"?>
+<p:sld xmlns:a="http://schemas.openxmlformats.org/drawingml/2006/main" xmlns:r="http://schemas.openxmlformats.org/officeDocument/2006/relationships" xmlns:p="http://schemas.openxmlformats.org/presentationml/2006/main">
+  <p:cSld>
+    <p:spTree>
+      <p:nvGrpSpPr>
+        <p:cNvPr id="1" name=""/>
+        <p:cNvGrpSpPr/>
+        <p:nvPr/>
+      </p:nvGrpSpPr>
+      <p:grpSpPr/>
+      <p:sp>
+        <p:nvSpPr>
+          <p:cNvPr id="4" name="Title 3"/>
+          <p:cNvSpPr>
+            <a:spLocks noGrp="1"/>
+          </p:cNvSpPr>
+          <p:nvPr>
+            <p:ph type="title"/>
+          </p:nvPr>
+        </p:nvSpPr>
+        <p:spPr/>
+        <p:txBody>
+          <a:bodyPr/>
+          <a:p>
+            <a:r>
+              <a:rPr lang="zh-CN" altLang="en-US"/>
+              <a:t>第</a:t>
+            </a:r>
+            <a:r>
+              <a:rPr lang="en-US" altLang="zh-CN"/>
+              <a:t>6</a:t>
+            </a:r>
+            <a:r>
+              <a:rPr lang="zh-CN" altLang="en-US"/>
+              <a:t>章：系统自带库</a:t>
+            </a:r>
+            <a:endParaRPr lang="zh-CN" altLang="en-US"/>
+          </a:p>
+        </p:txBody>
+      </p:sp>
+    </p:spTree>
+  </p:cSld>
+  <p:clrMapOvr>
+    <a:masterClrMapping/>
+  </p:clrMapOvr>
+</p:sld>
+</file>
+
+<file path=ppt/slides/slide55.xml><?xml version="1.0" encoding="utf-8"?>
+<p:sld xmlns:a="http://schemas.openxmlformats.org/drawingml/2006/main" xmlns:r="http://schemas.openxmlformats.org/officeDocument/2006/relationships" xmlns:p="http://schemas.openxmlformats.org/presentationml/2006/main">
+  <p:cSld>
+    <p:spTree>
+      <p:nvGrpSpPr>
+        <p:cNvPr id="1" name=""/>
+        <p:cNvGrpSpPr/>
+        <p:nvPr/>
+      </p:nvGrpSpPr>
+      <p:grpSpPr/>
+      <p:sp>
+        <p:nvSpPr>
+          <p:cNvPr id="4" name="Title 3"/>
+          <p:cNvSpPr>
+            <a:spLocks noGrp="1"/>
+          </p:cNvSpPr>
+          <p:nvPr>
+            <p:ph type="title"/>
+          </p:nvPr>
+        </p:nvSpPr>
+        <p:spPr/>
+        <p:txBody>
+          <a:bodyPr/>
+          <a:p>
+            <a:r>
+              <a:rPr lang="zh-CN" altLang="en-US"/>
+              <a:t>第</a:t>
+            </a:r>
+            <a:r>
+              <a:rPr lang="en-US" altLang="zh-CN"/>
+              <a:t>7</a:t>
+            </a:r>
+            <a:r>
+              <a:rPr lang="zh-CN" altLang="en-US"/>
+              <a:t>章：项目构建配置</a:t>
+            </a:r>
+            <a:endParaRPr lang="zh-CN" altLang="en-US"/>
+          </a:p>
+        </p:txBody>
+      </p:sp>
+    </p:spTree>
+  </p:cSld>
+  <p:clrMapOvr>
+    <a:masterClrMapping/>
+  </p:clrMapOvr>
+</p:sld>
+</file>
+
+<file path=ppt/slides/slide56.xml><?xml version="1.0" encoding="utf-8"?>
+<p:sld xmlns:a="http://schemas.openxmlformats.org/drawingml/2006/main" xmlns:r="http://schemas.openxmlformats.org/officeDocument/2006/relationships" xmlns:p="http://schemas.openxmlformats.org/presentationml/2006/main">
+  <p:cSld>
+    <p:spTree>
+      <p:nvGrpSpPr>
+        <p:cNvPr id="1" name=""/>
+        <p:cNvGrpSpPr/>
+        <p:nvPr/>
+      </p:nvGrpSpPr>
+      <p:grpSpPr/>
+      <p:sp>
+        <p:nvSpPr>
+          <p:cNvPr id="4" name="Title 3"/>
+          <p:cNvSpPr>
+            <a:spLocks noGrp="1"/>
+          </p:cNvSpPr>
+          <p:nvPr>
+            <p:ph type="title"/>
+          </p:nvPr>
+        </p:nvSpPr>
+        <p:spPr/>
+        <p:txBody>
+          <a:bodyPr/>
+          <a:p>
+            <a:r>
+              <a:rPr lang="zh-CN" altLang="en-US"/>
+              <a:t>第</a:t>
+            </a:r>
+            <a:r>
+              <a:rPr lang="en-US" altLang="zh-CN"/>
+              <a:t>8</a:t>
+            </a:r>
+            <a:r>
+              <a:rPr lang="zh-CN" altLang="en-US"/>
+              <a:t>章：变量与缓存</a:t>
+            </a:r>
+            <a:endParaRPr lang="zh-CN" altLang="en-US"/>
+          </a:p>
+        </p:txBody>
+      </p:sp>
+    </p:spTree>
+  </p:cSld>
+  <p:clrMapOvr>
+    <a:masterClrMapping/>
+  </p:clrMapOvr>
+</p:sld>
+</file>
+
+<file path=ppt/slides/slide57.xml><?xml version="1.0" encoding="utf-8"?>
+<p:sld xmlns:a="http://schemas.openxmlformats.org/drawingml/2006/main" xmlns:r="http://schemas.openxmlformats.org/officeDocument/2006/relationships" xmlns:p="http://schemas.openxmlformats.org/presentationml/2006/main">
+  <p:cSld>
+    <p:spTree>
+      <p:nvGrpSpPr>
+        <p:cNvPr id="1" name=""/>
+        <p:cNvGrpSpPr/>
+        <p:nvPr/>
+      </p:nvGrpSpPr>
+      <p:grpSpPr/>
+      <p:sp>
+        <p:nvSpPr>
+          <p:cNvPr id="4" name="Title 3"/>
+          <p:cNvSpPr>
+            <a:spLocks noGrp="1"/>
+          </p:cNvSpPr>
+          <p:nvPr>
+            <p:ph type="title"/>
+          </p:nvPr>
+        </p:nvSpPr>
+        <p:spPr/>
+        <p:txBody>
+          <a:bodyPr/>
+          <a:p>
+            <a:r>
+              <a:rPr lang="zh-CN" altLang="en-US"/>
+              <a:t>第</a:t>
+            </a:r>
+            <a:r>
+              <a:rPr lang="en-US" altLang="zh-CN"/>
+              <a:t>9</a:t>
+            </a:r>
+            <a:r>
+              <a:rPr lang="zh-CN" altLang="en-US"/>
+              <a:t>章：函数与控制流</a:t>
+            </a:r>
+            <a:endParaRPr lang="en-US" altLang="zh-CN"/>
+          </a:p>
+        </p:txBody>
+      </p:sp>
     </p:spTree>
   </p:cSld>
   <p:clrMapOvr>

--- a/11/slides.pptx
+++ b/11/slides.pptx
@@ -5,10 +5,10 @@
     <p:sldMasterId id="2147483648" r:id="rId1"/>
   </p:sldMasterIdLst>
   <p:notesMasterIdLst>
-    <p:notesMasterId r:id="rId60"/>
+    <p:notesMasterId r:id="rId65"/>
   </p:notesMasterIdLst>
   <p:handoutMasterIdLst>
-    <p:handoutMasterId r:id="rId61"/>
+    <p:handoutMasterId r:id="rId66"/>
   </p:handoutMasterIdLst>
   <p:sldIdLst>
     <p:sldId id="256" r:id="rId3"/>
@@ -27,47 +27,52 @@
     <p:sldId id="269" r:id="rId16"/>
     <p:sldId id="268" r:id="rId17"/>
     <p:sldId id="297" r:id="rId18"/>
-    <p:sldId id="271" r:id="rId19"/>
-    <p:sldId id="287" r:id="rId20"/>
-    <p:sldId id="288" r:id="rId21"/>
-    <p:sldId id="289" r:id="rId22"/>
-    <p:sldId id="290" r:id="rId23"/>
-    <p:sldId id="291" r:id="rId24"/>
-    <p:sldId id="292" r:id="rId25"/>
-    <p:sldId id="293" r:id="rId26"/>
-    <p:sldId id="294" r:id="rId27"/>
-    <p:sldId id="295" r:id="rId28"/>
-    <p:sldId id="298" r:id="rId29"/>
-    <p:sldId id="296" r:id="rId30"/>
-    <p:sldId id="299" r:id="rId31"/>
-    <p:sldId id="300" r:id="rId32"/>
-    <p:sldId id="301" r:id="rId33"/>
-    <p:sldId id="302" r:id="rId34"/>
-    <p:sldId id="303" r:id="rId35"/>
-    <p:sldId id="304" r:id="rId36"/>
-    <p:sldId id="305" r:id="rId37"/>
-    <p:sldId id="306" r:id="rId38"/>
-    <p:sldId id="307" r:id="rId39"/>
-    <p:sldId id="308" r:id="rId40"/>
-    <p:sldId id="309" r:id="rId41"/>
-    <p:sldId id="310" r:id="rId42"/>
-    <p:sldId id="311" r:id="rId43"/>
-    <p:sldId id="312" r:id="rId44"/>
-    <p:sldId id="313" r:id="rId45"/>
-    <p:sldId id="314" r:id="rId46"/>
-    <p:sldId id="317" r:id="rId47"/>
-    <p:sldId id="315" r:id="rId48"/>
-    <p:sldId id="322" r:id="rId49"/>
-    <p:sldId id="323" r:id="rId50"/>
-    <p:sldId id="325" r:id="rId51"/>
-    <p:sldId id="327" r:id="rId52"/>
-    <p:sldId id="329" r:id="rId53"/>
-    <p:sldId id="330" r:id="rId54"/>
-    <p:sldId id="319" r:id="rId55"/>
-    <p:sldId id="321" r:id="rId56"/>
-    <p:sldId id="324" r:id="rId57"/>
-    <p:sldId id="320" r:id="rId58"/>
-    <p:sldId id="318" r:id="rId59"/>
+    <p:sldId id="342" r:id="rId19"/>
+    <p:sldId id="343" r:id="rId20"/>
+    <p:sldId id="271" r:id="rId21"/>
+    <p:sldId id="287" r:id="rId22"/>
+    <p:sldId id="288" r:id="rId23"/>
+    <p:sldId id="289" r:id="rId24"/>
+    <p:sldId id="290" r:id="rId25"/>
+    <p:sldId id="291" r:id="rId26"/>
+    <p:sldId id="292" r:id="rId27"/>
+    <p:sldId id="293" r:id="rId28"/>
+    <p:sldId id="294" r:id="rId29"/>
+    <p:sldId id="295" r:id="rId30"/>
+    <p:sldId id="298" r:id="rId31"/>
+    <p:sldId id="296" r:id="rId32"/>
+    <p:sldId id="299" r:id="rId33"/>
+    <p:sldId id="300" r:id="rId34"/>
+    <p:sldId id="301" r:id="rId35"/>
+    <p:sldId id="302" r:id="rId36"/>
+    <p:sldId id="303" r:id="rId37"/>
+    <p:sldId id="304" r:id="rId38"/>
+    <p:sldId id="305" r:id="rId39"/>
+    <p:sldId id="306" r:id="rId40"/>
+    <p:sldId id="307" r:id="rId41"/>
+    <p:sldId id="308" r:id="rId42"/>
+    <p:sldId id="309" r:id="rId43"/>
+    <p:sldId id="310" r:id="rId44"/>
+    <p:sldId id="311" r:id="rId45"/>
+    <p:sldId id="312" r:id="rId46"/>
+    <p:sldId id="313" r:id="rId47"/>
+    <p:sldId id="314" r:id="rId48"/>
+    <p:sldId id="317" r:id="rId49"/>
+    <p:sldId id="315" r:id="rId50"/>
+    <p:sldId id="322" r:id="rId51"/>
+    <p:sldId id="323" r:id="rId52"/>
+    <p:sldId id="387" r:id="rId53"/>
+    <p:sldId id="325" r:id="rId54"/>
+    <p:sldId id="327" r:id="rId55"/>
+    <p:sldId id="330" r:id="rId56"/>
+    <p:sldId id="331" r:id="rId57"/>
+    <p:sldId id="332" r:id="rId58"/>
+    <p:sldId id="319" r:id="rId59"/>
+    <p:sldId id="321" r:id="rId60"/>
+    <p:sldId id="324" r:id="rId61"/>
+    <p:sldId id="320" r:id="rId62"/>
+    <p:sldId id="318" r:id="rId63"/>
+    <p:sldId id="333" r:id="rId64"/>
   </p:sldIdLst>
   <p:sldSz cx="12192000" cy="6858000"/>
   <p:notesSz cx="7103745" cy="10234295"/>
@@ -3965,7 +3970,7 @@
           <a:p>
             <a:r>
               <a:rPr lang="zh-CN" altLang="en-US"/>
-              <a:t>必须这样写吗？感觉好麻烦</a:t>
+              <a:t>必须把路径名和后缀名的排列组合全部写出来吗？感觉好麻烦</a:t>
             </a:r>
             <a:endParaRPr lang="zh-CN" altLang="en-US"/>
           </a:p>
@@ -3997,1860 +4002,16 @@
           </a:prstGeom>
         </p:spPr>
       </p:pic>
-    </p:spTree>
-  </p:cSld>
-  <p:clrMapOvr>
-    <a:masterClrMapping/>
-  </p:clrMapOvr>
-</p:sld>
-</file>
-
-<file path=ppt/slides/slide14.xml><?xml version="1.0" encoding="utf-8"?>
-<p:sld xmlns:a="http://schemas.openxmlformats.org/drawingml/2006/main" xmlns:r="http://schemas.openxmlformats.org/officeDocument/2006/relationships" xmlns:p="http://schemas.openxmlformats.org/presentationml/2006/main">
-  <p:cSld>
-    <p:spTree>
-      <p:nvGrpSpPr>
-        <p:cNvPr id="1" name=""/>
-        <p:cNvGrpSpPr/>
-        <p:nvPr/>
-      </p:nvGrpSpPr>
-      <p:grpSpPr/>
-      <p:sp>
-        <p:nvSpPr>
-          <p:cNvPr id="5" name="Title 4"/>
-          <p:cNvSpPr>
-            <a:spLocks noGrp="1"/>
-          </p:cNvSpPr>
-          <p:nvPr>
-            <p:ph type="title"/>
-          </p:nvPr>
-        </p:nvSpPr>
-        <p:spPr/>
-        <p:txBody>
-          <a:bodyPr/>
-          <a:p>
-            <a:r>
-              <a:rPr lang="zh-CN" altLang="en-US">
-                <a:sym typeface="+mn-ea"/>
-              </a:rPr>
-              <a:t>大可不必！用</a:t>
-            </a:r>
-            <a:r>
-              <a:rPr lang="en-US" altLang="zh-CN">
-                <a:sym typeface="+mn-ea"/>
-              </a:rPr>
-              <a:t> </a:t>
-            </a:r>
-            <a:r>
-              <a:rPr lang="en-US" altLang="zh-CN"/>
-              <a:t>aux_source_directory</a:t>
-            </a:r>
-            <a:r>
-              <a:rPr lang="zh-CN" altLang="en-US"/>
-              <a:t>，自动搜集需要的文件后缀名</a:t>
-            </a:r>
-            <a:endParaRPr lang="zh-CN" altLang="en-US"/>
-          </a:p>
-        </p:txBody>
-      </p:sp>
-      <p:pic>
-        <p:nvPicPr>
-          <p:cNvPr id="7" name="Content Placeholder 6"/>
-          <p:cNvPicPr>
-            <a:picLocks noChangeAspect="1"/>
-          </p:cNvPicPr>
-          <p:nvPr>
-            <p:ph idx="1"/>
-          </p:nvPr>
-        </p:nvPicPr>
-        <p:blipFill>
-          <a:blip r:embed="rId1"/>
-          <a:stretch>
-            <a:fillRect/>
-          </a:stretch>
-        </p:blipFill>
-        <p:spPr>
-          <a:xfrm>
-            <a:off x="3573145" y="3383280"/>
-            <a:ext cx="4663440" cy="1235710"/>
-          </a:xfrm>
-          <a:prstGeom prst="rect">
-            <a:avLst/>
-          </a:prstGeom>
-        </p:spPr>
-      </p:pic>
-    </p:spTree>
-  </p:cSld>
-  <p:clrMapOvr>
-    <a:masterClrMapping/>
-  </p:clrMapOvr>
-</p:sld>
-</file>
-
-<file path=ppt/slides/slide15.xml><?xml version="1.0" encoding="utf-8"?>
-<p:sld xmlns:a="http://schemas.openxmlformats.org/drawingml/2006/main" xmlns:r="http://schemas.openxmlformats.org/officeDocument/2006/relationships" xmlns:p="http://schemas.openxmlformats.org/presentationml/2006/main">
-  <p:cSld>
-    <p:spTree>
-      <p:nvGrpSpPr>
-        <p:cNvPr id="1" name=""/>
-        <p:cNvGrpSpPr/>
-        <p:nvPr/>
-      </p:nvGrpSpPr>
-      <p:grpSpPr/>
-      <p:sp>
-        <p:nvSpPr>
-          <p:cNvPr id="5" name="Title 4"/>
-          <p:cNvSpPr>
-            <a:spLocks noGrp="1"/>
-          </p:cNvSpPr>
-          <p:nvPr>
-            <p:ph type="title"/>
-          </p:nvPr>
-        </p:nvSpPr>
-        <p:spPr/>
-        <p:txBody>
-          <a:bodyPr/>
-          <a:p>
-            <a:r>
-              <a:rPr lang="zh-CN" altLang="en-US"/>
-              <a:t>进一步：</a:t>
-            </a:r>
-            <a:r>
-              <a:rPr lang="en-US" altLang="zh-CN"/>
-              <a:t>GLOB_RECURSE </a:t>
-            </a:r>
-            <a:r>
-              <a:rPr lang="zh-CN" altLang="en-US"/>
-              <a:t>了解一下！能自动搜索子文件夹下的文件</a:t>
-            </a:r>
-            <a:endParaRPr lang="en-US" altLang="zh-CN"/>
-          </a:p>
-        </p:txBody>
-      </p:sp>
-      <p:pic>
-        <p:nvPicPr>
-          <p:cNvPr id="3" name="Content Placeholder 2"/>
-          <p:cNvPicPr>
-            <a:picLocks noChangeAspect="1"/>
-          </p:cNvPicPr>
-          <p:nvPr>
-            <p:ph idx="1"/>
-          </p:nvPr>
-        </p:nvPicPr>
-        <p:blipFill>
-          <a:blip r:embed="rId1"/>
-          <a:stretch>
-            <a:fillRect/>
-          </a:stretch>
-        </p:blipFill>
-        <p:spPr>
-          <a:xfrm>
-            <a:off x="2852420" y="3510280"/>
-            <a:ext cx="6105525" cy="981075"/>
-          </a:xfrm>
-          <a:prstGeom prst="rect">
-            <a:avLst/>
-          </a:prstGeom>
-        </p:spPr>
-      </p:pic>
-    </p:spTree>
-  </p:cSld>
-  <p:clrMapOvr>
-    <a:masterClrMapping/>
-  </p:clrMapOvr>
-</p:sld>
-</file>
-
-<file path=ppt/slides/slide16.xml><?xml version="1.0" encoding="utf-8"?>
-<p:sld xmlns:a="http://schemas.openxmlformats.org/drawingml/2006/main" xmlns:r="http://schemas.openxmlformats.org/officeDocument/2006/relationships" xmlns:p="http://schemas.openxmlformats.org/presentationml/2006/main">
-  <p:cSld>
-    <p:spTree>
-      <p:nvGrpSpPr>
-        <p:cNvPr id="1" name=""/>
-        <p:cNvGrpSpPr/>
-        <p:nvPr/>
-      </p:nvGrpSpPr>
-      <p:grpSpPr/>
-      <p:sp>
-        <p:nvSpPr>
-          <p:cNvPr id="5" name="Title 4"/>
-          <p:cNvSpPr>
-            <a:spLocks noGrp="1"/>
-          </p:cNvSpPr>
-          <p:nvPr>
-            <p:ph type="title"/>
-          </p:nvPr>
-        </p:nvSpPr>
-        <p:spPr>
-          <a:xfrm>
-            <a:off x="647700" y="258445"/>
-            <a:ext cx="10729595" cy="1325880"/>
-          </a:xfrm>
-        </p:spPr>
-        <p:txBody>
-          <a:bodyPr/>
-          <a:p>
-            <a:r>
-              <a:rPr lang="en-US" altLang="zh-CN"/>
-              <a:t>GLOB_RECURSE </a:t>
-            </a:r>
-            <a:r>
-              <a:rPr lang="zh-CN" altLang="en-US"/>
-              <a:t>的问题：会把</a:t>
-            </a:r>
-            <a:r>
-              <a:rPr lang="en-US" altLang="zh-CN"/>
-              <a:t> build </a:t>
-            </a:r>
-            <a:r>
-              <a:rPr lang="zh-CN" altLang="en-US"/>
-              <a:t>目录里生成的临时</a:t>
-            </a:r>
-            <a:r>
-              <a:rPr lang="en-US" altLang="zh-CN"/>
-              <a:t> .cpp </a:t>
-            </a:r>
-            <a:r>
-              <a:rPr lang="zh-CN" altLang="en-US"/>
-              <a:t>文件也加进来</a:t>
-            </a:r>
-            <a:endParaRPr lang="zh-CN" altLang="en-US"/>
-          </a:p>
-        </p:txBody>
-      </p:sp>
-      <p:pic>
-        <p:nvPicPr>
-          <p:cNvPr id="4" name="Content Placeholder 3"/>
-          <p:cNvPicPr>
-            <a:picLocks noChangeAspect="1"/>
-          </p:cNvPicPr>
-          <p:nvPr>
-            <p:ph idx="1"/>
-          </p:nvPr>
-        </p:nvPicPr>
-        <p:blipFill>
-          <a:blip r:embed="rId1"/>
-          <a:stretch>
-            <a:fillRect/>
-          </a:stretch>
-        </p:blipFill>
-        <p:spPr>
-          <a:xfrm>
-            <a:off x="23495" y="3326130"/>
-            <a:ext cx="12169140" cy="1584325"/>
-          </a:xfrm>
-          <a:prstGeom prst="rect">
-            <a:avLst/>
-          </a:prstGeom>
-        </p:spPr>
-      </p:pic>
-      <p:sp>
-        <p:nvSpPr>
-          <p:cNvPr id="6" name="Text Box 5"/>
-          <p:cNvSpPr txBox="1"/>
-          <p:nvPr/>
-        </p:nvSpPr>
-        <p:spPr>
-          <a:xfrm>
-            <a:off x="1276350" y="1767840"/>
-            <a:ext cx="7593330" cy="645160"/>
-          </a:xfrm>
-          <a:prstGeom prst="rect">
-            <a:avLst/>
-          </a:prstGeom>
-          <a:noFill/>
-        </p:spPr>
-        <p:txBody>
-          <a:bodyPr wrap="square" rtlCol="0">
-            <a:spAutoFit/>
-          </a:bodyPr>
-          <a:p>
-            <a:r>
-              <a:rPr lang="zh-CN" altLang="en-US"/>
-              <a:t>解决方案：要么把源码放到</a:t>
-            </a:r>
-            <a:r>
-              <a:rPr lang="en-US" altLang="zh-CN"/>
-              <a:t> src </a:t>
-            </a:r>
-            <a:r>
-              <a:rPr lang="zh-CN" altLang="en-US"/>
-              <a:t>目录下，要么要求使用者不要把</a:t>
-            </a:r>
-            <a:r>
-              <a:rPr lang="en-US" altLang="zh-CN"/>
-              <a:t> build </a:t>
-            </a:r>
-            <a:r>
-              <a:rPr lang="zh-CN" altLang="en-US"/>
-              <a:t>放到和源码同一个目录里，我的建议是前者。</a:t>
-            </a:r>
-            <a:endParaRPr lang="zh-CN" altLang="en-US"/>
-          </a:p>
-        </p:txBody>
-      </p:sp>
-    </p:spTree>
-  </p:cSld>
-  <p:clrMapOvr>
-    <a:masterClrMapping/>
-  </p:clrMapOvr>
-</p:sld>
-</file>
-
-<file path=ppt/slides/slide17.xml><?xml version="1.0" encoding="utf-8"?>
-<p:sld xmlns:a="http://schemas.openxmlformats.org/drawingml/2006/main" xmlns:r="http://schemas.openxmlformats.org/officeDocument/2006/relationships" xmlns:p="http://schemas.openxmlformats.org/presentationml/2006/main">
-  <p:cSld>
-    <p:spTree>
-      <p:nvGrpSpPr>
-        <p:cNvPr id="1" name=""/>
-        <p:cNvGrpSpPr/>
-        <p:nvPr/>
-      </p:nvGrpSpPr>
-      <p:grpSpPr/>
-      <p:sp>
-        <p:nvSpPr>
-          <p:cNvPr id="4" name="Title 3"/>
-          <p:cNvSpPr>
-            <a:spLocks noGrp="1"/>
-          </p:cNvSpPr>
-          <p:nvPr>
-            <p:ph type="title"/>
-          </p:nvPr>
-        </p:nvSpPr>
-        <p:spPr/>
-        <p:txBody>
-          <a:bodyPr/>
-          <a:p>
-            <a:r>
-              <a:rPr lang="zh-CN" altLang="en-US"/>
-              <a:t>第</a:t>
-            </a:r>
-            <a:r>
-              <a:rPr lang="en-US" altLang="zh-CN"/>
-              <a:t>2</a:t>
-            </a:r>
-            <a:r>
-              <a:rPr lang="zh-CN" altLang="en-US"/>
-              <a:t>章：判断不同平台</a:t>
-            </a:r>
-            <a:endParaRPr lang="zh-CN" altLang="en-US"/>
-          </a:p>
-        </p:txBody>
-      </p:sp>
-    </p:spTree>
-  </p:cSld>
-  <p:clrMapOvr>
-    <a:masterClrMapping/>
-  </p:clrMapOvr>
-</p:sld>
-</file>
-
-<file path=ppt/slides/slide18.xml><?xml version="1.0" encoding="utf-8"?>
-<p:sld xmlns:a="http://schemas.openxmlformats.org/drawingml/2006/main" xmlns:r="http://schemas.openxmlformats.org/officeDocument/2006/relationships" xmlns:p="http://schemas.openxmlformats.org/presentationml/2006/main">
-  <p:cSld>
-    <p:spTree>
-      <p:nvGrpSpPr>
-        <p:cNvPr id="1" name=""/>
-        <p:cNvGrpSpPr/>
-        <p:nvPr/>
-      </p:nvGrpSpPr>
-      <p:grpSpPr/>
-      <p:sp>
-        <p:nvSpPr>
-          <p:cNvPr id="5" name="Title 4"/>
-          <p:cNvSpPr>
-            <a:spLocks noGrp="1"/>
-          </p:cNvSpPr>
-          <p:nvPr>
-            <p:ph type="title"/>
-          </p:nvPr>
-        </p:nvSpPr>
-        <p:spPr/>
-        <p:txBody>
-          <a:bodyPr/>
-          <a:p>
-            <a:r>
-              <a:rPr lang="zh-CN"/>
-              <a:t>在</a:t>
-            </a:r>
-            <a:r>
-              <a:rPr lang="en-US" altLang="zh-CN"/>
-              <a:t> CMake </a:t>
-            </a:r>
-            <a:r>
-              <a:rPr lang="zh-CN" altLang="en-US"/>
-              <a:t>中</a:t>
-            </a:r>
-            <a:r>
-              <a:rPr lang="zh-CN"/>
-              <a:t>定义一个宏</a:t>
-            </a:r>
-            <a:endParaRPr lang="zh-CN"/>
-          </a:p>
-        </p:txBody>
-      </p:sp>
-      <p:pic>
-        <p:nvPicPr>
-          <p:cNvPr id="2" name="Picture 1"/>
-          <p:cNvPicPr>
-            <a:picLocks noChangeAspect="1"/>
-          </p:cNvPicPr>
-          <p:nvPr/>
-        </p:nvPicPr>
-        <p:blipFill>
-          <a:blip r:embed="rId1"/>
-          <a:stretch>
-            <a:fillRect/>
-          </a:stretch>
-        </p:blipFill>
-        <p:spPr>
-          <a:xfrm>
-            <a:off x="4796155" y="6078855"/>
-            <a:ext cx="2981325" cy="238125"/>
-          </a:xfrm>
-          <a:prstGeom prst="rect">
-            <a:avLst/>
-          </a:prstGeom>
-        </p:spPr>
-      </p:pic>
-      <p:pic>
-        <p:nvPicPr>
-          <p:cNvPr id="4" name="Picture 3"/>
-          <p:cNvPicPr>
-            <a:picLocks noChangeAspect="1"/>
-          </p:cNvPicPr>
-          <p:nvPr/>
-        </p:nvPicPr>
-        <p:blipFill>
-          <a:blip r:embed="rId2"/>
-          <a:stretch>
-            <a:fillRect/>
-          </a:stretch>
-        </p:blipFill>
-        <p:spPr>
-          <a:xfrm>
-            <a:off x="3057525" y="1689100"/>
-            <a:ext cx="6076950" cy="2457450"/>
-          </a:xfrm>
-          <a:prstGeom prst="rect">
-            <a:avLst/>
-          </a:prstGeom>
-        </p:spPr>
-      </p:pic>
-      <p:pic>
-        <p:nvPicPr>
-          <p:cNvPr id="9" name="Content Placeholder 8"/>
-          <p:cNvPicPr>
-            <a:picLocks noChangeAspect="1"/>
-          </p:cNvPicPr>
-          <p:nvPr>
-            <p:ph idx="1"/>
-          </p:nvPr>
-        </p:nvPicPr>
-        <p:blipFill>
-          <a:blip r:embed="rId3"/>
-          <a:stretch>
-            <a:fillRect/>
-          </a:stretch>
-        </p:blipFill>
-        <p:spPr>
-          <a:xfrm>
-            <a:off x="3152775" y="4483100"/>
-            <a:ext cx="5886450" cy="1181100"/>
-          </a:xfrm>
-          <a:prstGeom prst="rect">
-            <a:avLst/>
-          </a:prstGeom>
-        </p:spPr>
-      </p:pic>
-    </p:spTree>
-  </p:cSld>
-  <p:clrMapOvr>
-    <a:masterClrMapping/>
-  </p:clrMapOvr>
-</p:sld>
-</file>
-
-<file path=ppt/slides/slide19.xml><?xml version="1.0" encoding="utf-8"?>
-<p:sld xmlns:a="http://schemas.openxmlformats.org/drawingml/2006/main" xmlns:r="http://schemas.openxmlformats.org/officeDocument/2006/relationships" xmlns:p="http://schemas.openxmlformats.org/presentationml/2006/main">
-  <p:cSld>
-    <p:spTree>
-      <p:nvGrpSpPr>
-        <p:cNvPr id="1" name=""/>
-        <p:cNvGrpSpPr/>
-        <p:nvPr/>
-      </p:nvGrpSpPr>
-      <p:grpSpPr/>
-      <p:sp>
-        <p:nvSpPr>
-          <p:cNvPr id="5" name="Title 4"/>
-          <p:cNvSpPr>
-            <a:spLocks noGrp="1"/>
-          </p:cNvSpPr>
-          <p:nvPr>
-            <p:ph type="title"/>
-          </p:nvPr>
-        </p:nvSpPr>
-        <p:spPr/>
-        <p:txBody>
-          <a:bodyPr/>
-          <a:p>
-            <a:r>
-              <a:rPr lang="zh-CN"/>
-              <a:t>根据不同的操作系统，把宏定义成不同的值</a:t>
-            </a:r>
-            <a:endParaRPr lang="zh-CN"/>
-          </a:p>
-        </p:txBody>
-      </p:sp>
-      <p:pic>
-        <p:nvPicPr>
-          <p:cNvPr id="11" name="Content Placeholder 10"/>
-          <p:cNvPicPr>
-            <a:picLocks noChangeAspect="1"/>
-          </p:cNvPicPr>
-          <p:nvPr>
-            <p:ph idx="1"/>
-          </p:nvPr>
-        </p:nvPicPr>
-        <p:blipFill>
-          <a:blip r:embed="rId1"/>
-          <a:stretch>
-            <a:fillRect/>
-          </a:stretch>
-        </p:blipFill>
-        <p:spPr>
-          <a:xfrm>
-            <a:off x="2343150" y="4338320"/>
-            <a:ext cx="7124700" cy="1838325"/>
-          </a:xfrm>
-          <a:prstGeom prst="rect">
-            <a:avLst/>
-          </a:prstGeom>
-        </p:spPr>
-      </p:pic>
-      <p:pic>
-        <p:nvPicPr>
-          <p:cNvPr id="12" name="Picture 11"/>
-          <p:cNvPicPr>
-            <a:picLocks noChangeAspect="1"/>
-          </p:cNvPicPr>
-          <p:nvPr/>
-        </p:nvPicPr>
-        <p:blipFill>
-          <a:blip r:embed="rId2"/>
-          <a:stretch>
-            <a:fillRect/>
-          </a:stretch>
-        </p:blipFill>
-        <p:spPr>
-          <a:xfrm>
-            <a:off x="3686175" y="1428750"/>
-            <a:ext cx="4657725" cy="2466975"/>
-          </a:xfrm>
-          <a:prstGeom prst="rect">
-            <a:avLst/>
-          </a:prstGeom>
-        </p:spPr>
-      </p:pic>
-      <p:pic>
-        <p:nvPicPr>
-          <p:cNvPr id="13" name="Picture 12"/>
-          <p:cNvPicPr>
-            <a:picLocks noChangeAspect="1"/>
-          </p:cNvPicPr>
-          <p:nvPr/>
-        </p:nvPicPr>
-        <p:blipFill>
-          <a:blip r:embed="rId3"/>
-          <a:stretch>
-            <a:fillRect/>
-          </a:stretch>
-        </p:blipFill>
-        <p:spPr>
-          <a:xfrm>
-            <a:off x="4939030" y="6366510"/>
-            <a:ext cx="2314575" cy="276225"/>
-          </a:xfrm>
-          <a:prstGeom prst="rect">
-            <a:avLst/>
-          </a:prstGeom>
-        </p:spPr>
-      </p:pic>
-    </p:spTree>
-  </p:cSld>
-  <p:clrMapOvr>
-    <a:masterClrMapping/>
-  </p:clrMapOvr>
-</p:sld>
-</file>
-
-<file path=ppt/slides/slide2.xml><?xml version="1.0" encoding="utf-8"?>
-<p:sld xmlns:a="http://schemas.openxmlformats.org/drawingml/2006/main" xmlns:r="http://schemas.openxmlformats.org/officeDocument/2006/relationships" xmlns:p="http://schemas.openxmlformats.org/presentationml/2006/main">
-  <p:cSld>
-    <p:spTree>
-      <p:nvGrpSpPr>
-        <p:cNvPr id="1" name=""/>
-        <p:cNvGrpSpPr/>
-        <p:nvPr/>
-      </p:nvGrpSpPr>
-      <p:grpSpPr/>
-      <p:sp>
-        <p:nvSpPr>
-          <p:cNvPr id="4" name="Title 3"/>
-          <p:cNvSpPr>
-            <a:spLocks noGrp="1"/>
-          </p:cNvSpPr>
-          <p:nvPr>
-            <p:ph type="title"/>
-          </p:nvPr>
-        </p:nvSpPr>
-        <p:spPr/>
-        <p:txBody>
-          <a:bodyPr/>
-          <a:p>
-            <a:r>
-              <a:rPr lang="zh-CN" altLang="en-US"/>
-              <a:t>第</a:t>
-            </a:r>
-            <a:r>
-              <a:rPr lang="en-US" altLang="zh-CN"/>
-              <a:t>1</a:t>
-            </a:r>
-            <a:r>
-              <a:rPr lang="zh-CN" altLang="en-US"/>
-              <a:t>章：添加源文件</a:t>
-            </a:r>
-            <a:endParaRPr lang="zh-CN" altLang="en-US"/>
-          </a:p>
-        </p:txBody>
-      </p:sp>
-    </p:spTree>
-  </p:cSld>
-  <p:clrMapOvr>
-    <a:masterClrMapping/>
-  </p:clrMapOvr>
-</p:sld>
-</file>
-
-<file path=ppt/slides/slide20.xml><?xml version="1.0" encoding="utf-8"?>
-<p:sld xmlns:a="http://schemas.openxmlformats.org/drawingml/2006/main" xmlns:r="http://schemas.openxmlformats.org/officeDocument/2006/relationships" xmlns:p="http://schemas.openxmlformats.org/presentationml/2006/main">
-  <p:cSld>
-    <p:spTree>
-      <p:nvGrpSpPr>
-        <p:cNvPr id="1" name=""/>
-        <p:cNvGrpSpPr/>
-        <p:nvPr/>
-      </p:nvGrpSpPr>
-      <p:grpSpPr/>
-      <p:sp>
-        <p:nvSpPr>
-          <p:cNvPr id="5" name="Title 4"/>
-          <p:cNvSpPr>
-            <a:spLocks noGrp="1"/>
-          </p:cNvSpPr>
-          <p:nvPr>
-            <p:ph type="title"/>
-          </p:nvPr>
-        </p:nvSpPr>
-        <p:spPr/>
-        <p:txBody>
-          <a:bodyPr/>
-          <a:p>
-            <a:r>
-              <a:rPr lang="en-US" altLang="zh-CN"/>
-              <a:t>CMake </a:t>
-            </a:r>
-            <a:r>
-              <a:rPr lang="zh-CN" altLang="en-US"/>
-              <a:t>还提供了</a:t>
-            </a:r>
-            <a:r>
-              <a:rPr lang="zh-CN"/>
-              <a:t>一些简写变量：</a:t>
-            </a:r>
-            <a:r>
-              <a:rPr lang="en-US" altLang="zh-CN"/>
-              <a:t>WIN32, APPLE, UNIX, ANDROID, IOS </a:t>
-            </a:r>
-            <a:r>
-              <a:rPr lang="zh-CN" altLang="en-US"/>
-              <a:t>等</a:t>
-            </a:r>
-            <a:endParaRPr lang="zh-CN" altLang="en-US"/>
-          </a:p>
-        </p:txBody>
-      </p:sp>
-      <p:pic>
-        <p:nvPicPr>
-          <p:cNvPr id="9" name="Content Placeholder 2"/>
-          <p:cNvPicPr>
-            <a:picLocks noChangeAspect="1"/>
-          </p:cNvPicPr>
-          <p:nvPr>
-            <p:ph idx="1"/>
-          </p:nvPr>
-        </p:nvPicPr>
-        <p:blipFill>
-          <a:blip r:embed="rId1"/>
-          <a:stretch>
-            <a:fillRect/>
-          </a:stretch>
-        </p:blipFill>
-        <p:spPr>
-          <a:xfrm>
-            <a:off x="2299970" y="3077210"/>
-            <a:ext cx="7210425" cy="1847850"/>
-          </a:xfrm>
-          <a:prstGeom prst="rect">
-            <a:avLst/>
-          </a:prstGeom>
-        </p:spPr>
-      </p:pic>
-      <p:pic>
-        <p:nvPicPr>
-          <p:cNvPr id="10" name="Picture 9"/>
-          <p:cNvPicPr>
-            <a:picLocks noChangeAspect="1"/>
-          </p:cNvPicPr>
-          <p:nvPr/>
-        </p:nvPicPr>
-        <p:blipFill>
-          <a:blip r:embed="rId2"/>
-          <a:stretch>
-            <a:fillRect/>
-          </a:stretch>
-        </p:blipFill>
-        <p:spPr>
-          <a:xfrm>
-            <a:off x="4939030" y="6366510"/>
-            <a:ext cx="2314575" cy="276225"/>
-          </a:xfrm>
-          <a:prstGeom prst="rect">
-            <a:avLst/>
-          </a:prstGeom>
-        </p:spPr>
-      </p:pic>
-    </p:spTree>
-  </p:cSld>
-  <p:clrMapOvr>
-    <a:masterClrMapping/>
-  </p:clrMapOvr>
-</p:sld>
-</file>
-
-<file path=ppt/slides/slide21.xml><?xml version="1.0" encoding="utf-8"?>
-<p:sld xmlns:a="http://schemas.openxmlformats.org/drawingml/2006/main" xmlns:r="http://schemas.openxmlformats.org/officeDocument/2006/relationships" xmlns:p="http://schemas.openxmlformats.org/presentationml/2006/main">
-  <p:cSld>
-    <p:spTree>
-      <p:nvGrpSpPr>
-        <p:cNvPr id="1" name=""/>
-        <p:cNvGrpSpPr/>
-        <p:nvPr/>
-      </p:nvGrpSpPr>
-      <p:grpSpPr/>
-      <p:sp>
-        <p:nvSpPr>
-          <p:cNvPr id="5" name="Title 4"/>
-          <p:cNvSpPr>
-            <a:spLocks noGrp="1"/>
-          </p:cNvSpPr>
-          <p:nvPr>
-            <p:ph type="title"/>
-          </p:nvPr>
-        </p:nvSpPr>
-        <p:spPr/>
-        <p:txBody>
-          <a:bodyPr/>
-          <a:p>
-            <a:r>
-              <a:rPr lang="zh-CN"/>
-              <a:t>使用生成器表达式，简化成一条指令</a:t>
-            </a:r>
-            <a:endParaRPr lang="zh-CN"/>
-          </a:p>
-        </p:txBody>
-      </p:sp>
-      <p:pic>
-        <p:nvPicPr>
-          <p:cNvPr id="8" name="Content Placeholder 2"/>
-          <p:cNvPicPr>
-            <a:picLocks noChangeAspect="1"/>
-          </p:cNvPicPr>
-          <p:nvPr>
-            <p:ph idx="1"/>
-          </p:nvPr>
-        </p:nvPicPr>
-        <p:blipFill>
-          <a:blip r:embed="rId1"/>
-          <a:stretch>
-            <a:fillRect/>
-          </a:stretch>
-        </p:blipFill>
-        <p:spPr>
-          <a:xfrm>
-            <a:off x="2838450" y="3287395"/>
-            <a:ext cx="6132830" cy="1427480"/>
-          </a:xfrm>
-          <a:prstGeom prst="rect">
-            <a:avLst/>
-          </a:prstGeom>
-        </p:spPr>
-      </p:pic>
-      <p:sp>
-        <p:nvSpPr>
-          <p:cNvPr id="9" name="Text Box 8"/>
-          <p:cNvSpPr txBox="1"/>
-          <p:nvPr/>
-        </p:nvSpPr>
-        <p:spPr>
-          <a:xfrm>
-            <a:off x="0" y="0"/>
-            <a:ext cx="12023090" cy="368300"/>
-          </a:xfrm>
-          <a:prstGeom prst="rect">
-            <a:avLst/>
-          </a:prstGeom>
-          <a:noFill/>
-        </p:spPr>
-        <p:txBody>
-          <a:bodyPr wrap="square" rtlCol="0" anchor="t">
-            <a:spAutoFit/>
-          </a:bodyPr>
-          <a:p>
-            <a:r>
-              <a:rPr lang="en-US"/>
-              <a:t>https://cmake.org/cmake/help/latest/manual/cmake-generator-expressions.7.html#genex:PLATFORM_ID</a:t>
-            </a:r>
-            <a:endParaRPr lang="en-US"/>
-          </a:p>
-        </p:txBody>
-      </p:sp>
-      <p:pic>
-        <p:nvPicPr>
-          <p:cNvPr id="10" name="Picture 9"/>
-          <p:cNvPicPr>
-            <a:picLocks noChangeAspect="1"/>
-          </p:cNvPicPr>
-          <p:nvPr/>
-        </p:nvPicPr>
-        <p:blipFill>
-          <a:blip r:embed="rId2"/>
-          <a:stretch>
-            <a:fillRect/>
-          </a:stretch>
-        </p:blipFill>
-        <p:spPr>
-          <a:xfrm>
-            <a:off x="4939030" y="6366510"/>
-            <a:ext cx="2314575" cy="276225"/>
-          </a:xfrm>
-          <a:prstGeom prst="rect">
-            <a:avLst/>
-          </a:prstGeom>
-        </p:spPr>
-      </p:pic>
-    </p:spTree>
-  </p:cSld>
-  <p:clrMapOvr>
-    <a:masterClrMapping/>
-  </p:clrMapOvr>
-</p:sld>
-</file>
-
-<file path=ppt/slides/slide22.xml><?xml version="1.0" encoding="utf-8"?>
-<p:sld xmlns:a="http://schemas.openxmlformats.org/drawingml/2006/main" xmlns:r="http://schemas.openxmlformats.org/officeDocument/2006/relationships" xmlns:p="http://schemas.openxmlformats.org/presentationml/2006/main">
-  <p:cSld>
-    <p:spTree>
-      <p:nvGrpSpPr>
-        <p:cNvPr id="1" name=""/>
-        <p:cNvGrpSpPr/>
-        <p:nvPr/>
-      </p:nvGrpSpPr>
-      <p:grpSpPr/>
-      <p:sp>
-        <p:nvSpPr>
-          <p:cNvPr id="5" name="Title 4"/>
-          <p:cNvSpPr>
-            <a:spLocks noGrp="1"/>
-          </p:cNvSpPr>
-          <p:nvPr>
-            <p:ph type="title"/>
-          </p:nvPr>
-        </p:nvSpPr>
-        <p:spPr/>
-        <p:txBody>
-          <a:bodyPr/>
-          <a:p>
-            <a:r>
-              <a:rPr lang="zh-CN"/>
-              <a:t>生成器表达式：如需多个平台可以用逗号分割</a:t>
-            </a:r>
-            <a:endParaRPr lang="zh-CN"/>
-          </a:p>
-        </p:txBody>
-      </p:sp>
-      <p:sp>
-        <p:nvSpPr>
-          <p:cNvPr id="9" name="Text Box 8"/>
-          <p:cNvSpPr txBox="1"/>
-          <p:nvPr/>
-        </p:nvSpPr>
-        <p:spPr>
-          <a:xfrm>
-            <a:off x="0" y="0"/>
-            <a:ext cx="12023090" cy="368300"/>
-          </a:xfrm>
-          <a:prstGeom prst="rect">
-            <a:avLst/>
-          </a:prstGeom>
-          <a:noFill/>
-        </p:spPr>
-        <p:txBody>
-          <a:bodyPr wrap="square" rtlCol="0" anchor="t">
-            <a:spAutoFit/>
-          </a:bodyPr>
-          <a:p>
-            <a:r>
-              <a:rPr lang="en-US"/>
-              <a:t>https://cmake.org/cmake/help/latest/manual/cmake-generator-expressions.7.html#genex:PLATFORM_ID</a:t>
-            </a:r>
-            <a:endParaRPr lang="en-US"/>
-          </a:p>
-        </p:txBody>
-      </p:sp>
-      <p:pic>
-        <p:nvPicPr>
-          <p:cNvPr id="11" name="Picture 10"/>
-          <p:cNvPicPr>
-            <a:picLocks noChangeAspect="1"/>
-          </p:cNvPicPr>
-          <p:nvPr/>
-        </p:nvPicPr>
-        <p:blipFill>
-          <a:blip r:embed="rId1"/>
-          <a:stretch>
-            <a:fillRect/>
-          </a:stretch>
-        </p:blipFill>
-        <p:spPr>
-          <a:xfrm>
-            <a:off x="5106670" y="6443980"/>
-            <a:ext cx="1809750" cy="266700"/>
-          </a:xfrm>
-          <a:prstGeom prst="rect">
-            <a:avLst/>
-          </a:prstGeom>
-        </p:spPr>
-      </p:pic>
-      <p:pic>
-        <p:nvPicPr>
-          <p:cNvPr id="14" name="Content Placeholder 13"/>
-          <p:cNvPicPr>
-            <a:picLocks noChangeAspect="1"/>
-          </p:cNvPicPr>
-          <p:nvPr>
-            <p:ph idx="1"/>
-          </p:nvPr>
-        </p:nvPicPr>
-        <p:blipFill>
-          <a:blip r:embed="rId2"/>
-          <a:stretch>
-            <a:fillRect/>
-          </a:stretch>
-        </p:blipFill>
-        <p:spPr>
-          <a:xfrm>
-            <a:off x="2397760" y="3413125"/>
-            <a:ext cx="7014845" cy="1176020"/>
-          </a:xfrm>
-          <a:prstGeom prst="rect">
-            <a:avLst/>
-          </a:prstGeom>
-        </p:spPr>
-      </p:pic>
-    </p:spTree>
-  </p:cSld>
-  <p:clrMapOvr>
-    <a:masterClrMapping/>
-  </p:clrMapOvr>
-</p:sld>
-</file>
-
-<file path=ppt/slides/slide23.xml><?xml version="1.0" encoding="utf-8"?>
-<p:sld xmlns:a="http://schemas.openxmlformats.org/drawingml/2006/main" xmlns:r="http://schemas.openxmlformats.org/officeDocument/2006/relationships" xmlns:p="http://schemas.openxmlformats.org/presentationml/2006/main">
-  <p:cSld>
-    <p:spTree>
-      <p:nvGrpSpPr>
-        <p:cNvPr id="1" name=""/>
-        <p:cNvGrpSpPr/>
-        <p:nvPr/>
-      </p:nvGrpSpPr>
-      <p:grpSpPr/>
-      <p:sp>
-        <p:nvSpPr>
-          <p:cNvPr id="5" name="Title 4"/>
-          <p:cNvSpPr>
-            <a:spLocks noGrp="1"/>
-          </p:cNvSpPr>
-          <p:nvPr>
-            <p:ph type="title"/>
-          </p:nvPr>
-        </p:nvSpPr>
-        <p:spPr/>
-        <p:txBody>
-          <a:bodyPr/>
-          <a:p>
-            <a:r>
-              <a:rPr lang="zh-CN"/>
-              <a:t>判断当前用的是哪一款</a:t>
-            </a:r>
-            <a:r>
-              <a:rPr lang="en-US" altLang="zh-CN"/>
-              <a:t> C++ </a:t>
-            </a:r>
-            <a:r>
-              <a:rPr lang="zh-CN"/>
-              <a:t>编译器</a:t>
-            </a:r>
-            <a:endParaRPr lang="zh-CN"/>
-          </a:p>
-        </p:txBody>
-      </p:sp>
-      <p:pic>
-        <p:nvPicPr>
-          <p:cNvPr id="3" name="Content Placeholder 2"/>
-          <p:cNvPicPr>
-            <a:picLocks noChangeAspect="1"/>
-          </p:cNvPicPr>
-          <p:nvPr>
-            <p:ph idx="1"/>
-          </p:nvPr>
-        </p:nvPicPr>
-        <p:blipFill>
-          <a:blip r:embed="rId1"/>
-          <a:stretch>
-            <a:fillRect/>
-          </a:stretch>
-        </p:blipFill>
-        <p:spPr>
-          <a:xfrm>
-            <a:off x="2828290" y="2877185"/>
-            <a:ext cx="6153150" cy="2247900"/>
-          </a:xfrm>
-          <a:prstGeom prst="rect">
-            <a:avLst/>
-          </a:prstGeom>
-        </p:spPr>
-      </p:pic>
-      <p:pic>
-        <p:nvPicPr>
-          <p:cNvPr id="4" name="Picture 3"/>
-          <p:cNvPicPr>
-            <a:picLocks noChangeAspect="1"/>
-          </p:cNvPicPr>
-          <p:nvPr/>
-        </p:nvPicPr>
-        <p:blipFill>
-          <a:blip r:embed="rId2"/>
-          <a:stretch>
-            <a:fillRect/>
-          </a:stretch>
-        </p:blipFill>
-        <p:spPr>
-          <a:xfrm>
-            <a:off x="5404485" y="6249035"/>
-            <a:ext cx="1383030" cy="307340"/>
-          </a:xfrm>
-          <a:prstGeom prst="rect">
-            <a:avLst/>
-          </a:prstGeom>
-        </p:spPr>
-      </p:pic>
-      <p:sp>
-        <p:nvSpPr>
-          <p:cNvPr id="6" name="Text Box 5"/>
-          <p:cNvSpPr txBox="1"/>
-          <p:nvPr/>
-        </p:nvSpPr>
-        <p:spPr>
-          <a:xfrm>
-            <a:off x="-68580" y="0"/>
-            <a:ext cx="12261215" cy="337185"/>
-          </a:xfrm>
-          <a:prstGeom prst="rect">
-            <a:avLst/>
-          </a:prstGeom>
-          <a:noFill/>
-        </p:spPr>
-        <p:txBody>
-          <a:bodyPr wrap="square" rtlCol="0" anchor="t">
-            <a:spAutoFit/>
-          </a:bodyPr>
-          <a:p>
-            <a:r>
-              <a:rPr lang="en-US" sz="1600"/>
-              <a:t>https://cmake.org/cmake/help/latest/variable/CMAKE_LANG_COMPILER_ID.html#variable:CMAKE_%3CLANG%3E_COMPILER_ID</a:t>
-            </a:r>
-            <a:endParaRPr lang="en-US" sz="1600"/>
-          </a:p>
-        </p:txBody>
-      </p:sp>
-    </p:spTree>
-  </p:cSld>
-  <p:clrMapOvr>
-    <a:masterClrMapping/>
-  </p:clrMapOvr>
-</p:sld>
-</file>
-
-<file path=ppt/slides/slide24.xml><?xml version="1.0" encoding="utf-8"?>
-<p:sld xmlns:a="http://schemas.openxmlformats.org/drawingml/2006/main" xmlns:r="http://schemas.openxmlformats.org/officeDocument/2006/relationships" xmlns:p="http://schemas.openxmlformats.org/presentationml/2006/main">
-  <p:cSld>
-    <p:spTree>
-      <p:nvGrpSpPr>
-        <p:cNvPr id="1" name=""/>
-        <p:cNvGrpSpPr/>
-        <p:nvPr/>
-      </p:nvGrpSpPr>
-      <p:grpSpPr/>
-      <p:sp>
-        <p:nvSpPr>
-          <p:cNvPr id="5" name="Title 4"/>
-          <p:cNvSpPr>
-            <a:spLocks noGrp="1"/>
-          </p:cNvSpPr>
-          <p:nvPr>
-            <p:ph type="title"/>
-          </p:nvPr>
-        </p:nvSpPr>
-        <p:spPr/>
-        <p:txBody>
-          <a:bodyPr/>
-          <a:p>
-            <a:r>
-              <a:rPr lang="zh-CN"/>
-              <a:t>也可以用生成器表达式判断编译器</a:t>
-            </a:r>
-            <a:endParaRPr lang="zh-CN"/>
-          </a:p>
-        </p:txBody>
-      </p:sp>
-      <p:sp>
-        <p:nvSpPr>
-          <p:cNvPr id="6" name="Text Box 5"/>
-          <p:cNvSpPr txBox="1"/>
-          <p:nvPr/>
-        </p:nvSpPr>
-        <p:spPr>
-          <a:xfrm>
-            <a:off x="-68580" y="0"/>
-            <a:ext cx="12261215" cy="337185"/>
-          </a:xfrm>
-          <a:prstGeom prst="rect">
-            <a:avLst/>
-          </a:prstGeom>
-          <a:noFill/>
-        </p:spPr>
-        <p:txBody>
-          <a:bodyPr wrap="square" rtlCol="0" anchor="t">
-            <a:spAutoFit/>
-          </a:bodyPr>
-          <a:p>
-            <a:r>
-              <a:rPr lang="en-US" sz="1600"/>
-              <a:t>https://cmake.org/cmake/help/latest/variable/CMAKE_LANG_COMPILER_ID.html#variable:CMAKE_%3CLANG%3E_COMPILER_ID</a:t>
-            </a:r>
-            <a:endParaRPr lang="en-US" sz="1600"/>
-          </a:p>
-        </p:txBody>
-      </p:sp>
-      <p:pic>
-        <p:nvPicPr>
-          <p:cNvPr id="7" name="Content Placeholder 6"/>
-          <p:cNvPicPr>
-            <a:picLocks noChangeAspect="1"/>
-          </p:cNvPicPr>
-          <p:nvPr>
-            <p:ph idx="1"/>
-          </p:nvPr>
-        </p:nvPicPr>
-        <p:blipFill>
-          <a:blip r:embed="rId1"/>
-          <a:stretch>
-            <a:fillRect/>
-          </a:stretch>
-        </p:blipFill>
-        <p:spPr>
-          <a:xfrm>
-            <a:off x="2564130" y="3461385"/>
-            <a:ext cx="6682105" cy="1079500"/>
-          </a:xfrm>
-          <a:prstGeom prst="rect">
-            <a:avLst/>
-          </a:prstGeom>
-        </p:spPr>
-      </p:pic>
-      <p:pic>
-        <p:nvPicPr>
-          <p:cNvPr id="8" name="Picture 7"/>
-          <p:cNvPicPr>
-            <a:picLocks noChangeAspect="1"/>
-          </p:cNvPicPr>
-          <p:nvPr/>
-        </p:nvPicPr>
-        <p:blipFill>
-          <a:blip r:embed="rId2"/>
-          <a:stretch>
-            <a:fillRect/>
-          </a:stretch>
-        </p:blipFill>
-        <p:spPr>
-          <a:xfrm>
-            <a:off x="4905375" y="6296025"/>
-            <a:ext cx="2313940" cy="295910"/>
-          </a:xfrm>
-          <a:prstGeom prst="rect">
-            <a:avLst/>
-          </a:prstGeom>
-        </p:spPr>
-      </p:pic>
-    </p:spTree>
-  </p:cSld>
-  <p:clrMapOvr>
-    <a:masterClrMapping/>
-  </p:clrMapOvr>
-</p:sld>
-</file>
-
-<file path=ppt/slides/slide25.xml><?xml version="1.0" encoding="utf-8"?>
-<p:sld xmlns:a="http://schemas.openxmlformats.org/drawingml/2006/main" xmlns:r="http://schemas.openxmlformats.org/officeDocument/2006/relationships" xmlns:p="http://schemas.openxmlformats.org/presentationml/2006/main">
-  <p:cSld>
-    <p:spTree>
-      <p:nvGrpSpPr>
-        <p:cNvPr id="1" name=""/>
-        <p:cNvGrpSpPr/>
-        <p:nvPr/>
-      </p:nvGrpSpPr>
-      <p:grpSpPr/>
-      <p:sp>
-        <p:nvSpPr>
-          <p:cNvPr id="5" name="Title 4"/>
-          <p:cNvSpPr>
-            <a:spLocks noGrp="1"/>
-          </p:cNvSpPr>
-          <p:nvPr>
-            <p:ph type="title"/>
-          </p:nvPr>
-        </p:nvSpPr>
-        <p:spPr/>
-        <p:txBody>
-          <a:bodyPr/>
-          <a:p>
-            <a:r>
-              <a:rPr lang="zh-CN"/>
-              <a:t>生成器表达式也可以做复杂的逻辑判断</a:t>
-            </a:r>
-            <a:endParaRPr lang="zh-CN"/>
-          </a:p>
-        </p:txBody>
-      </p:sp>
-      <p:pic>
-        <p:nvPicPr>
-          <p:cNvPr id="8" name="Picture 7"/>
-          <p:cNvPicPr>
-            <a:picLocks noChangeAspect="1"/>
-          </p:cNvPicPr>
-          <p:nvPr/>
-        </p:nvPicPr>
-        <p:blipFill>
-          <a:blip r:embed="rId1"/>
-          <a:stretch>
-            <a:fillRect/>
-          </a:stretch>
-        </p:blipFill>
-        <p:spPr>
-          <a:xfrm>
-            <a:off x="4742180" y="6275070"/>
-            <a:ext cx="2639695" cy="337820"/>
-          </a:xfrm>
-          <a:prstGeom prst="rect">
-            <a:avLst/>
-          </a:prstGeom>
-        </p:spPr>
-      </p:pic>
-      <p:pic>
-        <p:nvPicPr>
-          <p:cNvPr id="3" name="Content Placeholder 2"/>
-          <p:cNvPicPr>
-            <a:picLocks noChangeAspect="1"/>
-          </p:cNvPicPr>
-          <p:nvPr>
-            <p:ph idx="1"/>
-          </p:nvPr>
-        </p:nvPicPr>
-        <p:blipFill>
-          <a:blip r:embed="rId2"/>
-          <a:stretch>
-            <a:fillRect/>
-          </a:stretch>
-        </p:blipFill>
-        <p:spPr>
-          <a:xfrm>
-            <a:off x="610235" y="3614420"/>
-            <a:ext cx="10590530" cy="773430"/>
-          </a:xfrm>
-          <a:prstGeom prst="rect">
-            <a:avLst/>
-          </a:prstGeom>
-        </p:spPr>
-      </p:pic>
-    </p:spTree>
-  </p:cSld>
-  <p:clrMapOvr>
-    <a:masterClrMapping/>
-  </p:clrMapOvr>
-</p:sld>
-</file>
-
-<file path=ppt/slides/slide26.xml><?xml version="1.0" encoding="utf-8"?>
-<p:sld xmlns:a="http://schemas.openxmlformats.org/drawingml/2006/main" xmlns:r="http://schemas.openxmlformats.org/officeDocument/2006/relationships" xmlns:p="http://schemas.openxmlformats.org/presentationml/2006/main">
-  <p:cSld>
-    <p:spTree>
-      <p:nvGrpSpPr>
-        <p:cNvPr id="1" name=""/>
-        <p:cNvGrpSpPr/>
-        <p:nvPr/>
-      </p:nvGrpSpPr>
-      <p:grpSpPr/>
-      <p:sp>
-        <p:nvSpPr>
-          <p:cNvPr id="5" name="Title 4"/>
-          <p:cNvSpPr>
-            <a:spLocks noGrp="1"/>
-          </p:cNvSpPr>
-          <p:nvPr>
-            <p:ph type="title"/>
-          </p:nvPr>
-        </p:nvSpPr>
-        <p:spPr/>
-        <p:txBody>
-          <a:bodyPr/>
-          <a:p>
-            <a:r>
-              <a:rPr lang="en-US"/>
-              <a:t>CMake </a:t>
-            </a:r>
-            <a:r>
-              <a:rPr lang="zh-CN" altLang="en-US"/>
-              <a:t>还提供了一些简写</a:t>
-            </a:r>
-            <a:r>
-              <a:rPr lang="zh-CN">
-                <a:sym typeface="+mn-ea"/>
-              </a:rPr>
-              <a:t>变量</a:t>
-            </a:r>
-            <a:r>
-              <a:rPr lang="zh-CN" altLang="en-US"/>
-              <a:t>：</a:t>
-            </a:r>
-            <a:r>
-              <a:rPr lang="en-US" altLang="zh-CN"/>
-              <a:t>MSVC, CMAKE_COMPILER_IS_GNUCC</a:t>
-            </a:r>
-            <a:endParaRPr lang="en-US" altLang="zh-CN"/>
-          </a:p>
-        </p:txBody>
-      </p:sp>
-      <p:pic>
-        <p:nvPicPr>
-          <p:cNvPr id="13" name="Content Placeholder 12"/>
-          <p:cNvPicPr>
-            <a:picLocks noChangeAspect="1"/>
-          </p:cNvPicPr>
-          <p:nvPr>
-            <p:ph idx="1"/>
-          </p:nvPr>
-        </p:nvPicPr>
-        <p:blipFill>
-          <a:blip r:embed="rId1"/>
-          <a:stretch>
-            <a:fillRect/>
-          </a:stretch>
-        </p:blipFill>
-        <p:spPr>
-          <a:xfrm>
-            <a:off x="2338070" y="3134360"/>
-            <a:ext cx="7134225" cy="1733550"/>
-          </a:xfrm>
-          <a:prstGeom prst="rect">
-            <a:avLst/>
-          </a:prstGeom>
-        </p:spPr>
-      </p:pic>
-      <p:pic>
-        <p:nvPicPr>
-          <p:cNvPr id="14" name="Picture 13"/>
-          <p:cNvPicPr>
-            <a:picLocks noChangeAspect="1"/>
-          </p:cNvPicPr>
-          <p:nvPr/>
-        </p:nvPicPr>
-        <p:blipFill>
-          <a:blip r:embed="rId2"/>
-          <a:stretch>
-            <a:fillRect/>
-          </a:stretch>
-        </p:blipFill>
-        <p:spPr>
-          <a:xfrm>
-            <a:off x="5146040" y="6252210"/>
-            <a:ext cx="1776730" cy="300990"/>
-          </a:xfrm>
-          <a:prstGeom prst="rect">
-            <a:avLst/>
-          </a:prstGeom>
-        </p:spPr>
-      </p:pic>
-    </p:spTree>
-  </p:cSld>
-  <p:clrMapOvr>
-    <a:masterClrMapping/>
-  </p:clrMapOvr>
-</p:sld>
-</file>
-
-<file path=ppt/slides/slide27.xml><?xml version="1.0" encoding="utf-8"?>
-<p:sld xmlns:a="http://schemas.openxmlformats.org/drawingml/2006/main" xmlns:r="http://schemas.openxmlformats.org/officeDocument/2006/relationships" xmlns:p="http://schemas.openxmlformats.org/presentationml/2006/main">
-  <p:cSld>
-    <p:spTree>
-      <p:nvGrpSpPr>
-        <p:cNvPr id="1" name=""/>
-        <p:cNvGrpSpPr/>
-        <p:nvPr/>
-      </p:nvGrpSpPr>
-      <p:grpSpPr/>
-      <p:sp>
-        <p:nvSpPr>
-          <p:cNvPr id="5" name="Title 4"/>
-          <p:cNvSpPr>
-            <a:spLocks noGrp="1"/>
-          </p:cNvSpPr>
-          <p:nvPr>
-            <p:ph type="title"/>
-          </p:nvPr>
-        </p:nvSpPr>
-        <p:spPr/>
-        <p:txBody>
-          <a:bodyPr/>
-          <a:p>
-            <a:r>
-              <a:rPr lang="en-US" altLang="zh-CN"/>
-              <a:t>CMAKE_CXX_COMPILER_ID </a:t>
-            </a:r>
-            <a:r>
-              <a:rPr lang="zh-CN" altLang="en-US"/>
-              <a:t>直接作为字符串变量</a:t>
-            </a:r>
-            <a:endParaRPr lang="zh-CN" altLang="en-US"/>
-          </a:p>
-        </p:txBody>
-      </p:sp>
-      <p:pic>
-        <p:nvPicPr>
-          <p:cNvPr id="7" name="Picture 6"/>
-          <p:cNvPicPr>
-            <a:picLocks noChangeAspect="1"/>
-          </p:cNvPicPr>
-          <p:nvPr/>
-        </p:nvPicPr>
-        <p:blipFill>
-          <a:blip r:embed="rId1"/>
-          <a:stretch>
-            <a:fillRect/>
-          </a:stretch>
-        </p:blipFill>
-        <p:spPr>
-          <a:xfrm>
-            <a:off x="4626610" y="6350635"/>
-            <a:ext cx="2938145" cy="288290"/>
-          </a:xfrm>
-          <a:prstGeom prst="rect">
-            <a:avLst/>
-          </a:prstGeom>
-        </p:spPr>
-      </p:pic>
-      <p:pic>
-        <p:nvPicPr>
-          <p:cNvPr id="8" name="Content Placeholder 7"/>
-          <p:cNvPicPr>
-            <a:picLocks noChangeAspect="1"/>
-          </p:cNvPicPr>
-          <p:nvPr>
-            <p:ph idx="1"/>
-          </p:nvPr>
-        </p:nvPicPr>
-        <p:blipFill>
-          <a:blip r:embed="rId2"/>
-          <a:stretch>
-            <a:fillRect/>
-          </a:stretch>
-        </p:blipFill>
-        <p:spPr>
-          <a:xfrm>
-            <a:off x="59055" y="4031615"/>
-            <a:ext cx="12072620" cy="389255"/>
-          </a:xfrm>
-          <a:prstGeom prst="rect">
-            <a:avLst/>
-          </a:prstGeom>
-        </p:spPr>
-      </p:pic>
-    </p:spTree>
-  </p:cSld>
-  <p:clrMapOvr>
-    <a:masterClrMapping/>
-  </p:clrMapOvr>
-</p:sld>
-</file>
-
-<file path=ppt/slides/slide28.xml><?xml version="1.0" encoding="utf-8"?>
-<p:sld xmlns:a="http://schemas.openxmlformats.org/drawingml/2006/main" xmlns:r="http://schemas.openxmlformats.org/officeDocument/2006/relationships" xmlns:p="http://schemas.openxmlformats.org/presentationml/2006/main">
-  <p:cSld>
-    <p:spTree>
-      <p:nvGrpSpPr>
-        <p:cNvPr id="1" name=""/>
-        <p:cNvGrpSpPr/>
-        <p:nvPr/>
-      </p:nvGrpSpPr>
-      <p:grpSpPr/>
-      <p:sp>
-        <p:nvSpPr>
-          <p:cNvPr id="5" name="Title 4"/>
-          <p:cNvSpPr>
-            <a:spLocks noGrp="1"/>
-          </p:cNvSpPr>
-          <p:nvPr>
-            <p:ph type="title"/>
-          </p:nvPr>
-        </p:nvSpPr>
-        <p:spPr/>
-        <p:txBody>
-          <a:bodyPr/>
-          <a:p>
-            <a:r>
-              <a:rPr lang="zh-CN"/>
-              <a:t>从命令行指定编译器</a:t>
-            </a:r>
-            <a:endParaRPr lang="zh-CN"/>
-          </a:p>
-        </p:txBody>
-      </p:sp>
-      <p:pic>
-        <p:nvPicPr>
-          <p:cNvPr id="9" name="Picture 8"/>
-          <p:cNvPicPr>
-            <a:picLocks noChangeAspect="1"/>
-          </p:cNvPicPr>
-          <p:nvPr/>
-        </p:nvPicPr>
-        <p:blipFill>
-          <a:blip r:embed="rId1"/>
-          <a:stretch>
-            <a:fillRect/>
-          </a:stretch>
-        </p:blipFill>
-        <p:spPr>
-          <a:xfrm>
-            <a:off x="1078865" y="2000250"/>
-            <a:ext cx="9653270" cy="528320"/>
-          </a:xfrm>
-          <a:prstGeom prst="rect">
-            <a:avLst/>
-          </a:prstGeom>
-        </p:spPr>
-      </p:pic>
-      <p:pic>
-        <p:nvPicPr>
-          <p:cNvPr id="12" name="Content Placeholder 11"/>
-          <p:cNvPicPr>
-            <a:picLocks noChangeAspect="1"/>
-          </p:cNvPicPr>
-          <p:nvPr>
-            <p:ph idx="1"/>
-          </p:nvPr>
-        </p:nvPicPr>
-        <p:blipFill>
-          <a:blip r:embed="rId2"/>
-          <a:stretch>
-            <a:fillRect/>
-          </a:stretch>
-        </p:blipFill>
-        <p:spPr>
-          <a:xfrm>
-            <a:off x="1343660" y="3425825"/>
-            <a:ext cx="9123680" cy="2376170"/>
-          </a:xfrm>
-          <a:prstGeom prst="rect">
-            <a:avLst/>
-          </a:prstGeom>
-        </p:spPr>
-      </p:pic>
-    </p:spTree>
-  </p:cSld>
-  <p:clrMapOvr>
-    <a:masterClrMapping/>
-  </p:clrMapOvr>
-</p:sld>
-</file>
-
-<file path=ppt/slides/slide29.xml><?xml version="1.0" encoding="utf-8"?>
-<p:sld xmlns:a="http://schemas.openxmlformats.org/drawingml/2006/main" xmlns:r="http://schemas.openxmlformats.org/officeDocument/2006/relationships" xmlns:p="http://schemas.openxmlformats.org/presentationml/2006/main">
-  <p:cSld>
-    <p:spTree>
-      <p:nvGrpSpPr>
-        <p:cNvPr id="1" name=""/>
-        <p:cNvGrpSpPr/>
-        <p:nvPr/>
-      </p:nvGrpSpPr>
-      <p:grpSpPr/>
-      <p:sp>
-        <p:nvSpPr>
-          <p:cNvPr id="4" name="Title 3"/>
-          <p:cNvSpPr>
-            <a:spLocks noGrp="1"/>
-          </p:cNvSpPr>
-          <p:nvPr>
-            <p:ph type="title"/>
-          </p:nvPr>
-        </p:nvSpPr>
-        <p:spPr/>
-        <p:txBody>
-          <a:bodyPr/>
-          <a:p>
-            <a:r>
-              <a:rPr lang="zh-CN" altLang="en-US"/>
-              <a:t>第</a:t>
-            </a:r>
-            <a:r>
-              <a:rPr lang="en-US" altLang="zh-CN"/>
-              <a:t>3</a:t>
-            </a:r>
-            <a:r>
-              <a:rPr lang="zh-CN" altLang="en-US"/>
-              <a:t>章：输出与变量</a:t>
-            </a:r>
-            <a:endParaRPr lang="zh-CN" altLang="en-US"/>
-          </a:p>
-        </p:txBody>
-      </p:sp>
-    </p:spTree>
-  </p:cSld>
-  <p:clrMapOvr>
-    <a:masterClrMapping/>
-  </p:clrMapOvr>
-</p:sld>
-</file>
-
-<file path=ppt/slides/slide3.xml><?xml version="1.0" encoding="utf-8"?>
-<p:sld xmlns:a="http://schemas.openxmlformats.org/drawingml/2006/main" xmlns:r="http://schemas.openxmlformats.org/officeDocument/2006/relationships" xmlns:p="http://schemas.openxmlformats.org/presentationml/2006/main">
-  <p:cSld>
-    <p:spTree>
-      <p:nvGrpSpPr>
-        <p:cNvPr id="1" name=""/>
-        <p:cNvGrpSpPr/>
-        <p:nvPr/>
-      </p:nvGrpSpPr>
-      <p:grpSpPr/>
-      <p:sp>
-        <p:nvSpPr>
-          <p:cNvPr id="2" name="Title 1"/>
-          <p:cNvSpPr>
-            <a:spLocks noGrp="1"/>
-          </p:cNvSpPr>
-          <p:nvPr>
-            <p:ph type="title"/>
-          </p:nvPr>
-        </p:nvSpPr>
-        <p:spPr/>
-        <p:txBody>
-          <a:bodyPr/>
-          <a:p>
-            <a:r>
-              <a:rPr lang="zh-CN"/>
-              <a:t>一个</a:t>
-            </a:r>
-            <a:r>
-              <a:rPr lang="en-US" altLang="zh-CN"/>
-              <a:t> .cpp </a:t>
-            </a:r>
-            <a:r>
-              <a:rPr lang="zh-CN" altLang="en-US"/>
-              <a:t>源文件用于测试</a:t>
-            </a:r>
-            <a:endParaRPr lang="zh-CN" altLang="en-US"/>
-          </a:p>
-        </p:txBody>
-      </p:sp>
-      <p:pic>
-        <p:nvPicPr>
-          <p:cNvPr id="9" name="Content Placeholder 8"/>
-          <p:cNvPicPr>
-            <a:picLocks noChangeAspect="1"/>
-          </p:cNvPicPr>
-          <p:nvPr>
-            <p:ph idx="1"/>
-          </p:nvPr>
-        </p:nvPicPr>
-        <p:blipFill>
-          <a:blip r:embed="rId1"/>
-          <a:stretch>
-            <a:fillRect/>
-          </a:stretch>
-        </p:blipFill>
-        <p:spPr>
-          <a:xfrm>
-            <a:off x="3698240" y="3083560"/>
-            <a:ext cx="4413885" cy="1835150"/>
-          </a:xfrm>
-          <a:prstGeom prst="rect">
-            <a:avLst/>
-          </a:prstGeom>
-        </p:spPr>
-      </p:pic>
-    </p:spTree>
-  </p:cSld>
-  <p:clrMapOvr>
-    <a:masterClrMapping/>
-  </p:clrMapOvr>
-</p:sld>
-</file>
-
-<file path=ppt/slides/slide30.xml><?xml version="1.0" encoding="utf-8"?>
-<p:sld xmlns:a="http://schemas.openxmlformats.org/drawingml/2006/main" xmlns:r="http://schemas.openxmlformats.org/officeDocument/2006/relationships" xmlns:p="http://schemas.openxmlformats.org/presentationml/2006/main">
-  <p:cSld>
-    <p:spTree>
-      <p:nvGrpSpPr>
-        <p:cNvPr id="1" name=""/>
-        <p:cNvGrpSpPr/>
-        <p:nvPr/>
-      </p:nvGrpSpPr>
-      <p:grpSpPr/>
-      <p:sp>
-        <p:nvSpPr>
-          <p:cNvPr id="3" name="Title 2"/>
-          <p:cNvSpPr>
-            <a:spLocks noGrp="1"/>
-          </p:cNvSpPr>
-          <p:nvPr>
-            <p:ph type="title"/>
-          </p:nvPr>
-        </p:nvSpPr>
-        <p:spPr/>
-        <p:txBody>
-          <a:bodyPr/>
-          <a:p>
-            <a:r>
-              <a:rPr lang="zh-CN" altLang="en-US"/>
-              <a:t>在运行</a:t>
-            </a:r>
-            <a:r>
-              <a:rPr lang="en-US" altLang="zh-CN"/>
-              <a:t> cmake -B build </a:t>
-            </a:r>
-            <a:r>
-              <a:rPr lang="zh-CN" altLang="en-US"/>
-              <a:t>时，打印字符串（用于调试）</a:t>
-            </a:r>
-            <a:endParaRPr lang="en-US" altLang="zh-CN"/>
-          </a:p>
-        </p:txBody>
-      </p:sp>
-      <p:pic>
-        <p:nvPicPr>
-          <p:cNvPr id="5" name="Content Placeholder 4"/>
-          <p:cNvPicPr>
-            <a:picLocks noChangeAspect="1"/>
-          </p:cNvPicPr>
-          <p:nvPr>
-            <p:ph idx="1"/>
-          </p:nvPr>
-        </p:nvPicPr>
-        <p:blipFill>
-          <a:blip r:embed="rId1"/>
-          <a:stretch>
-            <a:fillRect/>
-          </a:stretch>
-        </p:blipFill>
-        <p:spPr>
-          <a:xfrm>
-            <a:off x="2114550" y="2724785"/>
-            <a:ext cx="7581900" cy="3819525"/>
-          </a:xfrm>
-          <a:prstGeom prst="rect">
-            <a:avLst/>
-          </a:prstGeom>
-        </p:spPr>
-      </p:pic>
-      <p:pic>
-        <p:nvPicPr>
-          <p:cNvPr id="6" name="Picture 5"/>
-          <p:cNvPicPr>
-            <a:picLocks noChangeAspect="1"/>
-          </p:cNvPicPr>
-          <p:nvPr/>
-        </p:nvPicPr>
-        <p:blipFill>
-          <a:blip r:embed="rId2"/>
-          <a:stretch>
-            <a:fillRect/>
-          </a:stretch>
-        </p:blipFill>
-        <p:spPr>
-          <a:xfrm>
-            <a:off x="4643120" y="2136140"/>
-            <a:ext cx="2251710" cy="337820"/>
-          </a:xfrm>
-          <a:prstGeom prst="rect">
-            <a:avLst/>
-          </a:prstGeom>
-        </p:spPr>
-      </p:pic>
-      <p:pic>
-        <p:nvPicPr>
-          <p:cNvPr id="8" name="Picture 7"/>
-          <p:cNvPicPr>
-            <a:picLocks noChangeAspect="1"/>
-          </p:cNvPicPr>
-          <p:nvPr/>
-        </p:nvPicPr>
-        <p:blipFill>
-          <a:blip r:embed="rId3"/>
-          <a:stretch>
-            <a:fillRect/>
-          </a:stretch>
-        </p:blipFill>
-        <p:spPr>
-          <a:xfrm>
-            <a:off x="4287520" y="1337945"/>
-            <a:ext cx="2962275" cy="542925"/>
-          </a:xfrm>
-          <a:prstGeom prst="rect">
-            <a:avLst/>
-          </a:prstGeom>
-        </p:spPr>
-      </p:pic>
       <p:cxnSp>
         <p:nvCxnSpPr>
-          <p:cNvPr id="9" name="Straight Connector 8"/>
+          <p:cNvPr id="2" name="Straight Connector 1"/>
           <p:cNvCxnSpPr/>
           <p:nvPr/>
         </p:nvCxnSpPr>
         <p:spPr>
           <a:xfrm>
-            <a:off x="2114550" y="5804535"/>
-            <a:ext cx="1420495" cy="0"/>
+            <a:off x="6355715" y="4210685"/>
+            <a:ext cx="3300730" cy="0"/>
           </a:xfrm>
           <a:prstGeom prst="line">
             <a:avLst/>
@@ -5879,7 +4040,7 @@
 </p:sld>
 </file>
 
-<file path=ppt/slides/slide31.xml><?xml version="1.0" encoding="utf-8"?>
+<file path=ppt/slides/slide14.xml><?xml version="1.0" encoding="utf-8"?>
 <p:sld xmlns:a="http://schemas.openxmlformats.org/drawingml/2006/main" xmlns:r="http://schemas.openxmlformats.org/officeDocument/2006/relationships" xmlns:p="http://schemas.openxmlformats.org/presentationml/2006/main">
   <p:cSld>
     <p:spTree>
@@ -5891,7 +4052,7 @@
       <p:grpSpPr/>
       <p:sp>
         <p:nvSpPr>
-          <p:cNvPr id="3" name="Title 2"/>
+          <p:cNvPr id="5" name="Title 4"/>
           <p:cNvSpPr>
             <a:spLocks noGrp="1"/>
           </p:cNvSpPr>
@@ -5904,20 +4065,24 @@
           <a:bodyPr/>
           <a:p>
             <a:r>
-              <a:rPr lang="en-US"/>
-              <a:t>message(STATUS “...”) </a:t>
+              <a:rPr lang="zh-CN" altLang="en-US">
+                <a:sym typeface="+mn-ea"/>
+              </a:rPr>
+              <a:t>大可不必！用</a:t>
+            </a:r>
+            <a:r>
+              <a:rPr lang="en-US" altLang="zh-CN">
+                <a:sym typeface="+mn-ea"/>
+              </a:rPr>
+              <a:t> </a:t>
+            </a:r>
+            <a:r>
+              <a:rPr lang="en-US" altLang="zh-CN"/>
+              <a:t>aux_source_directory</a:t>
             </a:r>
             <a:r>
               <a:rPr lang="zh-CN" altLang="en-US"/>
-              <a:t>表示信息类型是状态信息，有</a:t>
-            </a:r>
-            <a:r>
-              <a:rPr lang="en-US" altLang="zh-CN"/>
-              <a:t> -- </a:t>
-            </a:r>
-            <a:r>
-              <a:rPr lang="zh-CN" altLang="en-US"/>
-              <a:t>前缀</a:t>
+              <a:t>，自动搜集需要的文件后缀名</a:t>
             </a:r>
             <a:endParaRPr lang="zh-CN" altLang="en-US"/>
           </a:p>
@@ -5925,7 +4090,7 @@
       </p:sp>
       <p:pic>
         <p:nvPicPr>
-          <p:cNvPr id="4" name="Content Placeholder 3"/>
+          <p:cNvPr id="7" name="Content Placeholder 6"/>
           <p:cNvPicPr>
             <a:picLocks noChangeAspect="1"/>
           </p:cNvPicPr>
@@ -5941,8 +4106,698 @@
         </p:blipFill>
         <p:spPr>
           <a:xfrm>
-            <a:off x="2211705" y="2755900"/>
-            <a:ext cx="7591425" cy="3838575"/>
+            <a:off x="3573145" y="3383280"/>
+            <a:ext cx="4663440" cy="1235710"/>
+          </a:xfrm>
+          <a:prstGeom prst="rect">
+            <a:avLst/>
+          </a:prstGeom>
+        </p:spPr>
+      </p:pic>
+    </p:spTree>
+  </p:cSld>
+  <p:clrMapOvr>
+    <a:masterClrMapping/>
+  </p:clrMapOvr>
+</p:sld>
+</file>
+
+<file path=ppt/slides/slide15.xml><?xml version="1.0" encoding="utf-8"?>
+<p:sld xmlns:a="http://schemas.openxmlformats.org/drawingml/2006/main" xmlns:r="http://schemas.openxmlformats.org/officeDocument/2006/relationships" xmlns:p="http://schemas.openxmlformats.org/presentationml/2006/main">
+  <p:cSld>
+    <p:spTree>
+      <p:nvGrpSpPr>
+        <p:cNvPr id="1" name=""/>
+        <p:cNvGrpSpPr/>
+        <p:nvPr/>
+      </p:nvGrpSpPr>
+      <p:grpSpPr/>
+      <p:sp>
+        <p:nvSpPr>
+          <p:cNvPr id="5" name="Title 4"/>
+          <p:cNvSpPr>
+            <a:spLocks noGrp="1"/>
+          </p:cNvSpPr>
+          <p:nvPr>
+            <p:ph type="title"/>
+          </p:nvPr>
+        </p:nvSpPr>
+        <p:spPr/>
+        <p:txBody>
+          <a:bodyPr/>
+          <a:p>
+            <a:r>
+              <a:rPr lang="zh-CN" altLang="en-US"/>
+              <a:t>进一步：</a:t>
+            </a:r>
+            <a:r>
+              <a:rPr lang="en-US" altLang="zh-CN"/>
+              <a:t>GLOB_RECURSE </a:t>
+            </a:r>
+            <a:r>
+              <a:rPr lang="zh-CN" altLang="en-US"/>
+              <a:t>了解一下！能自动包含所有子文件夹下的文件</a:t>
+            </a:r>
+            <a:endParaRPr lang="en-US" altLang="zh-CN"/>
+          </a:p>
+        </p:txBody>
+      </p:sp>
+      <p:pic>
+        <p:nvPicPr>
+          <p:cNvPr id="3" name="Content Placeholder 2"/>
+          <p:cNvPicPr>
+            <a:picLocks noChangeAspect="1"/>
+          </p:cNvPicPr>
+          <p:nvPr>
+            <p:ph idx="1"/>
+          </p:nvPr>
+        </p:nvPicPr>
+        <p:blipFill>
+          <a:blip r:embed="rId1"/>
+          <a:stretch>
+            <a:fillRect/>
+          </a:stretch>
+        </p:blipFill>
+        <p:spPr>
+          <a:xfrm>
+            <a:off x="2852420" y="3510280"/>
+            <a:ext cx="6105525" cy="981075"/>
+          </a:xfrm>
+          <a:prstGeom prst="rect">
+            <a:avLst/>
+          </a:prstGeom>
+        </p:spPr>
+      </p:pic>
+    </p:spTree>
+  </p:cSld>
+  <p:clrMapOvr>
+    <a:masterClrMapping/>
+  </p:clrMapOvr>
+</p:sld>
+</file>
+
+<file path=ppt/slides/slide16.xml><?xml version="1.0" encoding="utf-8"?>
+<p:sld xmlns:a="http://schemas.openxmlformats.org/drawingml/2006/main" xmlns:r="http://schemas.openxmlformats.org/officeDocument/2006/relationships" xmlns:p="http://schemas.openxmlformats.org/presentationml/2006/main">
+  <p:cSld>
+    <p:spTree>
+      <p:nvGrpSpPr>
+        <p:cNvPr id="1" name=""/>
+        <p:cNvGrpSpPr/>
+        <p:nvPr/>
+      </p:nvGrpSpPr>
+      <p:grpSpPr/>
+      <p:sp>
+        <p:nvSpPr>
+          <p:cNvPr id="5" name="Title 4"/>
+          <p:cNvSpPr>
+            <a:spLocks noGrp="1"/>
+          </p:cNvSpPr>
+          <p:nvPr>
+            <p:ph type="title"/>
+          </p:nvPr>
+        </p:nvSpPr>
+        <p:spPr>
+          <a:xfrm>
+            <a:off x="647700" y="258445"/>
+            <a:ext cx="10729595" cy="1325880"/>
+          </a:xfrm>
+        </p:spPr>
+        <p:txBody>
+          <a:bodyPr/>
+          <a:p>
+            <a:r>
+              <a:rPr lang="en-US" altLang="zh-CN"/>
+              <a:t>GLOB_RECURSE </a:t>
+            </a:r>
+            <a:r>
+              <a:rPr lang="zh-CN" altLang="en-US"/>
+              <a:t>的问题：会把</a:t>
+            </a:r>
+            <a:r>
+              <a:rPr lang="en-US" altLang="zh-CN"/>
+              <a:t> build </a:t>
+            </a:r>
+            <a:r>
+              <a:rPr lang="zh-CN" altLang="en-US"/>
+              <a:t>目录里生成的临时</a:t>
+            </a:r>
+            <a:r>
+              <a:rPr lang="en-US" altLang="zh-CN"/>
+              <a:t> .cpp </a:t>
+            </a:r>
+            <a:r>
+              <a:rPr lang="zh-CN" altLang="en-US"/>
+              <a:t>文件也加进来</a:t>
+            </a:r>
+            <a:endParaRPr lang="zh-CN" altLang="en-US"/>
+          </a:p>
+        </p:txBody>
+      </p:sp>
+      <p:pic>
+        <p:nvPicPr>
+          <p:cNvPr id="4" name="Content Placeholder 3"/>
+          <p:cNvPicPr>
+            <a:picLocks noChangeAspect="1"/>
+          </p:cNvPicPr>
+          <p:nvPr>
+            <p:ph idx="1"/>
+          </p:nvPr>
+        </p:nvPicPr>
+        <p:blipFill>
+          <a:blip r:embed="rId1"/>
+          <a:stretch>
+            <a:fillRect/>
+          </a:stretch>
+        </p:blipFill>
+        <p:spPr>
+          <a:xfrm>
+            <a:off x="23495" y="3326130"/>
+            <a:ext cx="12169140" cy="1584325"/>
+          </a:xfrm>
+          <a:prstGeom prst="rect">
+            <a:avLst/>
+          </a:prstGeom>
+        </p:spPr>
+      </p:pic>
+      <p:sp>
+        <p:nvSpPr>
+          <p:cNvPr id="6" name="Text Box 5"/>
+          <p:cNvSpPr txBox="1"/>
+          <p:nvPr/>
+        </p:nvSpPr>
+        <p:spPr>
+          <a:xfrm>
+            <a:off x="1276350" y="1767840"/>
+            <a:ext cx="7593330" cy="645160"/>
+          </a:xfrm>
+          <a:prstGeom prst="rect">
+            <a:avLst/>
+          </a:prstGeom>
+          <a:noFill/>
+        </p:spPr>
+        <p:txBody>
+          <a:bodyPr wrap="square" rtlCol="0">
+            <a:spAutoFit/>
+          </a:bodyPr>
+          <a:p>
+            <a:r>
+              <a:rPr lang="zh-CN" altLang="en-US"/>
+              <a:t>解决方案：要么把源码放到</a:t>
+            </a:r>
+            <a:r>
+              <a:rPr lang="en-US" altLang="zh-CN"/>
+              <a:t> src </a:t>
+            </a:r>
+            <a:r>
+              <a:rPr lang="zh-CN" altLang="en-US"/>
+              <a:t>目录下，要么要求使用者不要把</a:t>
+            </a:r>
+            <a:r>
+              <a:rPr lang="en-US" altLang="zh-CN"/>
+              <a:t> build </a:t>
+            </a:r>
+            <a:r>
+              <a:rPr lang="zh-CN" altLang="en-US"/>
+              <a:t>放到和源码同一个目录里，我的建议是前者。</a:t>
+            </a:r>
+            <a:endParaRPr lang="zh-CN" altLang="en-US"/>
+          </a:p>
+        </p:txBody>
+      </p:sp>
+    </p:spTree>
+  </p:cSld>
+  <p:clrMapOvr>
+    <a:masterClrMapping/>
+  </p:clrMapOvr>
+</p:sld>
+</file>
+
+<file path=ppt/slides/slide17.xml><?xml version="1.0" encoding="utf-8"?>
+<p:sld xmlns:a="http://schemas.openxmlformats.org/drawingml/2006/main" xmlns:r="http://schemas.openxmlformats.org/officeDocument/2006/relationships" xmlns:p="http://schemas.openxmlformats.org/presentationml/2006/main">
+  <p:cSld>
+    <p:spTree>
+      <p:nvGrpSpPr>
+        <p:cNvPr id="1" name=""/>
+        <p:cNvGrpSpPr/>
+        <p:nvPr/>
+      </p:nvGrpSpPr>
+      <p:grpSpPr/>
+      <p:sp>
+        <p:nvSpPr>
+          <p:cNvPr id="4" name="Title 3"/>
+          <p:cNvSpPr>
+            <a:spLocks noGrp="1"/>
+          </p:cNvSpPr>
+          <p:nvPr>
+            <p:ph type="title"/>
+          </p:nvPr>
+        </p:nvSpPr>
+        <p:spPr/>
+        <p:txBody>
+          <a:bodyPr/>
+          <a:p>
+            <a:r>
+              <a:rPr lang="zh-CN" altLang="en-US"/>
+              <a:t>第</a:t>
+            </a:r>
+            <a:r>
+              <a:rPr lang="en-US" altLang="zh-CN"/>
+              <a:t>1</a:t>
+            </a:r>
+            <a:r>
+              <a:rPr lang="zh-CN" altLang="en-US"/>
+              <a:t>章：配置变量与属性</a:t>
+            </a:r>
+            <a:endParaRPr lang="zh-CN" altLang="en-US"/>
+          </a:p>
+        </p:txBody>
+      </p:sp>
+    </p:spTree>
+  </p:cSld>
+  <p:clrMapOvr>
+    <a:masterClrMapping/>
+  </p:clrMapOvr>
+</p:sld>
+</file>
+
+<file path=ppt/slides/slide18.xml><?xml version="1.0" encoding="utf-8"?>
+<p:sld xmlns:a="http://schemas.openxmlformats.org/drawingml/2006/main" xmlns:r="http://schemas.openxmlformats.org/officeDocument/2006/relationships" xmlns:p="http://schemas.openxmlformats.org/presentationml/2006/main">
+  <p:cSld>
+    <p:spTree>
+      <p:nvGrpSpPr>
+        <p:cNvPr id="1" name=""/>
+        <p:cNvGrpSpPr/>
+        <p:nvPr/>
+      </p:nvGrpSpPr>
+      <p:grpSpPr/>
+      <p:sp>
+        <p:nvSpPr>
+          <p:cNvPr id="2" name="Title 1"/>
+          <p:cNvSpPr>
+            <a:spLocks noGrp="1"/>
+          </p:cNvSpPr>
+          <p:nvPr>
+            <p:ph type="title"/>
+          </p:nvPr>
+        </p:nvSpPr>
+        <p:spPr/>
+        <p:txBody>
+          <a:bodyPr/>
+          <a:p>
+            <a:r>
+              <a:rPr lang="zh-CN"/>
+              <a:t>小技巧：设定一个变量的默认值</a:t>
+            </a:r>
+            <a:endParaRPr lang="zh-CN"/>
+          </a:p>
+        </p:txBody>
+      </p:sp>
+      <p:sp>
+        <p:nvSpPr>
+          <p:cNvPr id="5" name="Text Box 4"/>
+          <p:cNvSpPr txBox="1"/>
+          <p:nvPr/>
+        </p:nvSpPr>
+        <p:spPr>
+          <a:xfrm>
+            <a:off x="2174875" y="1326515"/>
+            <a:ext cx="7461885" cy="2306955"/>
+          </a:xfrm>
+          <a:prstGeom prst="rect">
+            <a:avLst/>
+          </a:prstGeom>
+          <a:noFill/>
+        </p:spPr>
+        <p:txBody>
+          <a:bodyPr wrap="square" rtlCol="0" anchor="t">
+            <a:spAutoFit/>
+          </a:bodyPr>
+          <a:p>
+            <a:pPr algn="l"/>
+            <a:r>
+              <a:rPr lang="zh-CN" altLang="en-US">
+                <a:sym typeface="+mn-ea"/>
+              </a:rPr>
+              <a:t>该技巧常常用于让</a:t>
+            </a:r>
+            <a:r>
+              <a:rPr lang="en-US" altLang="zh-CN">
+                <a:sym typeface="+mn-ea"/>
+              </a:rPr>
+              <a:t> CMAKE_BUILD_TYPE </a:t>
+            </a:r>
+            <a:r>
+              <a:rPr lang="zh-CN" altLang="en-US">
+                <a:sym typeface="+mn-ea"/>
+              </a:rPr>
+              <a:t>默认为</a:t>
+            </a:r>
+            <a:r>
+              <a:rPr lang="en-US" altLang="zh-CN">
+                <a:sym typeface="+mn-ea"/>
+              </a:rPr>
+              <a:t> Release</a:t>
+            </a:r>
+            <a:r>
+              <a:rPr lang="zh-CN" altLang="en-US">
+                <a:sym typeface="+mn-ea"/>
+              </a:rPr>
+              <a:t>。</a:t>
+            </a:r>
+            <a:endParaRPr lang="zh-CN" altLang="en-US">
+              <a:sym typeface="+mn-ea"/>
+            </a:endParaRPr>
+          </a:p>
+          <a:p>
+            <a:pPr algn="l"/>
+            <a:r>
+              <a:rPr lang="zh-CN" altLang="en-US">
+                <a:sym typeface="+mn-ea"/>
+              </a:rPr>
+              <a:t>就是说</a:t>
+            </a:r>
+            <a:r>
+              <a:rPr lang="en-US" altLang="zh-CN">
+                <a:sym typeface="+mn-ea"/>
+              </a:rPr>
+              <a:t> CMake </a:t>
+            </a:r>
+            <a:r>
+              <a:rPr lang="zh-CN" altLang="en-US">
+                <a:sym typeface="+mn-ea"/>
+              </a:rPr>
+              <a:t>默认情况下</a:t>
+            </a:r>
+            <a:r>
+              <a:rPr lang="en-US" altLang="zh-CN">
+                <a:sym typeface="+mn-ea"/>
+              </a:rPr>
+              <a:t> CMAKE_BUILD_TYPE </a:t>
+            </a:r>
+            <a:r>
+              <a:rPr lang="zh-CN" altLang="en-US">
+                <a:sym typeface="+mn-ea"/>
+              </a:rPr>
+              <a:t>是一个空字符串。</a:t>
+            </a:r>
+            <a:endParaRPr lang="zh-CN" altLang="en-US">
+              <a:sym typeface="+mn-ea"/>
+            </a:endParaRPr>
+          </a:p>
+          <a:p>
+            <a:pPr algn="l"/>
+            <a:r>
+              <a:rPr lang="zh-CN" altLang="en-US">
+                <a:sym typeface="+mn-ea"/>
+              </a:rPr>
+              <a:t>因此这里通过</a:t>
+            </a:r>
+            <a:r>
+              <a:rPr lang="en-US" altLang="zh-CN">
+                <a:sym typeface="+mn-ea"/>
+              </a:rPr>
+              <a:t> if (NOT CMAKE_BUILD_TYPE) </a:t>
+            </a:r>
+            <a:r>
+              <a:rPr lang="zh-CN" altLang="en-US">
+                <a:sym typeface="+mn-ea"/>
+              </a:rPr>
+              <a:t>判断是否为空，如果空则自动设为</a:t>
+            </a:r>
+            <a:r>
+              <a:rPr lang="en-US" altLang="zh-CN">
+                <a:sym typeface="+mn-ea"/>
+              </a:rPr>
+              <a:t> Release </a:t>
+            </a:r>
+            <a:r>
+              <a:rPr lang="zh-CN" altLang="en-US">
+                <a:sym typeface="+mn-ea"/>
+              </a:rPr>
+              <a:t>模式。</a:t>
+            </a:r>
+            <a:endParaRPr lang="zh-CN" altLang="en-US">
+              <a:sym typeface="+mn-ea"/>
+            </a:endParaRPr>
+          </a:p>
+          <a:p>
+            <a:pPr algn="l"/>
+            <a:r>
+              <a:rPr lang="zh-CN" altLang="en-US">
+                <a:sym typeface="+mn-ea"/>
+              </a:rPr>
+              <a:t>大多数</a:t>
+            </a:r>
+            <a:r>
+              <a:rPr lang="en-US" altLang="zh-CN">
+                <a:sym typeface="+mn-ea"/>
+              </a:rPr>
+              <a:t> CMakeLists.txt </a:t>
+            </a:r>
+            <a:r>
+              <a:rPr lang="zh-CN" altLang="en-US">
+                <a:sym typeface="+mn-ea"/>
+              </a:rPr>
+              <a:t>的开头都会有这样三行，为的是让默认的构建类型为发布模式（高度优化）而不是默认的调试模式（不会优化）。</a:t>
+            </a:r>
+            <a:endParaRPr lang="zh-CN" altLang="en-US">
+              <a:sym typeface="+mn-ea"/>
+            </a:endParaRPr>
+          </a:p>
+          <a:p>
+            <a:pPr algn="l"/>
+            <a:r>
+              <a:rPr lang="zh-CN" altLang="en-US">
+                <a:sym typeface="+mn-ea"/>
+              </a:rPr>
+              <a:t>我们稍后会详细捋一遍类似于</a:t>
+            </a:r>
+            <a:r>
+              <a:rPr lang="en-US" altLang="zh-CN">
+                <a:sym typeface="+mn-ea"/>
+              </a:rPr>
+              <a:t> CMAKE_BUILD_TYPE </a:t>
+            </a:r>
+            <a:r>
+              <a:rPr lang="zh-CN" altLang="en-US">
+                <a:sym typeface="+mn-ea"/>
+              </a:rPr>
+              <a:t>这样的东西。绝大多数</a:t>
+            </a:r>
+            <a:r>
+              <a:rPr lang="en-US" altLang="zh-CN">
+                <a:sym typeface="+mn-ea"/>
+              </a:rPr>
+              <a:t> CMakeLists.txt </a:t>
+            </a:r>
+            <a:r>
+              <a:rPr lang="zh-CN" altLang="en-US">
+                <a:sym typeface="+mn-ea"/>
+              </a:rPr>
+              <a:t>开头都会有的部分，可以说是“标准模板”了。</a:t>
+            </a:r>
+            <a:endParaRPr lang="zh-CN" altLang="en-US">
+              <a:sym typeface="+mn-ea"/>
+            </a:endParaRPr>
+          </a:p>
+        </p:txBody>
+      </p:sp>
+      <p:pic>
+        <p:nvPicPr>
+          <p:cNvPr id="4" name="Content Placeholder 3"/>
+          <p:cNvPicPr>
+            <a:picLocks noChangeAspect="1"/>
+          </p:cNvPicPr>
+          <p:nvPr>
+            <p:ph idx="1"/>
+          </p:nvPr>
+        </p:nvPicPr>
+        <p:blipFill>
+          <a:blip r:embed="rId1"/>
+          <a:stretch>
+            <a:fillRect/>
+          </a:stretch>
+        </p:blipFill>
+        <p:spPr>
+          <a:xfrm>
+            <a:off x="3472815" y="3827145"/>
+            <a:ext cx="4866005" cy="1225550"/>
+          </a:xfrm>
+          <a:prstGeom prst="rect">
+            <a:avLst/>
+          </a:prstGeom>
+        </p:spPr>
+      </p:pic>
+    </p:spTree>
+  </p:cSld>
+  <p:clrMapOvr>
+    <a:masterClrMapping/>
+  </p:clrMapOvr>
+</p:sld>
+</file>
+
+<file path=ppt/slides/slide19.xml><?xml version="1.0" encoding="utf-8"?>
+<p:sld xmlns:a="http://schemas.openxmlformats.org/drawingml/2006/main" xmlns:r="http://schemas.openxmlformats.org/officeDocument/2006/relationships" xmlns:p="http://schemas.openxmlformats.org/presentationml/2006/main">
+  <p:cSld>
+    <p:spTree>
+      <p:nvGrpSpPr>
+        <p:cNvPr id="1" name=""/>
+        <p:cNvGrpSpPr/>
+        <p:nvPr/>
+      </p:nvGrpSpPr>
+      <p:grpSpPr/>
+      <p:sp>
+        <p:nvSpPr>
+          <p:cNvPr id="4" name="Title 3"/>
+          <p:cNvSpPr>
+            <a:spLocks noGrp="1"/>
+          </p:cNvSpPr>
+          <p:nvPr>
+            <p:ph type="title"/>
+          </p:nvPr>
+        </p:nvSpPr>
+        <p:spPr/>
+        <p:txBody>
+          <a:bodyPr/>
+          <a:p>
+            <a:r>
+              <a:rPr lang="zh-CN" altLang="en-US"/>
+              <a:t>第</a:t>
+            </a:r>
+            <a:r>
+              <a:rPr lang="en-US" altLang="zh-CN"/>
+              <a:t>2</a:t>
+            </a:r>
+            <a:r>
+              <a:rPr lang="zh-CN" altLang="en-US"/>
+              <a:t>章：判断不同平台</a:t>
+            </a:r>
+            <a:endParaRPr lang="zh-CN" altLang="en-US"/>
+          </a:p>
+        </p:txBody>
+      </p:sp>
+    </p:spTree>
+  </p:cSld>
+  <p:clrMapOvr>
+    <a:masterClrMapping/>
+  </p:clrMapOvr>
+</p:sld>
+</file>
+
+<file path=ppt/slides/slide2.xml><?xml version="1.0" encoding="utf-8"?>
+<p:sld xmlns:a="http://schemas.openxmlformats.org/drawingml/2006/main" xmlns:r="http://schemas.openxmlformats.org/officeDocument/2006/relationships" xmlns:p="http://schemas.openxmlformats.org/presentationml/2006/main">
+  <p:cSld>
+    <p:spTree>
+      <p:nvGrpSpPr>
+        <p:cNvPr id="1" name=""/>
+        <p:cNvGrpSpPr/>
+        <p:nvPr/>
+      </p:nvGrpSpPr>
+      <p:grpSpPr/>
+      <p:sp>
+        <p:nvSpPr>
+          <p:cNvPr id="4" name="Title 3"/>
+          <p:cNvSpPr>
+            <a:spLocks noGrp="1"/>
+          </p:cNvSpPr>
+          <p:nvPr>
+            <p:ph type="title"/>
+          </p:nvPr>
+        </p:nvSpPr>
+        <p:spPr/>
+        <p:txBody>
+          <a:bodyPr/>
+          <a:p>
+            <a:r>
+              <a:rPr lang="zh-CN" altLang="en-US"/>
+              <a:t>第</a:t>
+            </a:r>
+            <a:r>
+              <a:rPr lang="en-US" altLang="zh-CN"/>
+              <a:t>0</a:t>
+            </a:r>
+            <a:r>
+              <a:rPr lang="zh-CN" altLang="en-US"/>
+              <a:t>章：添加源文件</a:t>
+            </a:r>
+            <a:endParaRPr lang="zh-CN" altLang="en-US"/>
+          </a:p>
+        </p:txBody>
+      </p:sp>
+    </p:spTree>
+  </p:cSld>
+  <p:clrMapOvr>
+    <a:masterClrMapping/>
+  </p:clrMapOvr>
+</p:sld>
+</file>
+
+<file path=ppt/slides/slide20.xml><?xml version="1.0" encoding="utf-8"?>
+<p:sld xmlns:a="http://schemas.openxmlformats.org/drawingml/2006/main" xmlns:r="http://schemas.openxmlformats.org/officeDocument/2006/relationships" xmlns:p="http://schemas.openxmlformats.org/presentationml/2006/main">
+  <p:cSld>
+    <p:spTree>
+      <p:nvGrpSpPr>
+        <p:cNvPr id="1" name=""/>
+        <p:cNvGrpSpPr/>
+        <p:nvPr/>
+      </p:nvGrpSpPr>
+      <p:grpSpPr/>
+      <p:sp>
+        <p:nvSpPr>
+          <p:cNvPr id="5" name="Title 4"/>
+          <p:cNvSpPr>
+            <a:spLocks noGrp="1"/>
+          </p:cNvSpPr>
+          <p:nvPr>
+            <p:ph type="title"/>
+          </p:nvPr>
+        </p:nvSpPr>
+        <p:spPr/>
+        <p:txBody>
+          <a:bodyPr/>
+          <a:p>
+            <a:r>
+              <a:rPr lang="zh-CN"/>
+              <a:t>在</a:t>
+            </a:r>
+            <a:r>
+              <a:rPr lang="en-US" altLang="zh-CN"/>
+              <a:t> CMake </a:t>
+            </a:r>
+            <a:r>
+              <a:rPr lang="zh-CN" altLang="en-US"/>
+              <a:t>中给</a:t>
+            </a:r>
+            <a:r>
+              <a:rPr lang="en-US" altLang="zh-CN"/>
+              <a:t> .cpp </a:t>
+            </a:r>
+            <a:r>
+              <a:rPr lang="zh-CN"/>
+              <a:t>定义一个宏</a:t>
+            </a:r>
+            <a:endParaRPr lang="zh-CN"/>
+          </a:p>
+        </p:txBody>
+      </p:sp>
+      <p:pic>
+        <p:nvPicPr>
+          <p:cNvPr id="2" name="Picture 1"/>
+          <p:cNvPicPr>
+            <a:picLocks noChangeAspect="1"/>
+          </p:cNvPicPr>
+          <p:nvPr/>
+        </p:nvPicPr>
+        <p:blipFill>
+          <a:blip r:embed="rId1"/>
+          <a:stretch>
+            <a:fillRect/>
+          </a:stretch>
+        </p:blipFill>
+        <p:spPr>
+          <a:xfrm>
+            <a:off x="4796155" y="6078855"/>
+            <a:ext cx="2981325" cy="238125"/>
           </a:xfrm>
           <a:prstGeom prst="rect">
             <a:avLst/>
@@ -5951,7 +4806,7 @@
       </p:pic>
       <p:pic>
         <p:nvPicPr>
-          <p:cNvPr id="7" name="Picture 6"/>
+          <p:cNvPr id="4" name="Picture 3"/>
           <p:cNvPicPr>
             <a:picLocks noChangeAspect="1"/>
           </p:cNvPicPr>
@@ -5965,8 +4820,1364 @@
         </p:blipFill>
         <p:spPr>
           <a:xfrm>
-            <a:off x="3416935" y="1553845"/>
-            <a:ext cx="4765675" cy="579120"/>
+            <a:off x="3057525" y="1689100"/>
+            <a:ext cx="6076950" cy="2457450"/>
+          </a:xfrm>
+          <a:prstGeom prst="rect">
+            <a:avLst/>
+          </a:prstGeom>
+        </p:spPr>
+      </p:pic>
+      <p:pic>
+        <p:nvPicPr>
+          <p:cNvPr id="9" name="Content Placeholder 8"/>
+          <p:cNvPicPr>
+            <a:picLocks noChangeAspect="1"/>
+          </p:cNvPicPr>
+          <p:nvPr>
+            <p:ph idx="1"/>
+          </p:nvPr>
+        </p:nvPicPr>
+        <p:blipFill>
+          <a:blip r:embed="rId3"/>
+          <a:stretch>
+            <a:fillRect/>
+          </a:stretch>
+        </p:blipFill>
+        <p:spPr>
+          <a:xfrm>
+            <a:off x="3152775" y="4483100"/>
+            <a:ext cx="5886450" cy="1181100"/>
+          </a:xfrm>
+          <a:prstGeom prst="rect">
+            <a:avLst/>
+          </a:prstGeom>
+        </p:spPr>
+      </p:pic>
+    </p:spTree>
+  </p:cSld>
+  <p:clrMapOvr>
+    <a:masterClrMapping/>
+  </p:clrMapOvr>
+</p:sld>
+</file>
+
+<file path=ppt/slides/slide21.xml><?xml version="1.0" encoding="utf-8"?>
+<p:sld xmlns:a="http://schemas.openxmlformats.org/drawingml/2006/main" xmlns:r="http://schemas.openxmlformats.org/officeDocument/2006/relationships" xmlns:p="http://schemas.openxmlformats.org/presentationml/2006/main">
+  <p:cSld>
+    <p:spTree>
+      <p:nvGrpSpPr>
+        <p:cNvPr id="1" name=""/>
+        <p:cNvGrpSpPr/>
+        <p:nvPr/>
+      </p:nvGrpSpPr>
+      <p:grpSpPr/>
+      <p:sp>
+        <p:nvSpPr>
+          <p:cNvPr id="5" name="Title 4"/>
+          <p:cNvSpPr>
+            <a:spLocks noGrp="1"/>
+          </p:cNvSpPr>
+          <p:nvPr>
+            <p:ph type="title"/>
+          </p:nvPr>
+        </p:nvSpPr>
+        <p:spPr/>
+        <p:txBody>
+          <a:bodyPr/>
+          <a:p>
+            <a:r>
+              <a:rPr lang="zh-CN"/>
+              <a:t>根据不同的操作系统，把宏定义成不同的值</a:t>
+            </a:r>
+            <a:endParaRPr lang="zh-CN"/>
+          </a:p>
+        </p:txBody>
+      </p:sp>
+      <p:pic>
+        <p:nvPicPr>
+          <p:cNvPr id="11" name="Content Placeholder 10"/>
+          <p:cNvPicPr>
+            <a:picLocks noChangeAspect="1"/>
+          </p:cNvPicPr>
+          <p:nvPr>
+            <p:ph idx="1"/>
+          </p:nvPr>
+        </p:nvPicPr>
+        <p:blipFill>
+          <a:blip r:embed="rId1"/>
+          <a:stretch>
+            <a:fillRect/>
+          </a:stretch>
+        </p:blipFill>
+        <p:spPr>
+          <a:xfrm>
+            <a:off x="2343150" y="4338320"/>
+            <a:ext cx="7124700" cy="1838325"/>
+          </a:xfrm>
+          <a:prstGeom prst="rect">
+            <a:avLst/>
+          </a:prstGeom>
+        </p:spPr>
+      </p:pic>
+      <p:pic>
+        <p:nvPicPr>
+          <p:cNvPr id="12" name="Picture 11"/>
+          <p:cNvPicPr>
+            <a:picLocks noChangeAspect="1"/>
+          </p:cNvPicPr>
+          <p:nvPr/>
+        </p:nvPicPr>
+        <p:blipFill>
+          <a:blip r:embed="rId2"/>
+          <a:stretch>
+            <a:fillRect/>
+          </a:stretch>
+        </p:blipFill>
+        <p:spPr>
+          <a:xfrm>
+            <a:off x="3686175" y="1428750"/>
+            <a:ext cx="4657725" cy="2466975"/>
+          </a:xfrm>
+          <a:prstGeom prst="rect">
+            <a:avLst/>
+          </a:prstGeom>
+        </p:spPr>
+      </p:pic>
+      <p:pic>
+        <p:nvPicPr>
+          <p:cNvPr id="13" name="Picture 12"/>
+          <p:cNvPicPr>
+            <a:picLocks noChangeAspect="1"/>
+          </p:cNvPicPr>
+          <p:nvPr/>
+        </p:nvPicPr>
+        <p:blipFill>
+          <a:blip r:embed="rId3"/>
+          <a:stretch>
+            <a:fillRect/>
+          </a:stretch>
+        </p:blipFill>
+        <p:spPr>
+          <a:xfrm>
+            <a:off x="4939030" y="6366510"/>
+            <a:ext cx="2314575" cy="276225"/>
+          </a:xfrm>
+          <a:prstGeom prst="rect">
+            <a:avLst/>
+          </a:prstGeom>
+        </p:spPr>
+      </p:pic>
+    </p:spTree>
+  </p:cSld>
+  <p:clrMapOvr>
+    <a:masterClrMapping/>
+  </p:clrMapOvr>
+</p:sld>
+</file>
+
+<file path=ppt/slides/slide22.xml><?xml version="1.0" encoding="utf-8"?>
+<p:sld xmlns:a="http://schemas.openxmlformats.org/drawingml/2006/main" xmlns:r="http://schemas.openxmlformats.org/officeDocument/2006/relationships" xmlns:p="http://schemas.openxmlformats.org/presentationml/2006/main">
+  <p:cSld>
+    <p:spTree>
+      <p:nvGrpSpPr>
+        <p:cNvPr id="1" name=""/>
+        <p:cNvGrpSpPr/>
+        <p:nvPr/>
+      </p:nvGrpSpPr>
+      <p:grpSpPr/>
+      <p:sp>
+        <p:nvSpPr>
+          <p:cNvPr id="5" name="Title 4"/>
+          <p:cNvSpPr>
+            <a:spLocks noGrp="1"/>
+          </p:cNvSpPr>
+          <p:nvPr>
+            <p:ph type="title"/>
+          </p:nvPr>
+        </p:nvSpPr>
+        <p:spPr/>
+        <p:txBody>
+          <a:bodyPr/>
+          <a:p>
+            <a:r>
+              <a:rPr lang="en-US" altLang="zh-CN"/>
+              <a:t>CMake </a:t>
+            </a:r>
+            <a:r>
+              <a:rPr lang="zh-CN" altLang="en-US"/>
+              <a:t>还提供了</a:t>
+            </a:r>
+            <a:r>
+              <a:rPr lang="zh-CN"/>
+              <a:t>一些简写变量：</a:t>
+            </a:r>
+            <a:r>
+              <a:rPr lang="en-US" altLang="zh-CN"/>
+              <a:t>WIN32, APPLE, UNIX, ANDROID, IOS </a:t>
+            </a:r>
+            <a:r>
+              <a:rPr lang="zh-CN" altLang="en-US"/>
+              <a:t>等</a:t>
+            </a:r>
+            <a:endParaRPr lang="zh-CN" altLang="en-US"/>
+          </a:p>
+        </p:txBody>
+      </p:sp>
+      <p:pic>
+        <p:nvPicPr>
+          <p:cNvPr id="9" name="Content Placeholder 2"/>
+          <p:cNvPicPr>
+            <a:picLocks noChangeAspect="1"/>
+          </p:cNvPicPr>
+          <p:nvPr>
+            <p:ph idx="1"/>
+          </p:nvPr>
+        </p:nvPicPr>
+        <p:blipFill>
+          <a:blip r:embed="rId1"/>
+          <a:stretch>
+            <a:fillRect/>
+          </a:stretch>
+        </p:blipFill>
+        <p:spPr>
+          <a:xfrm>
+            <a:off x="2299970" y="3077210"/>
+            <a:ext cx="7210425" cy="1847850"/>
+          </a:xfrm>
+          <a:prstGeom prst="rect">
+            <a:avLst/>
+          </a:prstGeom>
+        </p:spPr>
+      </p:pic>
+      <p:pic>
+        <p:nvPicPr>
+          <p:cNvPr id="10" name="Picture 9"/>
+          <p:cNvPicPr>
+            <a:picLocks noChangeAspect="1"/>
+          </p:cNvPicPr>
+          <p:nvPr/>
+        </p:nvPicPr>
+        <p:blipFill>
+          <a:blip r:embed="rId2"/>
+          <a:stretch>
+            <a:fillRect/>
+          </a:stretch>
+        </p:blipFill>
+        <p:spPr>
+          <a:xfrm>
+            <a:off x="4939030" y="6366510"/>
+            <a:ext cx="2314575" cy="276225"/>
+          </a:xfrm>
+          <a:prstGeom prst="rect">
+            <a:avLst/>
+          </a:prstGeom>
+        </p:spPr>
+      </p:pic>
+    </p:spTree>
+  </p:cSld>
+  <p:clrMapOvr>
+    <a:masterClrMapping/>
+  </p:clrMapOvr>
+</p:sld>
+</file>
+
+<file path=ppt/slides/slide23.xml><?xml version="1.0" encoding="utf-8"?>
+<p:sld xmlns:a="http://schemas.openxmlformats.org/drawingml/2006/main" xmlns:r="http://schemas.openxmlformats.org/officeDocument/2006/relationships" xmlns:p="http://schemas.openxmlformats.org/presentationml/2006/main">
+  <p:cSld>
+    <p:spTree>
+      <p:nvGrpSpPr>
+        <p:cNvPr id="1" name=""/>
+        <p:cNvGrpSpPr/>
+        <p:nvPr/>
+      </p:nvGrpSpPr>
+      <p:grpSpPr/>
+      <p:sp>
+        <p:nvSpPr>
+          <p:cNvPr id="5" name="Title 4"/>
+          <p:cNvSpPr>
+            <a:spLocks noGrp="1"/>
+          </p:cNvSpPr>
+          <p:nvPr>
+            <p:ph type="title"/>
+          </p:nvPr>
+        </p:nvSpPr>
+        <p:spPr/>
+        <p:txBody>
+          <a:bodyPr/>
+          <a:p>
+            <a:r>
+              <a:rPr lang="zh-CN"/>
+              <a:t>使用生成器表达式，简化成一条指令</a:t>
+            </a:r>
+            <a:endParaRPr lang="zh-CN"/>
+          </a:p>
+        </p:txBody>
+      </p:sp>
+      <p:pic>
+        <p:nvPicPr>
+          <p:cNvPr id="8" name="Content Placeholder 2"/>
+          <p:cNvPicPr>
+            <a:picLocks noChangeAspect="1"/>
+          </p:cNvPicPr>
+          <p:nvPr>
+            <p:ph idx="1"/>
+          </p:nvPr>
+        </p:nvPicPr>
+        <p:blipFill>
+          <a:blip r:embed="rId1"/>
+          <a:stretch>
+            <a:fillRect/>
+          </a:stretch>
+        </p:blipFill>
+        <p:spPr>
+          <a:xfrm>
+            <a:off x="2838450" y="3287395"/>
+            <a:ext cx="6132830" cy="1427480"/>
+          </a:xfrm>
+          <a:prstGeom prst="rect">
+            <a:avLst/>
+          </a:prstGeom>
+        </p:spPr>
+      </p:pic>
+      <p:sp>
+        <p:nvSpPr>
+          <p:cNvPr id="9" name="Text Box 8"/>
+          <p:cNvSpPr txBox="1"/>
+          <p:nvPr/>
+        </p:nvSpPr>
+        <p:spPr>
+          <a:xfrm>
+            <a:off x="0" y="0"/>
+            <a:ext cx="12023090" cy="368300"/>
+          </a:xfrm>
+          <a:prstGeom prst="rect">
+            <a:avLst/>
+          </a:prstGeom>
+          <a:noFill/>
+        </p:spPr>
+        <p:txBody>
+          <a:bodyPr wrap="square" rtlCol="0" anchor="t">
+            <a:spAutoFit/>
+          </a:bodyPr>
+          <a:p>
+            <a:r>
+              <a:rPr lang="en-US"/>
+              <a:t>https://cmake.org/cmake/help/latest/manual/cmake-generator-expressions.7.html#genex:PLATFORM_ID</a:t>
+            </a:r>
+            <a:endParaRPr lang="en-US"/>
+          </a:p>
+        </p:txBody>
+      </p:sp>
+      <p:pic>
+        <p:nvPicPr>
+          <p:cNvPr id="10" name="Picture 9"/>
+          <p:cNvPicPr>
+            <a:picLocks noChangeAspect="1"/>
+          </p:cNvPicPr>
+          <p:nvPr/>
+        </p:nvPicPr>
+        <p:blipFill>
+          <a:blip r:embed="rId2"/>
+          <a:stretch>
+            <a:fillRect/>
+          </a:stretch>
+        </p:blipFill>
+        <p:spPr>
+          <a:xfrm>
+            <a:off x="4939030" y="6366510"/>
+            <a:ext cx="2314575" cy="276225"/>
+          </a:xfrm>
+          <a:prstGeom prst="rect">
+            <a:avLst/>
+          </a:prstGeom>
+        </p:spPr>
+      </p:pic>
+    </p:spTree>
+  </p:cSld>
+  <p:clrMapOvr>
+    <a:masterClrMapping/>
+  </p:clrMapOvr>
+</p:sld>
+</file>
+
+<file path=ppt/slides/slide24.xml><?xml version="1.0" encoding="utf-8"?>
+<p:sld xmlns:a="http://schemas.openxmlformats.org/drawingml/2006/main" xmlns:r="http://schemas.openxmlformats.org/officeDocument/2006/relationships" xmlns:p="http://schemas.openxmlformats.org/presentationml/2006/main">
+  <p:cSld>
+    <p:spTree>
+      <p:nvGrpSpPr>
+        <p:cNvPr id="1" name=""/>
+        <p:cNvGrpSpPr/>
+        <p:nvPr/>
+      </p:nvGrpSpPr>
+      <p:grpSpPr/>
+      <p:sp>
+        <p:nvSpPr>
+          <p:cNvPr id="5" name="Title 4"/>
+          <p:cNvSpPr>
+            <a:spLocks noGrp="1"/>
+          </p:cNvSpPr>
+          <p:nvPr>
+            <p:ph type="title"/>
+          </p:nvPr>
+        </p:nvSpPr>
+        <p:spPr/>
+        <p:txBody>
+          <a:bodyPr/>
+          <a:p>
+            <a:r>
+              <a:rPr lang="zh-CN"/>
+              <a:t>生成器表达式：如需多个平台可以用逗号分割</a:t>
+            </a:r>
+            <a:endParaRPr lang="zh-CN"/>
+          </a:p>
+        </p:txBody>
+      </p:sp>
+      <p:sp>
+        <p:nvSpPr>
+          <p:cNvPr id="9" name="Text Box 8"/>
+          <p:cNvSpPr txBox="1"/>
+          <p:nvPr/>
+        </p:nvSpPr>
+        <p:spPr>
+          <a:xfrm>
+            <a:off x="0" y="0"/>
+            <a:ext cx="12023090" cy="368300"/>
+          </a:xfrm>
+          <a:prstGeom prst="rect">
+            <a:avLst/>
+          </a:prstGeom>
+          <a:noFill/>
+        </p:spPr>
+        <p:txBody>
+          <a:bodyPr wrap="square" rtlCol="0" anchor="t">
+            <a:spAutoFit/>
+          </a:bodyPr>
+          <a:p>
+            <a:r>
+              <a:rPr lang="en-US"/>
+              <a:t>https://cmake.org/cmake/help/latest/manual/cmake-generator-expressions.7.html#genex:PLATFORM_ID</a:t>
+            </a:r>
+            <a:endParaRPr lang="en-US"/>
+          </a:p>
+        </p:txBody>
+      </p:sp>
+      <p:pic>
+        <p:nvPicPr>
+          <p:cNvPr id="11" name="Picture 10"/>
+          <p:cNvPicPr>
+            <a:picLocks noChangeAspect="1"/>
+          </p:cNvPicPr>
+          <p:nvPr/>
+        </p:nvPicPr>
+        <p:blipFill>
+          <a:blip r:embed="rId1"/>
+          <a:stretch>
+            <a:fillRect/>
+          </a:stretch>
+        </p:blipFill>
+        <p:spPr>
+          <a:xfrm>
+            <a:off x="5106670" y="6443980"/>
+            <a:ext cx="1809750" cy="266700"/>
+          </a:xfrm>
+          <a:prstGeom prst="rect">
+            <a:avLst/>
+          </a:prstGeom>
+        </p:spPr>
+      </p:pic>
+      <p:pic>
+        <p:nvPicPr>
+          <p:cNvPr id="14" name="Content Placeholder 13"/>
+          <p:cNvPicPr>
+            <a:picLocks noChangeAspect="1"/>
+          </p:cNvPicPr>
+          <p:nvPr>
+            <p:ph idx="1"/>
+          </p:nvPr>
+        </p:nvPicPr>
+        <p:blipFill>
+          <a:blip r:embed="rId2"/>
+          <a:stretch>
+            <a:fillRect/>
+          </a:stretch>
+        </p:blipFill>
+        <p:spPr>
+          <a:xfrm>
+            <a:off x="2397760" y="3413125"/>
+            <a:ext cx="7014845" cy="1176020"/>
+          </a:xfrm>
+          <a:prstGeom prst="rect">
+            <a:avLst/>
+          </a:prstGeom>
+        </p:spPr>
+      </p:pic>
+    </p:spTree>
+  </p:cSld>
+  <p:clrMapOvr>
+    <a:masterClrMapping/>
+  </p:clrMapOvr>
+</p:sld>
+</file>
+
+<file path=ppt/slides/slide25.xml><?xml version="1.0" encoding="utf-8"?>
+<p:sld xmlns:a="http://schemas.openxmlformats.org/drawingml/2006/main" xmlns:r="http://schemas.openxmlformats.org/officeDocument/2006/relationships" xmlns:p="http://schemas.openxmlformats.org/presentationml/2006/main">
+  <p:cSld>
+    <p:spTree>
+      <p:nvGrpSpPr>
+        <p:cNvPr id="1" name=""/>
+        <p:cNvGrpSpPr/>
+        <p:nvPr/>
+      </p:nvGrpSpPr>
+      <p:grpSpPr/>
+      <p:sp>
+        <p:nvSpPr>
+          <p:cNvPr id="5" name="Title 4"/>
+          <p:cNvSpPr>
+            <a:spLocks noGrp="1"/>
+          </p:cNvSpPr>
+          <p:nvPr>
+            <p:ph type="title"/>
+          </p:nvPr>
+        </p:nvSpPr>
+        <p:spPr/>
+        <p:txBody>
+          <a:bodyPr/>
+          <a:p>
+            <a:r>
+              <a:rPr lang="zh-CN"/>
+              <a:t>判断当前用的是哪一款</a:t>
+            </a:r>
+            <a:r>
+              <a:rPr lang="en-US" altLang="zh-CN"/>
+              <a:t> C++ </a:t>
+            </a:r>
+            <a:r>
+              <a:rPr lang="zh-CN"/>
+              <a:t>编译器</a:t>
+            </a:r>
+            <a:endParaRPr lang="zh-CN"/>
+          </a:p>
+        </p:txBody>
+      </p:sp>
+      <p:pic>
+        <p:nvPicPr>
+          <p:cNvPr id="3" name="Content Placeholder 2"/>
+          <p:cNvPicPr>
+            <a:picLocks noChangeAspect="1"/>
+          </p:cNvPicPr>
+          <p:nvPr>
+            <p:ph idx="1"/>
+          </p:nvPr>
+        </p:nvPicPr>
+        <p:blipFill>
+          <a:blip r:embed="rId1"/>
+          <a:stretch>
+            <a:fillRect/>
+          </a:stretch>
+        </p:blipFill>
+        <p:spPr>
+          <a:xfrm>
+            <a:off x="2828290" y="2877185"/>
+            <a:ext cx="6153150" cy="2247900"/>
+          </a:xfrm>
+          <a:prstGeom prst="rect">
+            <a:avLst/>
+          </a:prstGeom>
+        </p:spPr>
+      </p:pic>
+      <p:pic>
+        <p:nvPicPr>
+          <p:cNvPr id="4" name="Picture 3"/>
+          <p:cNvPicPr>
+            <a:picLocks noChangeAspect="1"/>
+          </p:cNvPicPr>
+          <p:nvPr/>
+        </p:nvPicPr>
+        <p:blipFill>
+          <a:blip r:embed="rId2"/>
+          <a:stretch>
+            <a:fillRect/>
+          </a:stretch>
+        </p:blipFill>
+        <p:spPr>
+          <a:xfrm>
+            <a:off x="5404485" y="6249035"/>
+            <a:ext cx="1383030" cy="307340"/>
+          </a:xfrm>
+          <a:prstGeom prst="rect">
+            <a:avLst/>
+          </a:prstGeom>
+        </p:spPr>
+      </p:pic>
+      <p:sp>
+        <p:nvSpPr>
+          <p:cNvPr id="6" name="Text Box 5"/>
+          <p:cNvSpPr txBox="1"/>
+          <p:nvPr/>
+        </p:nvSpPr>
+        <p:spPr>
+          <a:xfrm>
+            <a:off x="-68580" y="0"/>
+            <a:ext cx="12261215" cy="337185"/>
+          </a:xfrm>
+          <a:prstGeom prst="rect">
+            <a:avLst/>
+          </a:prstGeom>
+          <a:noFill/>
+        </p:spPr>
+        <p:txBody>
+          <a:bodyPr wrap="square" rtlCol="0" anchor="t">
+            <a:spAutoFit/>
+          </a:bodyPr>
+          <a:p>
+            <a:r>
+              <a:rPr lang="en-US" sz="1600"/>
+              <a:t>https://cmake.org/cmake/help/latest/variable/CMAKE_LANG_COMPILER_ID.html#variable:CMAKE_%3CLANG%3E_COMPILER_ID</a:t>
+            </a:r>
+            <a:endParaRPr lang="en-US" sz="1600"/>
+          </a:p>
+        </p:txBody>
+      </p:sp>
+    </p:spTree>
+  </p:cSld>
+  <p:clrMapOvr>
+    <a:masterClrMapping/>
+  </p:clrMapOvr>
+</p:sld>
+</file>
+
+<file path=ppt/slides/slide26.xml><?xml version="1.0" encoding="utf-8"?>
+<p:sld xmlns:a="http://schemas.openxmlformats.org/drawingml/2006/main" xmlns:r="http://schemas.openxmlformats.org/officeDocument/2006/relationships" xmlns:p="http://schemas.openxmlformats.org/presentationml/2006/main">
+  <p:cSld>
+    <p:spTree>
+      <p:nvGrpSpPr>
+        <p:cNvPr id="1" name=""/>
+        <p:cNvGrpSpPr/>
+        <p:nvPr/>
+      </p:nvGrpSpPr>
+      <p:grpSpPr/>
+      <p:sp>
+        <p:nvSpPr>
+          <p:cNvPr id="5" name="Title 4"/>
+          <p:cNvSpPr>
+            <a:spLocks noGrp="1"/>
+          </p:cNvSpPr>
+          <p:nvPr>
+            <p:ph type="title"/>
+          </p:nvPr>
+        </p:nvSpPr>
+        <p:spPr/>
+        <p:txBody>
+          <a:bodyPr/>
+          <a:p>
+            <a:r>
+              <a:rPr lang="zh-CN"/>
+              <a:t>也可以用生成器表达式判断编译器</a:t>
+            </a:r>
+            <a:endParaRPr lang="zh-CN"/>
+          </a:p>
+        </p:txBody>
+      </p:sp>
+      <p:sp>
+        <p:nvSpPr>
+          <p:cNvPr id="6" name="Text Box 5"/>
+          <p:cNvSpPr txBox="1"/>
+          <p:nvPr/>
+        </p:nvSpPr>
+        <p:spPr>
+          <a:xfrm>
+            <a:off x="-68580" y="0"/>
+            <a:ext cx="12261215" cy="337185"/>
+          </a:xfrm>
+          <a:prstGeom prst="rect">
+            <a:avLst/>
+          </a:prstGeom>
+          <a:noFill/>
+        </p:spPr>
+        <p:txBody>
+          <a:bodyPr wrap="square" rtlCol="0" anchor="t">
+            <a:spAutoFit/>
+          </a:bodyPr>
+          <a:p>
+            <a:r>
+              <a:rPr lang="en-US" sz="1600"/>
+              <a:t>https://cmake.org/cmake/help/latest/variable/CMAKE_LANG_COMPILER_ID.html#variable:CMAKE_%3CLANG%3E_COMPILER_ID</a:t>
+            </a:r>
+            <a:endParaRPr lang="en-US" sz="1600"/>
+          </a:p>
+        </p:txBody>
+      </p:sp>
+      <p:pic>
+        <p:nvPicPr>
+          <p:cNvPr id="7" name="Content Placeholder 6"/>
+          <p:cNvPicPr>
+            <a:picLocks noChangeAspect="1"/>
+          </p:cNvPicPr>
+          <p:nvPr>
+            <p:ph idx="1"/>
+          </p:nvPr>
+        </p:nvPicPr>
+        <p:blipFill>
+          <a:blip r:embed="rId1"/>
+          <a:stretch>
+            <a:fillRect/>
+          </a:stretch>
+        </p:blipFill>
+        <p:spPr>
+          <a:xfrm>
+            <a:off x="2564130" y="3461385"/>
+            <a:ext cx="6682105" cy="1079500"/>
+          </a:xfrm>
+          <a:prstGeom prst="rect">
+            <a:avLst/>
+          </a:prstGeom>
+        </p:spPr>
+      </p:pic>
+      <p:pic>
+        <p:nvPicPr>
+          <p:cNvPr id="8" name="Picture 7"/>
+          <p:cNvPicPr>
+            <a:picLocks noChangeAspect="1"/>
+          </p:cNvPicPr>
+          <p:nvPr/>
+        </p:nvPicPr>
+        <p:blipFill>
+          <a:blip r:embed="rId2"/>
+          <a:stretch>
+            <a:fillRect/>
+          </a:stretch>
+        </p:blipFill>
+        <p:spPr>
+          <a:xfrm>
+            <a:off x="4905375" y="6296025"/>
+            <a:ext cx="2313940" cy="295910"/>
+          </a:xfrm>
+          <a:prstGeom prst="rect">
+            <a:avLst/>
+          </a:prstGeom>
+        </p:spPr>
+      </p:pic>
+    </p:spTree>
+  </p:cSld>
+  <p:clrMapOvr>
+    <a:masterClrMapping/>
+  </p:clrMapOvr>
+</p:sld>
+</file>
+
+<file path=ppt/slides/slide27.xml><?xml version="1.0" encoding="utf-8"?>
+<p:sld xmlns:a="http://schemas.openxmlformats.org/drawingml/2006/main" xmlns:r="http://schemas.openxmlformats.org/officeDocument/2006/relationships" xmlns:p="http://schemas.openxmlformats.org/presentationml/2006/main">
+  <p:cSld>
+    <p:spTree>
+      <p:nvGrpSpPr>
+        <p:cNvPr id="1" name=""/>
+        <p:cNvGrpSpPr/>
+        <p:nvPr/>
+      </p:nvGrpSpPr>
+      <p:grpSpPr/>
+      <p:sp>
+        <p:nvSpPr>
+          <p:cNvPr id="5" name="Title 4"/>
+          <p:cNvSpPr>
+            <a:spLocks noGrp="1"/>
+          </p:cNvSpPr>
+          <p:nvPr>
+            <p:ph type="title"/>
+          </p:nvPr>
+        </p:nvSpPr>
+        <p:spPr/>
+        <p:txBody>
+          <a:bodyPr/>
+          <a:p>
+            <a:r>
+              <a:rPr lang="zh-CN"/>
+              <a:t>生成器表达式也可以做复杂的逻辑判断</a:t>
+            </a:r>
+            <a:endParaRPr lang="zh-CN"/>
+          </a:p>
+        </p:txBody>
+      </p:sp>
+      <p:pic>
+        <p:nvPicPr>
+          <p:cNvPr id="8" name="Picture 7"/>
+          <p:cNvPicPr>
+            <a:picLocks noChangeAspect="1"/>
+          </p:cNvPicPr>
+          <p:nvPr/>
+        </p:nvPicPr>
+        <p:blipFill>
+          <a:blip r:embed="rId1"/>
+          <a:stretch>
+            <a:fillRect/>
+          </a:stretch>
+        </p:blipFill>
+        <p:spPr>
+          <a:xfrm>
+            <a:off x="4742180" y="6275070"/>
+            <a:ext cx="2639695" cy="337820"/>
+          </a:xfrm>
+          <a:prstGeom prst="rect">
+            <a:avLst/>
+          </a:prstGeom>
+        </p:spPr>
+      </p:pic>
+      <p:pic>
+        <p:nvPicPr>
+          <p:cNvPr id="3" name="Content Placeholder 2"/>
+          <p:cNvPicPr>
+            <a:picLocks noChangeAspect="1"/>
+          </p:cNvPicPr>
+          <p:nvPr>
+            <p:ph idx="1"/>
+          </p:nvPr>
+        </p:nvPicPr>
+        <p:blipFill>
+          <a:blip r:embed="rId2"/>
+          <a:stretch>
+            <a:fillRect/>
+          </a:stretch>
+        </p:blipFill>
+        <p:spPr>
+          <a:xfrm>
+            <a:off x="610235" y="3614420"/>
+            <a:ext cx="10590530" cy="773430"/>
+          </a:xfrm>
+          <a:prstGeom prst="rect">
+            <a:avLst/>
+          </a:prstGeom>
+        </p:spPr>
+      </p:pic>
+    </p:spTree>
+  </p:cSld>
+  <p:clrMapOvr>
+    <a:masterClrMapping/>
+  </p:clrMapOvr>
+</p:sld>
+</file>
+
+<file path=ppt/slides/slide28.xml><?xml version="1.0" encoding="utf-8"?>
+<p:sld xmlns:a="http://schemas.openxmlformats.org/drawingml/2006/main" xmlns:r="http://schemas.openxmlformats.org/officeDocument/2006/relationships" xmlns:p="http://schemas.openxmlformats.org/presentationml/2006/main">
+  <p:cSld>
+    <p:spTree>
+      <p:nvGrpSpPr>
+        <p:cNvPr id="1" name=""/>
+        <p:cNvGrpSpPr/>
+        <p:nvPr/>
+      </p:nvGrpSpPr>
+      <p:grpSpPr/>
+      <p:sp>
+        <p:nvSpPr>
+          <p:cNvPr id="5" name="Title 4"/>
+          <p:cNvSpPr>
+            <a:spLocks noGrp="1"/>
+          </p:cNvSpPr>
+          <p:nvPr>
+            <p:ph type="title"/>
+          </p:nvPr>
+        </p:nvSpPr>
+        <p:spPr/>
+        <p:txBody>
+          <a:bodyPr/>
+          <a:p>
+            <a:r>
+              <a:rPr lang="en-US"/>
+              <a:t>CMake </a:t>
+            </a:r>
+            <a:r>
+              <a:rPr lang="zh-CN" altLang="en-US"/>
+              <a:t>还提供了一些简写</a:t>
+            </a:r>
+            <a:r>
+              <a:rPr lang="zh-CN">
+                <a:sym typeface="+mn-ea"/>
+              </a:rPr>
+              <a:t>变量</a:t>
+            </a:r>
+            <a:r>
+              <a:rPr lang="zh-CN" altLang="en-US"/>
+              <a:t>：</a:t>
+            </a:r>
+            <a:r>
+              <a:rPr lang="en-US" altLang="zh-CN"/>
+              <a:t>MSVC, CMAKE_COMPILER_IS_GNUCC</a:t>
+            </a:r>
+            <a:endParaRPr lang="en-US" altLang="zh-CN"/>
+          </a:p>
+        </p:txBody>
+      </p:sp>
+      <p:pic>
+        <p:nvPicPr>
+          <p:cNvPr id="13" name="Content Placeholder 12"/>
+          <p:cNvPicPr>
+            <a:picLocks noChangeAspect="1"/>
+          </p:cNvPicPr>
+          <p:nvPr>
+            <p:ph idx="1"/>
+          </p:nvPr>
+        </p:nvPicPr>
+        <p:blipFill>
+          <a:blip r:embed="rId1"/>
+          <a:stretch>
+            <a:fillRect/>
+          </a:stretch>
+        </p:blipFill>
+        <p:spPr>
+          <a:xfrm>
+            <a:off x="2338070" y="3134360"/>
+            <a:ext cx="7134225" cy="1733550"/>
+          </a:xfrm>
+          <a:prstGeom prst="rect">
+            <a:avLst/>
+          </a:prstGeom>
+        </p:spPr>
+      </p:pic>
+      <p:pic>
+        <p:nvPicPr>
+          <p:cNvPr id="14" name="Picture 13"/>
+          <p:cNvPicPr>
+            <a:picLocks noChangeAspect="1"/>
+          </p:cNvPicPr>
+          <p:nvPr/>
+        </p:nvPicPr>
+        <p:blipFill>
+          <a:blip r:embed="rId2"/>
+          <a:stretch>
+            <a:fillRect/>
+          </a:stretch>
+        </p:blipFill>
+        <p:spPr>
+          <a:xfrm>
+            <a:off x="5146040" y="6252210"/>
+            <a:ext cx="1776730" cy="300990"/>
+          </a:xfrm>
+          <a:prstGeom prst="rect">
+            <a:avLst/>
+          </a:prstGeom>
+        </p:spPr>
+      </p:pic>
+    </p:spTree>
+  </p:cSld>
+  <p:clrMapOvr>
+    <a:masterClrMapping/>
+  </p:clrMapOvr>
+</p:sld>
+</file>
+
+<file path=ppt/slides/slide29.xml><?xml version="1.0" encoding="utf-8"?>
+<p:sld xmlns:a="http://schemas.openxmlformats.org/drawingml/2006/main" xmlns:r="http://schemas.openxmlformats.org/officeDocument/2006/relationships" xmlns:p="http://schemas.openxmlformats.org/presentationml/2006/main">
+  <p:cSld>
+    <p:spTree>
+      <p:nvGrpSpPr>
+        <p:cNvPr id="1" name=""/>
+        <p:cNvGrpSpPr/>
+        <p:nvPr/>
+      </p:nvGrpSpPr>
+      <p:grpSpPr/>
+      <p:sp>
+        <p:nvSpPr>
+          <p:cNvPr id="5" name="Title 4"/>
+          <p:cNvSpPr>
+            <a:spLocks noGrp="1"/>
+          </p:cNvSpPr>
+          <p:nvPr>
+            <p:ph type="title"/>
+          </p:nvPr>
+        </p:nvSpPr>
+        <p:spPr/>
+        <p:txBody>
+          <a:bodyPr/>
+          <a:p>
+            <a:r>
+              <a:rPr lang="en-US" altLang="zh-CN"/>
+              <a:t>CMAKE_CXX_COMPILER_ID </a:t>
+            </a:r>
+            <a:r>
+              <a:rPr lang="zh-CN" altLang="en-US"/>
+              <a:t>直接作为字符串变量</a:t>
+            </a:r>
+            <a:endParaRPr lang="zh-CN" altLang="en-US"/>
+          </a:p>
+        </p:txBody>
+      </p:sp>
+      <p:pic>
+        <p:nvPicPr>
+          <p:cNvPr id="7" name="Picture 6"/>
+          <p:cNvPicPr>
+            <a:picLocks noChangeAspect="1"/>
+          </p:cNvPicPr>
+          <p:nvPr/>
+        </p:nvPicPr>
+        <p:blipFill>
+          <a:blip r:embed="rId1"/>
+          <a:stretch>
+            <a:fillRect/>
+          </a:stretch>
+        </p:blipFill>
+        <p:spPr>
+          <a:xfrm>
+            <a:off x="4626610" y="6350635"/>
+            <a:ext cx="2938145" cy="288290"/>
+          </a:xfrm>
+          <a:prstGeom prst="rect">
+            <a:avLst/>
+          </a:prstGeom>
+        </p:spPr>
+      </p:pic>
+      <p:pic>
+        <p:nvPicPr>
+          <p:cNvPr id="8" name="Content Placeholder 7"/>
+          <p:cNvPicPr>
+            <a:picLocks noChangeAspect="1"/>
+          </p:cNvPicPr>
+          <p:nvPr>
+            <p:ph idx="1"/>
+          </p:nvPr>
+        </p:nvPicPr>
+        <p:blipFill>
+          <a:blip r:embed="rId2"/>
+          <a:stretch>
+            <a:fillRect/>
+          </a:stretch>
+        </p:blipFill>
+        <p:spPr>
+          <a:xfrm>
+            <a:off x="59055" y="4031615"/>
+            <a:ext cx="12072620" cy="389255"/>
+          </a:xfrm>
+          <a:prstGeom prst="rect">
+            <a:avLst/>
+          </a:prstGeom>
+        </p:spPr>
+      </p:pic>
+    </p:spTree>
+  </p:cSld>
+  <p:clrMapOvr>
+    <a:masterClrMapping/>
+  </p:clrMapOvr>
+</p:sld>
+</file>
+
+<file path=ppt/slides/slide3.xml><?xml version="1.0" encoding="utf-8"?>
+<p:sld xmlns:a="http://schemas.openxmlformats.org/drawingml/2006/main" xmlns:r="http://schemas.openxmlformats.org/officeDocument/2006/relationships" xmlns:p="http://schemas.openxmlformats.org/presentationml/2006/main">
+  <p:cSld>
+    <p:spTree>
+      <p:nvGrpSpPr>
+        <p:cNvPr id="1" name=""/>
+        <p:cNvGrpSpPr/>
+        <p:nvPr/>
+      </p:nvGrpSpPr>
+      <p:grpSpPr/>
+      <p:sp>
+        <p:nvSpPr>
+          <p:cNvPr id="2" name="Title 1"/>
+          <p:cNvSpPr>
+            <a:spLocks noGrp="1"/>
+          </p:cNvSpPr>
+          <p:nvPr>
+            <p:ph type="title"/>
+          </p:nvPr>
+        </p:nvSpPr>
+        <p:spPr/>
+        <p:txBody>
+          <a:bodyPr/>
+          <a:p>
+            <a:r>
+              <a:rPr lang="zh-CN"/>
+              <a:t>一个</a:t>
+            </a:r>
+            <a:r>
+              <a:rPr lang="en-US" altLang="zh-CN"/>
+              <a:t> .cpp </a:t>
+            </a:r>
+            <a:r>
+              <a:rPr lang="zh-CN" altLang="en-US"/>
+              <a:t>源文件用于测试</a:t>
+            </a:r>
+            <a:endParaRPr lang="zh-CN" altLang="en-US"/>
+          </a:p>
+        </p:txBody>
+      </p:sp>
+      <p:pic>
+        <p:nvPicPr>
+          <p:cNvPr id="9" name="Content Placeholder 8"/>
+          <p:cNvPicPr>
+            <a:picLocks noChangeAspect="1"/>
+          </p:cNvPicPr>
+          <p:nvPr>
+            <p:ph idx="1"/>
+          </p:nvPr>
+        </p:nvPicPr>
+        <p:blipFill>
+          <a:blip r:embed="rId1"/>
+          <a:stretch>
+            <a:fillRect/>
+          </a:stretch>
+        </p:blipFill>
+        <p:spPr>
+          <a:xfrm>
+            <a:off x="3698240" y="3083560"/>
+            <a:ext cx="4413885" cy="1835150"/>
+          </a:xfrm>
+          <a:prstGeom prst="rect">
+            <a:avLst/>
+          </a:prstGeom>
+        </p:spPr>
+      </p:pic>
+    </p:spTree>
+  </p:cSld>
+  <p:clrMapOvr>
+    <a:masterClrMapping/>
+  </p:clrMapOvr>
+</p:sld>
+</file>
+
+<file path=ppt/slides/slide30.xml><?xml version="1.0" encoding="utf-8"?>
+<p:sld xmlns:a="http://schemas.openxmlformats.org/drawingml/2006/main" xmlns:r="http://schemas.openxmlformats.org/officeDocument/2006/relationships" xmlns:p="http://schemas.openxmlformats.org/presentationml/2006/main">
+  <p:cSld>
+    <p:spTree>
+      <p:nvGrpSpPr>
+        <p:cNvPr id="1" name=""/>
+        <p:cNvGrpSpPr/>
+        <p:nvPr/>
+      </p:nvGrpSpPr>
+      <p:grpSpPr/>
+      <p:sp>
+        <p:nvSpPr>
+          <p:cNvPr id="5" name="Title 4"/>
+          <p:cNvSpPr>
+            <a:spLocks noGrp="1"/>
+          </p:cNvSpPr>
+          <p:nvPr>
+            <p:ph type="title"/>
+          </p:nvPr>
+        </p:nvSpPr>
+        <p:spPr/>
+        <p:txBody>
+          <a:bodyPr/>
+          <a:p>
+            <a:r>
+              <a:rPr lang="zh-CN"/>
+              <a:t>从命令行指定编译器</a:t>
+            </a:r>
+            <a:endParaRPr lang="zh-CN"/>
+          </a:p>
+        </p:txBody>
+      </p:sp>
+      <p:pic>
+        <p:nvPicPr>
+          <p:cNvPr id="9" name="Picture 8"/>
+          <p:cNvPicPr>
+            <a:picLocks noChangeAspect="1"/>
+          </p:cNvPicPr>
+          <p:nvPr/>
+        </p:nvPicPr>
+        <p:blipFill>
+          <a:blip r:embed="rId1"/>
+          <a:stretch>
+            <a:fillRect/>
+          </a:stretch>
+        </p:blipFill>
+        <p:spPr>
+          <a:xfrm>
+            <a:off x="1078865" y="2000250"/>
+            <a:ext cx="9653270" cy="528320"/>
+          </a:xfrm>
+          <a:prstGeom prst="rect">
+            <a:avLst/>
+          </a:prstGeom>
+        </p:spPr>
+      </p:pic>
+      <p:pic>
+        <p:nvPicPr>
+          <p:cNvPr id="12" name="Content Placeholder 11"/>
+          <p:cNvPicPr>
+            <a:picLocks noChangeAspect="1"/>
+          </p:cNvPicPr>
+          <p:nvPr>
+            <p:ph idx="1"/>
+          </p:nvPr>
+        </p:nvPicPr>
+        <p:blipFill>
+          <a:blip r:embed="rId2"/>
+          <a:stretch>
+            <a:fillRect/>
+          </a:stretch>
+        </p:blipFill>
+        <p:spPr>
+          <a:xfrm>
+            <a:off x="1343660" y="3425825"/>
+            <a:ext cx="9123680" cy="2376170"/>
+          </a:xfrm>
+          <a:prstGeom prst="rect">
+            <a:avLst/>
+          </a:prstGeom>
+        </p:spPr>
+      </p:pic>
+    </p:spTree>
+  </p:cSld>
+  <p:clrMapOvr>
+    <a:masterClrMapping/>
+  </p:clrMapOvr>
+</p:sld>
+</file>
+
+<file path=ppt/slides/slide31.xml><?xml version="1.0" encoding="utf-8"?>
+<p:sld xmlns:a="http://schemas.openxmlformats.org/drawingml/2006/main" xmlns:r="http://schemas.openxmlformats.org/officeDocument/2006/relationships" xmlns:p="http://schemas.openxmlformats.org/presentationml/2006/main">
+  <p:cSld>
+    <p:spTree>
+      <p:nvGrpSpPr>
+        <p:cNvPr id="1" name=""/>
+        <p:cNvGrpSpPr/>
+        <p:nvPr/>
+      </p:nvGrpSpPr>
+      <p:grpSpPr/>
+      <p:sp>
+        <p:nvSpPr>
+          <p:cNvPr id="4" name="Title 3"/>
+          <p:cNvSpPr>
+            <a:spLocks noGrp="1"/>
+          </p:cNvSpPr>
+          <p:nvPr>
+            <p:ph type="title"/>
+          </p:nvPr>
+        </p:nvSpPr>
+        <p:spPr/>
+        <p:txBody>
+          <a:bodyPr/>
+          <a:p>
+            <a:r>
+              <a:rPr lang="zh-CN" altLang="en-US"/>
+              <a:t>第</a:t>
+            </a:r>
+            <a:r>
+              <a:rPr lang="en-US" altLang="zh-CN"/>
+              <a:t>3</a:t>
+            </a:r>
+            <a:r>
+              <a:rPr lang="zh-CN" altLang="en-US"/>
+              <a:t>章：输出与变量</a:t>
+            </a:r>
+            <a:endParaRPr lang="zh-CN" altLang="en-US"/>
+          </a:p>
+        </p:txBody>
+      </p:sp>
+    </p:spTree>
+  </p:cSld>
+  <p:clrMapOvr>
+    <a:masterClrMapping/>
+  </p:clrMapOvr>
+</p:sld>
+</file>
+
+<file path=ppt/slides/slide32.xml><?xml version="1.0" encoding="utf-8"?>
+<p:sld xmlns:a="http://schemas.openxmlformats.org/drawingml/2006/main" xmlns:r="http://schemas.openxmlformats.org/officeDocument/2006/relationships" xmlns:p="http://schemas.openxmlformats.org/presentationml/2006/main">
+  <p:cSld>
+    <p:spTree>
+      <p:nvGrpSpPr>
+        <p:cNvPr id="1" name=""/>
+        <p:cNvGrpSpPr/>
+        <p:nvPr/>
+      </p:nvGrpSpPr>
+      <p:grpSpPr/>
+      <p:sp>
+        <p:nvSpPr>
+          <p:cNvPr id="3" name="Title 2"/>
+          <p:cNvSpPr>
+            <a:spLocks noGrp="1"/>
+          </p:cNvSpPr>
+          <p:nvPr>
+            <p:ph type="title"/>
+          </p:nvPr>
+        </p:nvSpPr>
+        <p:spPr/>
+        <p:txBody>
+          <a:bodyPr/>
+          <a:p>
+            <a:r>
+              <a:rPr lang="zh-CN" altLang="en-US"/>
+              <a:t>在运行</a:t>
+            </a:r>
+            <a:r>
+              <a:rPr lang="en-US" altLang="zh-CN"/>
+              <a:t> cmake -B build </a:t>
+            </a:r>
+            <a:r>
+              <a:rPr lang="zh-CN" altLang="en-US"/>
+              <a:t>时，打印字符串（用于调试）</a:t>
+            </a:r>
+            <a:endParaRPr lang="en-US" altLang="zh-CN"/>
+          </a:p>
+        </p:txBody>
+      </p:sp>
+      <p:pic>
+        <p:nvPicPr>
+          <p:cNvPr id="5" name="Content Placeholder 4"/>
+          <p:cNvPicPr>
+            <a:picLocks noChangeAspect="1"/>
+          </p:cNvPicPr>
+          <p:nvPr>
+            <p:ph idx="1"/>
+          </p:nvPr>
+        </p:nvPicPr>
+        <p:blipFill>
+          <a:blip r:embed="rId1"/>
+          <a:stretch>
+            <a:fillRect/>
+          </a:stretch>
+        </p:blipFill>
+        <p:spPr>
+          <a:xfrm>
+            <a:off x="2114550" y="2724785"/>
+            <a:ext cx="7581900" cy="3819525"/>
+          </a:xfrm>
+          <a:prstGeom prst="rect">
+            <a:avLst/>
+          </a:prstGeom>
+        </p:spPr>
+      </p:pic>
+      <p:pic>
+        <p:nvPicPr>
+          <p:cNvPr id="6" name="Picture 5"/>
+          <p:cNvPicPr>
+            <a:picLocks noChangeAspect="1"/>
+          </p:cNvPicPr>
+          <p:nvPr/>
+        </p:nvPicPr>
+        <p:blipFill>
+          <a:blip r:embed="rId2"/>
+          <a:stretch>
+            <a:fillRect/>
+          </a:stretch>
+        </p:blipFill>
+        <p:spPr>
+          <a:xfrm>
+            <a:off x="4643120" y="2136140"/>
+            <a:ext cx="2251710" cy="337820"/>
+          </a:xfrm>
+          <a:prstGeom prst="rect">
+            <a:avLst/>
+          </a:prstGeom>
+        </p:spPr>
+      </p:pic>
+      <p:pic>
+        <p:nvPicPr>
+          <p:cNvPr id="8" name="Picture 7"/>
+          <p:cNvPicPr>
+            <a:picLocks noChangeAspect="1"/>
+          </p:cNvPicPr>
+          <p:nvPr/>
+        </p:nvPicPr>
+        <p:blipFill>
+          <a:blip r:embed="rId3"/>
+          <a:stretch>
+            <a:fillRect/>
+          </a:stretch>
+        </p:blipFill>
+        <p:spPr>
+          <a:xfrm>
+            <a:off x="4287520" y="1337945"/>
+            <a:ext cx="2962275" cy="542925"/>
           </a:xfrm>
           <a:prstGeom prst="rect">
             <a:avLst/>
@@ -5981,8 +6192,8 @@
         </p:nvCxnSpPr>
         <p:spPr>
           <a:xfrm>
-            <a:off x="2211705" y="5866130"/>
-            <a:ext cx="1670685" cy="0"/>
+            <a:off x="2114550" y="5804535"/>
+            <a:ext cx="1420495" cy="0"/>
           </a:xfrm>
           <a:prstGeom prst="line">
             <a:avLst/>
@@ -6011,7 +6222,139 @@
 </p:sld>
 </file>
 
-<file path=ppt/slides/slide32.xml><?xml version="1.0" encoding="utf-8"?>
+<file path=ppt/slides/slide33.xml><?xml version="1.0" encoding="utf-8"?>
+<p:sld xmlns:a="http://schemas.openxmlformats.org/drawingml/2006/main" xmlns:r="http://schemas.openxmlformats.org/officeDocument/2006/relationships" xmlns:p="http://schemas.openxmlformats.org/presentationml/2006/main">
+  <p:cSld>
+    <p:spTree>
+      <p:nvGrpSpPr>
+        <p:cNvPr id="1" name=""/>
+        <p:cNvGrpSpPr/>
+        <p:nvPr/>
+      </p:nvGrpSpPr>
+      <p:grpSpPr/>
+      <p:sp>
+        <p:nvSpPr>
+          <p:cNvPr id="3" name="Title 2"/>
+          <p:cNvSpPr>
+            <a:spLocks noGrp="1"/>
+          </p:cNvSpPr>
+          <p:nvPr>
+            <p:ph type="title"/>
+          </p:nvPr>
+        </p:nvSpPr>
+        <p:spPr/>
+        <p:txBody>
+          <a:bodyPr/>
+          <a:p>
+            <a:r>
+              <a:rPr lang="en-US"/>
+              <a:t>message(STATUS “...”) </a:t>
+            </a:r>
+            <a:r>
+              <a:rPr lang="zh-CN" altLang="en-US"/>
+              <a:t>表示信息类型是状态信息，有</a:t>
+            </a:r>
+            <a:r>
+              <a:rPr lang="en-US" altLang="zh-CN"/>
+              <a:t> -- </a:t>
+            </a:r>
+            <a:r>
+              <a:rPr lang="zh-CN" altLang="en-US"/>
+              <a:t>前缀</a:t>
+            </a:r>
+            <a:endParaRPr lang="zh-CN" altLang="en-US"/>
+          </a:p>
+        </p:txBody>
+      </p:sp>
+      <p:pic>
+        <p:nvPicPr>
+          <p:cNvPr id="4" name="Content Placeholder 3"/>
+          <p:cNvPicPr>
+            <a:picLocks noChangeAspect="1"/>
+          </p:cNvPicPr>
+          <p:nvPr>
+            <p:ph idx="1"/>
+          </p:nvPr>
+        </p:nvPicPr>
+        <p:blipFill>
+          <a:blip r:embed="rId1"/>
+          <a:stretch>
+            <a:fillRect/>
+          </a:stretch>
+        </p:blipFill>
+        <p:spPr>
+          <a:xfrm>
+            <a:off x="2211705" y="2755900"/>
+            <a:ext cx="7591425" cy="3838575"/>
+          </a:xfrm>
+          <a:prstGeom prst="rect">
+            <a:avLst/>
+          </a:prstGeom>
+        </p:spPr>
+      </p:pic>
+      <p:pic>
+        <p:nvPicPr>
+          <p:cNvPr id="7" name="Picture 6"/>
+          <p:cNvPicPr>
+            <a:picLocks noChangeAspect="1"/>
+          </p:cNvPicPr>
+          <p:nvPr/>
+        </p:nvPicPr>
+        <p:blipFill>
+          <a:blip r:embed="rId2"/>
+          <a:stretch>
+            <a:fillRect/>
+          </a:stretch>
+        </p:blipFill>
+        <p:spPr>
+          <a:xfrm>
+            <a:off x="3416935" y="1553845"/>
+            <a:ext cx="4765675" cy="579120"/>
+          </a:xfrm>
+          <a:prstGeom prst="rect">
+            <a:avLst/>
+          </a:prstGeom>
+        </p:spPr>
+      </p:pic>
+      <p:cxnSp>
+        <p:nvCxnSpPr>
+          <p:cNvPr id="9" name="Straight Connector 8"/>
+          <p:cNvCxnSpPr/>
+          <p:nvPr/>
+        </p:nvCxnSpPr>
+        <p:spPr>
+          <a:xfrm>
+            <a:off x="2211705" y="5866130"/>
+            <a:ext cx="1670685" cy="0"/>
+          </a:xfrm>
+          <a:prstGeom prst="line">
+            <a:avLst/>
+          </a:prstGeom>
+        </p:spPr>
+        <p:style>
+          <a:lnRef idx="1">
+            <a:schemeClr val="accent1"/>
+          </a:lnRef>
+          <a:fillRef idx="0">
+            <a:schemeClr val="accent1"/>
+          </a:fillRef>
+          <a:effectRef idx="0">
+            <a:schemeClr val="accent1"/>
+          </a:effectRef>
+          <a:fontRef idx="minor">
+            <a:schemeClr val="tx1"/>
+          </a:fontRef>
+        </p:style>
+      </p:cxnSp>
+    </p:spTree>
+  </p:cSld>
+  <p:clrMapOvr>
+    <a:masterClrMapping/>
+  </p:clrMapOvr>
+</p:sld>
+</file>
+
+<file path=ppt/slides/slide34.xml><?xml version="1.0" encoding="utf-8"?>
 <p:sld xmlns:a="http://schemas.openxmlformats.org/drawingml/2006/main" xmlns:r="http://schemas.openxmlformats.org/officeDocument/2006/relationships" xmlns:p="http://schemas.openxmlformats.org/presentationml/2006/main">
   <p:cSld>
     <p:spTree>
@@ -6135,7 +6478,7 @@
 </p:sld>
 </file>
 
-<file path=ppt/slides/slide33.xml><?xml version="1.0" encoding="utf-8"?>
+<file path=ppt/slides/slide35.xml><?xml version="1.0" encoding="utf-8"?>
 <p:sld xmlns:a="http://schemas.openxmlformats.org/drawingml/2006/main" xmlns:r="http://schemas.openxmlformats.org/officeDocument/2006/relationships" xmlns:p="http://schemas.openxmlformats.org/presentationml/2006/main">
   <p:cSld>
     <p:spTree>
@@ -6259,7 +6602,7 @@
 </p:sld>
 </file>
 
-<file path=ppt/slides/slide34.xml><?xml version="1.0" encoding="utf-8"?>
+<file path=ppt/slides/slide36.xml><?xml version="1.0" encoding="utf-8"?>
 <p:sld xmlns:a="http://schemas.openxmlformats.org/drawingml/2006/main" xmlns:r="http://schemas.openxmlformats.org/officeDocument/2006/relationships" xmlns:p="http://schemas.openxmlformats.org/presentationml/2006/main">
   <p:cSld>
     <p:spTree>
@@ -6391,7 +6734,7 @@
 </p:sld>
 </file>
 
-<file path=ppt/slides/slide35.xml><?xml version="1.0" encoding="utf-8"?>
+<file path=ppt/slides/slide37.xml><?xml version="1.0" encoding="utf-8"?>
 <p:sld xmlns:a="http://schemas.openxmlformats.org/drawingml/2006/main" xmlns:r="http://schemas.openxmlformats.org/officeDocument/2006/relationships" xmlns:p="http://schemas.openxmlformats.org/presentationml/2006/main">
   <p:cSld>
     <p:spTree>
@@ -6523,7 +6866,7 @@
 </p:sld>
 </file>
 
-<file path=ppt/slides/slide36.xml><?xml version="1.0" encoding="utf-8"?>
+<file path=ppt/slides/slide38.xml><?xml version="1.0" encoding="utf-8"?>
 <p:sld xmlns:a="http://schemas.openxmlformats.org/drawingml/2006/main" xmlns:r="http://schemas.openxmlformats.org/officeDocument/2006/relationships" xmlns:p="http://schemas.openxmlformats.org/presentationml/2006/main">
   <p:cSld>
     <p:spTree>
@@ -6647,7 +6990,7 @@
 </p:sld>
 </file>
 
-<file path=ppt/slides/slide37.xml><?xml version="1.0" encoding="utf-8"?>
+<file path=ppt/slides/slide39.xml><?xml version="1.0" encoding="utf-8"?>
 <p:sld xmlns:a="http://schemas.openxmlformats.org/drawingml/2006/main" xmlns:r="http://schemas.openxmlformats.org/officeDocument/2006/relationships" xmlns:p="http://schemas.openxmlformats.org/presentationml/2006/main">
   <p:cSld>
     <p:spTree>
@@ -6733,296 +7076,6 @@
           </a:prstGeom>
         </p:spPr>
       </p:pic>
-    </p:spTree>
-  </p:cSld>
-  <p:clrMapOvr>
-    <a:masterClrMapping/>
-  </p:clrMapOvr>
-</p:sld>
-</file>
-
-<file path=ppt/slides/slide38.xml><?xml version="1.0" encoding="utf-8"?>
-<p:sld xmlns:a="http://schemas.openxmlformats.org/drawingml/2006/main" xmlns:r="http://schemas.openxmlformats.org/officeDocument/2006/relationships" xmlns:p="http://schemas.openxmlformats.org/presentationml/2006/main">
-  <p:cSld>
-    <p:spTree>
-      <p:nvGrpSpPr>
-        <p:cNvPr id="1" name=""/>
-        <p:cNvGrpSpPr/>
-        <p:nvPr/>
-      </p:nvGrpSpPr>
-      <p:grpSpPr/>
-      <p:sp>
-        <p:nvSpPr>
-          <p:cNvPr id="3" name="Title 2"/>
-          <p:cNvSpPr>
-            <a:spLocks noGrp="1"/>
-          </p:cNvSpPr>
-          <p:nvPr>
-            <p:ph type="title"/>
-          </p:nvPr>
-        </p:nvSpPr>
-        <p:spPr/>
-        <p:txBody>
-          <a:bodyPr/>
-          <a:p>
-            <a:r>
-              <a:rPr lang="zh-CN"/>
-              <a:t>如果</a:t>
-            </a:r>
-            <a:r>
-              <a:rPr lang="en-US" altLang="zh-CN"/>
-              <a:t> set </a:t>
-            </a:r>
-            <a:r>
-              <a:rPr lang="zh-CN" altLang="en-US"/>
-              <a:t>没加引号会怎样？会变成分号分割的列表</a:t>
-            </a:r>
-            <a:endParaRPr lang="zh-CN" altLang="en-US"/>
-          </a:p>
-        </p:txBody>
-      </p:sp>
-      <p:pic>
-        <p:nvPicPr>
-          <p:cNvPr id="5" name="Picture 4"/>
-          <p:cNvPicPr>
-            <a:picLocks noChangeAspect="1"/>
-          </p:cNvPicPr>
-          <p:nvPr/>
-        </p:nvPicPr>
-        <p:blipFill>
-          <a:blip r:embed="rId1"/>
-          <a:stretch>
-            <a:fillRect/>
-          </a:stretch>
-        </p:blipFill>
-        <p:spPr>
-          <a:xfrm>
-            <a:off x="4831080" y="5897245"/>
-            <a:ext cx="2693670" cy="848360"/>
-          </a:xfrm>
-          <a:prstGeom prst="rect">
-            <a:avLst/>
-          </a:prstGeom>
-        </p:spPr>
-      </p:pic>
-      <p:pic>
-        <p:nvPicPr>
-          <p:cNvPr id="7" name="Content Placeholder 6"/>
-          <p:cNvPicPr>
-            <a:picLocks noChangeAspect="1"/>
-          </p:cNvPicPr>
-          <p:nvPr>
-            <p:ph idx="1"/>
-          </p:nvPr>
-        </p:nvPicPr>
-        <p:blipFill>
-          <a:blip r:embed="rId2"/>
-          <a:stretch>
-            <a:fillRect/>
-          </a:stretch>
-        </p:blipFill>
-        <p:spPr>
-          <a:xfrm>
-            <a:off x="3355340" y="3452495"/>
-            <a:ext cx="5100320" cy="1097915"/>
-          </a:xfrm>
-          <a:prstGeom prst="rect">
-            <a:avLst/>
-          </a:prstGeom>
-        </p:spPr>
-      </p:pic>
-      <p:sp>
-        <p:nvSpPr>
-          <p:cNvPr id="8" name="Text Box 7"/>
-          <p:cNvSpPr txBox="1"/>
-          <p:nvPr/>
-        </p:nvSpPr>
-        <p:spPr>
-          <a:xfrm>
-            <a:off x="4172585" y="1991995"/>
-            <a:ext cx="4010660" cy="922020"/>
-          </a:xfrm>
-          <a:prstGeom prst="rect">
-            <a:avLst/>
-          </a:prstGeom>
-          <a:noFill/>
-        </p:spPr>
-        <p:txBody>
-          <a:bodyPr wrap="square" rtlCol="0" anchor="t">
-            <a:spAutoFit/>
-          </a:bodyPr>
-          <a:p>
-            <a:r>
-              <a:rPr lang="en-US" altLang="zh-CN">
-                <a:sym typeface="+mn-ea"/>
-              </a:rPr>
-              <a:t>set(myvar hello world)</a:t>
-            </a:r>
-            <a:endParaRPr lang="zh-CN" altLang="en-US">
-              <a:sym typeface="+mn-ea"/>
-            </a:endParaRPr>
-          </a:p>
-          <a:p>
-            <a:r>
-              <a:rPr lang="zh-CN" altLang="en-US">
-                <a:sym typeface="+mn-ea"/>
-              </a:rPr>
-              <a:t>其实等价于：</a:t>
-            </a:r>
-            <a:endParaRPr lang="zh-CN" altLang="en-US"/>
-          </a:p>
-          <a:p>
-            <a:r>
-              <a:rPr lang="en-US" altLang="zh-CN">
-                <a:sym typeface="+mn-ea"/>
-              </a:rPr>
-              <a:t>set(myvar “hello;world”)</a:t>
-            </a:r>
-            <a:endParaRPr lang="en-US"/>
-          </a:p>
-        </p:txBody>
-      </p:sp>
-    </p:spTree>
-  </p:cSld>
-  <p:clrMapOvr>
-    <a:masterClrMapping/>
-  </p:clrMapOvr>
-</p:sld>
-</file>
-
-<file path=ppt/slides/slide39.xml><?xml version="1.0" encoding="utf-8"?>
-<p:sld xmlns:a="http://schemas.openxmlformats.org/drawingml/2006/main" xmlns:r="http://schemas.openxmlformats.org/officeDocument/2006/relationships" xmlns:p="http://schemas.openxmlformats.org/presentationml/2006/main">
-  <p:cSld>
-    <p:spTree>
-      <p:nvGrpSpPr>
-        <p:cNvPr id="1" name=""/>
-        <p:cNvGrpSpPr/>
-        <p:nvPr/>
-      </p:nvGrpSpPr>
-      <p:grpSpPr/>
-      <p:sp>
-        <p:nvSpPr>
-          <p:cNvPr id="3" name="Title 2"/>
-          <p:cNvSpPr>
-            <a:spLocks noGrp="1"/>
-          </p:cNvSpPr>
-          <p:nvPr>
-            <p:ph type="title"/>
-          </p:nvPr>
-        </p:nvSpPr>
-        <p:spPr/>
-        <p:txBody>
-          <a:bodyPr/>
-          <a:p>
-            <a:r>
-              <a:rPr lang="zh-CN"/>
-              <a:t>如果</a:t>
-            </a:r>
-            <a:r>
-              <a:rPr lang="en-US" altLang="zh-CN"/>
-              <a:t> message </a:t>
-            </a:r>
-            <a:r>
-              <a:rPr lang="zh-CN" altLang="en-US"/>
-              <a:t>没加引号会怎样？会把列表里的字符串当成他的关键字</a:t>
-            </a:r>
-            <a:endParaRPr lang="zh-CN" altLang="en-US"/>
-          </a:p>
-        </p:txBody>
-      </p:sp>
-      <p:pic>
-        <p:nvPicPr>
-          <p:cNvPr id="6" name="Picture 5"/>
-          <p:cNvPicPr>
-            <a:picLocks noChangeAspect="1"/>
-          </p:cNvPicPr>
-          <p:nvPr/>
-        </p:nvPicPr>
-        <p:blipFill>
-          <a:blip r:embed="rId1"/>
-          <a:stretch>
-            <a:fillRect/>
-          </a:stretch>
-        </p:blipFill>
-        <p:spPr>
-          <a:xfrm>
-            <a:off x="3643630" y="5408930"/>
-            <a:ext cx="4524375" cy="1190625"/>
-          </a:xfrm>
-          <a:prstGeom prst="rect">
-            <a:avLst/>
-          </a:prstGeom>
-        </p:spPr>
-      </p:pic>
-      <p:pic>
-        <p:nvPicPr>
-          <p:cNvPr id="9" name="Content Placeholder 8"/>
-          <p:cNvPicPr>
-            <a:picLocks noChangeAspect="1"/>
-          </p:cNvPicPr>
-          <p:nvPr>
-            <p:ph idx="1"/>
-          </p:nvPr>
-        </p:nvPicPr>
-        <p:blipFill>
-          <a:blip r:embed="rId2"/>
-          <a:stretch>
-            <a:fillRect/>
-          </a:stretch>
-        </p:blipFill>
-        <p:spPr>
-          <a:xfrm>
-            <a:off x="3512185" y="3491230"/>
-            <a:ext cx="4785995" cy="1019810"/>
-          </a:xfrm>
-          <a:prstGeom prst="rect">
-            <a:avLst/>
-          </a:prstGeom>
-        </p:spPr>
-      </p:pic>
-      <p:sp>
-        <p:nvSpPr>
-          <p:cNvPr id="10" name="Text Box 9"/>
-          <p:cNvSpPr txBox="1"/>
-          <p:nvPr/>
-        </p:nvSpPr>
-        <p:spPr>
-          <a:xfrm>
-            <a:off x="1951355" y="2176780"/>
-            <a:ext cx="8432800" cy="922020"/>
-          </a:xfrm>
-          <a:prstGeom prst="rect">
-            <a:avLst/>
-          </a:prstGeom>
-          <a:noFill/>
-        </p:spPr>
-        <p:txBody>
-          <a:bodyPr wrap="square" rtlCol="0">
-            <a:spAutoFit/>
-          </a:bodyPr>
-          <a:p>
-            <a:r>
-              <a:rPr lang="zh-CN" altLang="en-US"/>
-              <a:t>结论：除非确实需要列表，建议始终在你不确定的地方加上引号，例如：</a:t>
-            </a:r>
-            <a:endParaRPr lang="zh-CN" altLang="en-US"/>
-          </a:p>
-          <a:p>
-            <a:r>
-              <a:rPr lang="en-US" altLang="zh-CN"/>
-              <a:t>set(sources “main.cpp” “mylib.cpp” “C:/Program Files/a.cpp”)</a:t>
-            </a:r>
-            <a:endParaRPr lang="en-US" altLang="zh-CN"/>
-          </a:p>
-          <a:p>
-            <a:r>
-              <a:rPr lang="en-US" altLang="zh-CN"/>
-              <a:t>message(“${sources}”)</a:t>
-            </a:r>
-            <a:endParaRPr lang="en-US" altLang="zh-CN"/>
-          </a:p>
-        </p:txBody>
-      </p:sp>
     </p:spTree>
   </p:cSld>
   <p:clrMapOvr>
@@ -7117,7 +7170,7 @@
       <p:grpSpPr/>
       <p:sp>
         <p:nvSpPr>
-          <p:cNvPr id="4" name="Title 3"/>
+          <p:cNvPr id="3" name="Title 2"/>
           <p:cNvSpPr>
             <a:spLocks noGrp="1"/>
           </p:cNvSpPr>
@@ -7130,18 +7183,119 @@
           <a:bodyPr/>
           <a:p>
             <a:r>
+              <a:rPr lang="zh-CN"/>
+              <a:t>如果</a:t>
+            </a:r>
+            <a:r>
+              <a:rPr lang="en-US" altLang="zh-CN"/>
+              <a:t> set </a:t>
+            </a:r>
+            <a:r>
               <a:rPr lang="zh-CN" altLang="en-US"/>
-              <a:t>第</a:t>
-            </a:r>
-            <a:r>
-              <a:rPr lang="en-US" altLang="zh-CN"/>
-              <a:t>4</a:t>
-            </a:r>
-            <a:r>
-              <a:rPr lang="zh-CN" altLang="en-US"/>
-              <a:t>章：链接库文件</a:t>
+              <a:t>没加引号会怎样？会变成分号分割的列表</a:t>
             </a:r>
             <a:endParaRPr lang="zh-CN" altLang="en-US"/>
+          </a:p>
+        </p:txBody>
+      </p:sp>
+      <p:pic>
+        <p:nvPicPr>
+          <p:cNvPr id="5" name="Picture 4"/>
+          <p:cNvPicPr>
+            <a:picLocks noChangeAspect="1"/>
+          </p:cNvPicPr>
+          <p:nvPr/>
+        </p:nvPicPr>
+        <p:blipFill>
+          <a:blip r:embed="rId1"/>
+          <a:stretch>
+            <a:fillRect/>
+          </a:stretch>
+        </p:blipFill>
+        <p:spPr>
+          <a:xfrm>
+            <a:off x="4831080" y="5897245"/>
+            <a:ext cx="2693670" cy="848360"/>
+          </a:xfrm>
+          <a:prstGeom prst="rect">
+            <a:avLst/>
+          </a:prstGeom>
+        </p:spPr>
+      </p:pic>
+      <p:pic>
+        <p:nvPicPr>
+          <p:cNvPr id="7" name="Content Placeholder 6"/>
+          <p:cNvPicPr>
+            <a:picLocks noChangeAspect="1"/>
+          </p:cNvPicPr>
+          <p:nvPr>
+            <p:ph idx="1"/>
+          </p:nvPr>
+        </p:nvPicPr>
+        <p:blipFill>
+          <a:blip r:embed="rId2"/>
+          <a:stretch>
+            <a:fillRect/>
+          </a:stretch>
+        </p:blipFill>
+        <p:spPr>
+          <a:xfrm>
+            <a:off x="3355340" y="3452495"/>
+            <a:ext cx="5100320" cy="1097915"/>
+          </a:xfrm>
+          <a:prstGeom prst="rect">
+            <a:avLst/>
+          </a:prstGeom>
+        </p:spPr>
+      </p:pic>
+      <p:sp>
+        <p:nvSpPr>
+          <p:cNvPr id="8" name="Text Box 7"/>
+          <p:cNvSpPr txBox="1"/>
+          <p:nvPr/>
+        </p:nvSpPr>
+        <p:spPr>
+          <a:xfrm>
+            <a:off x="4172585" y="1991995"/>
+            <a:ext cx="4010660" cy="922020"/>
+          </a:xfrm>
+          <a:prstGeom prst="rect">
+            <a:avLst/>
+          </a:prstGeom>
+          <a:noFill/>
+        </p:spPr>
+        <p:txBody>
+          <a:bodyPr wrap="square" rtlCol="0" anchor="t">
+            <a:spAutoFit/>
+          </a:bodyPr>
+          <a:p>
+            <a:r>
+              <a:rPr lang="en-US" altLang="zh-CN">
+                <a:sym typeface="+mn-ea"/>
+              </a:rPr>
+              <a:t>set(myvar hello world)</a:t>
+            </a:r>
+            <a:endParaRPr lang="zh-CN" altLang="en-US">
+              <a:sym typeface="+mn-ea"/>
+            </a:endParaRPr>
+          </a:p>
+          <a:p>
+            <a:r>
+              <a:rPr lang="zh-CN" altLang="en-US">
+                <a:sym typeface="+mn-ea"/>
+              </a:rPr>
+              <a:t>其实等价于：</a:t>
+            </a:r>
+            <a:endParaRPr lang="zh-CN" altLang="en-US"/>
+          </a:p>
+          <a:p>
+            <a:r>
+              <a:rPr lang="en-US" altLang="zh-CN">
+                <a:sym typeface="+mn-ea"/>
+              </a:rPr>
+              <a:t>set(myvar “hello;world”)</a:t>
+            </a:r>
+            <a:endParaRPr lang="en-US"/>
           </a:p>
         </p:txBody>
       </p:sp>
@@ -7165,6 +7319,195 @@
       <p:grpSpPr/>
       <p:sp>
         <p:nvSpPr>
+          <p:cNvPr id="3" name="Title 2"/>
+          <p:cNvSpPr>
+            <a:spLocks noGrp="1"/>
+          </p:cNvSpPr>
+          <p:nvPr>
+            <p:ph type="title"/>
+          </p:nvPr>
+        </p:nvSpPr>
+        <p:spPr/>
+        <p:txBody>
+          <a:bodyPr/>
+          <a:p>
+            <a:r>
+              <a:rPr lang="zh-CN"/>
+              <a:t>如果</a:t>
+            </a:r>
+            <a:r>
+              <a:rPr lang="en-US" altLang="zh-CN"/>
+              <a:t> message </a:t>
+            </a:r>
+            <a:r>
+              <a:rPr lang="zh-CN" altLang="en-US"/>
+              <a:t>没加引号会怎样？会把列表里的字符串当成他的关键字</a:t>
+            </a:r>
+            <a:endParaRPr lang="zh-CN" altLang="en-US"/>
+          </a:p>
+        </p:txBody>
+      </p:sp>
+      <p:pic>
+        <p:nvPicPr>
+          <p:cNvPr id="6" name="Picture 5"/>
+          <p:cNvPicPr>
+            <a:picLocks noChangeAspect="1"/>
+          </p:cNvPicPr>
+          <p:nvPr/>
+        </p:nvPicPr>
+        <p:blipFill>
+          <a:blip r:embed="rId1"/>
+          <a:stretch>
+            <a:fillRect/>
+          </a:stretch>
+        </p:blipFill>
+        <p:spPr>
+          <a:xfrm>
+            <a:off x="3643630" y="5408930"/>
+            <a:ext cx="4524375" cy="1190625"/>
+          </a:xfrm>
+          <a:prstGeom prst="rect">
+            <a:avLst/>
+          </a:prstGeom>
+        </p:spPr>
+      </p:pic>
+      <p:pic>
+        <p:nvPicPr>
+          <p:cNvPr id="9" name="Content Placeholder 8"/>
+          <p:cNvPicPr>
+            <a:picLocks noChangeAspect="1"/>
+          </p:cNvPicPr>
+          <p:nvPr>
+            <p:ph idx="1"/>
+          </p:nvPr>
+        </p:nvPicPr>
+        <p:blipFill>
+          <a:blip r:embed="rId2"/>
+          <a:stretch>
+            <a:fillRect/>
+          </a:stretch>
+        </p:blipFill>
+        <p:spPr>
+          <a:xfrm>
+            <a:off x="3512185" y="3491230"/>
+            <a:ext cx="4785995" cy="1019810"/>
+          </a:xfrm>
+          <a:prstGeom prst="rect">
+            <a:avLst/>
+          </a:prstGeom>
+        </p:spPr>
+      </p:pic>
+      <p:sp>
+        <p:nvSpPr>
+          <p:cNvPr id="10" name="Text Box 9"/>
+          <p:cNvSpPr txBox="1"/>
+          <p:nvPr/>
+        </p:nvSpPr>
+        <p:spPr>
+          <a:xfrm>
+            <a:off x="1951355" y="2176780"/>
+            <a:ext cx="8432800" cy="922020"/>
+          </a:xfrm>
+          <a:prstGeom prst="rect">
+            <a:avLst/>
+          </a:prstGeom>
+          <a:noFill/>
+        </p:spPr>
+        <p:txBody>
+          <a:bodyPr wrap="square" rtlCol="0">
+            <a:spAutoFit/>
+          </a:bodyPr>
+          <a:p>
+            <a:r>
+              <a:rPr lang="zh-CN" altLang="en-US"/>
+              <a:t>结论：除非确实需要列表，建议始终在你不确定的地方加上引号，例如：</a:t>
+            </a:r>
+            <a:endParaRPr lang="zh-CN" altLang="en-US"/>
+          </a:p>
+          <a:p>
+            <a:r>
+              <a:rPr lang="en-US" altLang="zh-CN"/>
+              <a:t>set(sources “main.cpp” “mylib.cpp” “C:/Program Files/a.cpp”)</a:t>
+            </a:r>
+            <a:endParaRPr lang="en-US" altLang="zh-CN"/>
+          </a:p>
+          <a:p>
+            <a:r>
+              <a:rPr lang="en-US" altLang="zh-CN"/>
+              <a:t>message(“${sources}”)</a:t>
+            </a:r>
+            <a:endParaRPr lang="en-US" altLang="zh-CN"/>
+          </a:p>
+        </p:txBody>
+      </p:sp>
+    </p:spTree>
+  </p:cSld>
+  <p:clrMapOvr>
+    <a:masterClrMapping/>
+  </p:clrMapOvr>
+</p:sld>
+</file>
+
+<file path=ppt/slides/slide42.xml><?xml version="1.0" encoding="utf-8"?>
+<p:sld xmlns:a="http://schemas.openxmlformats.org/drawingml/2006/main" xmlns:r="http://schemas.openxmlformats.org/officeDocument/2006/relationships" xmlns:p="http://schemas.openxmlformats.org/presentationml/2006/main">
+  <p:cSld>
+    <p:spTree>
+      <p:nvGrpSpPr>
+        <p:cNvPr id="1" name=""/>
+        <p:cNvGrpSpPr/>
+        <p:nvPr/>
+      </p:nvGrpSpPr>
+      <p:grpSpPr/>
+      <p:sp>
+        <p:nvSpPr>
+          <p:cNvPr id="4" name="Title 3"/>
+          <p:cNvSpPr>
+            <a:spLocks noGrp="1"/>
+          </p:cNvSpPr>
+          <p:nvPr>
+            <p:ph type="title"/>
+          </p:nvPr>
+        </p:nvSpPr>
+        <p:spPr/>
+        <p:txBody>
+          <a:bodyPr/>
+          <a:p>
+            <a:r>
+              <a:rPr lang="zh-CN" altLang="en-US"/>
+              <a:t>第</a:t>
+            </a:r>
+            <a:r>
+              <a:rPr lang="en-US" altLang="zh-CN"/>
+              <a:t>4</a:t>
+            </a:r>
+            <a:r>
+              <a:rPr lang="zh-CN" altLang="en-US"/>
+              <a:t>章：链接库文件</a:t>
+            </a:r>
+            <a:endParaRPr lang="zh-CN" altLang="en-US"/>
+          </a:p>
+        </p:txBody>
+      </p:sp>
+    </p:spTree>
+  </p:cSld>
+  <p:clrMapOvr>
+    <a:masterClrMapping/>
+  </p:clrMapOvr>
+</p:sld>
+</file>
+
+<file path=ppt/slides/slide43.xml><?xml version="1.0" encoding="utf-8"?>
+<p:sld xmlns:a="http://schemas.openxmlformats.org/drawingml/2006/main" xmlns:r="http://schemas.openxmlformats.org/officeDocument/2006/relationships" xmlns:p="http://schemas.openxmlformats.org/presentationml/2006/main">
+  <p:cSld>
+    <p:spTree>
+      <p:nvGrpSpPr>
+        <p:cNvPr id="1" name=""/>
+        <p:cNvGrpSpPr/>
+        <p:nvPr/>
+      </p:nvGrpSpPr>
+      <p:grpSpPr/>
+      <p:sp>
+        <p:nvSpPr>
           <p:cNvPr id="4" name="Title 3"/>
           <p:cNvSpPr>
             <a:spLocks noGrp="1"/>
@@ -7287,7 +7630,7 @@
 </p:sld>
 </file>
 
-<file path=ppt/slides/slide42.xml><?xml version="1.0" encoding="utf-8"?>
+<file path=ppt/slides/slide44.xml><?xml version="1.0" encoding="utf-8"?>
 <p:sld xmlns:a="http://schemas.openxmlformats.org/drawingml/2006/main" xmlns:r="http://schemas.openxmlformats.org/officeDocument/2006/relationships" xmlns:p="http://schemas.openxmlformats.org/presentationml/2006/main">
   <p:cSld>
     <p:spTree>
@@ -7427,7 +7770,7 @@
 </p:sld>
 </file>
 
-<file path=ppt/slides/slide43.xml><?xml version="1.0" encoding="utf-8"?>
+<file path=ppt/slides/slide45.xml><?xml version="1.0" encoding="utf-8"?>
 <p:sld xmlns:a="http://schemas.openxmlformats.org/drawingml/2006/main" xmlns:r="http://schemas.openxmlformats.org/officeDocument/2006/relationships" xmlns:p="http://schemas.openxmlformats.org/presentationml/2006/main">
   <p:cSld>
     <p:spTree>
@@ -7555,7 +7898,7 @@
 </p:sld>
 </file>
 
-<file path=ppt/slides/slide44.xml><?xml version="1.0" encoding="utf-8"?>
+<file path=ppt/slides/slide46.xml><?xml version="1.0" encoding="utf-8"?>
 <p:sld xmlns:a="http://schemas.openxmlformats.org/drawingml/2006/main" xmlns:r="http://schemas.openxmlformats.org/officeDocument/2006/relationships" xmlns:p="http://schemas.openxmlformats.org/presentationml/2006/main">
   <p:cSld>
     <p:spTree>
@@ -7767,7 +8110,7 @@
 </p:sld>
 </file>
 
-<file path=ppt/slides/slide45.xml><?xml version="1.0" encoding="utf-8"?>
+<file path=ppt/slides/slide47.xml><?xml version="1.0" encoding="utf-8"?>
 <p:sld xmlns:a="http://schemas.openxmlformats.org/drawingml/2006/main" xmlns:r="http://schemas.openxmlformats.org/officeDocument/2006/relationships" xmlns:p="http://schemas.openxmlformats.org/presentationml/2006/main">
   <p:cSld>
     <p:spTree>
@@ -8021,7 +8364,7 @@
 </p:sld>
 </file>
 
-<file path=ppt/slides/slide46.xml><?xml version="1.0" encoding="utf-8"?>
+<file path=ppt/slides/slide48.xml><?xml version="1.0" encoding="utf-8"?>
 <p:sld xmlns:a="http://schemas.openxmlformats.org/drawingml/2006/main" xmlns:r="http://schemas.openxmlformats.org/officeDocument/2006/relationships" xmlns:p="http://schemas.openxmlformats.org/presentationml/2006/main">
   <p:cSld>
     <p:spTree>
@@ -8197,7 +8540,7 @@
 </p:sld>
 </file>
 
-<file path=ppt/slides/slide47.xml><?xml version="1.0" encoding="utf-8"?>
+<file path=ppt/slides/slide49.xml><?xml version="1.0" encoding="utf-8"?>
 <p:sld xmlns:a="http://schemas.openxmlformats.org/drawingml/2006/main" xmlns:r="http://schemas.openxmlformats.org/officeDocument/2006/relationships" xmlns:p="http://schemas.openxmlformats.org/presentationml/2006/main">
   <p:cSld>
     <p:spTree>
@@ -8375,7 +8718,77 @@
 </p:sld>
 </file>
 
-<file path=ppt/slides/slide48.xml><?xml version="1.0" encoding="utf-8"?>
+<file path=ppt/slides/slide5.xml><?xml version="1.0" encoding="utf-8"?>
+<p:sld xmlns:a="http://schemas.openxmlformats.org/drawingml/2006/main" xmlns:r="http://schemas.openxmlformats.org/officeDocument/2006/relationships" xmlns:p="http://schemas.openxmlformats.org/presentationml/2006/main">
+  <p:cSld>
+    <p:spTree>
+      <p:nvGrpSpPr>
+        <p:cNvPr id="1" name=""/>
+        <p:cNvGrpSpPr/>
+        <p:nvPr/>
+      </p:nvGrpSpPr>
+      <p:grpSpPr/>
+      <p:sp>
+        <p:nvSpPr>
+          <p:cNvPr id="2" name="Title 1"/>
+          <p:cNvSpPr>
+            <a:spLocks noGrp="1"/>
+          </p:cNvSpPr>
+          <p:nvPr>
+            <p:ph type="title"/>
+          </p:nvPr>
+        </p:nvSpPr>
+        <p:spPr/>
+        <p:txBody>
+          <a:bodyPr/>
+          <a:p>
+            <a:r>
+              <a:rPr lang="zh-CN"/>
+              <a:t>另一种方式：</a:t>
+            </a:r>
+            <a:r>
+              <a:rPr lang="zh-CN" altLang="en-US"/>
+              <a:t>先创建目标，稍后再添加源文件</a:t>
+            </a:r>
+            <a:endParaRPr lang="zh-CN" altLang="en-US"/>
+          </a:p>
+        </p:txBody>
+      </p:sp>
+      <p:pic>
+        <p:nvPicPr>
+          <p:cNvPr id="4" name="Content Placeholder 3"/>
+          <p:cNvPicPr>
+            <a:picLocks noChangeAspect="1"/>
+          </p:cNvPicPr>
+          <p:nvPr>
+            <p:ph idx="1"/>
+          </p:nvPr>
+        </p:nvPicPr>
+        <p:blipFill>
+          <a:blip r:embed="rId1"/>
+          <a:stretch>
+            <a:fillRect/>
+          </a:stretch>
+        </p:blipFill>
+        <p:spPr>
+          <a:xfrm>
+            <a:off x="3081655" y="3542030"/>
+            <a:ext cx="5647055" cy="918210"/>
+          </a:xfrm>
+          <a:prstGeom prst="rect">
+            <a:avLst/>
+          </a:prstGeom>
+        </p:spPr>
+      </p:pic>
+    </p:spTree>
+  </p:cSld>
+  <p:clrMapOvr>
+    <a:masterClrMapping/>
+  </p:clrMapOvr>
+</p:sld>
+</file>
+
+<file path=ppt/slides/slide50.xml><?xml version="1.0" encoding="utf-8"?>
 <p:sld xmlns:a="http://schemas.openxmlformats.org/drawingml/2006/main" xmlns:r="http://schemas.openxmlformats.org/officeDocument/2006/relationships" xmlns:p="http://schemas.openxmlformats.org/presentationml/2006/main">
   <p:cSld>
     <p:spTree>
@@ -8543,600 +8956,6 @@
 </p:sld>
 </file>
 
-<file path=ppt/slides/slide49.xml><?xml version="1.0" encoding="utf-8"?>
-<p:sld xmlns:a="http://schemas.openxmlformats.org/drawingml/2006/main" xmlns:r="http://schemas.openxmlformats.org/officeDocument/2006/relationships" xmlns:p="http://schemas.openxmlformats.org/presentationml/2006/main">
-  <p:cSld>
-    <p:spTree>
-      <p:nvGrpSpPr>
-        <p:cNvPr id="1" name=""/>
-        <p:cNvGrpSpPr/>
-        <p:nvPr/>
-      </p:nvGrpSpPr>
-      <p:grpSpPr/>
-      <p:sp>
-        <p:nvSpPr>
-          <p:cNvPr id="2" name="Title 1"/>
-          <p:cNvSpPr>
-            <a:spLocks noGrp="1"/>
-          </p:cNvSpPr>
-          <p:nvPr>
-            <p:ph type="title"/>
-          </p:nvPr>
-        </p:nvSpPr>
-        <p:spPr/>
-        <p:txBody>
-          <a:bodyPr/>
-          <a:p>
-            <a:r>
-              <a:rPr lang="en-US"/>
-              <a:t>add_library </a:t>
-            </a:r>
-            <a:r>
-              <a:rPr lang="zh-CN" altLang="en-US"/>
-              <a:t>无参数时，是静态库还是动态库</a:t>
-            </a:r>
-            <a:r>
-              <a:rPr lang="en-US" altLang="zh-CN"/>
-              <a:t>?</a:t>
-            </a:r>
-            <a:endParaRPr lang="en-US" altLang="zh-CN"/>
-          </a:p>
-        </p:txBody>
-      </p:sp>
-      <p:pic>
-        <p:nvPicPr>
-          <p:cNvPr id="4" name="Content Placeholder 3"/>
-          <p:cNvPicPr>
-            <a:picLocks noChangeAspect="1"/>
-          </p:cNvPicPr>
-          <p:nvPr>
-            <p:ph idx="1"/>
-          </p:nvPr>
-        </p:nvPicPr>
-        <p:blipFill>
-          <a:blip r:embed="rId1"/>
-          <a:stretch>
-            <a:fillRect/>
-          </a:stretch>
-        </p:blipFill>
-        <p:spPr>
-          <a:xfrm>
-            <a:off x="4204970" y="3500755"/>
-            <a:ext cx="3400425" cy="1000125"/>
-          </a:xfrm>
-          <a:prstGeom prst="rect">
-            <a:avLst/>
-          </a:prstGeom>
-        </p:spPr>
-      </p:pic>
-      <p:sp>
-        <p:nvSpPr>
-          <p:cNvPr id="5" name="Text Box 4"/>
-          <p:cNvSpPr txBox="1"/>
-          <p:nvPr/>
-        </p:nvSpPr>
-        <p:spPr>
-          <a:xfrm>
-            <a:off x="2140585" y="1584325"/>
-            <a:ext cx="7910830" cy="1753235"/>
-          </a:xfrm>
-          <a:prstGeom prst="rect">
-            <a:avLst/>
-          </a:prstGeom>
-          <a:noFill/>
-        </p:spPr>
-        <p:txBody>
-          <a:bodyPr wrap="square" rtlCol="0" anchor="t">
-            <a:spAutoFit/>
-          </a:bodyPr>
-          <a:p>
-            <a:pPr algn="l"/>
-            <a:r>
-              <a:rPr lang="zh-CN" altLang="en-US">
-                <a:sym typeface="+mn-ea"/>
-              </a:rPr>
-              <a:t>会根据</a:t>
-            </a:r>
-            <a:r>
-              <a:rPr lang="en-US" altLang="zh-CN">
-                <a:sym typeface="+mn-ea"/>
-              </a:rPr>
-              <a:t> BUILD_SHARED_LIBS </a:t>
-            </a:r>
-            <a:r>
-              <a:rPr lang="zh-CN" altLang="en-US">
-                <a:sym typeface="+mn-ea"/>
-              </a:rPr>
-              <a:t>这个变量的值决定是动态库还是静态库。</a:t>
-            </a:r>
-            <a:endParaRPr lang="zh-CN" altLang="en-US">
-              <a:sym typeface="+mn-ea"/>
-            </a:endParaRPr>
-          </a:p>
-          <a:p>
-            <a:pPr algn="l"/>
-            <a:r>
-              <a:rPr lang="en-US">
-                <a:sym typeface="+mn-ea"/>
-              </a:rPr>
-              <a:t>ON </a:t>
-            </a:r>
-            <a:r>
-              <a:rPr lang="zh-CN" altLang="en-US">
-                <a:sym typeface="+mn-ea"/>
-              </a:rPr>
-              <a:t>则相当于</a:t>
-            </a:r>
-            <a:r>
-              <a:rPr lang="en-US" altLang="zh-CN">
-                <a:sym typeface="+mn-ea"/>
-              </a:rPr>
-              <a:t> SHARED</a:t>
-            </a:r>
-            <a:r>
-              <a:rPr lang="zh-CN" altLang="en-US">
-                <a:sym typeface="+mn-ea"/>
-              </a:rPr>
-              <a:t>，</a:t>
-            </a:r>
-            <a:r>
-              <a:rPr lang="en-US" altLang="zh-CN">
-                <a:sym typeface="+mn-ea"/>
-              </a:rPr>
-              <a:t>OFF </a:t>
-            </a:r>
-            <a:r>
-              <a:rPr lang="zh-CN" altLang="en-US">
-                <a:sym typeface="+mn-ea"/>
-              </a:rPr>
-              <a:t>则相当于</a:t>
-            </a:r>
-            <a:r>
-              <a:rPr lang="en-US" altLang="zh-CN">
-                <a:sym typeface="+mn-ea"/>
-              </a:rPr>
-              <a:t> STATIC</a:t>
-            </a:r>
-            <a:r>
-              <a:rPr lang="zh-CN" altLang="en-US">
-                <a:sym typeface="+mn-ea"/>
-              </a:rPr>
-              <a:t>。</a:t>
-            </a:r>
-            <a:endParaRPr lang="zh-CN" altLang="en-US">
-              <a:sym typeface="+mn-ea"/>
-            </a:endParaRPr>
-          </a:p>
-          <a:p>
-            <a:pPr algn="l"/>
-            <a:r>
-              <a:rPr lang="zh-CN" altLang="en-US">
-                <a:sym typeface="+mn-ea"/>
-              </a:rPr>
-              <a:t>如果未指定</a:t>
-            </a:r>
-            <a:r>
-              <a:rPr lang="en-US" altLang="zh-CN">
-                <a:sym typeface="+mn-ea"/>
-              </a:rPr>
-              <a:t> </a:t>
-            </a:r>
-            <a:r>
-              <a:rPr lang="en-US" altLang="zh-CN">
-                <a:sym typeface="+mn-ea"/>
-              </a:rPr>
-              <a:t>BUILD_SHARED_LIBS </a:t>
-            </a:r>
-            <a:r>
-              <a:rPr lang="zh-CN" altLang="en-US">
-                <a:sym typeface="+mn-ea"/>
-              </a:rPr>
-              <a:t>变量</a:t>
-            </a:r>
-            <a:r>
-              <a:rPr lang="zh-CN" altLang="en-US">
-                <a:sym typeface="+mn-ea"/>
-              </a:rPr>
-              <a:t>，则默认为</a:t>
-            </a:r>
-            <a:r>
-              <a:rPr lang="en-US" altLang="zh-CN">
-                <a:sym typeface="+mn-ea"/>
-              </a:rPr>
-              <a:t> STATIC</a:t>
-            </a:r>
-            <a:r>
-              <a:rPr lang="zh-CN" altLang="en-US">
-                <a:sym typeface="+mn-ea"/>
-              </a:rPr>
-              <a:t>。</a:t>
-            </a:r>
-            <a:endParaRPr lang="zh-CN" altLang="en-US"/>
-          </a:p>
-          <a:p>
-            <a:pPr algn="l"/>
-            <a:r>
-              <a:rPr lang="zh-CN" altLang="en-US">
-                <a:sym typeface="+mn-ea"/>
-              </a:rPr>
-              <a:t>因此，如果发现一个项目里的</a:t>
-            </a:r>
-            <a:r>
-              <a:rPr lang="en-US" altLang="zh-CN">
-                <a:sym typeface="+mn-ea"/>
-              </a:rPr>
-              <a:t> add_library </a:t>
-            </a:r>
-            <a:r>
-              <a:rPr lang="zh-CN" altLang="en-US">
-                <a:sym typeface="+mn-ea"/>
-              </a:rPr>
-              <a:t>都是无参数的，意味着你可以用：</a:t>
-            </a:r>
-            <a:endParaRPr lang="zh-CN" altLang="en-US"/>
-          </a:p>
-          <a:p>
-            <a:pPr algn="l"/>
-            <a:r>
-              <a:rPr lang="en-US" altLang="zh-CN">
-                <a:sym typeface="+mn-ea"/>
-              </a:rPr>
-              <a:t>cmake -B build -DBUILD_SHARED_LIBS:BOOL=ON</a:t>
-            </a:r>
-            <a:endParaRPr lang="en-US" altLang="zh-CN"/>
-          </a:p>
-          <a:p>
-            <a:pPr algn="l"/>
-            <a:r>
-              <a:rPr lang="zh-CN" altLang="en-US">
-                <a:sym typeface="+mn-ea"/>
-              </a:rPr>
-              <a:t>来让他全部生成为动态库。稍后会详解命令行传递变量的规则。</a:t>
-            </a:r>
-            <a:endParaRPr lang="zh-CN" altLang="en-US"/>
-          </a:p>
-        </p:txBody>
-      </p:sp>
-      <p:pic>
-        <p:nvPicPr>
-          <p:cNvPr id="6" name="Picture 5"/>
-          <p:cNvPicPr>
-            <a:picLocks noChangeAspect="1"/>
-          </p:cNvPicPr>
-          <p:nvPr/>
-        </p:nvPicPr>
-        <p:blipFill>
-          <a:blip r:embed="rId2"/>
-          <a:stretch>
-            <a:fillRect/>
-          </a:stretch>
-        </p:blipFill>
-        <p:spPr>
-          <a:xfrm>
-            <a:off x="5186680" y="6035040"/>
-            <a:ext cx="1819275" cy="428625"/>
-          </a:xfrm>
-          <a:prstGeom prst="rect">
-            <a:avLst/>
-          </a:prstGeom>
-        </p:spPr>
-      </p:pic>
-    </p:spTree>
-  </p:cSld>
-  <p:clrMapOvr>
-    <a:masterClrMapping/>
-  </p:clrMapOvr>
-</p:sld>
-</file>
-
-<file path=ppt/slides/slide5.xml><?xml version="1.0" encoding="utf-8"?>
-<p:sld xmlns:a="http://schemas.openxmlformats.org/drawingml/2006/main" xmlns:r="http://schemas.openxmlformats.org/officeDocument/2006/relationships" xmlns:p="http://schemas.openxmlformats.org/presentationml/2006/main">
-  <p:cSld>
-    <p:spTree>
-      <p:nvGrpSpPr>
-        <p:cNvPr id="1" name=""/>
-        <p:cNvGrpSpPr/>
-        <p:nvPr/>
-      </p:nvGrpSpPr>
-      <p:grpSpPr/>
-      <p:sp>
-        <p:nvSpPr>
-          <p:cNvPr id="2" name="Title 1"/>
-          <p:cNvSpPr>
-            <a:spLocks noGrp="1"/>
-          </p:cNvSpPr>
-          <p:nvPr>
-            <p:ph type="title"/>
-          </p:nvPr>
-        </p:nvSpPr>
-        <p:spPr/>
-        <p:txBody>
-          <a:bodyPr/>
-          <a:p>
-            <a:r>
-              <a:rPr lang="zh-CN"/>
-              <a:t>另一种方式：</a:t>
-            </a:r>
-            <a:r>
-              <a:rPr lang="zh-CN" altLang="en-US"/>
-              <a:t>先创建目标，稍后再添加源文件</a:t>
-            </a:r>
-            <a:endParaRPr lang="zh-CN" altLang="en-US"/>
-          </a:p>
-        </p:txBody>
-      </p:sp>
-      <p:pic>
-        <p:nvPicPr>
-          <p:cNvPr id="4" name="Content Placeholder 3"/>
-          <p:cNvPicPr>
-            <a:picLocks noChangeAspect="1"/>
-          </p:cNvPicPr>
-          <p:nvPr>
-            <p:ph idx="1"/>
-          </p:nvPr>
-        </p:nvPicPr>
-        <p:blipFill>
-          <a:blip r:embed="rId1"/>
-          <a:stretch>
-            <a:fillRect/>
-          </a:stretch>
-        </p:blipFill>
-        <p:spPr>
-          <a:xfrm>
-            <a:off x="3081655" y="3542030"/>
-            <a:ext cx="5647055" cy="918210"/>
-          </a:xfrm>
-          <a:prstGeom prst="rect">
-            <a:avLst/>
-          </a:prstGeom>
-        </p:spPr>
-      </p:pic>
-    </p:spTree>
-  </p:cSld>
-  <p:clrMapOvr>
-    <a:masterClrMapping/>
-  </p:clrMapOvr>
-</p:sld>
-</file>
-
-<file path=ppt/slides/slide50.xml><?xml version="1.0" encoding="utf-8"?>
-<p:sld xmlns:a="http://schemas.openxmlformats.org/drawingml/2006/main" xmlns:r="http://schemas.openxmlformats.org/officeDocument/2006/relationships" xmlns:p="http://schemas.openxmlformats.org/presentationml/2006/main">
-  <p:cSld>
-    <p:spTree>
-      <p:nvGrpSpPr>
-        <p:cNvPr id="1" name=""/>
-        <p:cNvGrpSpPr/>
-        <p:nvPr/>
-      </p:nvGrpSpPr>
-      <p:grpSpPr/>
-      <p:sp>
-        <p:nvSpPr>
-          <p:cNvPr id="2" name="Title 1"/>
-          <p:cNvSpPr>
-            <a:spLocks noGrp="1"/>
-          </p:cNvSpPr>
-          <p:nvPr>
-            <p:ph type="title"/>
-          </p:nvPr>
-        </p:nvSpPr>
-        <p:spPr/>
-        <p:txBody>
-          <a:bodyPr/>
-          <a:p>
-            <a:r>
-              <a:rPr lang="zh-CN"/>
-              <a:t>小技巧：设定一个变量的默认值</a:t>
-            </a:r>
-            <a:endParaRPr lang="zh-CN"/>
-          </a:p>
-        </p:txBody>
-      </p:sp>
-      <p:sp>
-        <p:nvSpPr>
-          <p:cNvPr id="5" name="Text Box 4"/>
-          <p:cNvSpPr txBox="1"/>
-          <p:nvPr/>
-        </p:nvSpPr>
-        <p:spPr>
-          <a:xfrm>
-            <a:off x="2140585" y="1584325"/>
-            <a:ext cx="7910830" cy="1476375"/>
-          </a:xfrm>
-          <a:prstGeom prst="rect">
-            <a:avLst/>
-          </a:prstGeom>
-          <a:noFill/>
-        </p:spPr>
-        <p:txBody>
-          <a:bodyPr wrap="square" rtlCol="0" anchor="t">
-            <a:spAutoFit/>
-          </a:bodyPr>
-          <a:p>
-            <a:pPr algn="l"/>
-            <a:r>
-              <a:rPr lang="zh-CN">
-                <a:sym typeface="+mn-ea"/>
-              </a:rPr>
-              <a:t>要让</a:t>
-            </a:r>
-            <a:r>
-              <a:rPr lang="en-US" altLang="zh-CN">
-                <a:sym typeface="+mn-ea"/>
-              </a:rPr>
-              <a:t> BUILD_SHARED_LIBS </a:t>
-            </a:r>
-            <a:r>
-              <a:rPr lang="zh-CN" altLang="en-US">
-                <a:sym typeface="+mn-ea"/>
-              </a:rPr>
-              <a:t>默认为</a:t>
-            </a:r>
-            <a:r>
-              <a:rPr lang="en-US" altLang="zh-CN">
-                <a:sym typeface="+mn-ea"/>
-              </a:rPr>
-              <a:t> ON</a:t>
-            </a:r>
-            <a:r>
-              <a:rPr lang="zh-CN" altLang="en-US">
-                <a:sym typeface="+mn-ea"/>
-              </a:rPr>
-              <a:t>，可以用下图这个方法：</a:t>
-            </a:r>
-            <a:endParaRPr lang="zh-CN" altLang="en-US">
-              <a:sym typeface="+mn-ea"/>
-            </a:endParaRPr>
-          </a:p>
-          <a:p>
-            <a:pPr algn="l"/>
-            <a:r>
-              <a:rPr lang="zh-CN" altLang="en-US">
-                <a:sym typeface="+mn-ea"/>
-              </a:rPr>
-              <a:t>如果该变量没有定义，则设为</a:t>
-            </a:r>
-            <a:r>
-              <a:rPr lang="en-US" altLang="zh-CN">
-                <a:sym typeface="+mn-ea"/>
-              </a:rPr>
-              <a:t> ON</a:t>
-            </a:r>
-            <a:r>
-              <a:rPr lang="zh-CN" altLang="en-US">
-                <a:sym typeface="+mn-ea"/>
-              </a:rPr>
-              <a:t>，否则保持用户指定的值不变。</a:t>
-            </a:r>
-            <a:endParaRPr lang="zh-CN">
-              <a:sym typeface="+mn-ea"/>
-            </a:endParaRPr>
-          </a:p>
-          <a:p>
-            <a:pPr algn="l"/>
-            <a:r>
-              <a:rPr lang="zh-CN">
-                <a:sym typeface="+mn-ea"/>
-              </a:rPr>
-              <a:t>这样当用户没有指定</a:t>
-            </a:r>
-            <a:r>
-              <a:rPr lang="en-US" altLang="zh-CN">
-                <a:sym typeface="+mn-ea"/>
-              </a:rPr>
-              <a:t> BUILD_SHARED_LIBS </a:t>
-            </a:r>
-            <a:r>
-              <a:rPr lang="zh-CN" altLang="en-US">
-                <a:sym typeface="+mn-ea"/>
-              </a:rPr>
-              <a:t>这个变量</a:t>
-            </a:r>
-            <a:r>
-              <a:rPr lang="zh-CN">
-                <a:sym typeface="+mn-ea"/>
-              </a:rPr>
-              <a:t>时，会默认变成</a:t>
-            </a:r>
-            <a:r>
-              <a:rPr lang="en-US" altLang="zh-CN">
-                <a:sym typeface="+mn-ea"/>
-              </a:rPr>
-              <a:t> ON</a:t>
-            </a:r>
-            <a:r>
-              <a:rPr lang="zh-CN" altLang="en-US">
-                <a:sym typeface="+mn-ea"/>
-              </a:rPr>
-              <a:t>。</a:t>
-            </a:r>
-            <a:endParaRPr lang="zh-CN" altLang="en-US">
-              <a:sym typeface="+mn-ea"/>
-            </a:endParaRPr>
-          </a:p>
-          <a:p>
-            <a:pPr algn="l"/>
-            <a:r>
-              <a:rPr lang="zh-CN" altLang="en-US">
-                <a:sym typeface="+mn-ea"/>
-              </a:rPr>
-              <a:t>也就是说除非用户指定了</a:t>
-            </a:r>
-            <a:r>
-              <a:rPr lang="en-US" altLang="zh-CN">
-                <a:sym typeface="+mn-ea"/>
-              </a:rPr>
-              <a:t> -DBUILD_SHARED_LIBS:BOOL=OFF </a:t>
-            </a:r>
-            <a:r>
-              <a:rPr lang="zh-CN" altLang="en-US">
-                <a:sym typeface="+mn-ea"/>
-              </a:rPr>
-              <a:t>才会生成静态库，否则默认是生成动态库。</a:t>
-            </a:r>
-            <a:endParaRPr lang="zh-CN" altLang="en-US">
-              <a:sym typeface="+mn-ea"/>
-            </a:endParaRPr>
-          </a:p>
-        </p:txBody>
-      </p:sp>
-      <p:pic>
-        <p:nvPicPr>
-          <p:cNvPr id="6" name="Picture 5"/>
-          <p:cNvPicPr>
-            <a:picLocks noChangeAspect="1"/>
-          </p:cNvPicPr>
-          <p:nvPr/>
-        </p:nvPicPr>
-        <p:blipFill>
-          <a:blip r:embed="rId1"/>
-          <a:stretch>
-            <a:fillRect/>
-          </a:stretch>
-        </p:blipFill>
-        <p:spPr>
-          <a:xfrm>
-            <a:off x="5186680" y="6035040"/>
-            <a:ext cx="1819275" cy="428625"/>
-          </a:xfrm>
-          <a:prstGeom prst="rect">
-            <a:avLst/>
-          </a:prstGeom>
-        </p:spPr>
-      </p:pic>
-      <p:pic>
-        <p:nvPicPr>
-          <p:cNvPr id="7" name="Content Placeholder 6"/>
-          <p:cNvPicPr>
-            <a:picLocks noChangeAspect="1"/>
-          </p:cNvPicPr>
-          <p:nvPr>
-            <p:ph idx="1"/>
-          </p:nvPr>
-        </p:nvPicPr>
-        <p:blipFill>
-          <a:blip r:embed="rId2"/>
-          <a:stretch>
-            <a:fillRect/>
-          </a:stretch>
-        </p:blipFill>
-        <p:spPr>
-          <a:xfrm>
-            <a:off x="3498850" y="3705860"/>
-            <a:ext cx="4814570" cy="1183640"/>
-          </a:xfrm>
-          <a:prstGeom prst="rect">
-            <a:avLst/>
-          </a:prstGeom>
-        </p:spPr>
-      </p:pic>
-    </p:spTree>
-  </p:cSld>
-  <p:clrMapOvr>
-    <a:masterClrMapping/>
-  </p:clrMapOvr>
-</p:sld>
-</file>
-
 <file path=ppt/slides/slide51.xml><?xml version="1.0" encoding="utf-8"?>
 <p:sld xmlns:a="http://schemas.openxmlformats.org/drawingml/2006/main" xmlns:r="http://schemas.openxmlformats.org/officeDocument/2006/relationships" xmlns:p="http://schemas.openxmlformats.org/presentationml/2006/main">
   <p:cSld>
@@ -9149,7 +8968,7 @@
       <p:grpSpPr/>
       <p:sp>
         <p:nvSpPr>
-          <p:cNvPr id="2" name="Title 1"/>
+          <p:cNvPr id="4" name="Title 3"/>
           <p:cNvSpPr>
             <a:spLocks noGrp="1"/>
           </p:cNvSpPr>
@@ -9162,206 +8981,46 @@
           <a:bodyPr/>
           <a:p>
             <a:r>
-              <a:rPr lang="zh-CN"/>
-              <a:t>小技巧：设定一个变量的默认值</a:t>
-            </a:r>
-            <a:endParaRPr lang="zh-CN"/>
-          </a:p>
-        </p:txBody>
-      </p:sp>
-      <p:sp>
-        <p:nvSpPr>
-          <p:cNvPr id="5" name="Text Box 4"/>
-          <p:cNvSpPr txBox="1"/>
+              <a:rPr lang="zh-CN" altLang="en-US"/>
+              <a:t>对象库也有问题：会导致重复定义</a:t>
+            </a:r>
+            <a:endParaRPr lang="en-US" altLang="zh-CN"/>
+          </a:p>
+        </p:txBody>
+      </p:sp>
+      <p:cxnSp>
+        <p:nvCxnSpPr>
+          <p:cNvPr id="9" name="Straight Connector 8"/>
+          <p:cNvCxnSpPr/>
           <p:nvPr/>
-        </p:nvSpPr>
-        <p:spPr>
-          <a:xfrm>
-            <a:off x="2174875" y="1326515"/>
-            <a:ext cx="7461885" cy="2306955"/>
-          </a:xfrm>
-          <a:prstGeom prst="rect">
-            <a:avLst/>
-          </a:prstGeom>
-          <a:noFill/>
-        </p:spPr>
-        <p:txBody>
-          <a:bodyPr wrap="square" rtlCol="0" anchor="t">
-            <a:spAutoFit/>
-          </a:bodyPr>
-          <a:p>
-            <a:pPr algn="l"/>
-            <a:r>
-              <a:rPr lang="zh-CN" altLang="en-US">
-                <a:sym typeface="+mn-ea"/>
-              </a:rPr>
-              <a:t>该技巧常常用于让</a:t>
-            </a:r>
-            <a:r>
-              <a:rPr lang="en-US" altLang="zh-CN">
-                <a:sym typeface="+mn-ea"/>
-              </a:rPr>
-              <a:t> CMAKE_BUILD_TYPE </a:t>
-            </a:r>
-            <a:r>
-              <a:rPr lang="zh-CN" altLang="en-US">
-                <a:sym typeface="+mn-ea"/>
-              </a:rPr>
-              <a:t>默认为</a:t>
-            </a:r>
-            <a:r>
-              <a:rPr lang="en-US" altLang="zh-CN">
-                <a:sym typeface="+mn-ea"/>
-              </a:rPr>
-              <a:t> Release</a:t>
-            </a:r>
-            <a:r>
-              <a:rPr lang="zh-CN" altLang="en-US">
-                <a:sym typeface="+mn-ea"/>
-              </a:rPr>
-              <a:t>。</a:t>
-            </a:r>
-            <a:endParaRPr lang="zh-CN" altLang="en-US">
-              <a:sym typeface="+mn-ea"/>
-            </a:endParaRPr>
-          </a:p>
-          <a:p>
-            <a:pPr algn="l"/>
-            <a:r>
-              <a:rPr lang="zh-CN" altLang="en-US">
-                <a:sym typeface="+mn-ea"/>
-              </a:rPr>
-              <a:t>就是说</a:t>
-            </a:r>
-            <a:r>
-              <a:rPr lang="en-US" altLang="zh-CN">
-                <a:sym typeface="+mn-ea"/>
-              </a:rPr>
-              <a:t> CMake </a:t>
-            </a:r>
-            <a:r>
-              <a:rPr lang="zh-CN" altLang="en-US">
-                <a:sym typeface="+mn-ea"/>
-              </a:rPr>
-              <a:t>默认情况下</a:t>
-            </a:r>
-            <a:r>
-              <a:rPr lang="en-US" altLang="zh-CN">
-                <a:sym typeface="+mn-ea"/>
-              </a:rPr>
-              <a:t> CMAKE_BUILD_TYPE </a:t>
-            </a:r>
-            <a:r>
-              <a:rPr lang="zh-CN" altLang="en-US">
-                <a:sym typeface="+mn-ea"/>
-              </a:rPr>
-              <a:t>是一个空字符串。</a:t>
-            </a:r>
-            <a:endParaRPr lang="zh-CN" altLang="en-US">
-              <a:sym typeface="+mn-ea"/>
-            </a:endParaRPr>
-          </a:p>
-          <a:p>
-            <a:pPr algn="l"/>
-            <a:r>
-              <a:rPr lang="zh-CN" altLang="en-US">
-                <a:sym typeface="+mn-ea"/>
-              </a:rPr>
-              <a:t>因此这里通过</a:t>
-            </a:r>
-            <a:r>
-              <a:rPr lang="en-US" altLang="zh-CN">
-                <a:sym typeface="+mn-ea"/>
-              </a:rPr>
-              <a:t> if (NOT CMAKE_BUILD_TYPE) </a:t>
-            </a:r>
-            <a:r>
-              <a:rPr lang="zh-CN" altLang="en-US">
-                <a:sym typeface="+mn-ea"/>
-              </a:rPr>
-              <a:t>判断是否为空，如果空则自动设为</a:t>
-            </a:r>
-            <a:r>
-              <a:rPr lang="en-US" altLang="zh-CN">
-                <a:sym typeface="+mn-ea"/>
-              </a:rPr>
-              <a:t> Release </a:t>
-            </a:r>
-            <a:r>
-              <a:rPr lang="zh-CN" altLang="en-US">
-                <a:sym typeface="+mn-ea"/>
-              </a:rPr>
-              <a:t>模式。</a:t>
-            </a:r>
-            <a:endParaRPr lang="zh-CN" altLang="en-US">
-              <a:sym typeface="+mn-ea"/>
-            </a:endParaRPr>
-          </a:p>
-          <a:p>
-            <a:pPr algn="l"/>
-            <a:r>
-              <a:rPr lang="zh-CN" altLang="en-US">
-                <a:sym typeface="+mn-ea"/>
-              </a:rPr>
-              <a:t>大多数</a:t>
-            </a:r>
-            <a:r>
-              <a:rPr lang="en-US" altLang="zh-CN">
-                <a:sym typeface="+mn-ea"/>
-              </a:rPr>
-              <a:t> CMakeLists.txt </a:t>
-            </a:r>
-            <a:r>
-              <a:rPr lang="zh-CN" altLang="en-US">
-                <a:sym typeface="+mn-ea"/>
-              </a:rPr>
-              <a:t>的开头都会有这样三行，为的是让默认的构建类型为发布模式（高度优化）而不是默认的调试模式（不会优化）。</a:t>
-            </a:r>
-            <a:endParaRPr lang="zh-CN" altLang="en-US">
-              <a:sym typeface="+mn-ea"/>
-            </a:endParaRPr>
-          </a:p>
-          <a:p>
-            <a:pPr algn="l"/>
-            <a:r>
-              <a:rPr lang="zh-CN" altLang="en-US">
-                <a:sym typeface="+mn-ea"/>
-              </a:rPr>
-              <a:t>我们稍后会详细捋一遍类似于</a:t>
-            </a:r>
-            <a:r>
-              <a:rPr lang="en-US" altLang="zh-CN">
-                <a:sym typeface="+mn-ea"/>
-              </a:rPr>
-              <a:t> CMAKE_BUILD_TYPE </a:t>
-            </a:r>
-            <a:r>
-              <a:rPr lang="zh-CN" altLang="en-US">
-                <a:sym typeface="+mn-ea"/>
-              </a:rPr>
-              <a:t>这样的东西。绝大多数</a:t>
-            </a:r>
-            <a:r>
-              <a:rPr lang="en-US" altLang="zh-CN">
-                <a:sym typeface="+mn-ea"/>
-              </a:rPr>
-              <a:t> CMakeLists.txt </a:t>
-            </a:r>
-            <a:r>
-              <a:rPr lang="zh-CN" altLang="en-US">
-                <a:sym typeface="+mn-ea"/>
-              </a:rPr>
-              <a:t>开头都会有的部分，可以说是“标准模板”了。</a:t>
-            </a:r>
-            <a:endParaRPr lang="zh-CN" altLang="en-US">
-              <a:sym typeface="+mn-ea"/>
-            </a:endParaRPr>
-          </a:p>
-        </p:txBody>
-      </p:sp>
+        </p:nvCxnSpPr>
+        <p:spPr>
+          <a:xfrm>
+            <a:off x="8082915" y="6417945"/>
+            <a:ext cx="633730" cy="0"/>
+          </a:xfrm>
+          <a:prstGeom prst="line">
+            <a:avLst/>
+          </a:prstGeom>
+        </p:spPr>
+        <p:style>
+          <a:lnRef idx="1">
+            <a:schemeClr val="accent1"/>
+          </a:lnRef>
+          <a:fillRef idx="0">
+            <a:schemeClr val="accent1"/>
+          </a:fillRef>
+          <a:effectRef idx="0">
+            <a:schemeClr val="accent1"/>
+          </a:effectRef>
+          <a:fontRef idx="minor">
+            <a:schemeClr val="tx1"/>
+          </a:fontRef>
+        </p:style>
+      </p:cxnSp>
       <p:pic>
         <p:nvPicPr>
-          <p:cNvPr id="4" name="Content Placeholder 3"/>
+          <p:cNvPr id="8" name="Content Placeholder 7"/>
           <p:cNvPicPr>
             <a:picLocks noChangeAspect="1"/>
           </p:cNvPicPr>
@@ -9377,8 +9036,8 @@
         </p:blipFill>
         <p:spPr>
           <a:xfrm>
-            <a:off x="3472815" y="3827145"/>
-            <a:ext cx="4866005" cy="1225550"/>
+            <a:off x="3229610" y="1962785"/>
+            <a:ext cx="5351780" cy="1685290"/>
           </a:xfrm>
           <a:prstGeom prst="rect">
             <a:avLst/>
@@ -9418,31 +9077,259 @@
           <a:bodyPr/>
           <a:p>
             <a:r>
+              <a:rPr lang="en-US"/>
+              <a:t>add_library </a:t>
+            </a:r>
+            <a:r>
               <a:rPr lang="zh-CN" altLang="en-US"/>
-              <a:t>常见坑点：动态库无法链接静态库</a:t>
+              <a:t>无参数时，是静态库还是动态库</a:t>
+            </a:r>
+            <a:r>
+              <a:rPr lang="en-US" altLang="zh-CN"/>
+              <a:t>?</a:t>
+            </a:r>
+            <a:endParaRPr lang="en-US" altLang="zh-CN"/>
+          </a:p>
+        </p:txBody>
+      </p:sp>
+      <p:pic>
+        <p:nvPicPr>
+          <p:cNvPr id="4" name="Content Placeholder 3"/>
+          <p:cNvPicPr>
+            <a:picLocks noChangeAspect="1"/>
+          </p:cNvPicPr>
+          <p:nvPr>
+            <p:ph idx="1"/>
+          </p:nvPr>
+        </p:nvPicPr>
+        <p:blipFill>
+          <a:blip r:embed="rId1"/>
+          <a:stretch>
+            <a:fillRect/>
+          </a:stretch>
+        </p:blipFill>
+        <p:spPr>
+          <a:xfrm>
+            <a:off x="4204970" y="3500755"/>
+            <a:ext cx="3400425" cy="1000125"/>
+          </a:xfrm>
+          <a:prstGeom prst="rect">
+            <a:avLst/>
+          </a:prstGeom>
+        </p:spPr>
+      </p:pic>
+      <p:sp>
+        <p:nvSpPr>
+          <p:cNvPr id="5" name="Text Box 4"/>
+          <p:cNvSpPr txBox="1"/>
+          <p:nvPr/>
+        </p:nvSpPr>
+        <p:spPr>
+          <a:xfrm>
+            <a:off x="2140585" y="1584325"/>
+            <a:ext cx="7910830" cy="1753235"/>
+          </a:xfrm>
+          <a:prstGeom prst="rect">
+            <a:avLst/>
+          </a:prstGeom>
+          <a:noFill/>
+        </p:spPr>
+        <p:txBody>
+          <a:bodyPr wrap="square" rtlCol="0" anchor="t">
+            <a:spAutoFit/>
+          </a:bodyPr>
+          <a:p>
+            <a:pPr algn="l"/>
+            <a:r>
+              <a:rPr lang="zh-CN" altLang="en-US">
+                <a:sym typeface="+mn-ea"/>
+              </a:rPr>
+              <a:t>会根据</a:t>
+            </a:r>
+            <a:r>
+              <a:rPr lang="en-US" altLang="zh-CN">
+                <a:sym typeface="+mn-ea"/>
+              </a:rPr>
+              <a:t> BUILD_SHARED_LIBS </a:t>
+            </a:r>
+            <a:r>
+              <a:rPr lang="zh-CN" altLang="en-US">
+                <a:sym typeface="+mn-ea"/>
+              </a:rPr>
+              <a:t>这个变量的值决定是动态库还是静态库。</a:t>
+            </a:r>
+            <a:endParaRPr lang="zh-CN" altLang="en-US">
+              <a:sym typeface="+mn-ea"/>
+            </a:endParaRPr>
+          </a:p>
+          <a:p>
+            <a:pPr algn="l"/>
+            <a:r>
+              <a:rPr lang="en-US">
+                <a:sym typeface="+mn-ea"/>
+              </a:rPr>
+              <a:t>ON </a:t>
+            </a:r>
+            <a:r>
+              <a:rPr lang="zh-CN" altLang="en-US">
+                <a:sym typeface="+mn-ea"/>
+              </a:rPr>
+              <a:t>则相当于</a:t>
+            </a:r>
+            <a:r>
+              <a:rPr lang="en-US" altLang="zh-CN">
+                <a:sym typeface="+mn-ea"/>
+              </a:rPr>
+              <a:t> SHARED</a:t>
+            </a:r>
+            <a:r>
+              <a:rPr lang="zh-CN" altLang="en-US">
+                <a:sym typeface="+mn-ea"/>
+              </a:rPr>
+              <a:t>，</a:t>
+            </a:r>
+            <a:r>
+              <a:rPr lang="en-US" altLang="zh-CN">
+                <a:sym typeface="+mn-ea"/>
+              </a:rPr>
+              <a:t>OFF </a:t>
+            </a:r>
+            <a:r>
+              <a:rPr lang="zh-CN" altLang="en-US">
+                <a:sym typeface="+mn-ea"/>
+              </a:rPr>
+              <a:t>则相当于</a:t>
+            </a:r>
+            <a:r>
+              <a:rPr lang="en-US" altLang="zh-CN">
+                <a:sym typeface="+mn-ea"/>
+              </a:rPr>
+              <a:t> STATIC</a:t>
+            </a:r>
+            <a:r>
+              <a:rPr lang="zh-CN" altLang="en-US">
+                <a:sym typeface="+mn-ea"/>
+              </a:rPr>
+              <a:t>。</a:t>
+            </a:r>
+            <a:endParaRPr lang="zh-CN" altLang="en-US">
+              <a:sym typeface="+mn-ea"/>
+            </a:endParaRPr>
+          </a:p>
+          <a:p>
+            <a:pPr algn="l"/>
+            <a:r>
+              <a:rPr lang="zh-CN" altLang="en-US">
+                <a:sym typeface="+mn-ea"/>
+              </a:rPr>
+              <a:t>如果未指定</a:t>
+            </a:r>
+            <a:r>
+              <a:rPr lang="en-US" altLang="zh-CN">
+                <a:sym typeface="+mn-ea"/>
+              </a:rPr>
+              <a:t> </a:t>
+            </a:r>
+            <a:r>
+              <a:rPr lang="en-US" altLang="zh-CN">
+                <a:sym typeface="+mn-ea"/>
+              </a:rPr>
+              <a:t>BUILD_SHARED_LIBS </a:t>
+            </a:r>
+            <a:r>
+              <a:rPr lang="zh-CN" altLang="en-US">
+                <a:sym typeface="+mn-ea"/>
+              </a:rPr>
+              <a:t>变量</a:t>
+            </a:r>
+            <a:r>
+              <a:rPr lang="zh-CN" altLang="en-US">
+                <a:sym typeface="+mn-ea"/>
+              </a:rPr>
+              <a:t>，则默认为</a:t>
+            </a:r>
+            <a:r>
+              <a:rPr lang="en-US" altLang="zh-CN">
+                <a:sym typeface="+mn-ea"/>
+              </a:rPr>
+              <a:t> STATIC</a:t>
+            </a:r>
+            <a:r>
+              <a:rPr lang="zh-CN" altLang="en-US">
+                <a:sym typeface="+mn-ea"/>
+              </a:rPr>
+              <a:t>。</a:t>
             </a:r>
             <a:endParaRPr lang="zh-CN" altLang="en-US"/>
           </a:p>
-        </p:txBody>
-      </p:sp>
-      <p:sp>
-        <p:nvSpPr>
-          <p:cNvPr id="3" name="Content Placeholder 2"/>
-          <p:cNvSpPr>
-            <a:spLocks noGrp="1"/>
-          </p:cNvSpPr>
-          <p:nvPr>
-            <p:ph idx="1"/>
-          </p:nvPr>
-        </p:nvSpPr>
-        <p:spPr/>
-        <p:txBody>
-          <a:bodyPr/>
-          <a:p>
-            <a:endParaRPr lang="en-US"/>
-          </a:p>
-        </p:txBody>
-      </p:sp>
+          <a:p>
+            <a:pPr algn="l"/>
+            <a:r>
+              <a:rPr lang="zh-CN" altLang="en-US">
+                <a:sym typeface="+mn-ea"/>
+              </a:rPr>
+              <a:t>因此，如果发现一个项目里的</a:t>
+            </a:r>
+            <a:r>
+              <a:rPr lang="en-US" altLang="zh-CN">
+                <a:sym typeface="+mn-ea"/>
+              </a:rPr>
+              <a:t> add_library </a:t>
+            </a:r>
+            <a:r>
+              <a:rPr lang="zh-CN" altLang="en-US">
+                <a:sym typeface="+mn-ea"/>
+              </a:rPr>
+              <a:t>都是无参数的，意味着你可以用：</a:t>
+            </a:r>
+            <a:endParaRPr lang="zh-CN" altLang="en-US"/>
+          </a:p>
+          <a:p>
+            <a:pPr algn="l"/>
+            <a:r>
+              <a:rPr lang="en-US" altLang="zh-CN">
+                <a:sym typeface="+mn-ea"/>
+              </a:rPr>
+              <a:t>cmake -B build -DBUILD_SHARED_LIBS:BOOL=ON</a:t>
+            </a:r>
+            <a:endParaRPr lang="en-US" altLang="zh-CN"/>
+          </a:p>
+          <a:p>
+            <a:pPr algn="l"/>
+            <a:r>
+              <a:rPr lang="zh-CN" altLang="en-US">
+                <a:sym typeface="+mn-ea"/>
+              </a:rPr>
+              <a:t>来让他全部生成为动态库。稍后会详解命令行传递变量的规则。</a:t>
+            </a:r>
+            <a:endParaRPr lang="zh-CN" altLang="en-US"/>
+          </a:p>
+        </p:txBody>
+      </p:sp>
+      <p:pic>
+        <p:nvPicPr>
+          <p:cNvPr id="6" name="Picture 5"/>
+          <p:cNvPicPr>
+            <a:picLocks noChangeAspect="1"/>
+          </p:cNvPicPr>
+          <p:nvPr/>
+        </p:nvPicPr>
+        <p:blipFill>
+          <a:blip r:embed="rId2"/>
+          <a:stretch>
+            <a:fillRect/>
+          </a:stretch>
+        </p:blipFill>
+        <p:spPr>
+          <a:xfrm>
+            <a:off x="5186680" y="6035040"/>
+            <a:ext cx="1819275" cy="428625"/>
+          </a:xfrm>
+          <a:prstGeom prst="rect">
+            <a:avLst/>
+          </a:prstGeom>
+        </p:spPr>
+      </p:pic>
     </p:spTree>
   </p:cSld>
   <p:clrMapOvr>
@@ -9463,7 +9350,7 @@
       <p:grpSpPr/>
       <p:sp>
         <p:nvSpPr>
-          <p:cNvPr id="4" name="Title 3"/>
+          <p:cNvPr id="2" name="Title 1"/>
           <p:cNvSpPr>
             <a:spLocks noGrp="1"/>
           </p:cNvSpPr>
@@ -9476,21 +9363,211 @@
           <a:bodyPr/>
           <a:p>
             <a:r>
-              <a:rPr lang="zh-CN" altLang="en-US"/>
-              <a:t>第</a:t>
-            </a:r>
-            <a:r>
-              <a:rPr lang="en-US" altLang="zh-CN"/>
-              <a:t>5</a:t>
-            </a:r>
-            <a:r>
-              <a:rPr lang="zh-CN" altLang="en-US"/>
-              <a:t>章：库的传播规则</a:t>
-            </a:r>
-            <a:endParaRPr lang="zh-CN" altLang="en-US"/>
-          </a:p>
-        </p:txBody>
-      </p:sp>
+              <a:rPr lang="zh-CN"/>
+              <a:t>小技巧：设定一个变量的默认值</a:t>
+            </a:r>
+            <a:endParaRPr lang="zh-CN"/>
+          </a:p>
+        </p:txBody>
+      </p:sp>
+      <p:sp>
+        <p:nvSpPr>
+          <p:cNvPr id="5" name="Text Box 4"/>
+          <p:cNvSpPr txBox="1"/>
+          <p:nvPr/>
+        </p:nvSpPr>
+        <p:spPr>
+          <a:xfrm>
+            <a:off x="2140585" y="1584325"/>
+            <a:ext cx="7910830" cy="1476375"/>
+          </a:xfrm>
+          <a:prstGeom prst="rect">
+            <a:avLst/>
+          </a:prstGeom>
+          <a:noFill/>
+        </p:spPr>
+        <p:txBody>
+          <a:bodyPr wrap="square" rtlCol="0" anchor="t">
+            <a:spAutoFit/>
+          </a:bodyPr>
+          <a:p>
+            <a:pPr algn="l"/>
+            <a:r>
+              <a:rPr lang="zh-CN">
+                <a:sym typeface="+mn-ea"/>
+              </a:rPr>
+              <a:t>要让</a:t>
+            </a:r>
+            <a:r>
+              <a:rPr lang="en-US" altLang="zh-CN">
+                <a:sym typeface="+mn-ea"/>
+              </a:rPr>
+              <a:t> BUILD_SHARED_LIBS </a:t>
+            </a:r>
+            <a:r>
+              <a:rPr lang="zh-CN" altLang="en-US">
+                <a:sym typeface="+mn-ea"/>
+              </a:rPr>
+              <a:t>默认为</a:t>
+            </a:r>
+            <a:r>
+              <a:rPr lang="en-US" altLang="zh-CN">
+                <a:sym typeface="+mn-ea"/>
+              </a:rPr>
+              <a:t> ON</a:t>
+            </a:r>
+            <a:r>
+              <a:rPr lang="zh-CN" altLang="en-US">
+                <a:sym typeface="+mn-ea"/>
+              </a:rPr>
+              <a:t>，可以用下图这个方法：</a:t>
+            </a:r>
+            <a:endParaRPr lang="zh-CN" altLang="en-US">
+              <a:sym typeface="+mn-ea"/>
+            </a:endParaRPr>
+          </a:p>
+          <a:p>
+            <a:pPr algn="l"/>
+            <a:r>
+              <a:rPr lang="zh-CN" altLang="en-US">
+                <a:sym typeface="+mn-ea"/>
+              </a:rPr>
+              <a:t>如果该变量没有定义，则设为</a:t>
+            </a:r>
+            <a:r>
+              <a:rPr lang="en-US" altLang="zh-CN">
+                <a:sym typeface="+mn-ea"/>
+              </a:rPr>
+              <a:t> ON</a:t>
+            </a:r>
+            <a:r>
+              <a:rPr lang="zh-CN" altLang="en-US">
+                <a:sym typeface="+mn-ea"/>
+              </a:rPr>
+              <a:t>，否则保持用户指定的值不变。</a:t>
+            </a:r>
+            <a:endParaRPr lang="zh-CN">
+              <a:sym typeface="+mn-ea"/>
+            </a:endParaRPr>
+          </a:p>
+          <a:p>
+            <a:pPr algn="l"/>
+            <a:r>
+              <a:rPr lang="zh-CN">
+                <a:sym typeface="+mn-ea"/>
+              </a:rPr>
+              <a:t>这样当用户没有指定</a:t>
+            </a:r>
+            <a:r>
+              <a:rPr lang="en-US" altLang="zh-CN">
+                <a:sym typeface="+mn-ea"/>
+              </a:rPr>
+              <a:t> BUILD_SHARED_LIBS </a:t>
+            </a:r>
+            <a:r>
+              <a:rPr lang="zh-CN" altLang="en-US">
+                <a:sym typeface="+mn-ea"/>
+              </a:rPr>
+              <a:t>这个变量</a:t>
+            </a:r>
+            <a:r>
+              <a:rPr lang="zh-CN">
+                <a:sym typeface="+mn-ea"/>
+              </a:rPr>
+              <a:t>时，会默认变成</a:t>
+            </a:r>
+            <a:r>
+              <a:rPr lang="en-US" altLang="zh-CN">
+                <a:sym typeface="+mn-ea"/>
+              </a:rPr>
+              <a:t> ON</a:t>
+            </a:r>
+            <a:r>
+              <a:rPr lang="zh-CN" altLang="en-US">
+                <a:sym typeface="+mn-ea"/>
+              </a:rPr>
+              <a:t>。</a:t>
+            </a:r>
+            <a:endParaRPr lang="zh-CN" altLang="en-US">
+              <a:sym typeface="+mn-ea"/>
+            </a:endParaRPr>
+          </a:p>
+          <a:p>
+            <a:pPr algn="l"/>
+            <a:r>
+              <a:rPr lang="zh-CN" altLang="en-US">
+                <a:sym typeface="+mn-ea"/>
+              </a:rPr>
+              <a:t>也就是说除非用户指定了</a:t>
+            </a:r>
+            <a:r>
+              <a:rPr lang="en-US" altLang="zh-CN">
+                <a:sym typeface="+mn-ea"/>
+              </a:rPr>
+              <a:t> -DBUILD_SHARED_LIBS:BOOL=OFF </a:t>
+            </a:r>
+            <a:r>
+              <a:rPr lang="zh-CN" altLang="en-US">
+                <a:sym typeface="+mn-ea"/>
+              </a:rPr>
+              <a:t>才会生成静态库，否则默认是生成动态库。</a:t>
+            </a:r>
+            <a:endParaRPr lang="zh-CN" altLang="en-US">
+              <a:sym typeface="+mn-ea"/>
+            </a:endParaRPr>
+          </a:p>
+        </p:txBody>
+      </p:sp>
+      <p:pic>
+        <p:nvPicPr>
+          <p:cNvPr id="6" name="Picture 5"/>
+          <p:cNvPicPr>
+            <a:picLocks noChangeAspect="1"/>
+          </p:cNvPicPr>
+          <p:nvPr/>
+        </p:nvPicPr>
+        <p:blipFill>
+          <a:blip r:embed="rId1"/>
+          <a:stretch>
+            <a:fillRect/>
+          </a:stretch>
+        </p:blipFill>
+        <p:spPr>
+          <a:xfrm>
+            <a:off x="5186680" y="6035040"/>
+            <a:ext cx="1819275" cy="428625"/>
+          </a:xfrm>
+          <a:prstGeom prst="rect">
+            <a:avLst/>
+          </a:prstGeom>
+        </p:spPr>
+      </p:pic>
+      <p:pic>
+        <p:nvPicPr>
+          <p:cNvPr id="7" name="Content Placeholder 6"/>
+          <p:cNvPicPr>
+            <a:picLocks noChangeAspect="1"/>
+          </p:cNvPicPr>
+          <p:nvPr>
+            <p:ph idx="1"/>
+          </p:nvPr>
+        </p:nvPicPr>
+        <p:blipFill>
+          <a:blip r:embed="rId2"/>
+          <a:stretch>
+            <a:fillRect/>
+          </a:stretch>
+        </p:blipFill>
+        <p:spPr>
+          <a:xfrm>
+            <a:off x="3498850" y="3705860"/>
+            <a:ext cx="4814570" cy="1183640"/>
+          </a:xfrm>
+          <a:prstGeom prst="rect">
+            <a:avLst/>
+          </a:prstGeom>
+        </p:spPr>
+      </p:pic>
     </p:spTree>
   </p:cSld>
   <p:clrMapOvr>
@@ -9511,7 +9588,7 @@
       <p:grpSpPr/>
       <p:sp>
         <p:nvSpPr>
-          <p:cNvPr id="4" name="Title 3"/>
+          <p:cNvPr id="2" name="Title 1"/>
           <p:cNvSpPr>
             <a:spLocks noGrp="1"/>
           </p:cNvSpPr>
@@ -9525,20 +9602,38 @@
           <a:p>
             <a:r>
               <a:rPr lang="zh-CN" altLang="en-US"/>
-              <a:t>第</a:t>
-            </a:r>
-            <a:r>
-              <a:rPr lang="en-US" altLang="zh-CN"/>
-              <a:t>6</a:t>
-            </a:r>
-            <a:r>
-              <a:rPr lang="zh-CN" altLang="en-US"/>
-              <a:t>章：系统自带库</a:t>
+              <a:t>常见坑点：动态库无法链接静态库</a:t>
             </a:r>
             <a:endParaRPr lang="zh-CN" altLang="en-US"/>
           </a:p>
         </p:txBody>
       </p:sp>
+      <p:pic>
+        <p:nvPicPr>
+          <p:cNvPr id="4" name="Content Placeholder 3"/>
+          <p:cNvPicPr>
+            <a:picLocks noChangeAspect="1"/>
+          </p:cNvPicPr>
+          <p:nvPr>
+            <p:ph idx="1"/>
+          </p:nvPr>
+        </p:nvPicPr>
+        <p:blipFill>
+          <a:blip r:embed="rId1"/>
+          <a:stretch>
+            <a:fillRect/>
+          </a:stretch>
+        </p:blipFill>
+        <p:spPr>
+          <a:xfrm>
+            <a:off x="3390265" y="3020060"/>
+            <a:ext cx="5029200" cy="1962150"/>
+          </a:xfrm>
+          <a:prstGeom prst="rect">
+            <a:avLst/>
+          </a:prstGeom>
+        </p:spPr>
+      </p:pic>
     </p:spTree>
   </p:cSld>
   <p:clrMapOvr>
@@ -9559,7 +9654,7 @@
       <p:grpSpPr/>
       <p:sp>
         <p:nvSpPr>
-          <p:cNvPr id="4" name="Title 3"/>
+          <p:cNvPr id="2" name="Title 1"/>
           <p:cNvSpPr>
             <a:spLocks noGrp="1"/>
           </p:cNvSpPr>
@@ -9573,20 +9668,82 @@
           <a:p>
             <a:r>
               <a:rPr lang="zh-CN" altLang="en-US"/>
-              <a:t>第</a:t>
+              <a:t>解决：让静态库编译时也生成位置无关的</a:t>
+            </a:r>
+            <a:r>
+              <a:rPr lang="zh-CN" altLang="en-US">
+                <a:sym typeface="+mn-ea"/>
+              </a:rPr>
+              <a:t>代码</a:t>
             </a:r>
             <a:r>
               <a:rPr lang="en-US" altLang="zh-CN"/>
-              <a:t>7</a:t>
+              <a:t>(PIC)</a:t>
             </a:r>
             <a:r>
               <a:rPr lang="zh-CN" altLang="en-US"/>
-              <a:t>章：项目构建配置</a:t>
+              <a:t>，这样才能装在动态库里</a:t>
             </a:r>
             <a:endParaRPr lang="zh-CN" altLang="en-US"/>
           </a:p>
         </p:txBody>
       </p:sp>
+      <p:pic>
+        <p:nvPicPr>
+          <p:cNvPr id="5" name="Content Placeholder 4"/>
+          <p:cNvPicPr>
+            <a:picLocks noChangeAspect="1"/>
+          </p:cNvPicPr>
+          <p:nvPr>
+            <p:ph idx="1"/>
+          </p:nvPr>
+        </p:nvPicPr>
+        <p:blipFill>
+          <a:blip r:embed="rId1"/>
+          <a:stretch>
+            <a:fillRect/>
+          </a:stretch>
+        </p:blipFill>
+        <p:spPr>
+          <a:xfrm>
+            <a:off x="3385820" y="2776855"/>
+            <a:ext cx="5038725" cy="2447925"/>
+          </a:xfrm>
+          <a:prstGeom prst="rect">
+            <a:avLst/>
+          </a:prstGeom>
+        </p:spPr>
+      </p:pic>
+      <p:cxnSp>
+        <p:nvCxnSpPr>
+          <p:cNvPr id="9" name="Straight Connector 8"/>
+          <p:cNvCxnSpPr/>
+          <p:nvPr/>
+        </p:nvCxnSpPr>
+        <p:spPr>
+          <a:xfrm>
+            <a:off x="3800475" y="3300730"/>
+            <a:ext cx="4108450" cy="0"/>
+          </a:xfrm>
+          <a:prstGeom prst="line">
+            <a:avLst/>
+          </a:prstGeom>
+        </p:spPr>
+        <p:style>
+          <a:lnRef idx="1">
+            <a:schemeClr val="accent1"/>
+          </a:lnRef>
+          <a:fillRef idx="0">
+            <a:schemeClr val="accent1"/>
+          </a:fillRef>
+          <a:effectRef idx="0">
+            <a:schemeClr val="accent1"/>
+          </a:effectRef>
+          <a:fontRef idx="minor">
+            <a:schemeClr val="tx1"/>
+          </a:fontRef>
+        </p:style>
+      </p:cxnSp>
     </p:spTree>
   </p:cSld>
   <p:clrMapOvr>
@@ -9605,9 +9762,35 @@
         <p:nvPr/>
       </p:nvGrpSpPr>
       <p:grpSpPr/>
-      <p:sp>
-        <p:nvSpPr>
-          <p:cNvPr id="4" name="Title 3"/>
+      <p:pic>
+        <p:nvPicPr>
+          <p:cNvPr id="4" name="Content Placeholder 3"/>
+          <p:cNvPicPr>
+            <a:picLocks noChangeAspect="1"/>
+          </p:cNvPicPr>
+          <p:nvPr>
+            <p:ph idx="1"/>
+          </p:nvPr>
+        </p:nvPicPr>
+        <p:blipFill>
+          <a:blip r:embed="rId1"/>
+          <a:stretch>
+            <a:fillRect/>
+          </a:stretch>
+        </p:blipFill>
+        <p:spPr>
+          <a:xfrm>
+            <a:off x="2195195" y="2910205"/>
+            <a:ext cx="7419975" cy="2181225"/>
+          </a:xfrm>
+          <a:prstGeom prst="rect">
+            <a:avLst/>
+          </a:prstGeom>
+        </p:spPr>
+      </p:pic>
+      <p:sp>
+        <p:nvSpPr>
+          <p:cNvPr id="2" name="Title 1"/>
           <p:cNvSpPr>
             <a:spLocks noGrp="1"/>
           </p:cNvSpPr>
@@ -9620,21 +9803,65 @@
           <a:bodyPr/>
           <a:p>
             <a:r>
-              <a:rPr lang="zh-CN" altLang="en-US"/>
-              <a:t>第</a:t>
+              <a:rPr lang="zh-CN"/>
+              <a:t>也可以只针对一个库，只对他启用</a:t>
+            </a:r>
+            <a:r>
+              <a:rPr lang="zh-CN" altLang="en-US">
+                <a:sym typeface="+mn-ea"/>
+              </a:rPr>
+              <a:t>位置无关的</a:t>
+            </a:r>
+            <a:r>
+              <a:rPr lang="zh-CN" altLang="en-US">
+                <a:sym typeface="+mn-ea"/>
+              </a:rPr>
+              <a:t>代码</a:t>
+            </a:r>
+            <a:r>
+              <a:rPr lang="en-US" altLang="zh-CN">
+                <a:sym typeface="+mn-ea"/>
+              </a:rPr>
+              <a:t>(</a:t>
             </a:r>
             <a:r>
               <a:rPr lang="en-US" altLang="zh-CN"/>
-              <a:t>8</a:t>
-            </a:r>
-            <a:r>
-              <a:rPr lang="zh-CN" altLang="en-US"/>
-              <a:t>章：变量与缓存</a:t>
-            </a:r>
-            <a:endParaRPr lang="zh-CN" altLang="en-US"/>
-          </a:p>
-        </p:txBody>
-      </p:sp>
+              <a:t>PIC)</a:t>
+            </a:r>
+            <a:endParaRPr lang="en-US" altLang="zh-CN"/>
+          </a:p>
+        </p:txBody>
+      </p:sp>
+      <p:cxnSp>
+        <p:nvCxnSpPr>
+          <p:cNvPr id="9" name="Straight Connector 8"/>
+          <p:cNvCxnSpPr/>
+          <p:nvPr/>
+        </p:nvCxnSpPr>
+        <p:spPr>
+          <a:xfrm>
+            <a:off x="2584450" y="3648075"/>
+            <a:ext cx="7082155" cy="0"/>
+          </a:xfrm>
+          <a:prstGeom prst="line">
+            <a:avLst/>
+          </a:prstGeom>
+        </p:spPr>
+        <p:style>
+          <a:lnRef idx="1">
+            <a:schemeClr val="accent1"/>
+          </a:lnRef>
+          <a:fillRef idx="0">
+            <a:schemeClr val="accent1"/>
+          </a:fillRef>
+          <a:effectRef idx="0">
+            <a:schemeClr val="accent1"/>
+          </a:effectRef>
+          <a:fontRef idx="minor">
+            <a:schemeClr val="tx1"/>
+          </a:fontRef>
+        </p:style>
+      </p:cxnSp>
     </p:spTree>
   </p:cSld>
   <p:clrMapOvr>
@@ -9673,13 +9900,109 @@
             </a:r>
             <a:r>
               <a:rPr lang="en-US" altLang="zh-CN"/>
-              <a:t>9</a:t>
+              <a:t>5</a:t>
             </a:r>
             <a:r>
               <a:rPr lang="zh-CN" altLang="en-US"/>
-              <a:t>章：函数与控制流</a:t>
-            </a:r>
-            <a:endParaRPr lang="en-US" altLang="zh-CN"/>
+              <a:t>章：库的传播规则</a:t>
+            </a:r>
+            <a:endParaRPr lang="zh-CN" altLang="en-US"/>
+          </a:p>
+        </p:txBody>
+      </p:sp>
+    </p:spTree>
+  </p:cSld>
+  <p:clrMapOvr>
+    <a:masterClrMapping/>
+  </p:clrMapOvr>
+</p:sld>
+</file>
+
+<file path=ppt/slides/slide58.xml><?xml version="1.0" encoding="utf-8"?>
+<p:sld xmlns:a="http://schemas.openxmlformats.org/drawingml/2006/main" xmlns:r="http://schemas.openxmlformats.org/officeDocument/2006/relationships" xmlns:p="http://schemas.openxmlformats.org/presentationml/2006/main">
+  <p:cSld>
+    <p:spTree>
+      <p:nvGrpSpPr>
+        <p:cNvPr id="1" name=""/>
+        <p:cNvGrpSpPr/>
+        <p:nvPr/>
+      </p:nvGrpSpPr>
+      <p:grpSpPr/>
+      <p:sp>
+        <p:nvSpPr>
+          <p:cNvPr id="4" name="Title 3"/>
+          <p:cNvSpPr>
+            <a:spLocks noGrp="1"/>
+          </p:cNvSpPr>
+          <p:nvPr>
+            <p:ph type="title"/>
+          </p:nvPr>
+        </p:nvSpPr>
+        <p:spPr/>
+        <p:txBody>
+          <a:bodyPr/>
+          <a:p>
+            <a:r>
+              <a:rPr lang="zh-CN" altLang="en-US"/>
+              <a:t>第</a:t>
+            </a:r>
+            <a:r>
+              <a:rPr lang="en-US" altLang="zh-CN"/>
+              <a:t>6</a:t>
+            </a:r>
+            <a:r>
+              <a:rPr lang="zh-CN" altLang="en-US"/>
+              <a:t>章：系统自带库</a:t>
+            </a:r>
+            <a:endParaRPr lang="zh-CN" altLang="en-US"/>
+          </a:p>
+        </p:txBody>
+      </p:sp>
+    </p:spTree>
+  </p:cSld>
+  <p:clrMapOvr>
+    <a:masterClrMapping/>
+  </p:clrMapOvr>
+</p:sld>
+</file>
+
+<file path=ppt/slides/slide59.xml><?xml version="1.0" encoding="utf-8"?>
+<p:sld xmlns:a="http://schemas.openxmlformats.org/drawingml/2006/main" xmlns:r="http://schemas.openxmlformats.org/officeDocument/2006/relationships" xmlns:p="http://schemas.openxmlformats.org/presentationml/2006/main">
+  <p:cSld>
+    <p:spTree>
+      <p:nvGrpSpPr>
+        <p:cNvPr id="1" name=""/>
+        <p:cNvGrpSpPr/>
+        <p:nvPr/>
+      </p:nvGrpSpPr>
+      <p:grpSpPr/>
+      <p:sp>
+        <p:nvSpPr>
+          <p:cNvPr id="4" name="Title 3"/>
+          <p:cNvSpPr>
+            <a:spLocks noGrp="1"/>
+          </p:cNvSpPr>
+          <p:nvPr>
+            <p:ph type="title"/>
+          </p:nvPr>
+        </p:nvSpPr>
+        <p:spPr/>
+        <p:txBody>
+          <a:bodyPr/>
+          <a:p>
+            <a:r>
+              <a:rPr lang="zh-CN" altLang="en-US"/>
+              <a:t>第</a:t>
+            </a:r>
+            <a:r>
+              <a:rPr lang="en-US" altLang="zh-CN"/>
+              <a:t>7</a:t>
+            </a:r>
+            <a:r>
+              <a:rPr lang="zh-CN" altLang="en-US"/>
+              <a:t>章：项目构建配置</a:t>
+            </a:r>
+            <a:endParaRPr lang="zh-CN" altLang="en-US"/>
           </a:p>
         </p:txBody>
       </p:sp>
@@ -9799,6 +10122,150 @@
           </a:prstGeom>
         </p:spPr>
       </p:pic>
+    </p:spTree>
+  </p:cSld>
+  <p:clrMapOvr>
+    <a:masterClrMapping/>
+  </p:clrMapOvr>
+</p:sld>
+</file>
+
+<file path=ppt/slides/slide60.xml><?xml version="1.0" encoding="utf-8"?>
+<p:sld xmlns:a="http://schemas.openxmlformats.org/drawingml/2006/main" xmlns:r="http://schemas.openxmlformats.org/officeDocument/2006/relationships" xmlns:p="http://schemas.openxmlformats.org/presentationml/2006/main">
+  <p:cSld>
+    <p:spTree>
+      <p:nvGrpSpPr>
+        <p:cNvPr id="1" name=""/>
+        <p:cNvGrpSpPr/>
+        <p:nvPr/>
+      </p:nvGrpSpPr>
+      <p:grpSpPr/>
+      <p:sp>
+        <p:nvSpPr>
+          <p:cNvPr id="4" name="Title 3"/>
+          <p:cNvSpPr>
+            <a:spLocks noGrp="1"/>
+          </p:cNvSpPr>
+          <p:nvPr>
+            <p:ph type="title"/>
+          </p:nvPr>
+        </p:nvSpPr>
+        <p:spPr/>
+        <p:txBody>
+          <a:bodyPr/>
+          <a:p>
+            <a:r>
+              <a:rPr lang="zh-CN" altLang="en-US"/>
+              <a:t>第</a:t>
+            </a:r>
+            <a:r>
+              <a:rPr lang="en-US" altLang="zh-CN"/>
+              <a:t>8</a:t>
+            </a:r>
+            <a:r>
+              <a:rPr lang="zh-CN" altLang="en-US"/>
+              <a:t>章：变量与缓存</a:t>
+            </a:r>
+            <a:endParaRPr lang="zh-CN" altLang="en-US"/>
+          </a:p>
+        </p:txBody>
+      </p:sp>
+    </p:spTree>
+  </p:cSld>
+  <p:clrMapOvr>
+    <a:masterClrMapping/>
+  </p:clrMapOvr>
+</p:sld>
+</file>
+
+<file path=ppt/slides/slide61.xml><?xml version="1.0" encoding="utf-8"?>
+<p:sld xmlns:a="http://schemas.openxmlformats.org/drawingml/2006/main" xmlns:r="http://schemas.openxmlformats.org/officeDocument/2006/relationships" xmlns:p="http://schemas.openxmlformats.org/presentationml/2006/main">
+  <p:cSld>
+    <p:spTree>
+      <p:nvGrpSpPr>
+        <p:cNvPr id="1" name=""/>
+        <p:cNvGrpSpPr/>
+        <p:nvPr/>
+      </p:nvGrpSpPr>
+      <p:grpSpPr/>
+      <p:sp>
+        <p:nvSpPr>
+          <p:cNvPr id="4" name="Title 3"/>
+          <p:cNvSpPr>
+            <a:spLocks noGrp="1"/>
+          </p:cNvSpPr>
+          <p:nvPr>
+            <p:ph type="title"/>
+          </p:nvPr>
+        </p:nvSpPr>
+        <p:spPr/>
+        <p:txBody>
+          <a:bodyPr/>
+          <a:p>
+            <a:r>
+              <a:rPr lang="zh-CN" altLang="en-US"/>
+              <a:t>第</a:t>
+            </a:r>
+            <a:r>
+              <a:rPr lang="en-US" altLang="zh-CN"/>
+              <a:t>9</a:t>
+            </a:r>
+            <a:r>
+              <a:rPr lang="zh-CN" altLang="en-US"/>
+              <a:t>章：函数与控制流</a:t>
+            </a:r>
+            <a:endParaRPr lang="en-US" altLang="zh-CN"/>
+          </a:p>
+        </p:txBody>
+      </p:sp>
+    </p:spTree>
+  </p:cSld>
+  <p:clrMapOvr>
+    <a:masterClrMapping/>
+  </p:clrMapOvr>
+</p:sld>
+</file>
+
+<file path=ppt/slides/slide62.xml><?xml version="1.0" encoding="utf-8"?>
+<p:sld xmlns:a="http://schemas.openxmlformats.org/drawingml/2006/main" xmlns:r="http://schemas.openxmlformats.org/officeDocument/2006/relationships" xmlns:p="http://schemas.openxmlformats.org/presentationml/2006/main">
+  <p:cSld>
+    <p:spTree>
+      <p:nvGrpSpPr>
+        <p:cNvPr id="1" name=""/>
+        <p:cNvGrpSpPr/>
+        <p:nvPr/>
+      </p:nvGrpSpPr>
+      <p:grpSpPr/>
+      <p:sp>
+        <p:nvSpPr>
+          <p:cNvPr id="4" name="Title 3"/>
+          <p:cNvSpPr>
+            <a:spLocks noGrp="1"/>
+          </p:cNvSpPr>
+          <p:nvPr>
+            <p:ph type="title"/>
+          </p:nvPr>
+        </p:nvSpPr>
+        <p:spPr/>
+        <p:txBody>
+          <a:bodyPr/>
+          <a:p>
+            <a:r>
+              <a:rPr lang="zh-CN" altLang="en-US"/>
+              <a:t>第</a:t>
+            </a:r>
+            <a:r>
+              <a:rPr lang="en-US" altLang="zh-CN"/>
+              <a:t>10</a:t>
+            </a:r>
+            <a:r>
+              <a:rPr lang="zh-CN" altLang="en-US"/>
+              <a:t>章：命令行小技巧</a:t>
+            </a:r>
+            <a:endParaRPr lang="zh-CN" altLang="en-US"/>
+          </a:p>
+        </p:txBody>
+      </p:sp>
     </p:spTree>
   </p:cSld>
   <p:clrMapOvr>

--- a/11/slides.pptx
+++ b/11/slides.pptx
@@ -5,10 +5,10 @@
     <p:sldMasterId id="2147483648" r:id="rId1"/>
   </p:sldMasterIdLst>
   <p:notesMasterIdLst>
-    <p:notesMasterId r:id="rId65"/>
+    <p:notesMasterId r:id="rId69"/>
   </p:notesMasterIdLst>
   <p:handoutMasterIdLst>
-    <p:handoutMasterId r:id="rId66"/>
+    <p:handoutMasterId r:id="rId70"/>
   </p:handoutMasterIdLst>
   <p:sldIdLst>
     <p:sldId id="256" r:id="rId3"/>
@@ -67,12 +67,16 @@
     <p:sldId id="330" r:id="rId56"/>
     <p:sldId id="331" r:id="rId57"/>
     <p:sldId id="332" r:id="rId58"/>
-    <p:sldId id="319" r:id="rId59"/>
-    <p:sldId id="321" r:id="rId60"/>
-    <p:sldId id="324" r:id="rId61"/>
-    <p:sldId id="320" r:id="rId62"/>
-    <p:sldId id="318" r:id="rId63"/>
-    <p:sldId id="333" r:id="rId64"/>
+    <p:sldId id="400" r:id="rId59"/>
+    <p:sldId id="399" r:id="rId60"/>
+    <p:sldId id="401" r:id="rId61"/>
+    <p:sldId id="402" r:id="rId62"/>
+    <p:sldId id="319" r:id="rId63"/>
+    <p:sldId id="321" r:id="rId64"/>
+    <p:sldId id="324" r:id="rId65"/>
+    <p:sldId id="320" r:id="rId66"/>
+    <p:sldId id="318" r:id="rId67"/>
+    <p:sldId id="333" r:id="rId68"/>
   </p:sldIdLst>
   <p:sldSz cx="12192000" cy="6858000"/>
   <p:notesSz cx="7103745" cy="10234295"/>
@@ -9904,7 +9908,7 @@
             </a:r>
             <a:r>
               <a:rPr lang="zh-CN" altLang="en-US"/>
-              <a:t>章：库的传播规则</a:t>
+              <a:t>章：对象的属性</a:t>
             </a:r>
             <a:endParaRPr lang="zh-CN" altLang="en-US"/>
           </a:p>
@@ -9930,7 +9934,7 @@
       <p:grpSpPr/>
       <p:sp>
         <p:nvSpPr>
-          <p:cNvPr id="4" name="Title 3"/>
+          <p:cNvPr id="2" name="Title 1"/>
           <p:cNvSpPr>
             <a:spLocks noGrp="1"/>
           </p:cNvSpPr>
@@ -9943,21 +9947,47 @@
           <a:bodyPr/>
           <a:p>
             <a:r>
-              <a:rPr lang="zh-CN" altLang="en-US"/>
-              <a:t>第</a:t>
+              <a:rPr lang="zh-CN"/>
+              <a:t>除了</a:t>
             </a:r>
             <a:r>
               <a:rPr lang="en-US" altLang="zh-CN"/>
-              <a:t>6</a:t>
-            </a:r>
-            <a:r>
-              <a:rPr lang="zh-CN" altLang="en-US"/>
-              <a:t>章：系统自带库</a:t>
-            </a:r>
-            <a:endParaRPr lang="zh-CN" altLang="en-US"/>
-          </a:p>
-        </p:txBody>
-      </p:sp>
+              <a:t> POSITION_INDEPENDENT_CODE </a:t>
+            </a:r>
+            <a:r>
+              <a:rPr lang="zh-CN"/>
+              <a:t>还有哪些这样的属性？</a:t>
+            </a:r>
+            <a:endParaRPr lang="zh-CN"/>
+          </a:p>
+        </p:txBody>
+      </p:sp>
+      <p:pic>
+        <p:nvPicPr>
+          <p:cNvPr id="5" name="Content Placeholder 4"/>
+          <p:cNvPicPr>
+            <a:picLocks noChangeAspect="1"/>
+          </p:cNvPicPr>
+          <p:nvPr>
+            <p:ph idx="1"/>
+          </p:nvPr>
+        </p:nvPicPr>
+        <p:blipFill>
+          <a:blip r:embed="rId1"/>
+          <a:stretch>
+            <a:fillRect/>
+          </a:stretch>
+        </p:blipFill>
+        <p:spPr>
+          <a:xfrm>
+            <a:off x="0" y="2801620"/>
+            <a:ext cx="12191365" cy="1927225"/>
+          </a:xfrm>
+          <a:prstGeom prst="rect">
+            <a:avLst/>
+          </a:prstGeom>
+        </p:spPr>
+      </p:pic>
     </p:spTree>
   </p:cSld>
   <p:clrMapOvr>
@@ -9978,7 +10008,7 @@
       <p:grpSpPr/>
       <p:sp>
         <p:nvSpPr>
-          <p:cNvPr id="4" name="Title 3"/>
+          <p:cNvPr id="2" name="Title 1"/>
           <p:cNvSpPr>
             <a:spLocks noGrp="1"/>
           </p:cNvSpPr>
@@ -9991,21 +10021,47 @@
           <a:bodyPr/>
           <a:p>
             <a:r>
+              <a:rPr lang="zh-CN"/>
+              <a:t>另一种方式：</a:t>
+            </a:r>
+            <a:r>
+              <a:rPr lang="en-US" altLang="zh-CN"/>
+              <a:t>set_target_properties </a:t>
+            </a:r>
+            <a:r>
               <a:rPr lang="zh-CN" altLang="en-US"/>
-              <a:t>第</a:t>
-            </a:r>
-            <a:r>
-              <a:rPr lang="en-US" altLang="zh-CN"/>
-              <a:t>7</a:t>
-            </a:r>
-            <a:r>
-              <a:rPr lang="zh-CN" altLang="en-US"/>
-              <a:t>章：项目构建配置</a:t>
+              <a:t>批量设置多个属性</a:t>
             </a:r>
             <a:endParaRPr lang="zh-CN" altLang="en-US"/>
           </a:p>
         </p:txBody>
       </p:sp>
+      <p:pic>
+        <p:nvPicPr>
+          <p:cNvPr id="4" name="Content Placeholder 3"/>
+          <p:cNvPicPr>
+            <a:picLocks noChangeAspect="1"/>
+          </p:cNvPicPr>
+          <p:nvPr>
+            <p:ph idx="1"/>
+          </p:nvPr>
+        </p:nvPicPr>
+        <p:blipFill>
+          <a:blip r:embed="rId1"/>
+          <a:stretch>
+            <a:fillRect/>
+          </a:stretch>
+        </p:blipFill>
+        <p:spPr>
+          <a:xfrm>
+            <a:off x="445770" y="2647315"/>
+            <a:ext cx="10920095" cy="2707640"/>
+          </a:xfrm>
+          <a:prstGeom prst="rect">
+            <a:avLst/>
+          </a:prstGeom>
+        </p:spPr>
+      </p:pic>
     </p:spTree>
   </p:cSld>
   <p:clrMapOvr>
@@ -10142,7 +10198,7 @@
       <p:grpSpPr/>
       <p:sp>
         <p:nvSpPr>
-          <p:cNvPr id="4" name="Title 3"/>
+          <p:cNvPr id="2" name="Title 1"/>
           <p:cNvSpPr>
             <a:spLocks noGrp="1"/>
           </p:cNvSpPr>
@@ -10155,16 +10211,90 @@
           <a:bodyPr/>
           <a:p>
             <a:r>
+              <a:rPr lang="zh-CN"/>
+              <a:t>另一种方式：通过全局的</a:t>
+            </a:r>
+            <a:r>
               <a:rPr lang="zh-CN" altLang="en-US"/>
-              <a:t>第</a:t>
+              <a:t>变量，让之后创建的所有对象都享有同样的属性</a:t>
+            </a:r>
+            <a:endParaRPr lang="en-US" altLang="zh-CN"/>
+          </a:p>
+        </p:txBody>
+      </p:sp>
+      <p:pic>
+        <p:nvPicPr>
+          <p:cNvPr id="7" name="Content Placeholder 6"/>
+          <p:cNvPicPr>
+            <a:picLocks noChangeAspect="1"/>
+          </p:cNvPicPr>
+          <p:nvPr>
+            <p:ph idx="1"/>
+          </p:nvPr>
+        </p:nvPicPr>
+        <p:blipFill>
+          <a:blip r:embed="rId1"/>
+          <a:stretch>
+            <a:fillRect/>
+          </a:stretch>
+        </p:blipFill>
+        <p:spPr>
+          <a:xfrm>
+            <a:off x="441325" y="2950845"/>
+            <a:ext cx="10928350" cy="2100580"/>
+          </a:xfrm>
+          <a:prstGeom prst="rect">
+            <a:avLst/>
+          </a:prstGeom>
+        </p:spPr>
+      </p:pic>
+      <p:sp>
+        <p:nvSpPr>
+          <p:cNvPr id="8" name="Text Box 7"/>
+          <p:cNvSpPr txBox="1"/>
+          <p:nvPr/>
+        </p:nvSpPr>
+        <p:spPr>
+          <a:xfrm>
+            <a:off x="2543810" y="2033905"/>
+            <a:ext cx="7623810" cy="645160"/>
+          </a:xfrm>
+          <a:prstGeom prst="rect">
+            <a:avLst/>
+          </a:prstGeom>
+          <a:noFill/>
+        </p:spPr>
+        <p:txBody>
+          <a:bodyPr wrap="square" rtlCol="0">
+            <a:spAutoFit/>
+          </a:bodyPr>
+          <a:p>
+            <a:r>
+              <a:rPr lang="zh-CN" altLang="en-US"/>
+              <a:t>相当于改变了各个属性的初识默认值。</a:t>
+            </a:r>
+            <a:endParaRPr lang="zh-CN" altLang="en-US"/>
+          </a:p>
+          <a:p>
+            <a:r>
+              <a:rPr lang="zh-CN" altLang="en-US"/>
+              <a:t>要注意此时</a:t>
             </a:r>
             <a:r>
               <a:rPr lang="en-US" altLang="zh-CN"/>
-              <a:t>8</a:t>
+              <a:t> set(CMAKE_xxx) </a:t>
             </a:r>
             <a:r>
               <a:rPr lang="zh-CN" altLang="en-US"/>
-              <a:t>章：变量与缓存</a:t>
+              <a:t>必须在</a:t>
+            </a:r>
+            <a:r>
+              <a:rPr lang="en-US" altLang="zh-CN"/>
+              <a:t> add_executable </a:t>
+            </a:r>
+            <a:r>
+              <a:rPr lang="zh-CN" altLang="en-US"/>
+              <a:t>之前才有效。</a:t>
             </a:r>
             <a:endParaRPr lang="zh-CN" altLang="en-US"/>
           </a:p>
@@ -10208,13 +10338,13 @@
             </a:r>
             <a:r>
               <a:rPr lang="en-US" altLang="zh-CN"/>
-              <a:t>9</a:t>
+              <a:t>5</a:t>
             </a:r>
             <a:r>
               <a:rPr lang="zh-CN" altLang="en-US"/>
-              <a:t>章：函数与控制流</a:t>
-            </a:r>
-            <a:endParaRPr lang="en-US" altLang="zh-CN"/>
+              <a:t>章：库的传播规则</a:t>
+            </a:r>
+            <a:endParaRPr lang="zh-CN" altLang="en-US"/>
           </a:p>
         </p:txBody>
       </p:sp>
@@ -10227,6 +10357,198 @@
 </file>
 
 <file path=ppt/slides/slide62.xml><?xml version="1.0" encoding="utf-8"?>
+<p:sld xmlns:a="http://schemas.openxmlformats.org/drawingml/2006/main" xmlns:r="http://schemas.openxmlformats.org/officeDocument/2006/relationships" xmlns:p="http://schemas.openxmlformats.org/presentationml/2006/main">
+  <p:cSld>
+    <p:spTree>
+      <p:nvGrpSpPr>
+        <p:cNvPr id="1" name=""/>
+        <p:cNvGrpSpPr/>
+        <p:nvPr/>
+      </p:nvGrpSpPr>
+      <p:grpSpPr/>
+      <p:sp>
+        <p:nvSpPr>
+          <p:cNvPr id="4" name="Title 3"/>
+          <p:cNvSpPr>
+            <a:spLocks noGrp="1"/>
+          </p:cNvSpPr>
+          <p:nvPr>
+            <p:ph type="title"/>
+          </p:nvPr>
+        </p:nvSpPr>
+        <p:spPr/>
+        <p:txBody>
+          <a:bodyPr/>
+          <a:p>
+            <a:r>
+              <a:rPr lang="zh-CN" altLang="en-US"/>
+              <a:t>第</a:t>
+            </a:r>
+            <a:r>
+              <a:rPr lang="en-US" altLang="zh-CN"/>
+              <a:t>6</a:t>
+            </a:r>
+            <a:r>
+              <a:rPr lang="zh-CN" altLang="en-US"/>
+              <a:t>章：系统自带库</a:t>
+            </a:r>
+            <a:endParaRPr lang="zh-CN" altLang="en-US"/>
+          </a:p>
+        </p:txBody>
+      </p:sp>
+    </p:spTree>
+  </p:cSld>
+  <p:clrMapOvr>
+    <a:masterClrMapping/>
+  </p:clrMapOvr>
+</p:sld>
+</file>
+
+<file path=ppt/slides/slide63.xml><?xml version="1.0" encoding="utf-8"?>
+<p:sld xmlns:a="http://schemas.openxmlformats.org/drawingml/2006/main" xmlns:r="http://schemas.openxmlformats.org/officeDocument/2006/relationships" xmlns:p="http://schemas.openxmlformats.org/presentationml/2006/main">
+  <p:cSld>
+    <p:spTree>
+      <p:nvGrpSpPr>
+        <p:cNvPr id="1" name=""/>
+        <p:cNvGrpSpPr/>
+        <p:nvPr/>
+      </p:nvGrpSpPr>
+      <p:grpSpPr/>
+      <p:sp>
+        <p:nvSpPr>
+          <p:cNvPr id="4" name="Title 3"/>
+          <p:cNvSpPr>
+            <a:spLocks noGrp="1"/>
+          </p:cNvSpPr>
+          <p:nvPr>
+            <p:ph type="title"/>
+          </p:nvPr>
+        </p:nvSpPr>
+        <p:spPr/>
+        <p:txBody>
+          <a:bodyPr/>
+          <a:p>
+            <a:r>
+              <a:rPr lang="zh-CN" altLang="en-US"/>
+              <a:t>第</a:t>
+            </a:r>
+            <a:r>
+              <a:rPr lang="en-US" altLang="zh-CN"/>
+              <a:t>7</a:t>
+            </a:r>
+            <a:r>
+              <a:rPr lang="zh-CN" altLang="en-US"/>
+              <a:t>章：项目构建配置</a:t>
+            </a:r>
+            <a:endParaRPr lang="zh-CN" altLang="en-US"/>
+          </a:p>
+        </p:txBody>
+      </p:sp>
+    </p:spTree>
+  </p:cSld>
+  <p:clrMapOvr>
+    <a:masterClrMapping/>
+  </p:clrMapOvr>
+</p:sld>
+</file>
+
+<file path=ppt/slides/slide64.xml><?xml version="1.0" encoding="utf-8"?>
+<p:sld xmlns:a="http://schemas.openxmlformats.org/drawingml/2006/main" xmlns:r="http://schemas.openxmlformats.org/officeDocument/2006/relationships" xmlns:p="http://schemas.openxmlformats.org/presentationml/2006/main">
+  <p:cSld>
+    <p:spTree>
+      <p:nvGrpSpPr>
+        <p:cNvPr id="1" name=""/>
+        <p:cNvGrpSpPr/>
+        <p:nvPr/>
+      </p:nvGrpSpPr>
+      <p:grpSpPr/>
+      <p:sp>
+        <p:nvSpPr>
+          <p:cNvPr id="4" name="Title 3"/>
+          <p:cNvSpPr>
+            <a:spLocks noGrp="1"/>
+          </p:cNvSpPr>
+          <p:nvPr>
+            <p:ph type="title"/>
+          </p:nvPr>
+        </p:nvSpPr>
+        <p:spPr/>
+        <p:txBody>
+          <a:bodyPr/>
+          <a:p>
+            <a:r>
+              <a:rPr lang="zh-CN" altLang="en-US"/>
+              <a:t>第</a:t>
+            </a:r>
+            <a:r>
+              <a:rPr lang="en-US" altLang="zh-CN"/>
+              <a:t>8</a:t>
+            </a:r>
+            <a:r>
+              <a:rPr lang="zh-CN" altLang="en-US"/>
+              <a:t>章：变量与缓存</a:t>
+            </a:r>
+            <a:endParaRPr lang="zh-CN" altLang="en-US"/>
+          </a:p>
+        </p:txBody>
+      </p:sp>
+    </p:spTree>
+  </p:cSld>
+  <p:clrMapOvr>
+    <a:masterClrMapping/>
+  </p:clrMapOvr>
+</p:sld>
+</file>
+
+<file path=ppt/slides/slide65.xml><?xml version="1.0" encoding="utf-8"?>
+<p:sld xmlns:a="http://schemas.openxmlformats.org/drawingml/2006/main" xmlns:r="http://schemas.openxmlformats.org/officeDocument/2006/relationships" xmlns:p="http://schemas.openxmlformats.org/presentationml/2006/main">
+  <p:cSld>
+    <p:spTree>
+      <p:nvGrpSpPr>
+        <p:cNvPr id="1" name=""/>
+        <p:cNvGrpSpPr/>
+        <p:nvPr/>
+      </p:nvGrpSpPr>
+      <p:grpSpPr/>
+      <p:sp>
+        <p:nvSpPr>
+          <p:cNvPr id="4" name="Title 3"/>
+          <p:cNvSpPr>
+            <a:spLocks noGrp="1"/>
+          </p:cNvSpPr>
+          <p:nvPr>
+            <p:ph type="title"/>
+          </p:nvPr>
+        </p:nvSpPr>
+        <p:spPr/>
+        <p:txBody>
+          <a:bodyPr/>
+          <a:p>
+            <a:r>
+              <a:rPr lang="zh-CN" altLang="en-US"/>
+              <a:t>第</a:t>
+            </a:r>
+            <a:r>
+              <a:rPr lang="en-US" altLang="zh-CN"/>
+              <a:t>9</a:t>
+            </a:r>
+            <a:r>
+              <a:rPr lang="zh-CN" altLang="en-US"/>
+              <a:t>章：函数与控制流</a:t>
+            </a:r>
+            <a:endParaRPr lang="en-US" altLang="zh-CN"/>
+          </a:p>
+        </p:txBody>
+      </p:sp>
+    </p:spTree>
+  </p:cSld>
+  <p:clrMapOvr>
+    <a:masterClrMapping/>
+  </p:clrMapOvr>
+</p:sld>
+</file>
+
+<file path=ppt/slides/slide66.xml><?xml version="1.0" encoding="utf-8"?>
 <p:sld xmlns:a="http://schemas.openxmlformats.org/drawingml/2006/main" xmlns:r="http://schemas.openxmlformats.org/officeDocument/2006/relationships" xmlns:p="http://schemas.openxmlformats.org/presentationml/2006/main">
   <p:cSld>
     <p:spTree>

--- a/11/slides.pptx
+++ b/11/slides.pptx
@@ -5,10 +5,10 @@
     <p:sldMasterId id="2147483648" r:id="rId1"/>
   </p:sldMasterIdLst>
   <p:notesMasterIdLst>
-    <p:notesMasterId r:id="rId103"/>
+    <p:notesMasterId r:id="rId105"/>
   </p:notesMasterIdLst>
   <p:handoutMasterIdLst>
-    <p:handoutMasterId r:id="rId104"/>
+    <p:handoutMasterId r:id="rId106"/>
   </p:handoutMasterIdLst>
   <p:sldIdLst>
     <p:sldId id="256" r:id="rId3"/>
@@ -94,23 +94,25 @@
     <p:sldId id="490" r:id="rId83"/>
     <p:sldId id="488" r:id="rId84"/>
     <p:sldId id="492" r:id="rId85"/>
-    <p:sldId id="468" r:id="rId86"/>
-    <p:sldId id="469" r:id="rId87"/>
-    <p:sldId id="470" r:id="rId88"/>
-    <p:sldId id="471" r:id="rId89"/>
-    <p:sldId id="472" r:id="rId90"/>
-    <p:sldId id="473" r:id="rId91"/>
-    <p:sldId id="474" r:id="rId92"/>
-    <p:sldId id="475" r:id="rId93"/>
-    <p:sldId id="476" r:id="rId94"/>
-    <p:sldId id="477" r:id="rId95"/>
-    <p:sldId id="478" r:id="rId96"/>
-    <p:sldId id="479" r:id="rId97"/>
-    <p:sldId id="480" r:id="rId98"/>
-    <p:sldId id="318" r:id="rId99"/>
-    <p:sldId id="446" r:id="rId100"/>
-    <p:sldId id="333" r:id="rId101"/>
-    <p:sldId id="465" r:id="rId102"/>
+    <p:sldId id="566" r:id="rId86"/>
+    <p:sldId id="565" r:id="rId87"/>
+    <p:sldId id="468" r:id="rId88"/>
+    <p:sldId id="469" r:id="rId89"/>
+    <p:sldId id="470" r:id="rId90"/>
+    <p:sldId id="471" r:id="rId91"/>
+    <p:sldId id="472" r:id="rId92"/>
+    <p:sldId id="473" r:id="rId93"/>
+    <p:sldId id="474" r:id="rId94"/>
+    <p:sldId id="475" r:id="rId95"/>
+    <p:sldId id="476" r:id="rId96"/>
+    <p:sldId id="477" r:id="rId97"/>
+    <p:sldId id="478" r:id="rId98"/>
+    <p:sldId id="479" r:id="rId99"/>
+    <p:sldId id="480" r:id="rId100"/>
+    <p:sldId id="318" r:id="rId101"/>
+    <p:sldId id="446" r:id="rId102"/>
+    <p:sldId id="333" r:id="rId103"/>
+    <p:sldId id="465" r:id="rId104"/>
   </p:sldIdLst>
   <p:sldSz cx="12192000" cy="6858000"/>
   <p:notesSz cx="7103745" cy="10234295"/>
@@ -3838,6 +3840,102 @@
             </a:r>
             <a:r>
               <a:rPr lang="en-US" altLang="zh-CN"/>
+              <a:t>7</a:t>
+            </a:r>
+            <a:r>
+              <a:rPr lang="zh-CN" altLang="en-US"/>
+              <a:t>章：库的传播规则</a:t>
+            </a:r>
+            <a:endParaRPr lang="zh-CN" altLang="en-US"/>
+          </a:p>
+        </p:txBody>
+      </p:sp>
+    </p:spTree>
+  </p:cSld>
+  <p:clrMapOvr>
+    <a:masterClrMapping/>
+  </p:clrMapOvr>
+</p:sld>
+</file>
+
+<file path=ppt/slides/slide101.xml><?xml version="1.0" encoding="utf-8"?>
+<p:sld xmlns:a="http://schemas.openxmlformats.org/drawingml/2006/main" xmlns:r="http://schemas.openxmlformats.org/officeDocument/2006/relationships" xmlns:p="http://schemas.openxmlformats.org/presentationml/2006/main">
+  <p:cSld>
+    <p:spTree>
+      <p:nvGrpSpPr>
+        <p:cNvPr id="1" name=""/>
+        <p:cNvGrpSpPr/>
+        <p:nvPr/>
+      </p:nvGrpSpPr>
+      <p:grpSpPr/>
+      <p:sp>
+        <p:nvSpPr>
+          <p:cNvPr id="4" name="Title 3"/>
+          <p:cNvSpPr>
+            <a:spLocks noGrp="1"/>
+          </p:cNvSpPr>
+          <p:nvPr>
+            <p:ph type="title"/>
+          </p:nvPr>
+        </p:nvSpPr>
+        <p:spPr/>
+        <p:txBody>
+          <a:bodyPr/>
+          <a:p>
+            <a:r>
+              <a:rPr lang="zh-CN" altLang="en-US"/>
+              <a:t>第</a:t>
+            </a:r>
+            <a:r>
+              <a:rPr lang="en-US" altLang="zh-CN"/>
+              <a:t>10</a:t>
+            </a:r>
+            <a:r>
+              <a:rPr lang="zh-CN" altLang="en-US"/>
+              <a:t>章：命令行小技巧</a:t>
+            </a:r>
+            <a:endParaRPr lang="zh-CN" altLang="en-US"/>
+          </a:p>
+        </p:txBody>
+      </p:sp>
+    </p:spTree>
+  </p:cSld>
+  <p:clrMapOvr>
+    <a:masterClrMapping/>
+  </p:clrMapOvr>
+</p:sld>
+</file>
+
+<file path=ppt/slides/slide102.xml><?xml version="1.0" encoding="utf-8"?>
+<p:sld xmlns:a="http://schemas.openxmlformats.org/drawingml/2006/main" xmlns:r="http://schemas.openxmlformats.org/officeDocument/2006/relationships" xmlns:p="http://schemas.openxmlformats.org/presentationml/2006/main">
+  <p:cSld>
+    <p:spTree>
+      <p:nvGrpSpPr>
+        <p:cNvPr id="1" name=""/>
+        <p:cNvGrpSpPr/>
+        <p:nvPr/>
+      </p:nvGrpSpPr>
+      <p:grpSpPr/>
+      <p:sp>
+        <p:nvSpPr>
+          <p:cNvPr id="4" name="Title 3"/>
+          <p:cNvSpPr>
+            <a:spLocks noGrp="1"/>
+          </p:cNvSpPr>
+          <p:nvPr>
+            <p:ph type="title"/>
+          </p:nvPr>
+        </p:nvSpPr>
+        <p:spPr/>
+        <p:txBody>
+          <a:bodyPr/>
+          <a:p>
+            <a:r>
+              <a:rPr lang="zh-CN" altLang="en-US"/>
+              <a:t>第</a:t>
+            </a:r>
+            <a:r>
+              <a:rPr lang="en-US" altLang="zh-CN"/>
               <a:t>11</a:t>
             </a:r>
             <a:r>
@@ -16136,8 +16234,8 @@
         </p:nvSpPr>
         <p:spPr>
           <a:xfrm>
-            <a:off x="4723765" y="5062855"/>
-            <a:ext cx="2540000" cy="922020"/>
+            <a:off x="3061335" y="6370955"/>
+            <a:ext cx="5688330" cy="368300"/>
           </a:xfrm>
           <a:prstGeom prst="rect">
             <a:avLst/>
@@ -16177,7 +16275,7 @@
       <p:grpSpPr/>
       <p:sp>
         <p:nvSpPr>
-          <p:cNvPr id="4" name="Title 3"/>
+          <p:cNvPr id="2" name="Title 1"/>
           <p:cNvSpPr>
             <a:spLocks noGrp="1"/>
           </p:cNvSpPr>
@@ -16191,20 +16289,94 @@
           <a:p>
             <a:r>
               <a:rPr lang="zh-CN" altLang="en-US"/>
-              <a:t>第</a:t>
-            </a:r>
-            <a:r>
-              <a:rPr lang="en-US" altLang="zh-CN"/>
-              <a:t>2</a:t>
-            </a:r>
-            <a:r>
-              <a:rPr lang="zh-CN" altLang="en-US"/>
-              <a:t>章：判断不同平台</a:t>
+              <a:t>案例：添加一个</a:t>
+            </a:r>
+            <a:r>
+              <a:rPr lang="en-US" altLang="zh-CN"/>
+              <a:t> BOOL </a:t>
+            </a:r>
+            <a:r>
+              <a:rPr lang="zh-CN" altLang="en-US"/>
+              <a:t>类型的缓存变量，用于控制要不要启用某特性</a:t>
             </a:r>
             <a:endParaRPr lang="zh-CN" altLang="en-US"/>
           </a:p>
         </p:txBody>
       </p:sp>
+      <p:pic>
+        <p:nvPicPr>
+          <p:cNvPr id="6" name="Picture 5"/>
+          <p:cNvPicPr>
+            <a:picLocks noChangeAspect="1"/>
+          </p:cNvPicPr>
+          <p:nvPr/>
+        </p:nvPicPr>
+        <p:blipFill>
+          <a:blip r:embed="rId1"/>
+          <a:stretch>
+            <a:fillRect/>
+          </a:stretch>
+        </p:blipFill>
+        <p:spPr>
+          <a:xfrm>
+            <a:off x="7172960" y="4921250"/>
+            <a:ext cx="2649220" cy="940435"/>
+          </a:xfrm>
+          <a:prstGeom prst="rect">
+            <a:avLst/>
+          </a:prstGeom>
+        </p:spPr>
+      </p:pic>
+      <p:pic>
+        <p:nvPicPr>
+          <p:cNvPr id="7" name="Picture 6"/>
+          <p:cNvPicPr>
+            <a:picLocks noChangeAspect="1"/>
+          </p:cNvPicPr>
+          <p:nvPr/>
+        </p:nvPicPr>
+        <p:blipFill>
+          <a:blip r:embed="rId2"/>
+          <a:stretch>
+            <a:fillRect/>
+          </a:stretch>
+        </p:blipFill>
+        <p:spPr>
+          <a:xfrm>
+            <a:off x="1913255" y="4128770"/>
+            <a:ext cx="4451985" cy="2729230"/>
+          </a:xfrm>
+          <a:prstGeom prst="rect">
+            <a:avLst/>
+          </a:prstGeom>
+        </p:spPr>
+      </p:pic>
+      <p:pic>
+        <p:nvPicPr>
+          <p:cNvPr id="9" name="Content Placeholder 8"/>
+          <p:cNvPicPr>
+            <a:picLocks noChangeAspect="1"/>
+          </p:cNvPicPr>
+          <p:nvPr>
+            <p:ph idx="1"/>
+          </p:nvPr>
+        </p:nvPicPr>
+        <p:blipFill>
+          <a:blip r:embed="rId3"/>
+          <a:stretch>
+            <a:fillRect/>
+          </a:stretch>
+        </p:blipFill>
+        <p:spPr>
+          <a:xfrm>
+            <a:off x="647700" y="1302385"/>
+            <a:ext cx="10128885" cy="2537460"/>
+          </a:xfrm>
+          <a:prstGeom prst="rect">
+            <a:avLst/>
+          </a:prstGeom>
+        </p:spPr>
+      </p:pic>
     </p:spTree>
   </p:cSld>
   <p:clrMapOvr>
@@ -16225,7 +16397,7 @@
       <p:grpSpPr/>
       <p:sp>
         <p:nvSpPr>
-          <p:cNvPr id="5" name="Title 4"/>
+          <p:cNvPr id="2" name="Title 1"/>
           <p:cNvSpPr>
             <a:spLocks noGrp="1"/>
           </p:cNvSpPr>
@@ -16238,103 +16410,55 @@
           <a:bodyPr/>
           <a:p>
             <a:r>
-              <a:rPr lang="zh-CN"/>
-              <a:t>在</a:t>
-            </a:r>
-            <a:r>
-              <a:rPr lang="en-US" altLang="zh-CN"/>
-              <a:t> CMake </a:t>
-            </a:r>
-            <a:r>
-              <a:rPr lang="zh-CN" altLang="en-US"/>
-              <a:t>中给</a:t>
-            </a:r>
-            <a:r>
-              <a:rPr lang="en-US" altLang="zh-CN"/>
-              <a:t> .cpp </a:t>
-            </a:r>
-            <a:r>
-              <a:rPr lang="zh-CN"/>
-              <a:t>定义一个宏</a:t>
-            </a:r>
-            <a:endParaRPr lang="zh-CN"/>
-          </a:p>
-        </p:txBody>
-      </p:sp>
-      <p:pic>
-        <p:nvPicPr>
-          <p:cNvPr id="2" name="Picture 1"/>
-          <p:cNvPicPr>
-            <a:picLocks noChangeAspect="1"/>
-          </p:cNvPicPr>
-          <p:nvPr/>
-        </p:nvPicPr>
-        <p:blipFill>
-          <a:blip r:embed="rId1"/>
-          <a:stretch>
-            <a:fillRect/>
-          </a:stretch>
-        </p:blipFill>
-        <p:spPr>
-          <a:xfrm>
-            <a:off x="4796155" y="6078855"/>
-            <a:ext cx="2981325" cy="238125"/>
-          </a:xfrm>
-          <a:prstGeom prst="rect">
-            <a:avLst/>
-          </a:prstGeom>
-        </p:spPr>
-      </p:pic>
-      <p:pic>
-        <p:nvPicPr>
-          <p:cNvPr id="4" name="Picture 3"/>
-          <p:cNvPicPr>
-            <a:picLocks noChangeAspect="1"/>
-          </p:cNvPicPr>
-          <p:nvPr/>
-        </p:nvPicPr>
-        <p:blipFill>
-          <a:blip r:embed="rId2"/>
-          <a:stretch>
-            <a:fillRect/>
-          </a:stretch>
-        </p:blipFill>
-        <p:spPr>
-          <a:xfrm>
-            <a:off x="3057525" y="1689100"/>
-            <a:ext cx="6076950" cy="2457450"/>
-          </a:xfrm>
-          <a:prstGeom prst="rect">
-            <a:avLst/>
-          </a:prstGeom>
-        </p:spPr>
-      </p:pic>
-      <p:pic>
-        <p:nvPicPr>
-          <p:cNvPr id="9" name="Content Placeholder 8"/>
-          <p:cNvPicPr>
-            <a:picLocks noChangeAspect="1"/>
-          </p:cNvPicPr>
+              <a:rPr lang="en-US"/>
+              <a:t>CMake </a:t>
+            </a:r>
+            <a:r>
+              <a:rPr lang="zh-CN" altLang="en-US"/>
+              <a:t>对</a:t>
+            </a:r>
+            <a:r>
+              <a:rPr lang="en-US" altLang="zh-CN"/>
+              <a:t> BOOL </a:t>
+            </a:r>
+            <a:r>
+              <a:rPr lang="zh-CN" altLang="en-US"/>
+              <a:t>类型缓存的</a:t>
+            </a:r>
+            <a:r>
+              <a:rPr lang="en-US" altLang="zh-CN"/>
+              <a:t> set </a:t>
+            </a:r>
+            <a:r>
+              <a:rPr lang="zh-CN" altLang="en-US"/>
+              <a:t>指令提供了一个简写：</a:t>
+            </a:r>
+            <a:r>
+              <a:rPr lang="en-US"/>
+              <a:t>option</a:t>
+            </a:r>
+            <a:endParaRPr lang="en-US"/>
+          </a:p>
+        </p:txBody>
+      </p:sp>
+      <p:sp>
+        <p:nvSpPr>
+          <p:cNvPr id="3" name="Content Placeholder 2"/>
+          <p:cNvSpPr>
+            <a:spLocks noGrp="1"/>
+          </p:cNvSpPr>
           <p:nvPr>
             <p:ph idx="1"/>
           </p:nvPr>
-        </p:nvPicPr>
-        <p:blipFill>
-          <a:blip r:embed="rId3"/>
-          <a:stretch>
-            <a:fillRect/>
-          </a:stretch>
-        </p:blipFill>
-        <p:spPr>
-          <a:xfrm>
-            <a:off x="3152775" y="4483100"/>
-            <a:ext cx="5886450" cy="1181100"/>
-          </a:xfrm>
-          <a:prstGeom prst="rect">
-            <a:avLst/>
-          </a:prstGeom>
-        </p:spPr>
-      </p:pic>
+        </p:nvSpPr>
+        <p:spPr/>
+        <p:txBody>
+          <a:bodyPr/>
+          <a:p>
+            <a:endParaRPr lang="en-US"/>
+          </a:p>
+        </p:txBody>
+      </p:sp>
     </p:spTree>
   </p:cSld>
   <p:clrMapOvr>
@@ -16355,7 +16479,7 @@
       <p:grpSpPr/>
       <p:sp>
         <p:nvSpPr>
-          <p:cNvPr id="5" name="Title 4"/>
+          <p:cNvPr id="4" name="Title 3"/>
           <p:cNvSpPr>
             <a:spLocks noGrp="1"/>
           </p:cNvSpPr>
@@ -16368,87 +16492,21 @@
           <a:bodyPr/>
           <a:p>
             <a:r>
-              <a:rPr lang="zh-CN"/>
-              <a:t>根据不同的操作系统，把宏定义成不同的值</a:t>
-            </a:r>
-            <a:endParaRPr lang="zh-CN"/>
-          </a:p>
-        </p:txBody>
-      </p:sp>
-      <p:pic>
-        <p:nvPicPr>
-          <p:cNvPr id="11" name="Content Placeholder 10"/>
-          <p:cNvPicPr>
-            <a:picLocks noChangeAspect="1"/>
-          </p:cNvPicPr>
-          <p:nvPr>
-            <p:ph idx="1"/>
-          </p:nvPr>
-        </p:nvPicPr>
-        <p:blipFill>
-          <a:blip r:embed="rId1"/>
-          <a:stretch>
-            <a:fillRect/>
-          </a:stretch>
-        </p:blipFill>
-        <p:spPr>
-          <a:xfrm>
-            <a:off x="2343150" y="4338320"/>
-            <a:ext cx="7124700" cy="1838325"/>
-          </a:xfrm>
-          <a:prstGeom prst="rect">
-            <a:avLst/>
-          </a:prstGeom>
-        </p:spPr>
-      </p:pic>
-      <p:pic>
-        <p:nvPicPr>
-          <p:cNvPr id="12" name="Picture 11"/>
-          <p:cNvPicPr>
-            <a:picLocks noChangeAspect="1"/>
-          </p:cNvPicPr>
-          <p:nvPr/>
-        </p:nvPicPr>
-        <p:blipFill>
-          <a:blip r:embed="rId2"/>
-          <a:stretch>
-            <a:fillRect/>
-          </a:stretch>
-        </p:blipFill>
-        <p:spPr>
-          <a:xfrm>
-            <a:off x="3686175" y="1428750"/>
-            <a:ext cx="4657725" cy="2466975"/>
-          </a:xfrm>
-          <a:prstGeom prst="rect">
-            <a:avLst/>
-          </a:prstGeom>
-        </p:spPr>
-      </p:pic>
-      <p:pic>
-        <p:nvPicPr>
-          <p:cNvPr id="13" name="Picture 12"/>
-          <p:cNvPicPr>
-            <a:picLocks noChangeAspect="1"/>
-          </p:cNvPicPr>
-          <p:nvPr/>
-        </p:nvPicPr>
-        <p:blipFill>
-          <a:blip r:embed="rId3"/>
-          <a:stretch>
-            <a:fillRect/>
-          </a:stretch>
-        </p:blipFill>
-        <p:spPr>
-          <a:xfrm>
-            <a:off x="4939030" y="6366510"/>
-            <a:ext cx="2314575" cy="276225"/>
-          </a:xfrm>
-          <a:prstGeom prst="rect">
-            <a:avLst/>
-          </a:prstGeom>
-        </p:spPr>
-      </p:pic>
+              <a:rPr lang="zh-CN" altLang="en-US"/>
+              <a:t>第</a:t>
+            </a:r>
+            <a:r>
+              <a:rPr lang="en-US" altLang="zh-CN"/>
+              <a:t>2</a:t>
+            </a:r>
+            <a:r>
+              <a:rPr lang="zh-CN" altLang="en-US"/>
+              <a:t>章：判断不同平台</a:t>
+            </a:r>
+            <a:endParaRPr lang="zh-CN" altLang="en-US"/>
+          </a:p>
+        </p:txBody>
+      </p:sp>
     </p:spTree>
   </p:cSld>
   <p:clrMapOvr>
@@ -16482,38 +16540,36 @@
           <a:bodyPr/>
           <a:p>
             <a:r>
-              <a:rPr lang="en-US" altLang="zh-CN"/>
-              <a:t>CMake </a:t>
-            </a:r>
-            <a:r>
-              <a:rPr lang="zh-CN" altLang="en-US"/>
-              <a:t>还提供了</a:t>
-            </a:r>
-            <a:r>
               <a:rPr lang="zh-CN"/>
-              <a:t>一些简写变量：</a:t>
-            </a:r>
-            <a:r>
-              <a:rPr lang="en-US" altLang="zh-CN"/>
-              <a:t>WIN32, APPLE, UNIX, ANDROID, IOS </a:t>
-            </a:r>
-            <a:r>
-              <a:rPr lang="zh-CN" altLang="en-US"/>
-              <a:t>等</a:t>
-            </a:r>
-            <a:endParaRPr lang="zh-CN" altLang="en-US"/>
+              <a:t>在</a:t>
+            </a:r>
+            <a:r>
+              <a:rPr lang="en-US" altLang="zh-CN"/>
+              <a:t> CMake </a:t>
+            </a:r>
+            <a:r>
+              <a:rPr lang="zh-CN" altLang="en-US"/>
+              <a:t>中给</a:t>
+            </a:r>
+            <a:r>
+              <a:rPr lang="en-US" altLang="zh-CN"/>
+              <a:t> .cpp </a:t>
+            </a:r>
+            <a:r>
+              <a:rPr lang="zh-CN"/>
+              <a:t>定义一个宏</a:t>
+            </a:r>
+            <a:endParaRPr lang="zh-CN"/>
           </a:p>
         </p:txBody>
       </p:sp>
       <p:pic>
         <p:nvPicPr>
-          <p:cNvPr id="9" name="Content Placeholder 2"/>
+          <p:cNvPr id="2" name="Picture 1"/>
           <p:cNvPicPr>
             <a:picLocks noChangeAspect="1"/>
           </p:cNvPicPr>
-          <p:nvPr>
-            <p:ph idx="1"/>
-          </p:nvPr>
+          <p:nvPr/>
         </p:nvPicPr>
         <p:blipFill>
           <a:blip r:embed="rId1"/>
@@ -16523,8 +16579,8 @@
         </p:blipFill>
         <p:spPr>
           <a:xfrm>
-            <a:off x="2299970" y="3077210"/>
-            <a:ext cx="7210425" cy="1847850"/>
+            <a:off x="4796155" y="6078855"/>
+            <a:ext cx="2981325" cy="238125"/>
           </a:xfrm>
           <a:prstGeom prst="rect">
             <a:avLst/>
@@ -16533,7 +16589,7 @@
       </p:pic>
       <p:pic>
         <p:nvPicPr>
-          <p:cNvPr id="10" name="Picture 9"/>
+          <p:cNvPr id="4" name="Picture 3"/>
           <p:cNvPicPr>
             <a:picLocks noChangeAspect="1"/>
           </p:cNvPicPr>
@@ -16547,8 +16603,34 @@
         </p:blipFill>
         <p:spPr>
           <a:xfrm>
-            <a:off x="4939030" y="6366510"/>
-            <a:ext cx="2314575" cy="276225"/>
+            <a:off x="3057525" y="1689100"/>
+            <a:ext cx="6076950" cy="2457450"/>
+          </a:xfrm>
+          <a:prstGeom prst="rect">
+            <a:avLst/>
+          </a:prstGeom>
+        </p:spPr>
+      </p:pic>
+      <p:pic>
+        <p:nvPicPr>
+          <p:cNvPr id="9" name="Content Placeholder 8"/>
+          <p:cNvPicPr>
+            <a:picLocks noChangeAspect="1"/>
+          </p:cNvPicPr>
+          <p:nvPr>
+            <p:ph idx="1"/>
+          </p:nvPr>
+        </p:nvPicPr>
+        <p:blipFill>
+          <a:blip r:embed="rId3"/>
+          <a:stretch>
+            <a:fillRect/>
+          </a:stretch>
+        </p:blipFill>
+        <p:spPr>
+          <a:xfrm>
+            <a:off x="3152775" y="4483100"/>
+            <a:ext cx="5886450" cy="1181100"/>
           </a:xfrm>
           <a:prstGeom prst="rect">
             <a:avLst/>
@@ -16589,7 +16671,7 @@
           <a:p>
             <a:r>
               <a:rPr lang="zh-CN"/>
-              <a:t>使用生成器表达式，简化成一条指令</a:t>
+              <a:t>根据不同的操作系统，把宏定义成不同的值</a:t>
             </a:r>
             <a:endParaRPr lang="zh-CN"/>
           </a:p>
@@ -16597,7 +16679,7 @@
       </p:sp>
       <p:pic>
         <p:nvPicPr>
-          <p:cNvPr id="8" name="Content Placeholder 2"/>
+          <p:cNvPr id="11" name="Content Placeholder 10"/>
           <p:cNvPicPr>
             <a:picLocks noChangeAspect="1"/>
           </p:cNvPicPr>
@@ -16613,46 +16695,17 @@
         </p:blipFill>
         <p:spPr>
           <a:xfrm>
-            <a:off x="2838450" y="3287395"/>
-            <a:ext cx="6132830" cy="1427480"/>
+            <a:off x="2343150" y="4338320"/>
+            <a:ext cx="7124700" cy="1838325"/>
           </a:xfrm>
           <a:prstGeom prst="rect">
             <a:avLst/>
           </a:prstGeom>
         </p:spPr>
       </p:pic>
-      <p:sp>
-        <p:nvSpPr>
-          <p:cNvPr id="9" name="Text Box 8"/>
-          <p:cNvSpPr txBox="1"/>
-          <p:nvPr/>
-        </p:nvSpPr>
-        <p:spPr>
-          <a:xfrm>
-            <a:off x="0" y="0"/>
-            <a:ext cx="12023090" cy="368300"/>
-          </a:xfrm>
-          <a:prstGeom prst="rect">
-            <a:avLst/>
-          </a:prstGeom>
-          <a:noFill/>
-        </p:spPr>
-        <p:txBody>
-          <a:bodyPr wrap="square" rtlCol="0" anchor="t">
-            <a:spAutoFit/>
-          </a:bodyPr>
-          <a:p>
-            <a:r>
-              <a:rPr lang="en-US"/>
-              <a:t>https://cmake.org/cmake/help/latest/manual/cmake-generator-expressions.7.html#genex:PLATFORM_ID</a:t>
-            </a:r>
-            <a:endParaRPr lang="en-US"/>
-          </a:p>
-        </p:txBody>
-      </p:sp>
       <p:pic>
         <p:nvPicPr>
-          <p:cNvPr id="10" name="Picture 9"/>
+          <p:cNvPr id="12" name="Picture 11"/>
           <p:cNvPicPr>
             <a:picLocks noChangeAspect="1"/>
           </p:cNvPicPr>
@@ -16660,6 +16713,30 @@
         </p:nvPicPr>
         <p:blipFill>
           <a:blip r:embed="rId2"/>
+          <a:stretch>
+            <a:fillRect/>
+          </a:stretch>
+        </p:blipFill>
+        <p:spPr>
+          <a:xfrm>
+            <a:off x="3686175" y="1428750"/>
+            <a:ext cx="4657725" cy="2466975"/>
+          </a:xfrm>
+          <a:prstGeom prst="rect">
+            <a:avLst/>
+          </a:prstGeom>
+        </p:spPr>
+      </p:pic>
+      <p:pic>
+        <p:nvPicPr>
+          <p:cNvPr id="13" name="Picture 12"/>
+          <p:cNvPicPr>
+            <a:picLocks noChangeAspect="1"/>
+          </p:cNvPicPr>
+          <p:nvPr/>
+        </p:nvPicPr>
+        <p:blipFill>
+          <a:blip r:embed="rId3"/>
           <a:stretch>
             <a:fillRect/>
           </a:stretch>
@@ -16707,49 +16784,38 @@
           <a:bodyPr/>
           <a:p>
             <a:r>
+              <a:rPr lang="en-US" altLang="zh-CN"/>
+              <a:t>CMake </a:t>
+            </a:r>
+            <a:r>
+              <a:rPr lang="zh-CN" altLang="en-US"/>
+              <a:t>还提供了</a:t>
+            </a:r>
+            <a:r>
               <a:rPr lang="zh-CN"/>
-              <a:t>生成器表达式：如需多个平台可以用逗号分割</a:t>
-            </a:r>
-            <a:endParaRPr lang="zh-CN"/>
-          </a:p>
-        </p:txBody>
-      </p:sp>
-      <p:sp>
-        <p:nvSpPr>
-          <p:cNvPr id="9" name="Text Box 8"/>
-          <p:cNvSpPr txBox="1"/>
-          <p:nvPr/>
-        </p:nvSpPr>
-        <p:spPr>
-          <a:xfrm>
-            <a:off x="0" y="0"/>
-            <a:ext cx="12023090" cy="368300"/>
-          </a:xfrm>
-          <a:prstGeom prst="rect">
-            <a:avLst/>
-          </a:prstGeom>
-          <a:noFill/>
-        </p:spPr>
-        <p:txBody>
-          <a:bodyPr wrap="square" rtlCol="0" anchor="t">
-            <a:spAutoFit/>
-          </a:bodyPr>
-          <a:p>
-            <a:r>
-              <a:rPr lang="en-US"/>
-              <a:t>https://cmake.org/cmake/help/latest/manual/cmake-generator-expressions.7.html#genex:PLATFORM_ID</a:t>
-            </a:r>
-            <a:endParaRPr lang="en-US"/>
+              <a:t>一些简写变量：</a:t>
+            </a:r>
+            <a:r>
+              <a:rPr lang="en-US" altLang="zh-CN"/>
+              <a:t>WIN32, APPLE, UNIX, ANDROID, IOS </a:t>
+            </a:r>
+            <a:r>
+              <a:rPr lang="zh-CN" altLang="en-US"/>
+              <a:t>等</a:t>
+            </a:r>
+            <a:endParaRPr lang="zh-CN" altLang="en-US"/>
           </a:p>
         </p:txBody>
       </p:sp>
       <p:pic>
         <p:nvPicPr>
-          <p:cNvPr id="11" name="Picture 10"/>
+          <p:cNvPr id="9" name="Content Placeholder 2"/>
           <p:cNvPicPr>
             <a:picLocks noChangeAspect="1"/>
           </p:cNvPicPr>
-          <p:nvPr/>
+          <p:nvPr>
+            <p:ph idx="1"/>
+          </p:nvPr>
         </p:nvPicPr>
         <p:blipFill>
           <a:blip r:embed="rId1"/>
@@ -16759,8 +16825,8 @@
         </p:blipFill>
         <p:spPr>
           <a:xfrm>
-            <a:off x="5106670" y="6443980"/>
-            <a:ext cx="1809750" cy="266700"/>
+            <a:off x="2299970" y="3077210"/>
+            <a:ext cx="7210425" cy="1847850"/>
           </a:xfrm>
           <a:prstGeom prst="rect">
             <a:avLst/>
@@ -16769,13 +16835,11 @@
       </p:pic>
       <p:pic>
         <p:nvPicPr>
-          <p:cNvPr id="14" name="Content Placeholder 13"/>
+          <p:cNvPr id="10" name="Picture 9"/>
           <p:cNvPicPr>
             <a:picLocks noChangeAspect="1"/>
           </p:cNvPicPr>
-          <p:nvPr>
-            <p:ph idx="1"/>
-          </p:nvPr>
+          <p:nvPr/>
         </p:nvPicPr>
         <p:blipFill>
           <a:blip r:embed="rId2"/>
@@ -16785,8 +16849,8 @@
         </p:blipFill>
         <p:spPr>
           <a:xfrm>
-            <a:off x="2397760" y="3413125"/>
-            <a:ext cx="7014845" cy="1176020"/>
+            <a:off x="4939030" y="6366510"/>
+            <a:ext cx="2314575" cy="276225"/>
           </a:xfrm>
           <a:prstGeom prst="rect">
             <a:avLst/>
@@ -16893,15 +16957,7 @@
           <a:p>
             <a:r>
               <a:rPr lang="zh-CN"/>
-              <a:t>判断当前用的是哪一款</a:t>
-            </a:r>
-            <a:r>
-              <a:rPr lang="en-US" altLang="zh-CN"/>
-              <a:t> C++ </a:t>
-            </a:r>
-            <a:r>
-              <a:rPr lang="zh-CN"/>
-              <a:t>编译器</a:t>
+              <a:t>使用生成器表达式，简化成一条指令</a:t>
             </a:r>
             <a:endParaRPr lang="zh-CN"/>
           </a:p>
@@ -16909,7 +16965,7 @@
       </p:sp>
       <p:pic>
         <p:nvPicPr>
-          <p:cNvPr id="3" name="Content Placeholder 2"/>
+          <p:cNvPr id="8" name="Content Placeholder 2"/>
           <p:cNvPicPr>
             <a:picLocks noChangeAspect="1"/>
           </p:cNvPicPr>
@@ -16925,17 +16981,46 @@
         </p:blipFill>
         <p:spPr>
           <a:xfrm>
-            <a:off x="2828290" y="2877185"/>
-            <a:ext cx="6153150" cy="2247900"/>
+            <a:off x="2838450" y="3287395"/>
+            <a:ext cx="6132830" cy="1427480"/>
           </a:xfrm>
           <a:prstGeom prst="rect">
             <a:avLst/>
           </a:prstGeom>
         </p:spPr>
       </p:pic>
+      <p:sp>
+        <p:nvSpPr>
+          <p:cNvPr id="9" name="Text Box 8"/>
+          <p:cNvSpPr txBox="1"/>
+          <p:nvPr/>
+        </p:nvSpPr>
+        <p:spPr>
+          <a:xfrm>
+            <a:off x="0" y="0"/>
+            <a:ext cx="12023090" cy="368300"/>
+          </a:xfrm>
+          <a:prstGeom prst="rect">
+            <a:avLst/>
+          </a:prstGeom>
+          <a:noFill/>
+        </p:spPr>
+        <p:txBody>
+          <a:bodyPr wrap="square" rtlCol="0" anchor="t">
+            <a:spAutoFit/>
+          </a:bodyPr>
+          <a:p>
+            <a:r>
+              <a:rPr lang="en-US"/>
+              <a:t>https://cmake.org/cmake/help/latest/manual/cmake-generator-expressions.7.html#genex:PLATFORM_ID</a:t>
+            </a:r>
+            <a:endParaRPr lang="en-US"/>
+          </a:p>
+        </p:txBody>
+      </p:sp>
       <p:pic>
         <p:nvPicPr>
-          <p:cNvPr id="4" name="Picture 3"/>
+          <p:cNvPr id="10" name="Picture 9"/>
           <p:cNvPicPr>
             <a:picLocks noChangeAspect="1"/>
           </p:cNvPicPr>
@@ -16949,43 +17034,14 @@
         </p:blipFill>
         <p:spPr>
           <a:xfrm>
-            <a:off x="5404485" y="6249035"/>
-            <a:ext cx="1383030" cy="307340"/>
+            <a:off x="4939030" y="6366510"/>
+            <a:ext cx="2314575" cy="276225"/>
           </a:xfrm>
           <a:prstGeom prst="rect">
             <a:avLst/>
           </a:prstGeom>
         </p:spPr>
       </p:pic>
-      <p:sp>
-        <p:nvSpPr>
-          <p:cNvPr id="6" name="Text Box 5"/>
-          <p:cNvSpPr txBox="1"/>
-          <p:nvPr/>
-        </p:nvSpPr>
-        <p:spPr>
-          <a:xfrm>
-            <a:off x="-68580" y="0"/>
-            <a:ext cx="12261215" cy="337185"/>
-          </a:xfrm>
-          <a:prstGeom prst="rect">
-            <a:avLst/>
-          </a:prstGeom>
-          <a:noFill/>
-        </p:spPr>
-        <p:txBody>
-          <a:bodyPr wrap="square" rtlCol="0" anchor="t">
-            <a:spAutoFit/>
-          </a:bodyPr>
-          <a:p>
-            <a:r>
-              <a:rPr lang="en-US" sz="1600"/>
-              <a:t>https://cmake.org/cmake/help/latest/variable/CMAKE_LANG_COMPILER_ID.html#variable:CMAKE_%3CLANG%3E_COMPILER_ID</a:t>
-            </a:r>
-            <a:endParaRPr lang="en-US" sz="1600"/>
-          </a:p>
-        </p:txBody>
-      </p:sp>
     </p:spTree>
   </p:cSld>
   <p:clrMapOvr>
@@ -17020,7 +17076,7 @@
           <a:p>
             <a:r>
               <a:rPr lang="zh-CN"/>
-              <a:t>也可以用生成器表达式判断编译器</a:t>
+              <a:t>生成器表达式：如需多个平台可以用逗号分割</a:t>
             </a:r>
             <a:endParaRPr lang="zh-CN"/>
           </a:p>
@@ -17028,14 +17084,14 @@
       </p:sp>
       <p:sp>
         <p:nvSpPr>
-          <p:cNvPr id="6" name="Text Box 5"/>
+          <p:cNvPr id="9" name="Text Box 8"/>
           <p:cNvSpPr txBox="1"/>
           <p:nvPr/>
         </p:nvSpPr>
         <p:spPr>
           <a:xfrm>
-            <a:off x="-68580" y="0"/>
-            <a:ext cx="12261215" cy="337185"/>
+            <a:off x="0" y="0"/>
+            <a:ext cx="12023090" cy="368300"/>
           </a:xfrm>
           <a:prstGeom prst="rect">
             <a:avLst/>
@@ -17048,22 +17104,20 @@
           </a:bodyPr>
           <a:p>
             <a:r>
-              <a:rPr lang="en-US" sz="1600"/>
-              <a:t>https://cmake.org/cmake/help/latest/variable/CMAKE_LANG_COMPILER_ID.html#variable:CMAKE_%3CLANG%3E_COMPILER_ID</a:t>
-            </a:r>
-            <a:endParaRPr lang="en-US" sz="1600"/>
+              <a:rPr lang="en-US"/>
+              <a:t>https://cmake.org/cmake/help/latest/manual/cmake-generator-expressions.7.html#genex:PLATFORM_ID</a:t>
+            </a:r>
+            <a:endParaRPr lang="en-US"/>
           </a:p>
         </p:txBody>
       </p:sp>
       <p:pic>
         <p:nvPicPr>
-          <p:cNvPr id="7" name="Content Placeholder 6"/>
+          <p:cNvPr id="11" name="Picture 10"/>
           <p:cNvPicPr>
             <a:picLocks noChangeAspect="1"/>
           </p:cNvPicPr>
-          <p:nvPr>
-            <p:ph idx="1"/>
-          </p:nvPr>
+          <p:nvPr/>
         </p:nvPicPr>
         <p:blipFill>
           <a:blip r:embed="rId1"/>
@@ -17073,8 +17127,8 @@
         </p:blipFill>
         <p:spPr>
           <a:xfrm>
-            <a:off x="2564130" y="3461385"/>
-            <a:ext cx="6682105" cy="1079500"/>
+            <a:off x="5106670" y="6443980"/>
+            <a:ext cx="1809750" cy="266700"/>
           </a:xfrm>
           <a:prstGeom prst="rect">
             <a:avLst/>
@@ -17083,11 +17137,13 @@
       </p:pic>
       <p:pic>
         <p:nvPicPr>
-          <p:cNvPr id="8" name="Picture 7"/>
+          <p:cNvPr id="14" name="Content Placeholder 13"/>
           <p:cNvPicPr>
             <a:picLocks noChangeAspect="1"/>
           </p:cNvPicPr>
-          <p:nvPr/>
+          <p:nvPr>
+            <p:ph idx="1"/>
+          </p:nvPr>
         </p:nvPicPr>
         <p:blipFill>
           <a:blip r:embed="rId2"/>
@@ -17097,8 +17153,8 @@
         </p:blipFill>
         <p:spPr>
           <a:xfrm>
-            <a:off x="4905375" y="6296025"/>
-            <a:ext cx="2313940" cy="295910"/>
+            <a:off x="2397760" y="3413125"/>
+            <a:ext cx="7014845" cy="1176020"/>
           </a:xfrm>
           <a:prstGeom prst="rect">
             <a:avLst/>
@@ -17139,7 +17195,15 @@
           <a:p>
             <a:r>
               <a:rPr lang="zh-CN"/>
-              <a:t>生成器表达式也可以做复杂的逻辑判断</a:t>
+              <a:t>判断当前用的是哪一款</a:t>
+            </a:r>
+            <a:r>
+              <a:rPr lang="en-US" altLang="zh-CN"/>
+              <a:t> C++ </a:t>
+            </a:r>
+            <a:r>
+              <a:rPr lang="zh-CN"/>
+              <a:t>编译器</a:t>
             </a:r>
             <a:endParaRPr lang="zh-CN"/>
           </a:p>
@@ -17147,11 +17211,13 @@
       </p:sp>
       <p:pic>
         <p:nvPicPr>
-          <p:cNvPr id="8" name="Picture 7"/>
+          <p:cNvPr id="3" name="Content Placeholder 2"/>
           <p:cNvPicPr>
             <a:picLocks noChangeAspect="1"/>
           </p:cNvPicPr>
-          <p:nvPr/>
+          <p:nvPr>
+            <p:ph idx="1"/>
+          </p:nvPr>
         </p:nvPicPr>
         <p:blipFill>
           <a:blip r:embed="rId1"/>
@@ -17161,8 +17227,8 @@
         </p:blipFill>
         <p:spPr>
           <a:xfrm>
-            <a:off x="4742180" y="6275070"/>
-            <a:ext cx="2639695" cy="337820"/>
+            <a:off x="2828290" y="2877185"/>
+            <a:ext cx="6153150" cy="2247900"/>
           </a:xfrm>
           <a:prstGeom prst="rect">
             <a:avLst/>
@@ -17171,13 +17237,11 @@
       </p:pic>
       <p:pic>
         <p:nvPicPr>
-          <p:cNvPr id="3" name="Content Placeholder 2"/>
+          <p:cNvPr id="4" name="Picture 3"/>
           <p:cNvPicPr>
             <a:picLocks noChangeAspect="1"/>
           </p:cNvPicPr>
-          <p:nvPr>
-            <p:ph idx="1"/>
-          </p:nvPr>
+          <p:nvPr/>
         </p:nvPicPr>
         <p:blipFill>
           <a:blip r:embed="rId2"/>
@@ -17187,14 +17251,43 @@
         </p:blipFill>
         <p:spPr>
           <a:xfrm>
-            <a:off x="610235" y="3614420"/>
-            <a:ext cx="10590530" cy="773430"/>
+            <a:off x="5404485" y="6249035"/>
+            <a:ext cx="1383030" cy="307340"/>
           </a:xfrm>
           <a:prstGeom prst="rect">
             <a:avLst/>
           </a:prstGeom>
         </p:spPr>
       </p:pic>
+      <p:sp>
+        <p:nvSpPr>
+          <p:cNvPr id="6" name="Text Box 5"/>
+          <p:cNvSpPr txBox="1"/>
+          <p:nvPr/>
+        </p:nvSpPr>
+        <p:spPr>
+          <a:xfrm>
+            <a:off x="-68580" y="0"/>
+            <a:ext cx="12261215" cy="337185"/>
+          </a:xfrm>
+          <a:prstGeom prst="rect">
+            <a:avLst/>
+          </a:prstGeom>
+          <a:noFill/>
+        </p:spPr>
+        <p:txBody>
+          <a:bodyPr wrap="square" rtlCol="0" anchor="t">
+            <a:spAutoFit/>
+          </a:bodyPr>
+          <a:p>
+            <a:r>
+              <a:rPr lang="en-US" sz="1600"/>
+              <a:t>https://cmake.org/cmake/help/latest/variable/CMAKE_LANG_COMPILER_ID.html#variable:CMAKE_%3CLANG%3E_COMPILER_ID</a:t>
+            </a:r>
+            <a:endParaRPr lang="en-US" sz="1600"/>
+          </a:p>
+        </p:txBody>
+      </p:sp>
     </p:spTree>
   </p:cSld>
   <p:clrMapOvr>
@@ -17228,34 +17321,45 @@
           <a:bodyPr/>
           <a:p>
             <a:r>
-              <a:rPr lang="en-US"/>
-              <a:t>CMake </a:t>
-            </a:r>
-            <a:r>
-              <a:rPr lang="zh-CN" altLang="en-US"/>
-              <a:t>还提供了一些简写</a:t>
-            </a:r>
-            <a:r>
-              <a:rPr lang="zh-CN">
-                <a:sym typeface="+mn-ea"/>
-              </a:rPr>
-              <a:t>变量</a:t>
-            </a:r>
-            <a:r>
-              <a:rPr lang="zh-CN" altLang="en-US"/>
-              <a:t>：</a:t>
-            </a:r>
-            <a:r>
-              <a:rPr lang="en-US" altLang="zh-CN"/>
-              <a:t>MSVC, CMAKE_COMPILER_IS_GNUCC</a:t>
-            </a:r>
-            <a:endParaRPr lang="en-US" altLang="zh-CN"/>
+              <a:rPr lang="zh-CN"/>
+              <a:t>也可以用生成器表达式判断编译器</a:t>
+            </a:r>
+            <a:endParaRPr lang="zh-CN"/>
+          </a:p>
+        </p:txBody>
+      </p:sp>
+      <p:sp>
+        <p:nvSpPr>
+          <p:cNvPr id="6" name="Text Box 5"/>
+          <p:cNvSpPr txBox="1"/>
+          <p:nvPr/>
+        </p:nvSpPr>
+        <p:spPr>
+          <a:xfrm>
+            <a:off x="-68580" y="0"/>
+            <a:ext cx="12261215" cy="337185"/>
+          </a:xfrm>
+          <a:prstGeom prst="rect">
+            <a:avLst/>
+          </a:prstGeom>
+          <a:noFill/>
+        </p:spPr>
+        <p:txBody>
+          <a:bodyPr wrap="square" rtlCol="0" anchor="t">
+            <a:spAutoFit/>
+          </a:bodyPr>
+          <a:p>
+            <a:r>
+              <a:rPr lang="en-US" sz="1600"/>
+              <a:t>https://cmake.org/cmake/help/latest/variable/CMAKE_LANG_COMPILER_ID.html#variable:CMAKE_%3CLANG%3E_COMPILER_ID</a:t>
+            </a:r>
+            <a:endParaRPr lang="en-US" sz="1600"/>
           </a:p>
         </p:txBody>
       </p:sp>
       <p:pic>
         <p:nvPicPr>
-          <p:cNvPr id="13" name="Content Placeholder 12"/>
+          <p:cNvPr id="7" name="Content Placeholder 6"/>
           <p:cNvPicPr>
             <a:picLocks noChangeAspect="1"/>
           </p:cNvPicPr>
@@ -17271,8 +17375,8 @@
         </p:blipFill>
         <p:spPr>
           <a:xfrm>
-            <a:off x="2338070" y="3134360"/>
-            <a:ext cx="7134225" cy="1733550"/>
+            <a:off x="2564130" y="3461385"/>
+            <a:ext cx="6682105" cy="1079500"/>
           </a:xfrm>
           <a:prstGeom prst="rect">
             <a:avLst/>
@@ -17281,7 +17385,7 @@
       </p:pic>
       <p:pic>
         <p:nvPicPr>
-          <p:cNvPr id="14" name="Picture 13"/>
+          <p:cNvPr id="8" name="Picture 7"/>
           <p:cNvPicPr>
             <a:picLocks noChangeAspect="1"/>
           </p:cNvPicPr>
@@ -17295,8 +17399,8 @@
         </p:blipFill>
         <p:spPr>
           <a:xfrm>
-            <a:off x="5146040" y="6252210"/>
-            <a:ext cx="1776730" cy="300990"/>
+            <a:off x="4905375" y="6296025"/>
+            <a:ext cx="2313940" cy="295910"/>
           </a:xfrm>
           <a:prstGeom prst="rect">
             <a:avLst/>
@@ -17336,20 +17440,16 @@
           <a:bodyPr/>
           <a:p>
             <a:r>
-              <a:rPr lang="en-US" altLang="zh-CN"/>
-              <a:t>CMAKE_CXX_COMPILER_ID </a:t>
-            </a:r>
-            <a:r>
-              <a:rPr lang="zh-CN" altLang="en-US"/>
-              <a:t>直接作为字符串变量</a:t>
-            </a:r>
-            <a:endParaRPr lang="zh-CN" altLang="en-US"/>
+              <a:rPr lang="zh-CN"/>
+              <a:t>生成器表达式也可以做复杂的逻辑判断</a:t>
+            </a:r>
+            <a:endParaRPr lang="zh-CN"/>
           </a:p>
         </p:txBody>
       </p:sp>
       <p:pic>
         <p:nvPicPr>
-          <p:cNvPr id="7" name="Picture 6"/>
+          <p:cNvPr id="8" name="Picture 7"/>
           <p:cNvPicPr>
             <a:picLocks noChangeAspect="1"/>
           </p:cNvPicPr>
@@ -17363,8 +17463,8 @@
         </p:blipFill>
         <p:spPr>
           <a:xfrm>
-            <a:off x="4626610" y="6350635"/>
-            <a:ext cx="2938145" cy="288290"/>
+            <a:off x="4742180" y="6275070"/>
+            <a:ext cx="2639695" cy="337820"/>
           </a:xfrm>
           <a:prstGeom prst="rect">
             <a:avLst/>
@@ -17373,7 +17473,7 @@
       </p:pic>
       <p:pic>
         <p:nvPicPr>
-          <p:cNvPr id="8" name="Content Placeholder 7"/>
+          <p:cNvPr id="3" name="Content Placeholder 2"/>
           <p:cNvPicPr>
             <a:picLocks noChangeAspect="1"/>
           </p:cNvPicPr>
@@ -17389,8 +17489,8 @@
         </p:blipFill>
         <p:spPr>
           <a:xfrm>
-            <a:off x="59055" y="4031615"/>
-            <a:ext cx="12072620" cy="389255"/>
+            <a:off x="610235" y="3614420"/>
+            <a:ext cx="10590530" cy="773430"/>
           </a:xfrm>
           <a:prstGeom prst="rect">
             <a:avLst/>
@@ -17430,20 +17530,40 @@
           <a:bodyPr/>
           <a:p>
             <a:r>
-              <a:rPr lang="zh-CN"/>
-              <a:t>从命令行参数指定编译器</a:t>
-            </a:r>
-            <a:endParaRPr lang="zh-CN"/>
+              <a:rPr lang="en-US"/>
+              <a:t>CMake </a:t>
+            </a:r>
+            <a:r>
+              <a:rPr lang="zh-CN" altLang="en-US"/>
+              <a:t>还提供了一些简写</a:t>
+            </a:r>
+            <a:r>
+              <a:rPr lang="zh-CN">
+                <a:sym typeface="+mn-ea"/>
+              </a:rPr>
+              <a:t>变量</a:t>
+            </a:r>
+            <a:r>
+              <a:rPr lang="zh-CN" altLang="en-US"/>
+              <a:t>：</a:t>
+            </a:r>
+            <a:r>
+              <a:rPr lang="en-US" altLang="zh-CN"/>
+              <a:t>MSVC, CMAKE_COMPILER_IS_GNUCC</a:t>
+            </a:r>
+            <a:endParaRPr lang="en-US" altLang="zh-CN"/>
           </a:p>
         </p:txBody>
       </p:sp>
       <p:pic>
         <p:nvPicPr>
-          <p:cNvPr id="9" name="Picture 8"/>
+          <p:cNvPr id="13" name="Content Placeholder 12"/>
           <p:cNvPicPr>
             <a:picLocks noChangeAspect="1"/>
           </p:cNvPicPr>
-          <p:nvPr/>
+          <p:nvPr>
+            <p:ph idx="1"/>
+          </p:nvPr>
         </p:nvPicPr>
         <p:blipFill>
           <a:blip r:embed="rId1"/>
@@ -17453,8 +17573,8 @@
         </p:blipFill>
         <p:spPr>
           <a:xfrm>
-            <a:off x="1078865" y="2000250"/>
-            <a:ext cx="9653270" cy="528320"/>
+            <a:off x="2338070" y="3134360"/>
+            <a:ext cx="7134225" cy="1733550"/>
           </a:xfrm>
           <a:prstGeom prst="rect">
             <a:avLst/>
@@ -17463,13 +17583,11 @@
       </p:pic>
       <p:pic>
         <p:nvPicPr>
-          <p:cNvPr id="12" name="Content Placeholder 11"/>
+          <p:cNvPr id="14" name="Picture 13"/>
           <p:cNvPicPr>
             <a:picLocks noChangeAspect="1"/>
           </p:cNvPicPr>
-          <p:nvPr>
-            <p:ph idx="1"/>
-          </p:nvPr>
+          <p:nvPr/>
         </p:nvPicPr>
         <p:blipFill>
           <a:blip r:embed="rId2"/>
@@ -17479,8 +17597,8 @@
         </p:blipFill>
         <p:spPr>
           <a:xfrm>
-            <a:off x="1343660" y="3425825"/>
-            <a:ext cx="9123680" cy="2376170"/>
+            <a:off x="5146040" y="6252210"/>
+            <a:ext cx="1776730" cy="300990"/>
           </a:xfrm>
           <a:prstGeom prst="rect">
             <a:avLst/>
@@ -17520,16 +17638,12 @@
           <a:bodyPr/>
           <a:p>
             <a:r>
-              <a:rPr lang="zh-CN"/>
-              <a:t>也可以通过环境变量</a:t>
-            </a:r>
-            <a:r>
-              <a:rPr lang="en-US" altLang="zh-CN"/>
-              <a:t> CXX </a:t>
-            </a:r>
-            <a:r>
-              <a:rPr lang="zh-CN" altLang="en-US"/>
-              <a:t>指定</a:t>
+              <a:rPr lang="en-US" altLang="zh-CN"/>
+              <a:t>CMAKE_CXX_COMPILER_ID </a:t>
+            </a:r>
+            <a:r>
+              <a:rPr lang="zh-CN" altLang="en-US"/>
+              <a:t>直接作为字符串变量</a:t>
             </a:r>
             <a:endParaRPr lang="zh-CN" altLang="en-US"/>
           </a:p>
@@ -17537,13 +17651,11 @@
       </p:sp>
       <p:pic>
         <p:nvPicPr>
-          <p:cNvPr id="12" name="Content Placeholder 11"/>
+          <p:cNvPr id="7" name="Picture 6"/>
           <p:cNvPicPr>
             <a:picLocks noChangeAspect="1"/>
           </p:cNvPicPr>
-          <p:nvPr>
-            <p:ph idx="1"/>
-          </p:nvPr>
+          <p:nvPr/>
         </p:nvPicPr>
         <p:blipFill>
           <a:blip r:embed="rId1"/>
@@ -17553,8 +17665,8 @@
         </p:blipFill>
         <p:spPr>
           <a:xfrm>
-            <a:off x="1343660" y="3425825"/>
-            <a:ext cx="9123680" cy="2376170"/>
+            <a:off x="4626610" y="6350635"/>
+            <a:ext cx="2938145" cy="288290"/>
           </a:xfrm>
           <a:prstGeom prst="rect">
             <a:avLst/>
@@ -17563,11 +17675,13 @@
       </p:pic>
       <p:pic>
         <p:nvPicPr>
-          <p:cNvPr id="2" name="Picture 1"/>
+          <p:cNvPr id="8" name="Content Placeholder 7"/>
           <p:cNvPicPr>
             <a:picLocks noChangeAspect="1"/>
           </p:cNvPicPr>
-          <p:nvPr/>
+          <p:nvPr>
+            <p:ph idx="1"/>
+          </p:nvPr>
         </p:nvPicPr>
         <p:blipFill>
           <a:blip r:embed="rId2"/>
@@ -17577,8 +17691,8 @@
         </p:blipFill>
         <p:spPr>
           <a:xfrm>
-            <a:off x="2439035" y="1925320"/>
-            <a:ext cx="6933565" cy="676910"/>
+            <a:off x="59055" y="4031615"/>
+            <a:ext cx="12072620" cy="389255"/>
           </a:xfrm>
           <a:prstGeom prst="rect">
             <a:avLst/>
@@ -17605,7 +17719,7 @@
       <p:grpSpPr/>
       <p:sp>
         <p:nvSpPr>
-          <p:cNvPr id="4" name="Title 3"/>
+          <p:cNvPr id="5" name="Title 4"/>
           <p:cNvSpPr>
             <a:spLocks noGrp="1"/>
           </p:cNvSpPr>
@@ -17618,21 +17732,63 @@
           <a:bodyPr/>
           <a:p>
             <a:r>
-              <a:rPr lang="zh-CN" altLang="en-US"/>
-              <a:t>第</a:t>
-            </a:r>
-            <a:r>
-              <a:rPr lang="en-US" altLang="zh-CN"/>
-              <a:t>9</a:t>
-            </a:r>
-            <a:r>
-              <a:rPr lang="zh-CN" altLang="en-US"/>
-              <a:t>章：函数与控制流</a:t>
-            </a:r>
-            <a:endParaRPr lang="en-US" altLang="zh-CN"/>
-          </a:p>
-        </p:txBody>
-      </p:sp>
+              <a:rPr lang="zh-CN"/>
+              <a:t>从命令行参数指定编译器</a:t>
+            </a:r>
+            <a:endParaRPr lang="zh-CN"/>
+          </a:p>
+        </p:txBody>
+      </p:sp>
+      <p:pic>
+        <p:nvPicPr>
+          <p:cNvPr id="9" name="Picture 8"/>
+          <p:cNvPicPr>
+            <a:picLocks noChangeAspect="1"/>
+          </p:cNvPicPr>
+          <p:nvPr/>
+        </p:nvPicPr>
+        <p:blipFill>
+          <a:blip r:embed="rId1"/>
+          <a:stretch>
+            <a:fillRect/>
+          </a:stretch>
+        </p:blipFill>
+        <p:spPr>
+          <a:xfrm>
+            <a:off x="1078865" y="2000250"/>
+            <a:ext cx="9653270" cy="528320"/>
+          </a:xfrm>
+          <a:prstGeom prst="rect">
+            <a:avLst/>
+          </a:prstGeom>
+        </p:spPr>
+      </p:pic>
+      <p:pic>
+        <p:nvPicPr>
+          <p:cNvPr id="12" name="Content Placeholder 11"/>
+          <p:cNvPicPr>
+            <a:picLocks noChangeAspect="1"/>
+          </p:cNvPicPr>
+          <p:nvPr>
+            <p:ph idx="1"/>
+          </p:nvPr>
+        </p:nvPicPr>
+        <p:blipFill>
+          <a:blip r:embed="rId2"/>
+          <a:stretch>
+            <a:fillRect/>
+          </a:stretch>
+        </p:blipFill>
+        <p:spPr>
+          <a:xfrm>
+            <a:off x="1343660" y="3425825"/>
+            <a:ext cx="9123680" cy="2376170"/>
+          </a:xfrm>
+          <a:prstGeom prst="rect">
+            <a:avLst/>
+          </a:prstGeom>
+        </p:spPr>
+      </p:pic>
     </p:spTree>
   </p:cSld>
   <p:clrMapOvr>
@@ -17653,7 +17809,7 @@
       <p:grpSpPr/>
       <p:sp>
         <p:nvSpPr>
-          <p:cNvPr id="4" name="Title 3"/>
+          <p:cNvPr id="5" name="Title 4"/>
           <p:cNvSpPr>
             <a:spLocks noGrp="1"/>
           </p:cNvSpPr>
@@ -17666,21 +17822,71 @@
           <a:bodyPr/>
           <a:p>
             <a:r>
-              <a:rPr lang="zh-CN" altLang="en-US"/>
-              <a:t>第</a:t>
-            </a:r>
-            <a:r>
-              <a:rPr lang="en-US" altLang="zh-CN"/>
-              <a:t>7</a:t>
-            </a:r>
-            <a:r>
-              <a:rPr lang="zh-CN" altLang="en-US"/>
-              <a:t>章：库的传播规则</a:t>
+              <a:rPr lang="zh-CN"/>
+              <a:t>也可以通过环境变量</a:t>
+            </a:r>
+            <a:r>
+              <a:rPr lang="en-US" altLang="zh-CN"/>
+              <a:t> CXX </a:t>
+            </a:r>
+            <a:r>
+              <a:rPr lang="zh-CN" altLang="en-US"/>
+              <a:t>指定</a:t>
             </a:r>
             <a:endParaRPr lang="zh-CN" altLang="en-US"/>
           </a:p>
         </p:txBody>
       </p:sp>
+      <p:pic>
+        <p:nvPicPr>
+          <p:cNvPr id="12" name="Content Placeholder 11"/>
+          <p:cNvPicPr>
+            <a:picLocks noChangeAspect="1"/>
+          </p:cNvPicPr>
+          <p:nvPr>
+            <p:ph idx="1"/>
+          </p:nvPr>
+        </p:nvPicPr>
+        <p:blipFill>
+          <a:blip r:embed="rId1"/>
+          <a:stretch>
+            <a:fillRect/>
+          </a:stretch>
+        </p:blipFill>
+        <p:spPr>
+          <a:xfrm>
+            <a:off x="1343660" y="3425825"/>
+            <a:ext cx="9123680" cy="2376170"/>
+          </a:xfrm>
+          <a:prstGeom prst="rect">
+            <a:avLst/>
+          </a:prstGeom>
+        </p:spPr>
+      </p:pic>
+      <p:pic>
+        <p:nvPicPr>
+          <p:cNvPr id="2" name="Picture 1"/>
+          <p:cNvPicPr>
+            <a:picLocks noChangeAspect="1"/>
+          </p:cNvPicPr>
+          <p:nvPr/>
+        </p:nvPicPr>
+        <p:blipFill>
+          <a:blip r:embed="rId2"/>
+          <a:stretch>
+            <a:fillRect/>
+          </a:stretch>
+        </p:blipFill>
+        <p:spPr>
+          <a:xfrm>
+            <a:off x="2439035" y="1925320"/>
+            <a:ext cx="6933565" cy="676910"/>
+          </a:xfrm>
+          <a:prstGeom prst="rect">
+            <a:avLst/>
+          </a:prstGeom>
+        </p:spPr>
+      </p:pic>
     </p:spTree>
   </p:cSld>
   <p:clrMapOvr>
@@ -17719,13 +17925,13 @@
             </a:r>
             <a:r>
               <a:rPr lang="en-US" altLang="zh-CN"/>
-              <a:t>10</a:t>
-            </a:r>
-            <a:r>
-              <a:rPr lang="zh-CN" altLang="en-US"/>
-              <a:t>章：命令行小技巧</a:t>
-            </a:r>
-            <a:endParaRPr lang="zh-CN" altLang="en-US"/>
+              <a:t>9</a:t>
+            </a:r>
+            <a:r>
+              <a:rPr lang="zh-CN" altLang="en-US"/>
+              <a:t>章：函数与控制流</a:t>
+            </a:r>
+            <a:endParaRPr lang="en-US" altLang="zh-CN"/>
           </a:p>
         </p:txBody>
       </p:sp>
